--- a/Artefatos/16. Diagramas de Fluxo de Dados.pptx
+++ b/Artefatos/16. Diagramas de Fluxo de Dados.pptx
@@ -307,7 +307,7 @@
           <a:p>
             <a:fld id="{4DBD1E3A-4E22-4317-B6F0-1BA28CFB09D2}" type="datetimeFigureOut">
               <a:rPr lang="pt-BR" smtClean="0"/>
-              <a:t>28/04/2020</a:t>
+              <a:t>29/04/2020</a:t>
             </a:fld>
             <a:endParaRPr lang="pt-BR"/>
           </a:p>
@@ -477,7 +477,7 @@
           <a:p>
             <a:fld id="{4DBD1E3A-4E22-4317-B6F0-1BA28CFB09D2}" type="datetimeFigureOut">
               <a:rPr lang="pt-BR" smtClean="0"/>
-              <a:t>28/04/2020</a:t>
+              <a:t>29/04/2020</a:t>
             </a:fld>
             <a:endParaRPr lang="pt-BR"/>
           </a:p>
@@ -657,7 +657,7 @@
           <a:p>
             <a:fld id="{4DBD1E3A-4E22-4317-B6F0-1BA28CFB09D2}" type="datetimeFigureOut">
               <a:rPr lang="pt-BR" smtClean="0"/>
-              <a:t>28/04/2020</a:t>
+              <a:t>29/04/2020</a:t>
             </a:fld>
             <a:endParaRPr lang="pt-BR"/>
           </a:p>
@@ -849,7 +849,7 @@
           <a:p>
             <a:fld id="{4DBD1E3A-4E22-4317-B6F0-1BA28CFB09D2}" type="datetimeFigureOut">
               <a:rPr lang="pt-BR" smtClean="0"/>
-              <a:t>28/04/2020</a:t>
+              <a:t>29/04/2020</a:t>
             </a:fld>
             <a:endParaRPr lang="pt-BR"/>
           </a:p>
@@ -1019,7 +1019,7 @@
           <a:p>
             <a:fld id="{4DBD1E3A-4E22-4317-B6F0-1BA28CFB09D2}" type="datetimeFigureOut">
               <a:rPr lang="pt-BR" smtClean="0"/>
-              <a:t>28/04/2020</a:t>
+              <a:t>29/04/2020</a:t>
             </a:fld>
             <a:endParaRPr lang="pt-BR"/>
           </a:p>
@@ -1265,7 +1265,7 @@
           <a:p>
             <a:fld id="{4DBD1E3A-4E22-4317-B6F0-1BA28CFB09D2}" type="datetimeFigureOut">
               <a:rPr lang="pt-BR" smtClean="0"/>
-              <a:t>28/04/2020</a:t>
+              <a:t>29/04/2020</a:t>
             </a:fld>
             <a:endParaRPr lang="pt-BR"/>
           </a:p>
@@ -1497,7 +1497,7 @@
           <a:p>
             <a:fld id="{4DBD1E3A-4E22-4317-B6F0-1BA28CFB09D2}" type="datetimeFigureOut">
               <a:rPr lang="pt-BR" smtClean="0"/>
-              <a:t>28/04/2020</a:t>
+              <a:t>29/04/2020</a:t>
             </a:fld>
             <a:endParaRPr lang="pt-BR"/>
           </a:p>
@@ -1864,7 +1864,7 @@
           <a:p>
             <a:fld id="{4DBD1E3A-4E22-4317-B6F0-1BA28CFB09D2}" type="datetimeFigureOut">
               <a:rPr lang="pt-BR" smtClean="0"/>
-              <a:t>28/04/2020</a:t>
+              <a:t>29/04/2020</a:t>
             </a:fld>
             <a:endParaRPr lang="pt-BR"/>
           </a:p>
@@ -1982,7 +1982,7 @@
           <a:p>
             <a:fld id="{4DBD1E3A-4E22-4317-B6F0-1BA28CFB09D2}" type="datetimeFigureOut">
               <a:rPr lang="pt-BR" smtClean="0"/>
-              <a:t>28/04/2020</a:t>
+              <a:t>29/04/2020</a:t>
             </a:fld>
             <a:endParaRPr lang="pt-BR"/>
           </a:p>
@@ -2077,7 +2077,7 @@
           <a:p>
             <a:fld id="{4DBD1E3A-4E22-4317-B6F0-1BA28CFB09D2}" type="datetimeFigureOut">
               <a:rPr lang="pt-BR" smtClean="0"/>
-              <a:t>28/04/2020</a:t>
+              <a:t>29/04/2020</a:t>
             </a:fld>
             <a:endParaRPr lang="pt-BR"/>
           </a:p>
@@ -2354,7 +2354,7 @@
           <a:p>
             <a:fld id="{4DBD1E3A-4E22-4317-B6F0-1BA28CFB09D2}" type="datetimeFigureOut">
               <a:rPr lang="pt-BR" smtClean="0"/>
-              <a:t>28/04/2020</a:t>
+              <a:t>29/04/2020</a:t>
             </a:fld>
             <a:endParaRPr lang="pt-BR"/>
           </a:p>
@@ -2524,7 +2524,7 @@
           <a:p>
             <a:fld id="{4DBD1E3A-4E22-4317-B6F0-1BA28CFB09D2}" type="datetimeFigureOut">
               <a:rPr lang="pt-BR" smtClean="0"/>
-              <a:t>28/04/2020</a:t>
+              <a:t>29/04/2020</a:t>
             </a:fld>
             <a:endParaRPr lang="pt-BR"/>
           </a:p>
@@ -2781,7 +2781,7 @@
           <a:p>
             <a:fld id="{4DBD1E3A-4E22-4317-B6F0-1BA28CFB09D2}" type="datetimeFigureOut">
               <a:rPr lang="pt-BR" smtClean="0"/>
-              <a:t>28/04/2020</a:t>
+              <a:t>29/04/2020</a:t>
             </a:fld>
             <a:endParaRPr lang="pt-BR"/>
           </a:p>
@@ -2951,7 +2951,7 @@
           <a:p>
             <a:fld id="{4DBD1E3A-4E22-4317-B6F0-1BA28CFB09D2}" type="datetimeFigureOut">
               <a:rPr lang="pt-BR" smtClean="0"/>
-              <a:t>28/04/2020</a:t>
+              <a:t>29/04/2020</a:t>
             </a:fld>
             <a:endParaRPr lang="pt-BR"/>
           </a:p>
@@ -3131,7 +3131,7 @@
           <a:p>
             <a:fld id="{4DBD1E3A-4E22-4317-B6F0-1BA28CFB09D2}" type="datetimeFigureOut">
               <a:rPr lang="pt-BR" smtClean="0"/>
-              <a:t>28/04/2020</a:t>
+              <a:t>29/04/2020</a:t>
             </a:fld>
             <a:endParaRPr lang="pt-BR"/>
           </a:p>
@@ -3372,7 +3372,7 @@
                 <a:tabLst/>
                 <a:defRPr/>
               </a:pPr>
-              <a:t>28/04/2020</a:t>
+              <a:t>29/04/2020</a:t>
             </a:fld>
             <a:endParaRPr kumimoji="0" lang="pt-BR" sz="1200" b="0" i="0" u="none" strike="noStrike" kern="1200" cap="none" spc="0" normalizeH="0" baseline="0" noProof="0" smtClean="0">
               <a:ln>
@@ -3702,7 +3702,7 @@
                 <a:tabLst/>
                 <a:defRPr/>
               </a:pPr>
-              <a:t>28/04/2020</a:t>
+              <a:t>29/04/2020</a:t>
             </a:fld>
             <a:endParaRPr kumimoji="0" lang="pt-BR" sz="1200" b="0" i="0" u="none" strike="noStrike" kern="1200" cap="none" spc="0" normalizeH="0" baseline="0" noProof="0" smtClean="0">
               <a:ln>
@@ -4108,7 +4108,7 @@
                 <a:tabLst/>
                 <a:defRPr/>
               </a:pPr>
-              <a:t>28/04/2020</a:t>
+              <a:t>29/04/2020</a:t>
             </a:fld>
             <a:endParaRPr kumimoji="0" lang="pt-BR" sz="1200" b="0" i="0" u="none" strike="noStrike" kern="1200" cap="none" spc="0" normalizeH="0" baseline="0" noProof="0" smtClean="0">
               <a:ln>
@@ -4500,7 +4500,7 @@
                 <a:tabLst/>
                 <a:defRPr/>
               </a:pPr>
-              <a:t>28/04/2020</a:t>
+              <a:t>29/04/2020</a:t>
             </a:fld>
             <a:endParaRPr kumimoji="0" lang="pt-BR" sz="1200" b="0" i="0" u="none" strike="noStrike" kern="1200" cap="none" spc="0" normalizeH="0" baseline="0" noProof="0" smtClean="0">
               <a:ln>
@@ -5027,7 +5027,7 @@
                 <a:tabLst/>
                 <a:defRPr/>
               </a:pPr>
-              <a:t>28/04/2020</a:t>
+              <a:t>29/04/2020</a:t>
             </a:fld>
             <a:endParaRPr kumimoji="0" lang="pt-BR" sz="1200" b="0" i="0" u="none" strike="noStrike" kern="1200" cap="none" spc="0" normalizeH="0" baseline="0" noProof="0" smtClean="0">
               <a:ln>
@@ -5305,7 +5305,7 @@
                 <a:tabLst/>
                 <a:defRPr/>
               </a:pPr>
-              <a:t>28/04/2020</a:t>
+              <a:t>29/04/2020</a:t>
             </a:fld>
             <a:endParaRPr kumimoji="0" lang="pt-BR" sz="1200" b="0" i="0" u="none" strike="noStrike" kern="1200" cap="none" spc="0" normalizeH="0" baseline="0" noProof="0" smtClean="0">
               <a:ln>
@@ -5560,7 +5560,7 @@
                 <a:tabLst/>
                 <a:defRPr/>
               </a:pPr>
-              <a:t>28/04/2020</a:t>
+              <a:t>29/04/2020</a:t>
             </a:fld>
             <a:endParaRPr kumimoji="0" lang="pt-BR" sz="1200" b="0" i="0" u="none" strike="noStrike" kern="1200" cap="none" spc="0" normalizeH="0" baseline="0" noProof="0" smtClean="0">
               <a:ln>
@@ -5917,7 +5917,7 @@
           <a:p>
             <a:fld id="{4DBD1E3A-4E22-4317-B6F0-1BA28CFB09D2}" type="datetimeFigureOut">
               <a:rPr lang="pt-BR" smtClean="0"/>
-              <a:t>28/04/2020</a:t>
+              <a:t>29/04/2020</a:t>
             </a:fld>
             <a:endParaRPr lang="pt-BR"/>
           </a:p>
@@ -6243,7 +6243,7 @@
                 <a:tabLst/>
                 <a:defRPr/>
               </a:pPr>
-              <a:t>28/04/2020</a:t>
+              <a:t>29/04/2020</a:t>
             </a:fld>
             <a:endParaRPr kumimoji="0" lang="pt-BR" sz="1200" b="0" i="0" u="none" strike="noStrike" kern="1200" cap="none" spc="0" normalizeH="0" baseline="0" noProof="0" smtClean="0">
               <a:ln>
@@ -6656,7 +6656,7 @@
                 <a:tabLst/>
                 <a:defRPr/>
               </a:pPr>
-              <a:t>28/04/2020</a:t>
+              <a:t>29/04/2020</a:t>
             </a:fld>
             <a:endParaRPr kumimoji="0" lang="pt-BR" sz="1200" b="0" i="0" u="none" strike="noStrike" kern="1200" cap="none" spc="0" normalizeH="0" baseline="0" noProof="0" smtClean="0">
               <a:ln>
@@ -6986,7 +6986,7 @@
                 <a:tabLst/>
                 <a:defRPr/>
               </a:pPr>
-              <a:t>28/04/2020</a:t>
+              <a:t>29/04/2020</a:t>
             </a:fld>
             <a:endParaRPr kumimoji="0" lang="pt-BR" sz="1200" b="0" i="0" u="none" strike="noStrike" kern="1200" cap="none" spc="0" normalizeH="0" baseline="0" noProof="0" smtClean="0">
               <a:ln>
@@ -7326,7 +7326,7 @@
                 <a:tabLst/>
                 <a:defRPr/>
               </a:pPr>
-              <a:t>28/04/2020</a:t>
+              <a:t>29/04/2020</a:t>
             </a:fld>
             <a:endParaRPr kumimoji="0" lang="pt-BR" sz="1200" b="0" i="0" u="none" strike="noStrike" kern="1200" cap="none" spc="0" normalizeH="0" baseline="0" noProof="0" smtClean="0">
               <a:ln>
@@ -7678,7 +7678,7 @@
                 <a:tabLst/>
                 <a:defRPr/>
               </a:pPr>
-              <a:t>28/04/2020</a:t>
+              <a:t>29/04/2020</a:t>
             </a:fld>
             <a:endParaRPr kumimoji="0" lang="pt-BR" sz="1200" b="0" i="0" u="none" strike="noStrike" kern="1200" cap="none" spc="0" normalizeH="0" baseline="0" noProof="0">
               <a:ln>
@@ -8008,7 +8008,7 @@
                 <a:tabLst/>
                 <a:defRPr/>
               </a:pPr>
-              <a:t>28/04/2020</a:t>
+              <a:t>29/04/2020</a:t>
             </a:fld>
             <a:endParaRPr kumimoji="0" lang="pt-BR" sz="1200" b="0" i="0" u="none" strike="noStrike" kern="1200" cap="none" spc="0" normalizeH="0" baseline="0" noProof="0">
               <a:ln>
@@ -8414,7 +8414,7 @@
                 <a:tabLst/>
                 <a:defRPr/>
               </a:pPr>
-              <a:t>28/04/2020</a:t>
+              <a:t>29/04/2020</a:t>
             </a:fld>
             <a:endParaRPr kumimoji="0" lang="pt-BR" sz="1200" b="0" i="0" u="none" strike="noStrike" kern="1200" cap="none" spc="0" normalizeH="0" baseline="0" noProof="0">
               <a:ln>
@@ -8806,7 +8806,7 @@
                 <a:tabLst/>
                 <a:defRPr/>
               </a:pPr>
-              <a:t>28/04/2020</a:t>
+              <a:t>29/04/2020</a:t>
             </a:fld>
             <a:endParaRPr kumimoji="0" lang="pt-BR" sz="1200" b="0" i="0" u="none" strike="noStrike" kern="1200" cap="none" spc="0" normalizeH="0" baseline="0" noProof="0">
               <a:ln>
@@ -9333,7 +9333,7 @@
                 <a:tabLst/>
                 <a:defRPr/>
               </a:pPr>
-              <a:t>28/04/2020</a:t>
+              <a:t>29/04/2020</a:t>
             </a:fld>
             <a:endParaRPr kumimoji="0" lang="pt-BR" sz="1200" b="0" i="0" u="none" strike="noStrike" kern="1200" cap="none" spc="0" normalizeH="0" baseline="0" noProof="0">
               <a:ln>
@@ -9611,7 +9611,7 @@
                 <a:tabLst/>
                 <a:defRPr/>
               </a:pPr>
-              <a:t>28/04/2020</a:t>
+              <a:t>29/04/2020</a:t>
             </a:fld>
             <a:endParaRPr kumimoji="0" lang="pt-BR" sz="1200" b="0" i="0" u="none" strike="noStrike" kern="1200" cap="none" spc="0" normalizeH="0" baseline="0" noProof="0">
               <a:ln>
@@ -9954,7 +9954,7 @@
           <a:p>
             <a:fld id="{4DBD1E3A-4E22-4317-B6F0-1BA28CFB09D2}" type="datetimeFigureOut">
               <a:rPr lang="pt-BR" smtClean="0"/>
-              <a:t>28/04/2020</a:t>
+              <a:t>29/04/2020</a:t>
             </a:fld>
             <a:endParaRPr lang="pt-BR"/>
           </a:p>
@@ -10098,7 +10098,7 @@
                 <a:tabLst/>
                 <a:defRPr/>
               </a:pPr>
-              <a:t>28/04/2020</a:t>
+              <a:t>29/04/2020</a:t>
             </a:fld>
             <a:endParaRPr kumimoji="0" lang="pt-BR" sz="1200" b="0" i="0" u="none" strike="noStrike" kern="1200" cap="none" spc="0" normalizeH="0" baseline="0" noProof="0">
               <a:ln>
@@ -10535,7 +10535,7 @@
                 <a:tabLst/>
                 <a:defRPr/>
               </a:pPr>
-              <a:t>28/04/2020</a:t>
+              <a:t>29/04/2020</a:t>
             </a:fld>
             <a:endParaRPr kumimoji="0" lang="pt-BR" sz="1200" b="0" i="0" u="none" strike="noStrike" kern="1200" cap="none" spc="0" normalizeH="0" baseline="0" noProof="0">
               <a:ln>
@@ -10952,7 +10952,7 @@
                 <a:tabLst/>
                 <a:defRPr/>
               </a:pPr>
-              <a:t>28/04/2020</a:t>
+              <a:t>29/04/2020</a:t>
             </a:fld>
             <a:endParaRPr kumimoji="0" lang="pt-BR" sz="1200" b="0" i="0" u="none" strike="noStrike" kern="1200" cap="none" spc="0" normalizeH="0" baseline="0" noProof="0">
               <a:ln>
@@ -11282,7 +11282,7 @@
                 <a:tabLst/>
                 <a:defRPr/>
               </a:pPr>
-              <a:t>28/04/2020</a:t>
+              <a:t>29/04/2020</a:t>
             </a:fld>
             <a:endParaRPr kumimoji="0" lang="pt-BR" sz="1200" b="0" i="0" u="none" strike="noStrike" kern="1200" cap="none" spc="0" normalizeH="0" baseline="0" noProof="0">
               <a:ln>
@@ -11622,7 +11622,7 @@
                 <a:tabLst/>
                 <a:defRPr/>
               </a:pPr>
-              <a:t>28/04/2020</a:t>
+              <a:t>29/04/2020</a:t>
             </a:fld>
             <a:endParaRPr kumimoji="0" lang="pt-BR" sz="1200" b="0" i="0" u="none" strike="noStrike" kern="1200" cap="none" spc="0" normalizeH="0" baseline="0" noProof="0">
               <a:ln>
@@ -11974,7 +11974,7 @@
                 <a:tabLst/>
                 <a:defRPr/>
               </a:pPr>
-              <a:t>28/04/2020</a:t>
+              <a:t>29/04/2020</a:t>
             </a:fld>
             <a:endParaRPr kumimoji="0" lang="pt-BR" sz="1200" b="0" i="0" u="none" strike="noStrike" kern="1200" cap="none" spc="0" normalizeH="0" baseline="0" noProof="0">
               <a:ln>
@@ -12304,7 +12304,7 @@
                 <a:tabLst/>
                 <a:defRPr/>
               </a:pPr>
-              <a:t>28/04/2020</a:t>
+              <a:t>29/04/2020</a:t>
             </a:fld>
             <a:endParaRPr kumimoji="0" lang="pt-BR" sz="1200" b="0" i="0" u="none" strike="noStrike" kern="1200" cap="none" spc="0" normalizeH="0" baseline="0" noProof="0">
               <a:ln>
@@ -12710,7 +12710,7 @@
                 <a:tabLst/>
                 <a:defRPr/>
               </a:pPr>
-              <a:t>28/04/2020</a:t>
+              <a:t>29/04/2020</a:t>
             </a:fld>
             <a:endParaRPr kumimoji="0" lang="pt-BR" sz="1200" b="0" i="0" u="none" strike="noStrike" kern="1200" cap="none" spc="0" normalizeH="0" baseline="0" noProof="0">
               <a:ln>
@@ -13102,7 +13102,7 @@
                 <a:tabLst/>
                 <a:defRPr/>
               </a:pPr>
-              <a:t>28/04/2020</a:t>
+              <a:t>29/04/2020</a:t>
             </a:fld>
             <a:endParaRPr kumimoji="0" lang="pt-BR" sz="1200" b="0" i="0" u="none" strike="noStrike" kern="1200" cap="none" spc="0" normalizeH="0" baseline="0" noProof="0">
               <a:ln>
@@ -13629,7 +13629,7 @@
                 <a:tabLst/>
                 <a:defRPr/>
               </a:pPr>
-              <a:t>28/04/2020</a:t>
+              <a:t>29/04/2020</a:t>
             </a:fld>
             <a:endParaRPr kumimoji="0" lang="pt-BR" sz="1200" b="0" i="0" u="none" strike="noStrike" kern="1200" cap="none" spc="0" normalizeH="0" baseline="0" noProof="0">
               <a:ln>
@@ -14107,7 +14107,7 @@
           <a:p>
             <a:fld id="{4DBD1E3A-4E22-4317-B6F0-1BA28CFB09D2}" type="datetimeFigureOut">
               <a:rPr lang="pt-BR" smtClean="0"/>
-              <a:t>28/04/2020</a:t>
+              <a:t>29/04/2020</a:t>
             </a:fld>
             <a:endParaRPr lang="pt-BR"/>
           </a:p>
@@ -14274,7 +14274,7 @@
                 <a:tabLst/>
                 <a:defRPr/>
               </a:pPr>
-              <a:t>28/04/2020</a:t>
+              <a:t>29/04/2020</a:t>
             </a:fld>
             <a:endParaRPr kumimoji="0" lang="pt-BR" sz="1200" b="0" i="0" u="none" strike="noStrike" kern="1200" cap="none" spc="0" normalizeH="0" baseline="0" noProof="0">
               <a:ln>
@@ -14529,7 +14529,7 @@
                 <a:tabLst/>
                 <a:defRPr/>
               </a:pPr>
-              <a:t>28/04/2020</a:t>
+              <a:t>29/04/2020</a:t>
             </a:fld>
             <a:endParaRPr kumimoji="0" lang="pt-BR" sz="1200" b="0" i="0" u="none" strike="noStrike" kern="1200" cap="none" spc="0" normalizeH="0" baseline="0" noProof="0">
               <a:ln>
@@ -14966,7 +14966,7 @@
                 <a:tabLst/>
                 <a:defRPr/>
               </a:pPr>
-              <a:t>28/04/2020</a:t>
+              <a:t>29/04/2020</a:t>
             </a:fld>
             <a:endParaRPr kumimoji="0" lang="pt-BR" sz="1200" b="0" i="0" u="none" strike="noStrike" kern="1200" cap="none" spc="0" normalizeH="0" baseline="0" noProof="0">
               <a:ln>
@@ -15383,7 +15383,7 @@
                 <a:tabLst/>
                 <a:defRPr/>
               </a:pPr>
-              <a:t>28/04/2020</a:t>
+              <a:t>29/04/2020</a:t>
             </a:fld>
             <a:endParaRPr kumimoji="0" lang="pt-BR" sz="1200" b="0" i="0" u="none" strike="noStrike" kern="1200" cap="none" spc="0" normalizeH="0" baseline="0" noProof="0">
               <a:ln>
@@ -15713,7 +15713,7 @@
                 <a:tabLst/>
                 <a:defRPr/>
               </a:pPr>
-              <a:t>28/04/2020</a:t>
+              <a:t>29/04/2020</a:t>
             </a:fld>
             <a:endParaRPr kumimoji="0" lang="pt-BR" sz="1200" b="0" i="0" u="none" strike="noStrike" kern="1200" cap="none" spc="0" normalizeH="0" baseline="0" noProof="0">
               <a:ln>
@@ -16053,7 +16053,7 @@
                 <a:tabLst/>
                 <a:defRPr/>
               </a:pPr>
-              <a:t>28/04/2020</a:t>
+              <a:t>29/04/2020</a:t>
             </a:fld>
             <a:endParaRPr kumimoji="0" lang="pt-BR" sz="1200" b="0" i="0" u="none" strike="noStrike" kern="1200" cap="none" spc="0" normalizeH="0" baseline="0" noProof="0">
               <a:ln>
@@ -16405,7 +16405,7 @@
                 <a:tabLst/>
                 <a:defRPr/>
               </a:pPr>
-              <a:t>28/04/2020</a:t>
+              <a:t>29/04/2020</a:t>
             </a:fld>
             <a:endParaRPr kumimoji="0" lang="pt-BR" sz="1200" b="0" i="0" u="none" strike="noStrike" kern="1200" cap="none" spc="0" normalizeH="0" baseline="0" noProof="0" smtClean="0">
               <a:ln>
@@ -16735,7 +16735,7 @@
                 <a:tabLst/>
                 <a:defRPr/>
               </a:pPr>
-              <a:t>28/04/2020</a:t>
+              <a:t>29/04/2020</a:t>
             </a:fld>
             <a:endParaRPr kumimoji="0" lang="pt-BR" sz="1200" b="0" i="0" u="none" strike="noStrike" kern="1200" cap="none" spc="0" normalizeH="0" baseline="0" noProof="0" smtClean="0">
               <a:ln>
@@ -17141,7 +17141,7 @@
                 <a:tabLst/>
                 <a:defRPr/>
               </a:pPr>
-              <a:t>28/04/2020</a:t>
+              <a:t>29/04/2020</a:t>
             </a:fld>
             <a:endParaRPr kumimoji="0" lang="pt-BR" sz="1200" b="0" i="0" u="none" strike="noStrike" kern="1200" cap="none" spc="0" normalizeH="0" baseline="0" noProof="0" smtClean="0">
               <a:ln>
@@ -17533,7 +17533,7 @@
                 <a:tabLst/>
                 <a:defRPr/>
               </a:pPr>
-              <a:t>28/04/2020</a:t>
+              <a:t>29/04/2020</a:t>
             </a:fld>
             <a:endParaRPr kumimoji="0" lang="pt-BR" sz="1200" b="0" i="0" u="none" strike="noStrike" kern="1200" cap="none" spc="0" normalizeH="0" baseline="0" noProof="0" smtClean="0">
               <a:ln>
@@ -17762,7 +17762,7 @@
           <a:p>
             <a:fld id="{4DBD1E3A-4E22-4317-B6F0-1BA28CFB09D2}" type="datetimeFigureOut">
               <a:rPr lang="pt-BR" smtClean="0"/>
-              <a:t>28/04/2020</a:t>
+              <a:t>29/04/2020</a:t>
             </a:fld>
             <a:endParaRPr lang="pt-BR"/>
           </a:p>
@@ -18178,7 +18178,7 @@
                 <a:tabLst/>
                 <a:defRPr/>
               </a:pPr>
-              <a:t>28/04/2020</a:t>
+              <a:t>29/04/2020</a:t>
             </a:fld>
             <a:endParaRPr kumimoji="0" lang="pt-BR" sz="1200" b="0" i="0" u="none" strike="noStrike" kern="1200" cap="none" spc="0" normalizeH="0" baseline="0" noProof="0" smtClean="0">
               <a:ln>
@@ -18456,7 +18456,7 @@
                 <a:tabLst/>
                 <a:defRPr/>
               </a:pPr>
-              <a:t>28/04/2020</a:t>
+              <a:t>29/04/2020</a:t>
             </a:fld>
             <a:endParaRPr kumimoji="0" lang="pt-BR" sz="1200" b="0" i="0" u="none" strike="noStrike" kern="1200" cap="none" spc="0" normalizeH="0" baseline="0" noProof="0" smtClean="0">
               <a:ln>
@@ -18711,7 +18711,7 @@
                 <a:tabLst/>
                 <a:defRPr/>
               </a:pPr>
-              <a:t>28/04/2020</a:t>
+              <a:t>29/04/2020</a:t>
             </a:fld>
             <a:endParaRPr kumimoji="0" lang="pt-BR" sz="1200" b="0" i="0" u="none" strike="noStrike" kern="1200" cap="none" spc="0" normalizeH="0" baseline="0" noProof="0" smtClean="0">
               <a:ln>
@@ -19148,7 +19148,7 @@
                 <a:tabLst/>
                 <a:defRPr/>
               </a:pPr>
-              <a:t>28/04/2020</a:t>
+              <a:t>29/04/2020</a:t>
             </a:fld>
             <a:endParaRPr kumimoji="0" lang="pt-BR" sz="1200" b="0" i="0" u="none" strike="noStrike" kern="1200" cap="none" spc="0" normalizeH="0" baseline="0" noProof="0" smtClean="0">
               <a:ln>
@@ -19561,7 +19561,7 @@
                 <a:tabLst/>
                 <a:defRPr/>
               </a:pPr>
-              <a:t>28/04/2020</a:t>
+              <a:t>29/04/2020</a:t>
             </a:fld>
             <a:endParaRPr kumimoji="0" lang="pt-BR" sz="1200" b="0" i="0" u="none" strike="noStrike" kern="1200" cap="none" spc="0" normalizeH="0" baseline="0" noProof="0" smtClean="0">
               <a:ln>
@@ -19891,7 +19891,7 @@
                 <a:tabLst/>
                 <a:defRPr/>
               </a:pPr>
-              <a:t>28/04/2020</a:t>
+              <a:t>29/04/2020</a:t>
             </a:fld>
             <a:endParaRPr kumimoji="0" lang="pt-BR" sz="1200" b="0" i="0" u="none" strike="noStrike" kern="1200" cap="none" spc="0" normalizeH="0" baseline="0" noProof="0" smtClean="0">
               <a:ln>
@@ -20231,7 +20231,7 @@
                 <a:tabLst/>
                 <a:defRPr/>
               </a:pPr>
-              <a:t>28/04/2020</a:t>
+              <a:t>29/04/2020</a:t>
             </a:fld>
             <a:endParaRPr kumimoji="0" lang="pt-BR" sz="1200" b="0" i="0" u="none" strike="noStrike" kern="1200" cap="none" spc="0" normalizeH="0" baseline="0" noProof="0" smtClean="0">
               <a:ln>
@@ -20583,7 +20583,7 @@
                 <a:tabLst/>
                 <a:defRPr/>
               </a:pPr>
-              <a:t>28/04/2020</a:t>
+              <a:t>29/04/2020</a:t>
             </a:fld>
             <a:endParaRPr kumimoji="0" lang="pt-BR" sz="1200" b="0" i="0" u="none" strike="noStrike" kern="1200" cap="none" spc="0" normalizeH="0" baseline="0" noProof="0">
               <a:ln>
@@ -20913,7 +20913,7 @@
                 <a:tabLst/>
                 <a:defRPr/>
               </a:pPr>
-              <a:t>28/04/2020</a:t>
+              <a:t>29/04/2020</a:t>
             </a:fld>
             <a:endParaRPr kumimoji="0" lang="pt-BR" sz="1200" b="0" i="0" u="none" strike="noStrike" kern="1200" cap="none" spc="0" normalizeH="0" baseline="0" noProof="0">
               <a:ln>
@@ -21319,7 +21319,7 @@
                 <a:tabLst/>
                 <a:defRPr/>
               </a:pPr>
-              <a:t>28/04/2020</a:t>
+              <a:t>29/04/2020</a:t>
             </a:fld>
             <a:endParaRPr kumimoji="0" lang="pt-BR" sz="1200" b="0" i="0" u="none" strike="noStrike" kern="1200" cap="none" spc="0" normalizeH="0" baseline="0" noProof="0">
               <a:ln>
@@ -21525,7 +21525,7 @@
           <a:p>
             <a:fld id="{4DBD1E3A-4E22-4317-B6F0-1BA28CFB09D2}" type="datetimeFigureOut">
               <a:rPr lang="pt-BR" smtClean="0"/>
-              <a:t>28/04/2020</a:t>
+              <a:t>29/04/2020</a:t>
             </a:fld>
             <a:endParaRPr lang="pt-BR"/>
           </a:p>
@@ -21806,7 +21806,7 @@
                 <a:tabLst/>
                 <a:defRPr/>
               </a:pPr>
-              <a:t>28/04/2020</a:t>
+              <a:t>29/04/2020</a:t>
             </a:fld>
             <a:endParaRPr kumimoji="0" lang="pt-BR" sz="1200" b="0" i="0" u="none" strike="noStrike" kern="1200" cap="none" spc="0" normalizeH="0" baseline="0" noProof="0">
               <a:ln>
@@ -22333,7 +22333,7 @@
                 <a:tabLst/>
                 <a:defRPr/>
               </a:pPr>
-              <a:t>28/04/2020</a:t>
+              <a:t>29/04/2020</a:t>
             </a:fld>
             <a:endParaRPr kumimoji="0" lang="pt-BR" sz="1200" b="0" i="0" u="none" strike="noStrike" kern="1200" cap="none" spc="0" normalizeH="0" baseline="0" noProof="0">
               <a:ln>
@@ -22611,7 +22611,7 @@
                 <a:tabLst/>
                 <a:defRPr/>
               </a:pPr>
-              <a:t>28/04/2020</a:t>
+              <a:t>29/04/2020</a:t>
             </a:fld>
             <a:endParaRPr kumimoji="0" lang="pt-BR" sz="1200" b="0" i="0" u="none" strike="noStrike" kern="1200" cap="none" spc="0" normalizeH="0" baseline="0" noProof="0">
               <a:ln>
@@ -22866,7 +22866,7 @@
                 <a:tabLst/>
                 <a:defRPr/>
               </a:pPr>
-              <a:t>28/04/2020</a:t>
+              <a:t>29/04/2020</a:t>
             </a:fld>
             <a:endParaRPr kumimoji="0" lang="pt-BR" sz="1200" b="0" i="0" u="none" strike="noStrike" kern="1200" cap="none" spc="0" normalizeH="0" baseline="0" noProof="0">
               <a:ln>
@@ -23303,7 +23303,7 @@
                 <a:tabLst/>
                 <a:defRPr/>
               </a:pPr>
-              <a:t>28/04/2020</a:t>
+              <a:t>29/04/2020</a:t>
             </a:fld>
             <a:endParaRPr kumimoji="0" lang="pt-BR" sz="1200" b="0" i="0" u="none" strike="noStrike" kern="1200" cap="none" spc="0" normalizeH="0" baseline="0" noProof="0">
               <a:ln>
@@ -23720,7 +23720,7 @@
                 <a:tabLst/>
                 <a:defRPr/>
               </a:pPr>
-              <a:t>28/04/2020</a:t>
+              <a:t>29/04/2020</a:t>
             </a:fld>
             <a:endParaRPr kumimoji="0" lang="pt-BR" sz="1200" b="0" i="0" u="none" strike="noStrike" kern="1200" cap="none" spc="0" normalizeH="0" baseline="0" noProof="0">
               <a:ln>
@@ -24050,7 +24050,7 @@
                 <a:tabLst/>
                 <a:defRPr/>
               </a:pPr>
-              <a:t>28/04/2020</a:t>
+              <a:t>29/04/2020</a:t>
             </a:fld>
             <a:endParaRPr kumimoji="0" lang="pt-BR" sz="1200" b="0" i="0" u="none" strike="noStrike" kern="1200" cap="none" spc="0" normalizeH="0" baseline="0" noProof="0">
               <a:ln>
@@ -24390,7 +24390,7 @@
                 <a:tabLst/>
                 <a:defRPr/>
               </a:pPr>
-              <a:t>28/04/2020</a:t>
+              <a:t>29/04/2020</a:t>
             </a:fld>
             <a:endParaRPr kumimoji="0" lang="pt-BR" sz="1200" b="0" i="0" u="none" strike="noStrike" kern="1200" cap="none" spc="0" normalizeH="0" baseline="0" noProof="0">
               <a:ln>
@@ -24742,7 +24742,7 @@
                 <a:tabLst/>
                 <a:defRPr/>
               </a:pPr>
-              <a:t>28/04/2020</a:t>
+              <a:t>29/04/2020</a:t>
             </a:fld>
             <a:endParaRPr kumimoji="0" lang="pt-BR" sz="1200" b="0" i="0" u="none" strike="noStrike" kern="1200" cap="none" spc="0" normalizeH="0" baseline="0" noProof="0">
               <a:ln>
@@ -25072,7 +25072,7 @@
                 <a:tabLst/>
                 <a:defRPr/>
               </a:pPr>
-              <a:t>28/04/2020</a:t>
+              <a:t>29/04/2020</a:t>
             </a:fld>
             <a:endParaRPr kumimoji="0" lang="pt-BR" sz="1200" b="0" i="0" u="none" strike="noStrike" kern="1200" cap="none" spc="0" normalizeH="0" baseline="0" noProof="0">
               <a:ln>
@@ -25460,7 +25460,7 @@
           <a:p>
             <a:fld id="{4DBD1E3A-4E22-4317-B6F0-1BA28CFB09D2}" type="datetimeFigureOut">
               <a:rPr lang="pt-BR" smtClean="0"/>
-              <a:t>28/04/2020</a:t>
+              <a:t>29/04/2020</a:t>
             </a:fld>
             <a:endParaRPr lang="pt-BR"/>
           </a:p>
@@ -25755,7 +25755,7 @@
                 <a:tabLst/>
                 <a:defRPr/>
               </a:pPr>
-              <a:t>28/04/2020</a:t>
+              <a:t>29/04/2020</a:t>
             </a:fld>
             <a:endParaRPr kumimoji="0" lang="pt-BR" sz="1200" b="0" i="0" u="none" strike="noStrike" kern="1200" cap="none" spc="0" normalizeH="0" baseline="0" noProof="0">
               <a:ln>
@@ -26147,7 +26147,7 @@
                 <a:tabLst/>
                 <a:defRPr/>
               </a:pPr>
-              <a:t>28/04/2020</a:t>
+              <a:t>29/04/2020</a:t>
             </a:fld>
             <a:endParaRPr kumimoji="0" lang="pt-BR" sz="1200" b="0" i="0" u="none" strike="noStrike" kern="1200" cap="none" spc="0" normalizeH="0" baseline="0" noProof="0">
               <a:ln>
@@ -26674,7 +26674,7 @@
                 <a:tabLst/>
                 <a:defRPr/>
               </a:pPr>
-              <a:t>28/04/2020</a:t>
+              <a:t>29/04/2020</a:t>
             </a:fld>
             <a:endParaRPr kumimoji="0" lang="pt-BR" sz="1200" b="0" i="0" u="none" strike="noStrike" kern="1200" cap="none" spc="0" normalizeH="0" baseline="0" noProof="0">
               <a:ln>
@@ -26952,7 +26952,7 @@
                 <a:tabLst/>
                 <a:defRPr/>
               </a:pPr>
-              <a:t>28/04/2020</a:t>
+              <a:t>29/04/2020</a:t>
             </a:fld>
             <a:endParaRPr kumimoji="0" lang="pt-BR" sz="1200" b="0" i="0" u="none" strike="noStrike" kern="1200" cap="none" spc="0" normalizeH="0" baseline="0" noProof="0">
               <a:ln>
@@ -27207,7 +27207,7 @@
                 <a:tabLst/>
                 <a:defRPr/>
               </a:pPr>
-              <a:t>28/04/2020</a:t>
+              <a:t>29/04/2020</a:t>
             </a:fld>
             <a:endParaRPr kumimoji="0" lang="pt-BR" sz="1200" b="0" i="0" u="none" strike="noStrike" kern="1200" cap="none" spc="0" normalizeH="0" baseline="0" noProof="0">
               <a:ln>
@@ -27644,7 +27644,7 @@
                 <a:tabLst/>
                 <a:defRPr/>
               </a:pPr>
-              <a:t>28/04/2020</a:t>
+              <a:t>29/04/2020</a:t>
             </a:fld>
             <a:endParaRPr kumimoji="0" lang="pt-BR" sz="1200" b="0" i="0" u="none" strike="noStrike" kern="1200" cap="none" spc="0" normalizeH="0" baseline="0" noProof="0">
               <a:ln>
@@ -28061,7 +28061,7 @@
                 <a:tabLst/>
                 <a:defRPr/>
               </a:pPr>
-              <a:t>28/04/2020</a:t>
+              <a:t>29/04/2020</a:t>
             </a:fld>
             <a:endParaRPr kumimoji="0" lang="pt-BR" sz="1200" b="0" i="0" u="none" strike="noStrike" kern="1200" cap="none" spc="0" normalizeH="0" baseline="0" noProof="0">
               <a:ln>
@@ -28391,7 +28391,7 @@
                 <a:tabLst/>
                 <a:defRPr/>
               </a:pPr>
-              <a:t>28/04/2020</a:t>
+              <a:t>29/04/2020</a:t>
             </a:fld>
             <a:endParaRPr kumimoji="0" lang="pt-BR" sz="1200" b="0" i="0" u="none" strike="noStrike" kern="1200" cap="none" spc="0" normalizeH="0" baseline="0" noProof="0">
               <a:ln>
@@ -28731,7 +28731,7 @@
                 <a:tabLst/>
                 <a:defRPr/>
               </a:pPr>
-              <a:t>28/04/2020</a:t>
+              <a:t>29/04/2020</a:t>
             </a:fld>
             <a:endParaRPr kumimoji="0" lang="pt-BR" sz="1200" b="0" i="0" u="none" strike="noStrike" kern="1200" cap="none" spc="0" normalizeH="0" baseline="0" noProof="0">
               <a:ln>
@@ -29095,7 +29095,7 @@
           <a:p>
             <a:fld id="{4DBD1E3A-4E22-4317-B6F0-1BA28CFB09D2}" type="datetimeFigureOut">
               <a:rPr lang="pt-BR" smtClean="0"/>
-              <a:t>28/04/2020</a:t>
+              <a:t>29/04/2020</a:t>
             </a:fld>
             <a:endParaRPr lang="pt-BR"/>
           </a:p>
@@ -29308,7 +29308,7 @@
           <a:p>
             <a:fld id="{4DBD1E3A-4E22-4317-B6F0-1BA28CFB09D2}" type="datetimeFigureOut">
               <a:rPr lang="pt-BR" smtClean="0"/>
-              <a:t>28/04/2020</a:t>
+              <a:t>29/04/2020</a:t>
             </a:fld>
             <a:endParaRPr lang="pt-BR"/>
           </a:p>
@@ -29848,7 +29848,7 @@
           <a:p>
             <a:fld id="{4DBD1E3A-4E22-4317-B6F0-1BA28CFB09D2}" type="datetimeFigureOut">
               <a:rPr lang="pt-BR" smtClean="0"/>
-              <a:t>28/04/2020</a:t>
+              <a:t>29/04/2020</a:t>
             </a:fld>
             <a:endParaRPr lang="pt-BR"/>
           </a:p>
@@ -30437,7 +30437,7 @@
                 <a:tabLst/>
                 <a:defRPr/>
               </a:pPr>
-              <a:t>28/04/2020</a:t>
+              <a:t>29/04/2020</a:t>
             </a:fld>
             <a:endParaRPr kumimoji="0" lang="pt-BR" sz="1200" b="0" i="0" u="none" strike="noStrike" kern="1200" cap="none" spc="0" normalizeH="0" baseline="0" noProof="0" smtClean="0">
               <a:ln>
@@ -31137,7 +31137,7 @@
                 <a:tabLst/>
                 <a:defRPr/>
               </a:pPr>
-              <a:t>28/04/2020</a:t>
+              <a:t>29/04/2020</a:t>
             </a:fld>
             <a:endParaRPr kumimoji="0" lang="pt-BR" sz="1200" b="0" i="0" u="none" strike="noStrike" kern="1200" cap="none" spc="0" normalizeH="0" baseline="0" noProof="0">
               <a:ln>
@@ -31837,7 +31837,7 @@
                 <a:tabLst/>
                 <a:defRPr/>
               </a:pPr>
-              <a:t>28/04/2020</a:t>
+              <a:t>29/04/2020</a:t>
             </a:fld>
             <a:endParaRPr kumimoji="0" lang="pt-BR" sz="1200" b="0" i="0" u="none" strike="noStrike" kern="1200" cap="none" spc="0" normalizeH="0" baseline="0" noProof="0">
               <a:ln>
@@ -32537,7 +32537,7 @@
                 <a:tabLst/>
                 <a:defRPr/>
               </a:pPr>
-              <a:t>28/04/2020</a:t>
+              <a:t>29/04/2020</a:t>
             </a:fld>
             <a:endParaRPr kumimoji="0" lang="pt-BR" sz="1200" b="0" i="0" u="none" strike="noStrike" kern="1200" cap="none" spc="0" normalizeH="0" baseline="0" noProof="0" smtClean="0">
               <a:ln>
@@ -33237,7 +33237,7 @@
                 <a:tabLst/>
                 <a:defRPr/>
               </a:pPr>
-              <a:t>28/04/2020</a:t>
+              <a:t>29/04/2020</a:t>
             </a:fld>
             <a:endParaRPr kumimoji="0" lang="pt-BR" sz="1200" b="0" i="0" u="none" strike="noStrike" kern="1200" cap="none" spc="0" normalizeH="0" baseline="0" noProof="0">
               <a:ln>
@@ -33937,7 +33937,7 @@
                 <a:tabLst/>
                 <a:defRPr/>
               </a:pPr>
-              <a:t>28/04/2020</a:t>
+              <a:t>29/04/2020</a:t>
             </a:fld>
             <a:endParaRPr kumimoji="0" lang="pt-BR" sz="1200" b="0" i="0" u="none" strike="noStrike" kern="1200" cap="none" spc="0" normalizeH="0" baseline="0" noProof="0">
               <a:ln>
@@ -37426,7 +37426,7 @@
         </p:nvSpPr>
         <p:spPr>
           <a:xfrm>
-            <a:off x="7185459" y="2073708"/>
+            <a:off x="7247715" y="1400377"/>
             <a:ext cx="1418878" cy="853854"/>
           </a:xfrm>
           <a:prstGeom prst="rect">
@@ -37504,120 +37504,90 @@
           </a:p>
         </p:txBody>
       </p:sp>
-      <p:grpSp>
-        <p:nvGrpSpPr>
-          <p:cNvPr id="13" name="Agrupar 12"/>
-          <p:cNvGrpSpPr/>
+      <p:cxnSp>
+        <p:nvCxnSpPr>
+          <p:cNvPr id="91" name="Conector em Curva 90"/>
+          <p:cNvCxnSpPr>
+            <a:stCxn id="5" idx="1"/>
+            <a:endCxn id="3" idx="3"/>
+          </p:cNvCxnSpPr>
           <p:nvPr/>
-        </p:nvGrpSpPr>
-        <p:grpSpPr>
+        </p:nvCxnSpPr>
+        <p:spPr>
+          <a:xfrm rot="10800000" flipV="1">
+            <a:off x="4759271" y="1827303"/>
+            <a:ext cx="2488445" cy="2308759"/>
+          </a:xfrm>
+          <a:prstGeom prst="curvedConnector3">
+            <a:avLst>
+              <a:gd name="adj1" fmla="val 50000"/>
+            </a:avLst>
+          </a:prstGeom>
+          <a:ln w="28575">
+            <a:solidFill>
+              <a:schemeClr val="tx1"/>
+            </a:solidFill>
+            <a:tailEnd type="triangle"/>
+          </a:ln>
+        </p:spPr>
+        <p:style>
+          <a:lnRef idx="1">
+            <a:schemeClr val="accent1"/>
+          </a:lnRef>
+          <a:fillRef idx="0">
+            <a:schemeClr val="accent1"/>
+          </a:fillRef>
+          <a:effectRef idx="0">
+            <a:schemeClr val="accent1"/>
+          </a:effectRef>
+          <a:fontRef idx="minor">
+            <a:schemeClr val="tx1"/>
+          </a:fontRef>
+        </p:style>
+      </p:cxnSp>
+      <p:sp>
+        <p:nvSpPr>
+          <p:cNvPr id="49" name="CaixaDeTexto 48"/>
+          <p:cNvSpPr txBox="1"/>
+          <p:nvPr/>
+        </p:nvSpPr>
+        <p:spPr>
           <a:xfrm>
-            <a:off x="3188369" y="2067990"/>
-            <a:ext cx="3997091" cy="3325835"/>
-            <a:chOff x="2693069" y="1286940"/>
-            <a:chExt cx="3997091" cy="3325835"/>
+            <a:off x="5258617" y="2429565"/>
+            <a:ext cx="1514231" cy="369332"/>
           </a:xfrm>
-        </p:grpSpPr>
-        <p:cxnSp>
-          <p:nvCxnSpPr>
-            <p:cNvPr id="91" name="Conector em Curva 90"/>
-            <p:cNvCxnSpPr>
-              <a:stCxn id="5" idx="1"/>
-              <a:endCxn id="3" idx="3"/>
-            </p:cNvCxnSpPr>
-            <p:nvPr/>
-          </p:nvCxnSpPr>
-          <p:spPr>
-            <a:xfrm rot="10800000" flipV="1">
-              <a:off x="4201715" y="1719584"/>
-              <a:ext cx="2488445" cy="2308759"/>
-            </a:xfrm>
-            <a:prstGeom prst="curvedConnector3">
-              <a:avLst>
-                <a:gd name="adj1" fmla="val 50000"/>
-              </a:avLst>
-            </a:prstGeom>
-            <a:ln w="28575">
-              <a:solidFill>
-                <a:schemeClr val="tx1"/>
-              </a:solidFill>
-              <a:tailEnd type="triangle"/>
-            </a:ln>
-          </p:spPr>
-          <p:style>
-            <a:lnRef idx="1">
-              <a:schemeClr val="accent1"/>
-            </a:lnRef>
-            <a:fillRef idx="0">
-              <a:schemeClr val="accent1"/>
-            </a:fillRef>
-            <a:effectRef idx="0">
-              <a:schemeClr val="accent1"/>
-            </a:effectRef>
-            <a:fontRef idx="minor">
-              <a:schemeClr val="tx1"/>
-            </a:fontRef>
-          </p:style>
-        </p:cxnSp>
-        <p:sp>
-          <p:nvSpPr>
-            <p:cNvPr id="49" name="CaixaDeTexto 48"/>
-            <p:cNvSpPr txBox="1"/>
-            <p:nvPr/>
-          </p:nvSpPr>
-          <p:spPr>
-            <a:xfrm>
-              <a:off x="4701061" y="2321846"/>
-              <a:ext cx="1514231" cy="369332"/>
-            </a:xfrm>
-            <a:prstGeom prst="rect">
-              <a:avLst/>
-            </a:prstGeom>
-            <a:solidFill>
-              <a:schemeClr val="bg1"/>
-            </a:solidFill>
-          </p:spPr>
-          <p:txBody>
-            <a:bodyPr wrap="square" rtlCol="0">
-              <a:spAutoFit/>
-            </a:bodyPr>
-            <a:lstStyle/>
-            <a:p>
-              <a:pPr marL="0" marR="0" lvl="0" indent="0" algn="ctr" defTabSz="914400" rtl="0" eaLnBrk="1" fontAlgn="auto" latinLnBrk="0" hangingPunct="1">
-                <a:lnSpc>
-                  <a:spcPct val="100000"/>
-                </a:lnSpc>
-                <a:spcBef>
-                  <a:spcPts val="0"/>
-                </a:spcBef>
-                <a:spcAft>
-                  <a:spcPts val="0"/>
-                </a:spcAft>
-                <a:buClrTx/>
-                <a:buSzTx/>
-                <a:buFontTx/>
-                <a:buNone/>
-                <a:tabLst/>
-                <a:defRPr/>
-              </a:pPr>
-              <a:r>
-                <a:rPr kumimoji="0" lang="pt-BR" sz="1800" b="0" i="0" u="none" strike="noStrike" kern="1200" cap="none" spc="0" normalizeH="0" baseline="0" noProof="0" dirty="0" smtClean="0">
-                  <a:ln>
-                    <a:noFill/>
-                  </a:ln>
-                  <a:solidFill>
-                    <a:prstClr val="black"/>
-                  </a:solidFill>
-                  <a:effectLst/>
-                  <a:uLnTx/>
-                  <a:uFillTx/>
-                  <a:latin typeface="Calibri" panose="020F0502020204030204"/>
-                  <a:ea typeface="+mn-ea"/>
-                  <a:cs typeface="+mn-cs"/>
-                </a:rPr>
-                <a:t>Convite</a:t>
-              </a:r>
-              <a:endParaRPr kumimoji="0" lang="pt-BR" sz="1800" b="0" i="0" u="none" strike="noStrike" kern="1200" cap="none" spc="0" normalizeH="0" baseline="0" noProof="0" dirty="0">
+          <a:prstGeom prst="rect">
+            <a:avLst/>
+          </a:prstGeom>
+          <a:solidFill>
+            <a:schemeClr val="bg1"/>
+          </a:solidFill>
+        </p:spPr>
+        <p:txBody>
+          <a:bodyPr wrap="square" rtlCol="0">
+            <a:spAutoFit/>
+          </a:bodyPr>
+          <a:lstStyle/>
+          <a:p>
+            <a:pPr marL="0" marR="0" lvl="0" indent="0" algn="ctr" defTabSz="914400" rtl="0" eaLnBrk="1" fontAlgn="auto" latinLnBrk="0" hangingPunct="1">
+              <a:lnSpc>
+                <a:spcPct val="100000"/>
+              </a:lnSpc>
+              <a:spcBef>
+                <a:spcPts val="0"/>
+              </a:spcBef>
+              <a:spcAft>
+                <a:spcPts val="0"/>
+              </a:spcAft>
+              <a:buClrTx/>
+              <a:buSzTx/>
+              <a:buFontTx/>
+              <a:buNone/>
+              <a:tabLst/>
+              <a:defRPr/>
+            </a:pPr>
+            <a:r>
+              <a:rPr kumimoji="0" lang="pt-BR" sz="1800" b="0" i="0" u="none" strike="noStrike" kern="1200" cap="none" spc="0" normalizeH="0" baseline="0" noProof="0" dirty="0" smtClean="0">
                 <a:ln>
                   <a:noFill/>
                 </a:ln>
@@ -37630,198 +37600,52 @@
                 <a:latin typeface="Calibri" panose="020F0502020204030204"/>
                 <a:ea typeface="+mn-ea"/>
                 <a:cs typeface="+mn-cs"/>
-              </a:endParaRPr>
-            </a:p>
-          </p:txBody>
-        </p:sp>
-        <p:grpSp>
-          <p:nvGrpSpPr>
-            <p:cNvPr id="4" name="Agrupar 3"/>
-            <p:cNvGrpSpPr/>
-            <p:nvPr/>
-          </p:nvGrpSpPr>
-          <p:grpSpPr>
-            <a:xfrm>
-              <a:off x="2693069" y="3172775"/>
-              <a:ext cx="1508645" cy="1440000"/>
-              <a:chOff x="4588544" y="3353750"/>
-              <a:chExt cx="1508645" cy="1440000"/>
-            </a:xfrm>
-          </p:grpSpPr>
-          <p:sp>
-            <p:nvSpPr>
-              <p:cNvPr id="9" name="Elipse 8"/>
-              <p:cNvSpPr/>
-              <p:nvPr/>
-            </p:nvSpPr>
-            <p:spPr>
-              <a:xfrm>
-                <a:off x="4622866" y="3353750"/>
-                <a:ext cx="1440000" cy="1440000"/>
-              </a:xfrm>
-              <a:prstGeom prst="ellipse">
-                <a:avLst/>
-              </a:prstGeom>
-            </p:spPr>
-            <p:style>
-              <a:lnRef idx="2">
-                <a:schemeClr val="accent1">
-                  <a:shade val="50000"/>
-                </a:schemeClr>
-              </a:lnRef>
-              <a:fillRef idx="1">
-                <a:schemeClr val="accent1"/>
-              </a:fillRef>
-              <a:effectRef idx="0">
-                <a:schemeClr val="accent1"/>
-              </a:effectRef>
-              <a:fontRef idx="minor">
-                <a:schemeClr val="lt1"/>
-              </a:fontRef>
-            </p:style>
-            <p:txBody>
-              <a:bodyPr rtlCol="0" anchor="ctr"/>
-              <a:lstStyle/>
-              <a:p>
-                <a:pPr marL="0" marR="0" lvl="0" indent="0" algn="ctr" defTabSz="914400" rtl="0" eaLnBrk="1" fontAlgn="auto" latinLnBrk="0" hangingPunct="1">
-                  <a:lnSpc>
-                    <a:spcPct val="100000"/>
-                  </a:lnSpc>
-                  <a:spcBef>
-                    <a:spcPts val="0"/>
-                  </a:spcBef>
-                  <a:spcAft>
-                    <a:spcPts val="0"/>
-                  </a:spcAft>
-                  <a:buClrTx/>
-                  <a:buSzTx/>
-                  <a:buFontTx/>
-                  <a:buNone/>
-                  <a:tabLst/>
-                  <a:defRPr/>
-                </a:pPr>
-                <a:endParaRPr kumimoji="0" lang="pt-BR" sz="1200" b="0" i="0" u="none" strike="noStrike" kern="1200" cap="none" spc="0" normalizeH="0" baseline="0" noProof="0" dirty="0">
-                  <a:ln>
-                    <a:noFill/>
-                  </a:ln>
-                  <a:solidFill>
-                    <a:prstClr val="white"/>
-                  </a:solidFill>
-                  <a:effectLst/>
-                  <a:uLnTx/>
-                  <a:uFillTx/>
-                  <a:latin typeface="Calibri" panose="020F0502020204030204"/>
-                  <a:ea typeface="+mn-ea"/>
-                  <a:cs typeface="+mn-cs"/>
-                </a:endParaRPr>
-              </a:p>
-            </p:txBody>
-          </p:sp>
-          <p:sp>
-            <p:nvSpPr>
-              <p:cNvPr id="3" name="CaixaDeTexto 2"/>
-              <p:cNvSpPr txBox="1"/>
-              <p:nvPr/>
-            </p:nvSpPr>
-            <p:spPr>
-              <a:xfrm>
-                <a:off x="4588544" y="3778432"/>
-                <a:ext cx="1508645" cy="861774"/>
-              </a:xfrm>
-              <a:prstGeom prst="rect">
-                <a:avLst/>
-              </a:prstGeom>
-              <a:noFill/>
-            </p:spPr>
-            <p:txBody>
-              <a:bodyPr wrap="square" rtlCol="0" anchor="b">
-                <a:spAutoFit/>
-              </a:bodyPr>
-              <a:lstStyle/>
-              <a:p>
-                <a:pPr marL="0" marR="0" lvl="0" indent="0" algn="ctr" defTabSz="914400" rtl="0" eaLnBrk="1" fontAlgn="auto" latinLnBrk="0" hangingPunct="1">
-                  <a:lnSpc>
-                    <a:spcPct val="100000"/>
-                  </a:lnSpc>
-                  <a:spcBef>
-                    <a:spcPts val="0"/>
-                  </a:spcBef>
-                  <a:spcAft>
-                    <a:spcPts val="0"/>
-                  </a:spcAft>
-                  <a:buClrTx/>
-                  <a:buSzTx/>
-                  <a:buFontTx/>
-                  <a:buNone/>
-                  <a:tabLst/>
-                  <a:defRPr/>
-                </a:pPr>
-                <a:r>
-                  <a:rPr kumimoji="0" lang="pt-BR" sz="1600" b="0" i="0" u="none" strike="noStrike" kern="1200" cap="none" spc="0" normalizeH="0" baseline="0" noProof="0" dirty="0" smtClean="0">
-                    <a:ln>
-                      <a:noFill/>
-                    </a:ln>
-                    <a:solidFill>
-                      <a:prstClr val="white"/>
-                    </a:solidFill>
-                    <a:effectLst/>
-                    <a:uLnTx/>
-                    <a:uFillTx/>
-                    <a:latin typeface="Calibri" panose="020F0502020204030204"/>
-                    <a:ea typeface="+mn-ea"/>
-                    <a:cs typeface="+mn-cs"/>
-                  </a:rPr>
-                  <a:t>Receber convidados</a:t>
-                </a:r>
-              </a:p>
-              <a:p>
-                <a:pPr marL="0" marR="0" lvl="0" indent="0" algn="l" defTabSz="914400" rtl="0" eaLnBrk="1" fontAlgn="auto" latinLnBrk="0" hangingPunct="1">
-                  <a:lnSpc>
-                    <a:spcPct val="100000"/>
-                  </a:lnSpc>
-                  <a:spcBef>
-                    <a:spcPts val="0"/>
-                  </a:spcBef>
-                  <a:spcAft>
-                    <a:spcPts val="0"/>
-                  </a:spcAft>
-                  <a:buClrTx/>
-                  <a:buSzTx/>
-                  <a:buFontTx/>
-                  <a:buNone/>
-                  <a:tabLst/>
-                  <a:defRPr/>
-                </a:pPr>
-                <a:endParaRPr kumimoji="0" lang="pt-BR" sz="1800" b="0" i="0" u="none" strike="noStrike" kern="1200" cap="none" spc="0" normalizeH="0" baseline="0" noProof="0" dirty="0" smtClean="0">
-                  <a:ln>
-                    <a:noFill/>
-                  </a:ln>
-                  <a:solidFill>
-                    <a:prstClr val="black"/>
-                  </a:solidFill>
-                  <a:effectLst/>
-                  <a:uLnTx/>
-                  <a:uFillTx/>
-                  <a:latin typeface="Calibri" panose="020F0502020204030204"/>
-                  <a:ea typeface="+mn-ea"/>
-                  <a:cs typeface="+mn-cs"/>
-                </a:endParaRPr>
-              </a:p>
-            </p:txBody>
-          </p:sp>
-        </p:grpSp>
+              </a:rPr>
+              <a:t>Convite</a:t>
+            </a:r>
+            <a:endParaRPr kumimoji="0" lang="pt-BR" sz="1800" b="0" i="0" u="none" strike="noStrike" kern="1200" cap="none" spc="0" normalizeH="0" baseline="0" noProof="0" dirty="0">
+              <a:ln>
+                <a:noFill/>
+              </a:ln>
+              <a:solidFill>
+                <a:prstClr val="black"/>
+              </a:solidFill>
+              <a:effectLst/>
+              <a:uLnTx/>
+              <a:uFillTx/>
+              <a:latin typeface="Calibri" panose="020F0502020204030204"/>
+              <a:ea typeface="+mn-ea"/>
+              <a:cs typeface="+mn-cs"/>
+            </a:endParaRPr>
+          </a:p>
+        </p:txBody>
+      </p:sp>
+      <p:grpSp>
+        <p:nvGrpSpPr>
+          <p:cNvPr id="4" name="Agrupar 3"/>
+          <p:cNvGrpSpPr/>
+          <p:nvPr/>
+        </p:nvGrpSpPr>
+        <p:grpSpPr>
+          <a:xfrm>
+            <a:off x="3250625" y="3280494"/>
+            <a:ext cx="1508645" cy="1440000"/>
+            <a:chOff x="4588544" y="3353750"/>
+            <a:chExt cx="1508645" cy="1440000"/>
+          </a:xfrm>
+        </p:grpSpPr>
         <p:sp>
           <p:nvSpPr>
-            <p:cNvPr id="27" name="Retângulo 26"/>
+            <p:cNvPr id="9" name="Elipse 8"/>
             <p:cNvSpPr/>
             <p:nvPr/>
           </p:nvSpPr>
           <p:spPr>
             <a:xfrm>
-              <a:off x="2737952" y="1286940"/>
-              <a:ext cx="1418878" cy="853854"/>
+              <a:off x="4622866" y="3353750"/>
+              <a:ext cx="1440000" cy="1440000"/>
             </a:xfrm>
-            <a:prstGeom prst="rect">
+            <a:prstGeom prst="ellipse">
               <a:avLst/>
             </a:prstGeom>
           </p:spPr>
@@ -37862,24 +37686,7 @@
                 <a:tabLst/>
                 <a:defRPr/>
               </a:pPr>
-              <a:r>
-                <a:rPr kumimoji="0" lang="pt-BR" sz="1600" b="0" i="0" u="none" strike="noStrike" kern="1200" cap="none" spc="0" normalizeH="0" baseline="0" noProof="0" dirty="0" smtClean="0">
-                  <a:ln>
-                    <a:noFill/>
-                  </a:ln>
-                  <a:solidFill>
-                    <a:prstClr val="white"/>
-                  </a:solidFill>
-                  <a:effectLst/>
-                  <a:uLnTx/>
-                  <a:uFillTx/>
-                  <a:latin typeface="Calibri" panose="020F0502020204030204"/>
-                  <a:ea typeface="+mn-ea"/>
-                  <a:cs typeface="+mn-cs"/>
-                </a:rPr>
-                <a:t>Contratante</a:t>
-              </a:r>
-              <a:endParaRPr kumimoji="0" lang="pt-BR" sz="1800" b="0" i="0" u="none" strike="noStrike" kern="1200" cap="none" spc="0" normalizeH="0" baseline="0" noProof="0" dirty="0">
+              <a:endParaRPr kumimoji="0" lang="pt-BR" sz="1200" b="0" i="0" u="none" strike="noStrike" kern="1200" cap="none" spc="0" normalizeH="0" baseline="0" noProof="0" dirty="0">
                 <a:ln>
                   <a:noFill/>
                 </a:ln>
@@ -37896,65 +37703,24 @@
             </a:p>
           </p:txBody>
         </p:sp>
-        <p:cxnSp>
-          <p:nvCxnSpPr>
-            <p:cNvPr id="7" name="Conector de Seta Reta 6"/>
-            <p:cNvCxnSpPr>
-              <a:stCxn id="27" idx="2"/>
-              <a:endCxn id="9" idx="0"/>
-            </p:cNvCxnSpPr>
-            <p:nvPr/>
-          </p:nvCxnSpPr>
-          <p:spPr>
-            <a:xfrm>
-              <a:off x="3447391" y="2140794"/>
-              <a:ext cx="0" cy="1031981"/>
-            </a:xfrm>
-            <a:prstGeom prst="straightConnector1">
-              <a:avLst/>
-            </a:prstGeom>
-            <a:ln w="28575">
-              <a:solidFill>
-                <a:schemeClr val="tx1"/>
-              </a:solidFill>
-              <a:tailEnd type="triangle"/>
-            </a:ln>
-          </p:spPr>
-          <p:style>
-            <a:lnRef idx="1">
-              <a:schemeClr val="accent1"/>
-            </a:lnRef>
-            <a:fillRef idx="0">
-              <a:schemeClr val="accent1"/>
-            </a:fillRef>
-            <a:effectRef idx="0">
-              <a:schemeClr val="accent1"/>
-            </a:effectRef>
-            <a:fontRef idx="minor">
-              <a:schemeClr val="tx1"/>
-            </a:fontRef>
-          </p:style>
-        </p:cxnSp>
         <p:sp>
           <p:nvSpPr>
-            <p:cNvPr id="31" name="CaixaDeTexto 30"/>
+            <p:cNvPr id="3" name="CaixaDeTexto 2"/>
             <p:cNvSpPr txBox="1"/>
             <p:nvPr/>
           </p:nvSpPr>
           <p:spPr>
             <a:xfrm>
-              <a:off x="2693069" y="2321846"/>
-              <a:ext cx="1514231" cy="646331"/>
+              <a:off x="4588544" y="3778432"/>
+              <a:ext cx="1508645" cy="861774"/>
             </a:xfrm>
             <a:prstGeom prst="rect">
               <a:avLst/>
             </a:prstGeom>
-            <a:solidFill>
-              <a:schemeClr val="bg1"/>
-            </a:solidFill>
+            <a:noFill/>
           </p:spPr>
           <p:txBody>
-            <a:bodyPr wrap="square" rtlCol="0">
+            <a:bodyPr wrap="square" rtlCol="0" anchor="b">
               <a:spAutoFit/>
             </a:bodyPr>
             <a:lstStyle/>
@@ -37977,12 +37743,12 @@
                 <a:defRPr/>
               </a:pPr>
               <a:r>
-                <a:rPr kumimoji="0" lang="pt-BR" sz="1800" b="0" i="0" u="none" strike="noStrike" kern="1200" cap="none" spc="0" normalizeH="0" baseline="0" noProof="0" dirty="0" smtClean="0">
+                <a:rPr kumimoji="0" lang="pt-BR" sz="1600" b="0" i="0" u="none" strike="noStrike" kern="1200" cap="none" spc="0" normalizeH="0" baseline="0" noProof="0" dirty="0" smtClean="0">
                   <a:ln>
                     <a:noFill/>
                   </a:ln>
                   <a:solidFill>
-                    <a:prstClr val="black"/>
+                    <a:prstClr val="white"/>
                   </a:solidFill>
                   <a:effectLst/>
                   <a:uLnTx/>
@@ -37990,6 +37756,382 @@
                   <a:latin typeface="Calibri" panose="020F0502020204030204"/>
                   <a:ea typeface="+mn-ea"/>
                   <a:cs typeface="+mn-cs"/>
+                </a:rPr>
+                <a:t>Receber convidados</a:t>
+              </a:r>
+            </a:p>
+            <a:p>
+              <a:pPr marL="0" marR="0" lvl="0" indent="0" algn="l" defTabSz="914400" rtl="0" eaLnBrk="1" fontAlgn="auto" latinLnBrk="0" hangingPunct="1">
+                <a:lnSpc>
+                  <a:spcPct val="100000"/>
+                </a:lnSpc>
+                <a:spcBef>
+                  <a:spcPts val="0"/>
+                </a:spcBef>
+                <a:spcAft>
+                  <a:spcPts val="0"/>
+                </a:spcAft>
+                <a:buClrTx/>
+                <a:buSzTx/>
+                <a:buFontTx/>
+                <a:buNone/>
+                <a:tabLst/>
+                <a:defRPr/>
+              </a:pPr>
+              <a:endParaRPr kumimoji="0" lang="pt-BR" sz="1800" b="0" i="0" u="none" strike="noStrike" kern="1200" cap="none" spc="0" normalizeH="0" baseline="0" noProof="0" dirty="0" smtClean="0">
+                <a:ln>
+                  <a:noFill/>
+                </a:ln>
+                <a:solidFill>
+                  <a:prstClr val="black"/>
+                </a:solidFill>
+                <a:effectLst/>
+                <a:uLnTx/>
+                <a:uFillTx/>
+                <a:latin typeface="Calibri" panose="020F0502020204030204"/>
+                <a:ea typeface="+mn-ea"/>
+                <a:cs typeface="+mn-cs"/>
+              </a:endParaRPr>
+            </a:p>
+          </p:txBody>
+        </p:sp>
+      </p:grpSp>
+      <p:sp>
+        <p:nvSpPr>
+          <p:cNvPr id="27" name="Retângulo 26"/>
+          <p:cNvSpPr/>
+          <p:nvPr/>
+        </p:nvSpPr>
+        <p:spPr>
+          <a:xfrm>
+            <a:off x="3295508" y="1394659"/>
+            <a:ext cx="1418878" cy="853854"/>
+          </a:xfrm>
+          <a:prstGeom prst="rect">
+            <a:avLst/>
+          </a:prstGeom>
+        </p:spPr>
+        <p:style>
+          <a:lnRef idx="2">
+            <a:schemeClr val="accent1">
+              <a:shade val="50000"/>
+            </a:schemeClr>
+          </a:lnRef>
+          <a:fillRef idx="1">
+            <a:schemeClr val="accent1"/>
+          </a:fillRef>
+          <a:effectRef idx="0">
+            <a:schemeClr val="accent1"/>
+          </a:effectRef>
+          <a:fontRef idx="minor">
+            <a:schemeClr val="lt1"/>
+          </a:fontRef>
+        </p:style>
+        <p:txBody>
+          <a:bodyPr rtlCol="0" anchor="ctr"/>
+          <a:lstStyle/>
+          <a:p>
+            <a:pPr marL="0" marR="0" lvl="0" indent="0" algn="ctr" defTabSz="914400" rtl="0" eaLnBrk="1" fontAlgn="auto" latinLnBrk="0" hangingPunct="1">
+              <a:lnSpc>
+                <a:spcPct val="100000"/>
+              </a:lnSpc>
+              <a:spcBef>
+                <a:spcPts val="0"/>
+              </a:spcBef>
+              <a:spcAft>
+                <a:spcPts val="0"/>
+              </a:spcAft>
+              <a:buClrTx/>
+              <a:buSzTx/>
+              <a:buFontTx/>
+              <a:buNone/>
+              <a:tabLst/>
+              <a:defRPr/>
+            </a:pPr>
+            <a:r>
+              <a:rPr kumimoji="0" lang="pt-BR" sz="1600" b="0" i="0" u="none" strike="noStrike" kern="1200" cap="none" spc="0" normalizeH="0" baseline="0" noProof="0" dirty="0" smtClean="0">
+                <a:ln>
+                  <a:noFill/>
+                </a:ln>
+                <a:solidFill>
+                  <a:prstClr val="white"/>
+                </a:solidFill>
+                <a:effectLst/>
+                <a:uLnTx/>
+                <a:uFillTx/>
+                <a:latin typeface="Calibri" panose="020F0502020204030204"/>
+                <a:ea typeface="+mn-ea"/>
+                <a:cs typeface="+mn-cs"/>
+              </a:rPr>
+              <a:t>Contratante</a:t>
+            </a:r>
+            <a:endParaRPr kumimoji="0" lang="pt-BR" sz="1800" b="0" i="0" u="none" strike="noStrike" kern="1200" cap="none" spc="0" normalizeH="0" baseline="0" noProof="0" dirty="0">
+              <a:ln>
+                <a:noFill/>
+              </a:ln>
+              <a:solidFill>
+                <a:prstClr val="white"/>
+              </a:solidFill>
+              <a:effectLst/>
+              <a:uLnTx/>
+              <a:uFillTx/>
+              <a:latin typeface="Calibri" panose="020F0502020204030204"/>
+              <a:ea typeface="+mn-ea"/>
+              <a:cs typeface="+mn-cs"/>
+            </a:endParaRPr>
+          </a:p>
+        </p:txBody>
+      </p:sp>
+      <p:cxnSp>
+        <p:nvCxnSpPr>
+          <p:cNvPr id="7" name="Conector de Seta Reta 6"/>
+          <p:cNvCxnSpPr>
+            <a:stCxn id="27" idx="2"/>
+            <a:endCxn id="9" idx="0"/>
+          </p:cNvCxnSpPr>
+          <p:nvPr/>
+        </p:nvCxnSpPr>
+        <p:spPr>
+          <a:xfrm>
+            <a:off x="4004947" y="2248513"/>
+            <a:ext cx="0" cy="1031981"/>
+          </a:xfrm>
+          <a:prstGeom prst="straightConnector1">
+            <a:avLst/>
+          </a:prstGeom>
+          <a:ln w="28575">
+            <a:solidFill>
+              <a:schemeClr val="tx1"/>
+            </a:solidFill>
+            <a:tailEnd type="triangle"/>
+          </a:ln>
+        </p:spPr>
+        <p:style>
+          <a:lnRef idx="1">
+            <a:schemeClr val="accent1"/>
+          </a:lnRef>
+          <a:fillRef idx="0">
+            <a:schemeClr val="accent1"/>
+          </a:fillRef>
+          <a:effectRef idx="0">
+            <a:schemeClr val="accent1"/>
+          </a:effectRef>
+          <a:fontRef idx="minor">
+            <a:schemeClr val="tx1"/>
+          </a:fontRef>
+        </p:style>
+      </p:cxnSp>
+      <p:sp>
+        <p:nvSpPr>
+          <p:cNvPr id="31" name="CaixaDeTexto 30"/>
+          <p:cNvSpPr txBox="1"/>
+          <p:nvPr/>
+        </p:nvSpPr>
+        <p:spPr>
+          <a:xfrm>
+            <a:off x="3250625" y="2429565"/>
+            <a:ext cx="1514231" cy="646331"/>
+          </a:xfrm>
+          <a:prstGeom prst="rect">
+            <a:avLst/>
+          </a:prstGeom>
+          <a:solidFill>
+            <a:schemeClr val="bg1"/>
+          </a:solidFill>
+        </p:spPr>
+        <p:txBody>
+          <a:bodyPr wrap="square" rtlCol="0">
+            <a:spAutoFit/>
+          </a:bodyPr>
+          <a:lstStyle/>
+          <a:p>
+            <a:pPr marL="0" marR="0" lvl="0" indent="0" algn="ctr" defTabSz="914400" rtl="0" eaLnBrk="1" fontAlgn="auto" latinLnBrk="0" hangingPunct="1">
+              <a:lnSpc>
+                <a:spcPct val="100000"/>
+              </a:lnSpc>
+              <a:spcBef>
+                <a:spcPts val="0"/>
+              </a:spcBef>
+              <a:spcAft>
+                <a:spcPts val="0"/>
+              </a:spcAft>
+              <a:buClrTx/>
+              <a:buSzTx/>
+              <a:buFontTx/>
+              <a:buNone/>
+              <a:tabLst/>
+              <a:defRPr/>
+            </a:pPr>
+            <a:r>
+              <a:rPr kumimoji="0" lang="pt-BR" sz="1800" b="0" i="0" u="none" strike="noStrike" kern="1200" cap="none" spc="0" normalizeH="0" baseline="0" noProof="0" dirty="0" smtClean="0">
+                <a:ln>
+                  <a:noFill/>
+                </a:ln>
+                <a:solidFill>
+                  <a:prstClr val="black"/>
+                </a:solidFill>
+                <a:effectLst/>
+                <a:uLnTx/>
+                <a:uFillTx/>
+                <a:latin typeface="Calibri" panose="020F0502020204030204"/>
+                <a:ea typeface="+mn-ea"/>
+                <a:cs typeface="+mn-cs"/>
+              </a:rPr>
+              <a:t>Lista de convidados</a:t>
+            </a:r>
+            <a:endParaRPr kumimoji="0" lang="pt-BR" sz="1800" b="0" i="0" u="none" strike="noStrike" kern="1200" cap="none" spc="0" normalizeH="0" baseline="0" noProof="0" dirty="0">
+              <a:ln>
+                <a:noFill/>
+              </a:ln>
+              <a:solidFill>
+                <a:prstClr val="black"/>
+              </a:solidFill>
+              <a:effectLst/>
+              <a:uLnTx/>
+              <a:uFillTx/>
+              <a:latin typeface="Calibri" panose="020F0502020204030204"/>
+              <a:ea typeface="+mn-ea"/>
+              <a:cs typeface="+mn-cs"/>
+            </a:endParaRPr>
+          </a:p>
+        </p:txBody>
+      </p:sp>
+      <p:grpSp>
+        <p:nvGrpSpPr>
+          <p:cNvPr id="14" name="Agrupar 13"/>
+          <p:cNvGrpSpPr/>
+          <p:nvPr/>
+        </p:nvGrpSpPr>
+        <p:grpSpPr>
+          <a:xfrm>
+            <a:off x="3000471" y="5768631"/>
+            <a:ext cx="2008948" cy="548258"/>
+            <a:chOff x="4129678" y="1093123"/>
+            <a:chExt cx="1882172" cy="407324"/>
+          </a:xfrm>
+        </p:grpSpPr>
+        <p:grpSp>
+          <p:nvGrpSpPr>
+            <p:cNvPr id="15" name="Agrupar 14"/>
+            <p:cNvGrpSpPr/>
+            <p:nvPr/>
+          </p:nvGrpSpPr>
+          <p:grpSpPr>
+            <a:xfrm>
+              <a:off x="4422373" y="1093123"/>
+              <a:ext cx="1296785" cy="407324"/>
+              <a:chOff x="914399" y="58189"/>
+              <a:chExt cx="1296785" cy="407324"/>
+            </a:xfrm>
+          </p:grpSpPr>
+          <p:cxnSp>
+            <p:nvCxnSpPr>
+              <p:cNvPr id="17" name="Conector reto 16"/>
+              <p:cNvCxnSpPr/>
+              <p:nvPr/>
+            </p:nvCxnSpPr>
+            <p:spPr>
+              <a:xfrm>
+                <a:off x="914399" y="457200"/>
+                <a:ext cx="1296785" cy="8313"/>
+              </a:xfrm>
+              <a:prstGeom prst="line">
+                <a:avLst/>
+              </a:prstGeom>
+              <a:ln w="28575"/>
+            </p:spPr>
+            <p:style>
+              <a:lnRef idx="1">
+                <a:schemeClr val="accent1"/>
+              </a:lnRef>
+              <a:fillRef idx="0">
+                <a:schemeClr val="accent1"/>
+              </a:fillRef>
+              <a:effectRef idx="0">
+                <a:schemeClr val="accent1"/>
+              </a:effectRef>
+              <a:fontRef idx="minor">
+                <a:schemeClr val="tx1"/>
+              </a:fontRef>
+            </p:style>
+          </p:cxnSp>
+          <p:cxnSp>
+            <p:nvCxnSpPr>
+              <p:cNvPr id="18" name="Conector reto 17"/>
+              <p:cNvCxnSpPr/>
+              <p:nvPr/>
+            </p:nvCxnSpPr>
+            <p:spPr>
+              <a:xfrm>
+                <a:off x="914399" y="58189"/>
+                <a:ext cx="1296785" cy="8313"/>
+              </a:xfrm>
+              <a:prstGeom prst="line">
+                <a:avLst/>
+              </a:prstGeom>
+              <a:ln w="28575"/>
+            </p:spPr>
+            <p:style>
+              <a:lnRef idx="1">
+                <a:schemeClr val="accent1"/>
+              </a:lnRef>
+              <a:fillRef idx="0">
+                <a:schemeClr val="accent1"/>
+              </a:fillRef>
+              <a:effectRef idx="0">
+                <a:schemeClr val="accent1"/>
+              </a:effectRef>
+              <a:fontRef idx="minor">
+                <a:schemeClr val="tx1"/>
+              </a:fontRef>
+            </p:style>
+          </p:cxnSp>
+        </p:grpSp>
+        <p:sp>
+          <p:nvSpPr>
+            <p:cNvPr id="16" name="CaixaDeTexto 15"/>
+            <p:cNvSpPr txBox="1"/>
+            <p:nvPr/>
+          </p:nvSpPr>
+          <p:spPr>
+            <a:xfrm>
+              <a:off x="4129678" y="1159589"/>
+              <a:ext cx="1882172" cy="274392"/>
+            </a:xfrm>
+            <a:prstGeom prst="rect">
+              <a:avLst/>
+            </a:prstGeom>
+            <a:noFill/>
+          </p:spPr>
+          <p:txBody>
+            <a:bodyPr wrap="none" rtlCol="0">
+              <a:spAutoFit/>
+            </a:bodyPr>
+            <a:lstStyle/>
+            <a:p>
+              <a:pPr marL="0" marR="0" lvl="0" indent="0" algn="l" defTabSz="914400" rtl="0" eaLnBrk="1" fontAlgn="auto" latinLnBrk="0" hangingPunct="1">
+                <a:lnSpc>
+                  <a:spcPct val="100000"/>
+                </a:lnSpc>
+                <a:spcBef>
+                  <a:spcPts val="0"/>
+                </a:spcBef>
+                <a:spcAft>
+                  <a:spcPts val="0"/>
+                </a:spcAft>
+                <a:buClrTx/>
+                <a:buSzTx/>
+                <a:buFontTx/>
+                <a:buNone/>
+                <a:tabLst/>
+                <a:defRPr/>
+              </a:pPr>
+              <a:r>
+                <a:rPr lang="pt-BR" noProof="0" dirty="0" smtClean="0">
+                  <a:solidFill>
+                    <a:prstClr val="black"/>
+                  </a:solidFill>
+                  <a:latin typeface="Calibri" panose="020F0502020204030204"/>
                 </a:rPr>
                 <a:t>Lista de convidados</a:t>
               </a:r>
@@ -38011,6 +38153,45 @@
           </p:txBody>
         </p:sp>
       </p:grpSp>
+      <p:cxnSp>
+        <p:nvCxnSpPr>
+          <p:cNvPr id="11" name="Conector de Seta Reta 10"/>
+          <p:cNvCxnSpPr>
+            <a:stCxn id="9" idx="4"/>
+          </p:cNvCxnSpPr>
+          <p:nvPr/>
+        </p:nvCxnSpPr>
+        <p:spPr>
+          <a:xfrm flipH="1">
+            <a:off x="4004945" y="4720494"/>
+            <a:ext cx="2" cy="1048137"/>
+          </a:xfrm>
+          <a:prstGeom prst="straightConnector1">
+            <a:avLst/>
+          </a:prstGeom>
+          <a:ln w="28575">
+            <a:solidFill>
+              <a:schemeClr val="tx1"/>
+            </a:solidFill>
+            <a:headEnd type="triangle"/>
+            <a:tailEnd type="triangle"/>
+          </a:ln>
+        </p:spPr>
+        <p:style>
+          <a:lnRef idx="1">
+            <a:schemeClr val="accent1"/>
+          </a:lnRef>
+          <a:fillRef idx="0">
+            <a:schemeClr val="accent1"/>
+          </a:fillRef>
+          <a:effectRef idx="0">
+            <a:schemeClr val="accent1"/>
+          </a:effectRef>
+          <a:fontRef idx="minor">
+            <a:schemeClr val="tx1"/>
+          </a:fontRef>
+        </p:style>
+      </p:cxnSp>
     </p:spTree>
     <p:extLst>
       <p:ext uri="{BB962C8B-B14F-4D97-AF65-F5344CB8AC3E}">
@@ -44117,16 +44298,7 @@
                   </a:solidFill>
                   <a:latin typeface="Calibri" panose="020F0502020204030204"/>
                 </a:rPr>
-                <a:t>Receber </a:t>
-              </a:r>
-              <a:r>
-                <a:rPr lang="pt-BR" sz="1430" dirty="0" smtClean="0">
-                  <a:solidFill>
-                    <a:prstClr val="white"/>
-                  </a:solidFill>
-                  <a:latin typeface="Calibri" panose="020F0502020204030204"/>
-                </a:rPr>
-                <a:t>produtos</a:t>
+                <a:t>Receber produtos</a:t>
               </a:r>
               <a:endParaRPr kumimoji="0" lang="pt-BR" sz="1430" b="0" i="0" u="none" strike="noStrike" kern="1200" cap="none" spc="0" normalizeH="0" baseline="0" noProof="0" dirty="0">
                 <a:ln>
@@ -45000,24 +45172,7 @@
                 <a:ea typeface="+mn-ea"/>
                 <a:cs typeface="+mn-cs"/>
               </a:rPr>
-              <a:t> </a:t>
-            </a:r>
-            <a:r>
-              <a:rPr kumimoji="0" lang="pt-BR" sz="1600" b="0" i="0" u="none" strike="noStrike" kern="1200" cap="none" spc="0" normalizeH="0" baseline="0" noProof="0" dirty="0" smtClean="0">
-                <a:ln>
-                  <a:noFill/>
-                </a:ln>
-                <a:solidFill>
-                  <a:prstClr val="white"/>
-                </a:solidFill>
-                <a:effectLst/>
-                <a:uLnTx/>
-                <a:uFillTx/>
-                <a:latin typeface="Calibri" panose="020F0502020204030204"/>
-                <a:ea typeface="+mn-ea"/>
-                <a:cs typeface="+mn-cs"/>
-              </a:rPr>
-              <a:t>pedido</a:t>
+              <a:t> pedido</a:t>
             </a:r>
             <a:endParaRPr kumimoji="0" lang="pt-BR" sz="1600" b="0" i="0" u="none" strike="noStrike" kern="1200" cap="none" spc="0" normalizeH="0" baseline="0" noProof="0" dirty="0">
               <a:ln>

--- a/Artefatos/16. Diagramas de Fluxo de Dados.pptx
+++ b/Artefatos/16. Diagramas de Fluxo de Dados.pptx
@@ -170,7 +170,7 @@
       </p14:sectionLst>
     </p:ext>
     <p:ext uri="{EFAFB233-063F-42B5-8137-9DF3F51BA10A}">
-      <p15:sldGuideLst xmlns:p15="http://schemas.microsoft.com/office/powerpoint/2012/main"/>
+      <p15:sldGuideLst xmlns:p15="http://schemas.microsoft.com/office/powerpoint/2012/main" xmlns=""/>
     </p:ext>
   </p:extLst>
 </p:presentation>
@@ -307,7 +307,7 @@
           <a:p>
             <a:fld id="{4DBD1E3A-4E22-4317-B6F0-1BA28CFB09D2}" type="datetimeFigureOut">
               <a:rPr lang="pt-BR" smtClean="0"/>
-              <a:t>29/04/2020</a:t>
+              <a:t>02/05/2020</a:t>
             </a:fld>
             <a:endParaRPr lang="pt-BR"/>
           </a:p>
@@ -477,7 +477,7 @@
           <a:p>
             <a:fld id="{4DBD1E3A-4E22-4317-B6F0-1BA28CFB09D2}" type="datetimeFigureOut">
               <a:rPr lang="pt-BR" smtClean="0"/>
-              <a:t>29/04/2020</a:t>
+              <a:t>02/05/2020</a:t>
             </a:fld>
             <a:endParaRPr lang="pt-BR"/>
           </a:p>
@@ -657,7 +657,7 @@
           <a:p>
             <a:fld id="{4DBD1E3A-4E22-4317-B6F0-1BA28CFB09D2}" type="datetimeFigureOut">
               <a:rPr lang="pt-BR" smtClean="0"/>
-              <a:t>29/04/2020</a:t>
+              <a:t>02/05/2020</a:t>
             </a:fld>
             <a:endParaRPr lang="pt-BR"/>
           </a:p>
@@ -849,7 +849,7 @@
           <a:p>
             <a:fld id="{4DBD1E3A-4E22-4317-B6F0-1BA28CFB09D2}" type="datetimeFigureOut">
               <a:rPr lang="pt-BR" smtClean="0"/>
-              <a:t>29/04/2020</a:t>
+              <a:t>02/05/2020</a:t>
             </a:fld>
             <a:endParaRPr lang="pt-BR"/>
           </a:p>
@@ -1019,7 +1019,7 @@
           <a:p>
             <a:fld id="{4DBD1E3A-4E22-4317-B6F0-1BA28CFB09D2}" type="datetimeFigureOut">
               <a:rPr lang="pt-BR" smtClean="0"/>
-              <a:t>29/04/2020</a:t>
+              <a:t>02/05/2020</a:t>
             </a:fld>
             <a:endParaRPr lang="pt-BR"/>
           </a:p>
@@ -1265,7 +1265,7 @@
           <a:p>
             <a:fld id="{4DBD1E3A-4E22-4317-B6F0-1BA28CFB09D2}" type="datetimeFigureOut">
               <a:rPr lang="pt-BR" smtClean="0"/>
-              <a:t>29/04/2020</a:t>
+              <a:t>02/05/2020</a:t>
             </a:fld>
             <a:endParaRPr lang="pt-BR"/>
           </a:p>
@@ -1497,7 +1497,7 @@
           <a:p>
             <a:fld id="{4DBD1E3A-4E22-4317-B6F0-1BA28CFB09D2}" type="datetimeFigureOut">
               <a:rPr lang="pt-BR" smtClean="0"/>
-              <a:t>29/04/2020</a:t>
+              <a:t>02/05/2020</a:t>
             </a:fld>
             <a:endParaRPr lang="pt-BR"/>
           </a:p>
@@ -1864,7 +1864,7 @@
           <a:p>
             <a:fld id="{4DBD1E3A-4E22-4317-B6F0-1BA28CFB09D2}" type="datetimeFigureOut">
               <a:rPr lang="pt-BR" smtClean="0"/>
-              <a:t>29/04/2020</a:t>
+              <a:t>02/05/2020</a:t>
             </a:fld>
             <a:endParaRPr lang="pt-BR"/>
           </a:p>
@@ -1982,7 +1982,7 @@
           <a:p>
             <a:fld id="{4DBD1E3A-4E22-4317-B6F0-1BA28CFB09D2}" type="datetimeFigureOut">
               <a:rPr lang="pt-BR" smtClean="0"/>
-              <a:t>29/04/2020</a:t>
+              <a:t>02/05/2020</a:t>
             </a:fld>
             <a:endParaRPr lang="pt-BR"/>
           </a:p>
@@ -2077,7 +2077,7 @@
           <a:p>
             <a:fld id="{4DBD1E3A-4E22-4317-B6F0-1BA28CFB09D2}" type="datetimeFigureOut">
               <a:rPr lang="pt-BR" smtClean="0"/>
-              <a:t>29/04/2020</a:t>
+              <a:t>02/05/2020</a:t>
             </a:fld>
             <a:endParaRPr lang="pt-BR"/>
           </a:p>
@@ -2354,7 +2354,7 @@
           <a:p>
             <a:fld id="{4DBD1E3A-4E22-4317-B6F0-1BA28CFB09D2}" type="datetimeFigureOut">
               <a:rPr lang="pt-BR" smtClean="0"/>
-              <a:t>29/04/2020</a:t>
+              <a:t>02/05/2020</a:t>
             </a:fld>
             <a:endParaRPr lang="pt-BR"/>
           </a:p>
@@ -2524,7 +2524,7 @@
           <a:p>
             <a:fld id="{4DBD1E3A-4E22-4317-B6F0-1BA28CFB09D2}" type="datetimeFigureOut">
               <a:rPr lang="pt-BR" smtClean="0"/>
-              <a:t>29/04/2020</a:t>
+              <a:t>02/05/2020</a:t>
             </a:fld>
             <a:endParaRPr lang="pt-BR"/>
           </a:p>
@@ -2781,7 +2781,7 @@
           <a:p>
             <a:fld id="{4DBD1E3A-4E22-4317-B6F0-1BA28CFB09D2}" type="datetimeFigureOut">
               <a:rPr lang="pt-BR" smtClean="0"/>
-              <a:t>29/04/2020</a:t>
+              <a:t>02/05/2020</a:t>
             </a:fld>
             <a:endParaRPr lang="pt-BR"/>
           </a:p>
@@ -2951,7 +2951,7 @@
           <a:p>
             <a:fld id="{4DBD1E3A-4E22-4317-B6F0-1BA28CFB09D2}" type="datetimeFigureOut">
               <a:rPr lang="pt-BR" smtClean="0"/>
-              <a:t>29/04/2020</a:t>
+              <a:t>02/05/2020</a:t>
             </a:fld>
             <a:endParaRPr lang="pt-BR"/>
           </a:p>
@@ -3131,7 +3131,7 @@
           <a:p>
             <a:fld id="{4DBD1E3A-4E22-4317-B6F0-1BA28CFB09D2}" type="datetimeFigureOut">
               <a:rPr lang="pt-BR" smtClean="0"/>
-              <a:t>29/04/2020</a:t>
+              <a:t>02/05/2020</a:t>
             </a:fld>
             <a:endParaRPr lang="pt-BR"/>
           </a:p>
@@ -3372,7 +3372,7 @@
                 <a:tabLst/>
                 <a:defRPr/>
               </a:pPr>
-              <a:t>29/04/2020</a:t>
+              <a:t>02/05/2020</a:t>
             </a:fld>
             <a:endParaRPr kumimoji="0" lang="pt-BR" sz="1200" b="0" i="0" u="none" strike="noStrike" kern="1200" cap="none" spc="0" normalizeH="0" baseline="0" noProof="0" smtClean="0">
               <a:ln>
@@ -3702,7 +3702,7 @@
                 <a:tabLst/>
                 <a:defRPr/>
               </a:pPr>
-              <a:t>29/04/2020</a:t>
+              <a:t>02/05/2020</a:t>
             </a:fld>
             <a:endParaRPr kumimoji="0" lang="pt-BR" sz="1200" b="0" i="0" u="none" strike="noStrike" kern="1200" cap="none" spc="0" normalizeH="0" baseline="0" noProof="0" smtClean="0">
               <a:ln>
@@ -4108,7 +4108,7 @@
                 <a:tabLst/>
                 <a:defRPr/>
               </a:pPr>
-              <a:t>29/04/2020</a:t>
+              <a:t>02/05/2020</a:t>
             </a:fld>
             <a:endParaRPr kumimoji="0" lang="pt-BR" sz="1200" b="0" i="0" u="none" strike="noStrike" kern="1200" cap="none" spc="0" normalizeH="0" baseline="0" noProof="0" smtClean="0">
               <a:ln>
@@ -4500,7 +4500,7 @@
                 <a:tabLst/>
                 <a:defRPr/>
               </a:pPr>
-              <a:t>29/04/2020</a:t>
+              <a:t>02/05/2020</a:t>
             </a:fld>
             <a:endParaRPr kumimoji="0" lang="pt-BR" sz="1200" b="0" i="0" u="none" strike="noStrike" kern="1200" cap="none" spc="0" normalizeH="0" baseline="0" noProof="0" smtClean="0">
               <a:ln>
@@ -5027,7 +5027,7 @@
                 <a:tabLst/>
                 <a:defRPr/>
               </a:pPr>
-              <a:t>29/04/2020</a:t>
+              <a:t>02/05/2020</a:t>
             </a:fld>
             <a:endParaRPr kumimoji="0" lang="pt-BR" sz="1200" b="0" i="0" u="none" strike="noStrike" kern="1200" cap="none" spc="0" normalizeH="0" baseline="0" noProof="0" smtClean="0">
               <a:ln>
@@ -5305,7 +5305,7 @@
                 <a:tabLst/>
                 <a:defRPr/>
               </a:pPr>
-              <a:t>29/04/2020</a:t>
+              <a:t>02/05/2020</a:t>
             </a:fld>
             <a:endParaRPr kumimoji="0" lang="pt-BR" sz="1200" b="0" i="0" u="none" strike="noStrike" kern="1200" cap="none" spc="0" normalizeH="0" baseline="0" noProof="0" smtClean="0">
               <a:ln>
@@ -5560,7 +5560,7 @@
                 <a:tabLst/>
                 <a:defRPr/>
               </a:pPr>
-              <a:t>29/04/2020</a:t>
+              <a:t>02/05/2020</a:t>
             </a:fld>
             <a:endParaRPr kumimoji="0" lang="pt-BR" sz="1200" b="0" i="0" u="none" strike="noStrike" kern="1200" cap="none" spc="0" normalizeH="0" baseline="0" noProof="0" smtClean="0">
               <a:ln>
@@ -5917,7 +5917,7 @@
           <a:p>
             <a:fld id="{4DBD1E3A-4E22-4317-B6F0-1BA28CFB09D2}" type="datetimeFigureOut">
               <a:rPr lang="pt-BR" smtClean="0"/>
-              <a:t>29/04/2020</a:t>
+              <a:t>02/05/2020</a:t>
             </a:fld>
             <a:endParaRPr lang="pt-BR"/>
           </a:p>
@@ -6243,7 +6243,7 @@
                 <a:tabLst/>
                 <a:defRPr/>
               </a:pPr>
-              <a:t>29/04/2020</a:t>
+              <a:t>02/05/2020</a:t>
             </a:fld>
             <a:endParaRPr kumimoji="0" lang="pt-BR" sz="1200" b="0" i="0" u="none" strike="noStrike" kern="1200" cap="none" spc="0" normalizeH="0" baseline="0" noProof="0" smtClean="0">
               <a:ln>
@@ -6656,7 +6656,7 @@
                 <a:tabLst/>
                 <a:defRPr/>
               </a:pPr>
-              <a:t>29/04/2020</a:t>
+              <a:t>02/05/2020</a:t>
             </a:fld>
             <a:endParaRPr kumimoji="0" lang="pt-BR" sz="1200" b="0" i="0" u="none" strike="noStrike" kern="1200" cap="none" spc="0" normalizeH="0" baseline="0" noProof="0" smtClean="0">
               <a:ln>
@@ -6986,7 +6986,7 @@
                 <a:tabLst/>
                 <a:defRPr/>
               </a:pPr>
-              <a:t>29/04/2020</a:t>
+              <a:t>02/05/2020</a:t>
             </a:fld>
             <a:endParaRPr kumimoji="0" lang="pt-BR" sz="1200" b="0" i="0" u="none" strike="noStrike" kern="1200" cap="none" spc="0" normalizeH="0" baseline="0" noProof="0" smtClean="0">
               <a:ln>
@@ -7326,7 +7326,7 @@
                 <a:tabLst/>
                 <a:defRPr/>
               </a:pPr>
-              <a:t>29/04/2020</a:t>
+              <a:t>02/05/2020</a:t>
             </a:fld>
             <a:endParaRPr kumimoji="0" lang="pt-BR" sz="1200" b="0" i="0" u="none" strike="noStrike" kern="1200" cap="none" spc="0" normalizeH="0" baseline="0" noProof="0" smtClean="0">
               <a:ln>
@@ -7678,7 +7678,7 @@
                 <a:tabLst/>
                 <a:defRPr/>
               </a:pPr>
-              <a:t>29/04/2020</a:t>
+              <a:t>02/05/2020</a:t>
             </a:fld>
             <a:endParaRPr kumimoji="0" lang="pt-BR" sz="1200" b="0" i="0" u="none" strike="noStrike" kern="1200" cap="none" spc="0" normalizeH="0" baseline="0" noProof="0">
               <a:ln>
@@ -8008,7 +8008,7 @@
                 <a:tabLst/>
                 <a:defRPr/>
               </a:pPr>
-              <a:t>29/04/2020</a:t>
+              <a:t>02/05/2020</a:t>
             </a:fld>
             <a:endParaRPr kumimoji="0" lang="pt-BR" sz="1200" b="0" i="0" u="none" strike="noStrike" kern="1200" cap="none" spc="0" normalizeH="0" baseline="0" noProof="0">
               <a:ln>
@@ -8414,7 +8414,7 @@
                 <a:tabLst/>
                 <a:defRPr/>
               </a:pPr>
-              <a:t>29/04/2020</a:t>
+              <a:t>02/05/2020</a:t>
             </a:fld>
             <a:endParaRPr kumimoji="0" lang="pt-BR" sz="1200" b="0" i="0" u="none" strike="noStrike" kern="1200" cap="none" spc="0" normalizeH="0" baseline="0" noProof="0">
               <a:ln>
@@ -8806,7 +8806,7 @@
                 <a:tabLst/>
                 <a:defRPr/>
               </a:pPr>
-              <a:t>29/04/2020</a:t>
+              <a:t>02/05/2020</a:t>
             </a:fld>
             <a:endParaRPr kumimoji="0" lang="pt-BR" sz="1200" b="0" i="0" u="none" strike="noStrike" kern="1200" cap="none" spc="0" normalizeH="0" baseline="0" noProof="0">
               <a:ln>
@@ -9333,7 +9333,7 @@
                 <a:tabLst/>
                 <a:defRPr/>
               </a:pPr>
-              <a:t>29/04/2020</a:t>
+              <a:t>02/05/2020</a:t>
             </a:fld>
             <a:endParaRPr kumimoji="0" lang="pt-BR" sz="1200" b="0" i="0" u="none" strike="noStrike" kern="1200" cap="none" spc="0" normalizeH="0" baseline="0" noProof="0">
               <a:ln>
@@ -9611,7 +9611,7 @@
                 <a:tabLst/>
                 <a:defRPr/>
               </a:pPr>
-              <a:t>29/04/2020</a:t>
+              <a:t>02/05/2020</a:t>
             </a:fld>
             <a:endParaRPr kumimoji="0" lang="pt-BR" sz="1200" b="0" i="0" u="none" strike="noStrike" kern="1200" cap="none" spc="0" normalizeH="0" baseline="0" noProof="0">
               <a:ln>
@@ -9954,7 +9954,7 @@
           <a:p>
             <a:fld id="{4DBD1E3A-4E22-4317-B6F0-1BA28CFB09D2}" type="datetimeFigureOut">
               <a:rPr lang="pt-BR" smtClean="0"/>
-              <a:t>29/04/2020</a:t>
+              <a:t>02/05/2020</a:t>
             </a:fld>
             <a:endParaRPr lang="pt-BR"/>
           </a:p>
@@ -10098,7 +10098,7 @@
                 <a:tabLst/>
                 <a:defRPr/>
               </a:pPr>
-              <a:t>29/04/2020</a:t>
+              <a:t>02/05/2020</a:t>
             </a:fld>
             <a:endParaRPr kumimoji="0" lang="pt-BR" sz="1200" b="0" i="0" u="none" strike="noStrike" kern="1200" cap="none" spc="0" normalizeH="0" baseline="0" noProof="0">
               <a:ln>
@@ -10535,7 +10535,7 @@
                 <a:tabLst/>
                 <a:defRPr/>
               </a:pPr>
-              <a:t>29/04/2020</a:t>
+              <a:t>02/05/2020</a:t>
             </a:fld>
             <a:endParaRPr kumimoji="0" lang="pt-BR" sz="1200" b="0" i="0" u="none" strike="noStrike" kern="1200" cap="none" spc="0" normalizeH="0" baseline="0" noProof="0">
               <a:ln>
@@ -10952,7 +10952,7 @@
                 <a:tabLst/>
                 <a:defRPr/>
               </a:pPr>
-              <a:t>29/04/2020</a:t>
+              <a:t>02/05/2020</a:t>
             </a:fld>
             <a:endParaRPr kumimoji="0" lang="pt-BR" sz="1200" b="0" i="0" u="none" strike="noStrike" kern="1200" cap="none" spc="0" normalizeH="0" baseline="0" noProof="0">
               <a:ln>
@@ -11282,7 +11282,7 @@
                 <a:tabLst/>
                 <a:defRPr/>
               </a:pPr>
-              <a:t>29/04/2020</a:t>
+              <a:t>02/05/2020</a:t>
             </a:fld>
             <a:endParaRPr kumimoji="0" lang="pt-BR" sz="1200" b="0" i="0" u="none" strike="noStrike" kern="1200" cap="none" spc="0" normalizeH="0" baseline="0" noProof="0">
               <a:ln>
@@ -11622,7 +11622,7 @@
                 <a:tabLst/>
                 <a:defRPr/>
               </a:pPr>
-              <a:t>29/04/2020</a:t>
+              <a:t>02/05/2020</a:t>
             </a:fld>
             <a:endParaRPr kumimoji="0" lang="pt-BR" sz="1200" b="0" i="0" u="none" strike="noStrike" kern="1200" cap="none" spc="0" normalizeH="0" baseline="0" noProof="0">
               <a:ln>
@@ -11974,7 +11974,7 @@
                 <a:tabLst/>
                 <a:defRPr/>
               </a:pPr>
-              <a:t>29/04/2020</a:t>
+              <a:t>02/05/2020</a:t>
             </a:fld>
             <a:endParaRPr kumimoji="0" lang="pt-BR" sz="1200" b="0" i="0" u="none" strike="noStrike" kern="1200" cap="none" spc="0" normalizeH="0" baseline="0" noProof="0">
               <a:ln>
@@ -12304,7 +12304,7 @@
                 <a:tabLst/>
                 <a:defRPr/>
               </a:pPr>
-              <a:t>29/04/2020</a:t>
+              <a:t>02/05/2020</a:t>
             </a:fld>
             <a:endParaRPr kumimoji="0" lang="pt-BR" sz="1200" b="0" i="0" u="none" strike="noStrike" kern="1200" cap="none" spc="0" normalizeH="0" baseline="0" noProof="0">
               <a:ln>
@@ -12710,7 +12710,7 @@
                 <a:tabLst/>
                 <a:defRPr/>
               </a:pPr>
-              <a:t>29/04/2020</a:t>
+              <a:t>02/05/2020</a:t>
             </a:fld>
             <a:endParaRPr kumimoji="0" lang="pt-BR" sz="1200" b="0" i="0" u="none" strike="noStrike" kern="1200" cap="none" spc="0" normalizeH="0" baseline="0" noProof="0">
               <a:ln>
@@ -13102,7 +13102,7 @@
                 <a:tabLst/>
                 <a:defRPr/>
               </a:pPr>
-              <a:t>29/04/2020</a:t>
+              <a:t>02/05/2020</a:t>
             </a:fld>
             <a:endParaRPr kumimoji="0" lang="pt-BR" sz="1200" b="0" i="0" u="none" strike="noStrike" kern="1200" cap="none" spc="0" normalizeH="0" baseline="0" noProof="0">
               <a:ln>
@@ -13629,7 +13629,7 @@
                 <a:tabLst/>
                 <a:defRPr/>
               </a:pPr>
-              <a:t>29/04/2020</a:t>
+              <a:t>02/05/2020</a:t>
             </a:fld>
             <a:endParaRPr kumimoji="0" lang="pt-BR" sz="1200" b="0" i="0" u="none" strike="noStrike" kern="1200" cap="none" spc="0" normalizeH="0" baseline="0" noProof="0">
               <a:ln>
@@ -14107,7 +14107,7 @@
           <a:p>
             <a:fld id="{4DBD1E3A-4E22-4317-B6F0-1BA28CFB09D2}" type="datetimeFigureOut">
               <a:rPr lang="pt-BR" smtClean="0"/>
-              <a:t>29/04/2020</a:t>
+              <a:t>02/05/2020</a:t>
             </a:fld>
             <a:endParaRPr lang="pt-BR"/>
           </a:p>
@@ -14274,7 +14274,7 @@
                 <a:tabLst/>
                 <a:defRPr/>
               </a:pPr>
-              <a:t>29/04/2020</a:t>
+              <a:t>02/05/2020</a:t>
             </a:fld>
             <a:endParaRPr kumimoji="0" lang="pt-BR" sz="1200" b="0" i="0" u="none" strike="noStrike" kern="1200" cap="none" spc="0" normalizeH="0" baseline="0" noProof="0">
               <a:ln>
@@ -14529,7 +14529,7 @@
                 <a:tabLst/>
                 <a:defRPr/>
               </a:pPr>
-              <a:t>29/04/2020</a:t>
+              <a:t>02/05/2020</a:t>
             </a:fld>
             <a:endParaRPr kumimoji="0" lang="pt-BR" sz="1200" b="0" i="0" u="none" strike="noStrike" kern="1200" cap="none" spc="0" normalizeH="0" baseline="0" noProof="0">
               <a:ln>
@@ -14966,7 +14966,7 @@
                 <a:tabLst/>
                 <a:defRPr/>
               </a:pPr>
-              <a:t>29/04/2020</a:t>
+              <a:t>02/05/2020</a:t>
             </a:fld>
             <a:endParaRPr kumimoji="0" lang="pt-BR" sz="1200" b="0" i="0" u="none" strike="noStrike" kern="1200" cap="none" spc="0" normalizeH="0" baseline="0" noProof="0">
               <a:ln>
@@ -15383,7 +15383,7 @@
                 <a:tabLst/>
                 <a:defRPr/>
               </a:pPr>
-              <a:t>29/04/2020</a:t>
+              <a:t>02/05/2020</a:t>
             </a:fld>
             <a:endParaRPr kumimoji="0" lang="pt-BR" sz="1200" b="0" i="0" u="none" strike="noStrike" kern="1200" cap="none" spc="0" normalizeH="0" baseline="0" noProof="0">
               <a:ln>
@@ -15713,7 +15713,7 @@
                 <a:tabLst/>
                 <a:defRPr/>
               </a:pPr>
-              <a:t>29/04/2020</a:t>
+              <a:t>02/05/2020</a:t>
             </a:fld>
             <a:endParaRPr kumimoji="0" lang="pt-BR" sz="1200" b="0" i="0" u="none" strike="noStrike" kern="1200" cap="none" spc="0" normalizeH="0" baseline="0" noProof="0">
               <a:ln>
@@ -16053,7 +16053,7 @@
                 <a:tabLst/>
                 <a:defRPr/>
               </a:pPr>
-              <a:t>29/04/2020</a:t>
+              <a:t>02/05/2020</a:t>
             </a:fld>
             <a:endParaRPr kumimoji="0" lang="pt-BR" sz="1200" b="0" i="0" u="none" strike="noStrike" kern="1200" cap="none" spc="0" normalizeH="0" baseline="0" noProof="0">
               <a:ln>
@@ -16405,7 +16405,7 @@
                 <a:tabLst/>
                 <a:defRPr/>
               </a:pPr>
-              <a:t>29/04/2020</a:t>
+              <a:t>02/05/2020</a:t>
             </a:fld>
             <a:endParaRPr kumimoji="0" lang="pt-BR" sz="1200" b="0" i="0" u="none" strike="noStrike" kern="1200" cap="none" spc="0" normalizeH="0" baseline="0" noProof="0" smtClean="0">
               <a:ln>
@@ -16735,7 +16735,7 @@
                 <a:tabLst/>
                 <a:defRPr/>
               </a:pPr>
-              <a:t>29/04/2020</a:t>
+              <a:t>02/05/2020</a:t>
             </a:fld>
             <a:endParaRPr kumimoji="0" lang="pt-BR" sz="1200" b="0" i="0" u="none" strike="noStrike" kern="1200" cap="none" spc="0" normalizeH="0" baseline="0" noProof="0" smtClean="0">
               <a:ln>
@@ -17141,7 +17141,7 @@
                 <a:tabLst/>
                 <a:defRPr/>
               </a:pPr>
-              <a:t>29/04/2020</a:t>
+              <a:t>02/05/2020</a:t>
             </a:fld>
             <a:endParaRPr kumimoji="0" lang="pt-BR" sz="1200" b="0" i="0" u="none" strike="noStrike" kern="1200" cap="none" spc="0" normalizeH="0" baseline="0" noProof="0" smtClean="0">
               <a:ln>
@@ -17533,7 +17533,7 @@
                 <a:tabLst/>
                 <a:defRPr/>
               </a:pPr>
-              <a:t>29/04/2020</a:t>
+              <a:t>02/05/2020</a:t>
             </a:fld>
             <a:endParaRPr kumimoji="0" lang="pt-BR" sz="1200" b="0" i="0" u="none" strike="noStrike" kern="1200" cap="none" spc="0" normalizeH="0" baseline="0" noProof="0" smtClean="0">
               <a:ln>
@@ -17762,7 +17762,7 @@
           <a:p>
             <a:fld id="{4DBD1E3A-4E22-4317-B6F0-1BA28CFB09D2}" type="datetimeFigureOut">
               <a:rPr lang="pt-BR" smtClean="0"/>
-              <a:t>29/04/2020</a:t>
+              <a:t>02/05/2020</a:t>
             </a:fld>
             <a:endParaRPr lang="pt-BR"/>
           </a:p>
@@ -18178,7 +18178,7 @@
                 <a:tabLst/>
                 <a:defRPr/>
               </a:pPr>
-              <a:t>29/04/2020</a:t>
+              <a:t>02/05/2020</a:t>
             </a:fld>
             <a:endParaRPr kumimoji="0" lang="pt-BR" sz="1200" b="0" i="0" u="none" strike="noStrike" kern="1200" cap="none" spc="0" normalizeH="0" baseline="0" noProof="0" smtClean="0">
               <a:ln>
@@ -18456,7 +18456,7 @@
                 <a:tabLst/>
                 <a:defRPr/>
               </a:pPr>
-              <a:t>29/04/2020</a:t>
+              <a:t>02/05/2020</a:t>
             </a:fld>
             <a:endParaRPr kumimoji="0" lang="pt-BR" sz="1200" b="0" i="0" u="none" strike="noStrike" kern="1200" cap="none" spc="0" normalizeH="0" baseline="0" noProof="0" smtClean="0">
               <a:ln>
@@ -18711,7 +18711,7 @@
                 <a:tabLst/>
                 <a:defRPr/>
               </a:pPr>
-              <a:t>29/04/2020</a:t>
+              <a:t>02/05/2020</a:t>
             </a:fld>
             <a:endParaRPr kumimoji="0" lang="pt-BR" sz="1200" b="0" i="0" u="none" strike="noStrike" kern="1200" cap="none" spc="0" normalizeH="0" baseline="0" noProof="0" smtClean="0">
               <a:ln>
@@ -19148,7 +19148,7 @@
                 <a:tabLst/>
                 <a:defRPr/>
               </a:pPr>
-              <a:t>29/04/2020</a:t>
+              <a:t>02/05/2020</a:t>
             </a:fld>
             <a:endParaRPr kumimoji="0" lang="pt-BR" sz="1200" b="0" i="0" u="none" strike="noStrike" kern="1200" cap="none" spc="0" normalizeH="0" baseline="0" noProof="0" smtClean="0">
               <a:ln>
@@ -19561,7 +19561,7 @@
                 <a:tabLst/>
                 <a:defRPr/>
               </a:pPr>
-              <a:t>29/04/2020</a:t>
+              <a:t>02/05/2020</a:t>
             </a:fld>
             <a:endParaRPr kumimoji="0" lang="pt-BR" sz="1200" b="0" i="0" u="none" strike="noStrike" kern="1200" cap="none" spc="0" normalizeH="0" baseline="0" noProof="0" smtClean="0">
               <a:ln>
@@ -19891,7 +19891,7 @@
                 <a:tabLst/>
                 <a:defRPr/>
               </a:pPr>
-              <a:t>29/04/2020</a:t>
+              <a:t>02/05/2020</a:t>
             </a:fld>
             <a:endParaRPr kumimoji="0" lang="pt-BR" sz="1200" b="0" i="0" u="none" strike="noStrike" kern="1200" cap="none" spc="0" normalizeH="0" baseline="0" noProof="0" smtClean="0">
               <a:ln>
@@ -20231,7 +20231,7 @@
                 <a:tabLst/>
                 <a:defRPr/>
               </a:pPr>
-              <a:t>29/04/2020</a:t>
+              <a:t>02/05/2020</a:t>
             </a:fld>
             <a:endParaRPr kumimoji="0" lang="pt-BR" sz="1200" b="0" i="0" u="none" strike="noStrike" kern="1200" cap="none" spc="0" normalizeH="0" baseline="0" noProof="0" smtClean="0">
               <a:ln>
@@ -20583,7 +20583,7 @@
                 <a:tabLst/>
                 <a:defRPr/>
               </a:pPr>
-              <a:t>29/04/2020</a:t>
+              <a:t>02/05/2020</a:t>
             </a:fld>
             <a:endParaRPr kumimoji="0" lang="pt-BR" sz="1200" b="0" i="0" u="none" strike="noStrike" kern="1200" cap="none" spc="0" normalizeH="0" baseline="0" noProof="0">
               <a:ln>
@@ -20913,7 +20913,7 @@
                 <a:tabLst/>
                 <a:defRPr/>
               </a:pPr>
-              <a:t>29/04/2020</a:t>
+              <a:t>02/05/2020</a:t>
             </a:fld>
             <a:endParaRPr kumimoji="0" lang="pt-BR" sz="1200" b="0" i="0" u="none" strike="noStrike" kern="1200" cap="none" spc="0" normalizeH="0" baseline="0" noProof="0">
               <a:ln>
@@ -21319,7 +21319,7 @@
                 <a:tabLst/>
                 <a:defRPr/>
               </a:pPr>
-              <a:t>29/04/2020</a:t>
+              <a:t>02/05/2020</a:t>
             </a:fld>
             <a:endParaRPr kumimoji="0" lang="pt-BR" sz="1200" b="0" i="0" u="none" strike="noStrike" kern="1200" cap="none" spc="0" normalizeH="0" baseline="0" noProof="0">
               <a:ln>
@@ -21525,7 +21525,7 @@
           <a:p>
             <a:fld id="{4DBD1E3A-4E22-4317-B6F0-1BA28CFB09D2}" type="datetimeFigureOut">
               <a:rPr lang="pt-BR" smtClean="0"/>
-              <a:t>29/04/2020</a:t>
+              <a:t>02/05/2020</a:t>
             </a:fld>
             <a:endParaRPr lang="pt-BR"/>
           </a:p>
@@ -21806,7 +21806,7 @@
                 <a:tabLst/>
                 <a:defRPr/>
               </a:pPr>
-              <a:t>29/04/2020</a:t>
+              <a:t>02/05/2020</a:t>
             </a:fld>
             <a:endParaRPr kumimoji="0" lang="pt-BR" sz="1200" b="0" i="0" u="none" strike="noStrike" kern="1200" cap="none" spc="0" normalizeH="0" baseline="0" noProof="0">
               <a:ln>
@@ -22333,7 +22333,7 @@
                 <a:tabLst/>
                 <a:defRPr/>
               </a:pPr>
-              <a:t>29/04/2020</a:t>
+              <a:t>02/05/2020</a:t>
             </a:fld>
             <a:endParaRPr kumimoji="0" lang="pt-BR" sz="1200" b="0" i="0" u="none" strike="noStrike" kern="1200" cap="none" spc="0" normalizeH="0" baseline="0" noProof="0">
               <a:ln>
@@ -22611,7 +22611,7 @@
                 <a:tabLst/>
                 <a:defRPr/>
               </a:pPr>
-              <a:t>29/04/2020</a:t>
+              <a:t>02/05/2020</a:t>
             </a:fld>
             <a:endParaRPr kumimoji="0" lang="pt-BR" sz="1200" b="0" i="0" u="none" strike="noStrike" kern="1200" cap="none" spc="0" normalizeH="0" baseline="0" noProof="0">
               <a:ln>
@@ -22866,7 +22866,7 @@
                 <a:tabLst/>
                 <a:defRPr/>
               </a:pPr>
-              <a:t>29/04/2020</a:t>
+              <a:t>02/05/2020</a:t>
             </a:fld>
             <a:endParaRPr kumimoji="0" lang="pt-BR" sz="1200" b="0" i="0" u="none" strike="noStrike" kern="1200" cap="none" spc="0" normalizeH="0" baseline="0" noProof="0">
               <a:ln>
@@ -23303,7 +23303,7 @@
                 <a:tabLst/>
                 <a:defRPr/>
               </a:pPr>
-              <a:t>29/04/2020</a:t>
+              <a:t>02/05/2020</a:t>
             </a:fld>
             <a:endParaRPr kumimoji="0" lang="pt-BR" sz="1200" b="0" i="0" u="none" strike="noStrike" kern="1200" cap="none" spc="0" normalizeH="0" baseline="0" noProof="0">
               <a:ln>
@@ -23720,7 +23720,7 @@
                 <a:tabLst/>
                 <a:defRPr/>
               </a:pPr>
-              <a:t>29/04/2020</a:t>
+              <a:t>02/05/2020</a:t>
             </a:fld>
             <a:endParaRPr kumimoji="0" lang="pt-BR" sz="1200" b="0" i="0" u="none" strike="noStrike" kern="1200" cap="none" spc="0" normalizeH="0" baseline="0" noProof="0">
               <a:ln>
@@ -24050,7 +24050,7 @@
                 <a:tabLst/>
                 <a:defRPr/>
               </a:pPr>
-              <a:t>29/04/2020</a:t>
+              <a:t>02/05/2020</a:t>
             </a:fld>
             <a:endParaRPr kumimoji="0" lang="pt-BR" sz="1200" b="0" i="0" u="none" strike="noStrike" kern="1200" cap="none" spc="0" normalizeH="0" baseline="0" noProof="0">
               <a:ln>
@@ -24390,7 +24390,7 @@
                 <a:tabLst/>
                 <a:defRPr/>
               </a:pPr>
-              <a:t>29/04/2020</a:t>
+              <a:t>02/05/2020</a:t>
             </a:fld>
             <a:endParaRPr kumimoji="0" lang="pt-BR" sz="1200" b="0" i="0" u="none" strike="noStrike" kern="1200" cap="none" spc="0" normalizeH="0" baseline="0" noProof="0">
               <a:ln>
@@ -24742,7 +24742,7 @@
                 <a:tabLst/>
                 <a:defRPr/>
               </a:pPr>
-              <a:t>29/04/2020</a:t>
+              <a:t>02/05/2020</a:t>
             </a:fld>
             <a:endParaRPr kumimoji="0" lang="pt-BR" sz="1200" b="0" i="0" u="none" strike="noStrike" kern="1200" cap="none" spc="0" normalizeH="0" baseline="0" noProof="0">
               <a:ln>
@@ -25072,7 +25072,7 @@
                 <a:tabLst/>
                 <a:defRPr/>
               </a:pPr>
-              <a:t>29/04/2020</a:t>
+              <a:t>02/05/2020</a:t>
             </a:fld>
             <a:endParaRPr kumimoji="0" lang="pt-BR" sz="1200" b="0" i="0" u="none" strike="noStrike" kern="1200" cap="none" spc="0" normalizeH="0" baseline="0" noProof="0">
               <a:ln>
@@ -25460,7 +25460,7 @@
           <a:p>
             <a:fld id="{4DBD1E3A-4E22-4317-B6F0-1BA28CFB09D2}" type="datetimeFigureOut">
               <a:rPr lang="pt-BR" smtClean="0"/>
-              <a:t>29/04/2020</a:t>
+              <a:t>02/05/2020</a:t>
             </a:fld>
             <a:endParaRPr lang="pt-BR"/>
           </a:p>
@@ -25755,7 +25755,7 @@
                 <a:tabLst/>
                 <a:defRPr/>
               </a:pPr>
-              <a:t>29/04/2020</a:t>
+              <a:t>02/05/2020</a:t>
             </a:fld>
             <a:endParaRPr kumimoji="0" lang="pt-BR" sz="1200" b="0" i="0" u="none" strike="noStrike" kern="1200" cap="none" spc="0" normalizeH="0" baseline="0" noProof="0">
               <a:ln>
@@ -26147,7 +26147,7 @@
                 <a:tabLst/>
                 <a:defRPr/>
               </a:pPr>
-              <a:t>29/04/2020</a:t>
+              <a:t>02/05/2020</a:t>
             </a:fld>
             <a:endParaRPr kumimoji="0" lang="pt-BR" sz="1200" b="0" i="0" u="none" strike="noStrike" kern="1200" cap="none" spc="0" normalizeH="0" baseline="0" noProof="0">
               <a:ln>
@@ -26674,7 +26674,7 @@
                 <a:tabLst/>
                 <a:defRPr/>
               </a:pPr>
-              <a:t>29/04/2020</a:t>
+              <a:t>02/05/2020</a:t>
             </a:fld>
             <a:endParaRPr kumimoji="0" lang="pt-BR" sz="1200" b="0" i="0" u="none" strike="noStrike" kern="1200" cap="none" spc="0" normalizeH="0" baseline="0" noProof="0">
               <a:ln>
@@ -26952,7 +26952,7 @@
                 <a:tabLst/>
                 <a:defRPr/>
               </a:pPr>
-              <a:t>29/04/2020</a:t>
+              <a:t>02/05/2020</a:t>
             </a:fld>
             <a:endParaRPr kumimoji="0" lang="pt-BR" sz="1200" b="0" i="0" u="none" strike="noStrike" kern="1200" cap="none" spc="0" normalizeH="0" baseline="0" noProof="0">
               <a:ln>
@@ -27207,7 +27207,7 @@
                 <a:tabLst/>
                 <a:defRPr/>
               </a:pPr>
-              <a:t>29/04/2020</a:t>
+              <a:t>02/05/2020</a:t>
             </a:fld>
             <a:endParaRPr kumimoji="0" lang="pt-BR" sz="1200" b="0" i="0" u="none" strike="noStrike" kern="1200" cap="none" spc="0" normalizeH="0" baseline="0" noProof="0">
               <a:ln>
@@ -27644,7 +27644,7 @@
                 <a:tabLst/>
                 <a:defRPr/>
               </a:pPr>
-              <a:t>29/04/2020</a:t>
+              <a:t>02/05/2020</a:t>
             </a:fld>
             <a:endParaRPr kumimoji="0" lang="pt-BR" sz="1200" b="0" i="0" u="none" strike="noStrike" kern="1200" cap="none" spc="0" normalizeH="0" baseline="0" noProof="0">
               <a:ln>
@@ -28061,7 +28061,7 @@
                 <a:tabLst/>
                 <a:defRPr/>
               </a:pPr>
-              <a:t>29/04/2020</a:t>
+              <a:t>02/05/2020</a:t>
             </a:fld>
             <a:endParaRPr kumimoji="0" lang="pt-BR" sz="1200" b="0" i="0" u="none" strike="noStrike" kern="1200" cap="none" spc="0" normalizeH="0" baseline="0" noProof="0">
               <a:ln>
@@ -28391,7 +28391,7 @@
                 <a:tabLst/>
                 <a:defRPr/>
               </a:pPr>
-              <a:t>29/04/2020</a:t>
+              <a:t>02/05/2020</a:t>
             </a:fld>
             <a:endParaRPr kumimoji="0" lang="pt-BR" sz="1200" b="0" i="0" u="none" strike="noStrike" kern="1200" cap="none" spc="0" normalizeH="0" baseline="0" noProof="0">
               <a:ln>
@@ -28731,7 +28731,7 @@
                 <a:tabLst/>
                 <a:defRPr/>
               </a:pPr>
-              <a:t>29/04/2020</a:t>
+              <a:t>02/05/2020</a:t>
             </a:fld>
             <a:endParaRPr kumimoji="0" lang="pt-BR" sz="1200" b="0" i="0" u="none" strike="noStrike" kern="1200" cap="none" spc="0" normalizeH="0" baseline="0" noProof="0">
               <a:ln>
@@ -29095,7 +29095,7 @@
           <a:p>
             <a:fld id="{4DBD1E3A-4E22-4317-B6F0-1BA28CFB09D2}" type="datetimeFigureOut">
               <a:rPr lang="pt-BR" smtClean="0"/>
-              <a:t>29/04/2020</a:t>
+              <a:t>02/05/2020</a:t>
             </a:fld>
             <a:endParaRPr lang="pt-BR"/>
           </a:p>
@@ -29308,7 +29308,7 @@
           <a:p>
             <a:fld id="{4DBD1E3A-4E22-4317-B6F0-1BA28CFB09D2}" type="datetimeFigureOut">
               <a:rPr lang="pt-BR" smtClean="0"/>
-              <a:t>29/04/2020</a:t>
+              <a:t>02/05/2020</a:t>
             </a:fld>
             <a:endParaRPr lang="pt-BR"/>
           </a:p>
@@ -29848,7 +29848,7 @@
           <a:p>
             <a:fld id="{4DBD1E3A-4E22-4317-B6F0-1BA28CFB09D2}" type="datetimeFigureOut">
               <a:rPr lang="pt-BR" smtClean="0"/>
-              <a:t>29/04/2020</a:t>
+              <a:t>02/05/2020</a:t>
             </a:fld>
             <a:endParaRPr lang="pt-BR"/>
           </a:p>
@@ -30437,7 +30437,7 @@
                 <a:tabLst/>
                 <a:defRPr/>
               </a:pPr>
-              <a:t>29/04/2020</a:t>
+              <a:t>02/05/2020</a:t>
             </a:fld>
             <a:endParaRPr kumimoji="0" lang="pt-BR" sz="1200" b="0" i="0" u="none" strike="noStrike" kern="1200" cap="none" spc="0" normalizeH="0" baseline="0" noProof="0" smtClean="0">
               <a:ln>
@@ -31137,7 +31137,7 @@
                 <a:tabLst/>
                 <a:defRPr/>
               </a:pPr>
-              <a:t>29/04/2020</a:t>
+              <a:t>02/05/2020</a:t>
             </a:fld>
             <a:endParaRPr kumimoji="0" lang="pt-BR" sz="1200" b="0" i="0" u="none" strike="noStrike" kern="1200" cap="none" spc="0" normalizeH="0" baseline="0" noProof="0">
               <a:ln>
@@ -31837,7 +31837,7 @@
                 <a:tabLst/>
                 <a:defRPr/>
               </a:pPr>
-              <a:t>29/04/2020</a:t>
+              <a:t>02/05/2020</a:t>
             </a:fld>
             <a:endParaRPr kumimoji="0" lang="pt-BR" sz="1200" b="0" i="0" u="none" strike="noStrike" kern="1200" cap="none" spc="0" normalizeH="0" baseline="0" noProof="0">
               <a:ln>
@@ -32537,7 +32537,7 @@
                 <a:tabLst/>
                 <a:defRPr/>
               </a:pPr>
-              <a:t>29/04/2020</a:t>
+              <a:t>02/05/2020</a:t>
             </a:fld>
             <a:endParaRPr kumimoji="0" lang="pt-BR" sz="1200" b="0" i="0" u="none" strike="noStrike" kern="1200" cap="none" spc="0" normalizeH="0" baseline="0" noProof="0" smtClean="0">
               <a:ln>
@@ -33237,7 +33237,7 @@
                 <a:tabLst/>
                 <a:defRPr/>
               </a:pPr>
-              <a:t>29/04/2020</a:t>
+              <a:t>02/05/2020</a:t>
             </a:fld>
             <a:endParaRPr kumimoji="0" lang="pt-BR" sz="1200" b="0" i="0" u="none" strike="noStrike" kern="1200" cap="none" spc="0" normalizeH="0" baseline="0" noProof="0">
               <a:ln>
@@ -33937,7 +33937,7 @@
                 <a:tabLst/>
                 <a:defRPr/>
               </a:pPr>
-              <a:t>29/04/2020</a:t>
+              <a:t>02/05/2020</a:t>
             </a:fld>
             <a:endParaRPr kumimoji="0" lang="pt-BR" sz="1200" b="0" i="0" u="none" strike="noStrike" kern="1200" cap="none" spc="0" normalizeH="0" baseline="0" noProof="0">
               <a:ln>
@@ -37164,7 +37164,7 @@
           <p:spPr>
             <a:xfrm>
               <a:off x="4753425" y="1144438"/>
-              <a:ext cx="634681" cy="268790"/>
+              <a:ext cx="711874" cy="268790"/>
             </a:xfrm>
             <a:prstGeom prst="rect">
               <a:avLst/>
@@ -37195,21 +37195,13 @@
                 <a:defRPr/>
               </a:pPr>
               <a:r>
-                <a:rPr kumimoji="0" lang="pt-BR" sz="1800" b="0" i="0" u="none" strike="noStrike" kern="1200" cap="none" spc="0" normalizeH="0" baseline="0" noProof="0" dirty="0" smtClean="0">
-                  <a:ln>
-                    <a:noFill/>
-                  </a:ln>
+                <a:rPr lang="pt-BR" dirty="0" smtClean="0">
                   <a:solidFill>
                     <a:prstClr val="black"/>
                   </a:solidFill>
-                  <a:effectLst/>
-                  <a:uLnTx/>
-                  <a:uFillTx/>
                   <a:latin typeface="Calibri" panose="020F0502020204030204"/>
-                  <a:ea typeface="+mn-ea"/>
-                  <a:cs typeface="+mn-cs"/>
                 </a:rPr>
-                <a:t>Caixa</a:t>
+                <a:t>Banco</a:t>
               </a:r>
               <a:endParaRPr kumimoji="0" lang="pt-BR" sz="1800" b="0" i="0" u="none" strike="noStrike" kern="1200" cap="none" spc="0" normalizeH="0" baseline="0" noProof="0" dirty="0">
                 <a:ln>
@@ -43261,7 +43253,7 @@
             <p:spPr>
               <a:xfrm>
                 <a:off x="4629612" y="1162388"/>
-                <a:ext cx="864042" cy="274391"/>
+                <a:ext cx="948025" cy="274391"/>
               </a:xfrm>
               <a:prstGeom prst="rect">
                 <a:avLst/>
@@ -43306,7 +43298,7 @@
                     <a:ea typeface="+mn-ea"/>
                     <a:cs typeface="+mn-cs"/>
                   </a:rPr>
-                  <a:t>Pedidos</a:t>
+                  <a:t>Compras</a:t>
                 </a:r>
                 <a:endParaRPr kumimoji="0" lang="pt-BR" sz="1800" b="0" i="0" u="none" strike="noStrike" kern="1200" cap="none" spc="0" normalizeH="0" baseline="0" noProof="0" dirty="0">
                   <a:ln>
@@ -43426,7 +43418,7 @@
             <p:spPr>
               <a:xfrm>
                 <a:off x="4680796" y="1159664"/>
-                <a:ext cx="634681" cy="268790"/>
+                <a:ext cx="711874" cy="268790"/>
               </a:xfrm>
               <a:prstGeom prst="rect">
                 <a:avLst/>
@@ -43471,7 +43463,7 @@
                     <a:ea typeface="+mn-ea"/>
                     <a:cs typeface="+mn-cs"/>
                   </a:rPr>
-                  <a:t>Caixa</a:t>
+                  <a:t>Banco</a:t>
                 </a:r>
                 <a:endParaRPr kumimoji="0" lang="pt-BR" sz="1800" b="0" i="0" u="none" strike="noStrike" kern="1200" cap="none" spc="0" normalizeH="0" baseline="0" noProof="0" dirty="0">
                   <a:ln>
@@ -45291,7 +45283,7 @@
           <p:spPr>
             <a:xfrm>
               <a:off x="4753425" y="1158233"/>
-              <a:ext cx="634681" cy="268790"/>
+              <a:ext cx="711874" cy="268790"/>
             </a:xfrm>
             <a:prstGeom prst="rect">
               <a:avLst/>
@@ -45336,7 +45328,7 @@
                   <a:ea typeface="+mn-ea"/>
                   <a:cs typeface="+mn-cs"/>
                 </a:rPr>
-                <a:t>Caixa</a:t>
+                <a:t>Banco</a:t>
               </a:r>
               <a:endParaRPr kumimoji="0" lang="pt-BR" sz="1800" b="0" i="0" u="none" strike="noStrike" kern="1200" cap="none" spc="0" normalizeH="0" baseline="0" noProof="0" dirty="0">
                 <a:ln>
@@ -47520,7 +47512,7 @@
     </a:clrScheme>
     <a:fontScheme name="Office">
       <a:majorFont>
-        <a:latin typeface="Calibri Light" panose="020F0302020204030204"/>
+        <a:latin typeface="Calibri Light"/>
         <a:ea typeface=""/>
         <a:cs typeface=""/>
         <a:font script="Jpan" typeface="游ゴシック Light"/>
@@ -47555,7 +47547,7 @@
         <a:font script="Geor" typeface="Sylfaen"/>
       </a:majorFont>
       <a:minorFont>
-        <a:latin typeface="Calibri" panose="020F0502020204030204"/>
+        <a:latin typeface="Calibri"/>
         <a:ea typeface=""/>
         <a:cs typeface=""/>
         <a:font script="Jpan" typeface="游ゴシック"/>
@@ -47732,7 +47724,7 @@
   <a:extraClrSchemeLst/>
   <a:extLst>
     <a:ext uri="{05A4C25C-085E-4340-85A3-A5531E510DB2}">
-      <thm15:themeFamily xmlns:thm15="http://schemas.microsoft.com/office/thememl/2012/main" name="Office Theme" id="{62F939B6-93AF-4DB8-9C6B-D6C7DFDC589F}" vid="{4A3C46E8-61CC-4603-A589-7422A47A8E4A}"/>
+      <thm15:themeFamily xmlns:thm15="http://schemas.microsoft.com/office/thememl/2012/main" xmlns="" name="Office Theme" id="{62F939B6-93AF-4DB8-9C6B-D6C7DFDC589F}" vid="{4A3C46E8-61CC-4603-A589-7422A47A8E4A}"/>
     </a:ext>
   </a:extLst>
 </a:theme>
@@ -47781,7 +47773,7 @@
     </a:clrScheme>
     <a:fontScheme name="Tema do Office">
       <a:majorFont>
-        <a:latin typeface="Calibri Light" panose="020F0302020204030204"/>
+        <a:latin typeface="Calibri Light"/>
         <a:ea typeface=""/>
         <a:cs typeface=""/>
         <a:font script="Jpan" typeface="游ゴシック Light"/>
@@ -47816,7 +47808,7 @@
         <a:font script="Geor" typeface="Sylfaen"/>
       </a:majorFont>
       <a:minorFont>
-        <a:latin typeface="Calibri" panose="020F0502020204030204"/>
+        <a:latin typeface="Calibri"/>
         <a:ea typeface=""/>
         <a:cs typeface=""/>
         <a:font script="Jpan" typeface="游ゴシック"/>
@@ -47993,7 +47985,7 @@
   <a:extraClrSchemeLst/>
   <a:extLst>
     <a:ext uri="{05A4C25C-085E-4340-85A3-A5531E510DB2}">
-      <thm15:themeFamily xmlns:thm15="http://schemas.microsoft.com/office/thememl/2012/main" name="Office Theme" id="{62F939B6-93AF-4DB8-9C6B-D6C7DFDC589F}" vid="{AE6F2518-B084-4896-AF52-66CC2144AA26}"/>
+      <thm15:themeFamily xmlns:thm15="http://schemas.microsoft.com/office/thememl/2012/main" xmlns="" name="Office Theme" id="{62F939B6-93AF-4DB8-9C6B-D6C7DFDC589F}" vid="{AE6F2518-B084-4896-AF52-66CC2144AA26}"/>
     </a:ext>
   </a:extLst>
 </a:theme>
@@ -48042,7 +48034,7 @@
     </a:clrScheme>
     <a:fontScheme name="Office">
       <a:majorFont>
-        <a:latin typeface="Calibri Light" panose="020F0302020204030204"/>
+        <a:latin typeface="Calibri Light"/>
         <a:ea typeface=""/>
         <a:cs typeface=""/>
         <a:font script="Jpan" typeface="游ゴシック Light"/>
@@ -48077,7 +48069,7 @@
         <a:font script="Geor" typeface="Sylfaen"/>
       </a:majorFont>
       <a:minorFont>
-        <a:latin typeface="Calibri" panose="020F0502020204030204"/>
+        <a:latin typeface="Calibri"/>
         <a:ea typeface=""/>
         <a:cs typeface=""/>
         <a:font script="Jpan" typeface="游ゴシック"/>
@@ -48254,7 +48246,7 @@
   <a:extraClrSchemeLst/>
   <a:extLst>
     <a:ext uri="{05A4C25C-085E-4340-85A3-A5531E510DB2}">
-      <thm15:themeFamily xmlns:thm15="http://schemas.microsoft.com/office/thememl/2012/main" name="Office Theme" id="{62F939B6-93AF-4DB8-9C6B-D6C7DFDC589F}" vid="{4A3C46E8-61CC-4603-A589-7422A47A8E4A}"/>
+      <thm15:themeFamily xmlns:thm15="http://schemas.microsoft.com/office/thememl/2012/main" xmlns="" name="Office Theme" id="{62F939B6-93AF-4DB8-9C6B-D6C7DFDC589F}" vid="{4A3C46E8-61CC-4603-A589-7422A47A8E4A}"/>
     </a:ext>
   </a:extLst>
 </a:theme>
@@ -48303,7 +48295,7 @@
     </a:clrScheme>
     <a:fontScheme name="Tema do Office">
       <a:majorFont>
-        <a:latin typeface="Calibri Light" panose="020F0302020204030204"/>
+        <a:latin typeface="Calibri Light"/>
         <a:ea typeface=""/>
         <a:cs typeface=""/>
         <a:font script="Jpan" typeface="游ゴシック Light"/>
@@ -48338,7 +48330,7 @@
         <a:font script="Geor" typeface="Sylfaen"/>
       </a:majorFont>
       <a:minorFont>
-        <a:latin typeface="Calibri" panose="020F0502020204030204"/>
+        <a:latin typeface="Calibri"/>
         <a:ea typeface=""/>
         <a:cs typeface=""/>
         <a:font script="Jpan" typeface="游ゴシック"/>
@@ -48515,7 +48507,7 @@
   <a:extraClrSchemeLst/>
   <a:extLst>
     <a:ext uri="{05A4C25C-085E-4340-85A3-A5531E510DB2}">
-      <thm15:themeFamily xmlns:thm15="http://schemas.microsoft.com/office/thememl/2012/main" name="Office Theme" id="{62F939B6-93AF-4DB8-9C6B-D6C7DFDC589F}" vid="{4A3C46E8-61CC-4603-A589-7422A47A8E4A}"/>
+      <thm15:themeFamily xmlns:thm15="http://schemas.microsoft.com/office/thememl/2012/main" xmlns="" name="Office Theme" id="{62F939B6-93AF-4DB8-9C6B-D6C7DFDC589F}" vid="{4A3C46E8-61CC-4603-A589-7422A47A8E4A}"/>
     </a:ext>
   </a:extLst>
 </a:theme>
@@ -48564,7 +48556,7 @@
     </a:clrScheme>
     <a:fontScheme name="Tema do Office">
       <a:majorFont>
-        <a:latin typeface="Calibri Light" panose="020F0302020204030204"/>
+        <a:latin typeface="Calibri Light"/>
         <a:ea typeface=""/>
         <a:cs typeface=""/>
         <a:font script="Jpan" typeface="游ゴシック Light"/>
@@ -48599,7 +48591,7 @@
         <a:font script="Geor" typeface="Sylfaen"/>
       </a:majorFont>
       <a:minorFont>
-        <a:latin typeface="Calibri" panose="020F0502020204030204"/>
+        <a:latin typeface="Calibri"/>
         <a:ea typeface=""/>
         <a:cs typeface=""/>
         <a:font script="Jpan" typeface="游ゴシック"/>
@@ -48776,7 +48768,7 @@
   <a:extraClrSchemeLst/>
   <a:extLst>
     <a:ext uri="{05A4C25C-085E-4340-85A3-A5531E510DB2}">
-      <thm15:themeFamily xmlns:thm15="http://schemas.microsoft.com/office/thememl/2012/main" name="Office Theme" id="{62F939B6-93AF-4DB8-9C6B-D6C7DFDC589F}" vid="{4A3C46E8-61CC-4603-A589-7422A47A8E4A}"/>
+      <thm15:themeFamily xmlns:thm15="http://schemas.microsoft.com/office/thememl/2012/main" xmlns="" name="Office Theme" id="{62F939B6-93AF-4DB8-9C6B-D6C7DFDC589F}" vid="{4A3C46E8-61CC-4603-A589-7422A47A8E4A}"/>
     </a:ext>
   </a:extLst>
 </a:theme>
@@ -48825,7 +48817,7 @@
     </a:clrScheme>
     <a:fontScheme name="Office">
       <a:majorFont>
-        <a:latin typeface="Calibri Light" panose="020F0302020204030204"/>
+        <a:latin typeface="Calibri Light"/>
         <a:ea typeface=""/>
         <a:cs typeface=""/>
         <a:font script="Jpan" typeface="游ゴシック Light"/>
@@ -48860,7 +48852,7 @@
         <a:font script="Geor" typeface="Sylfaen"/>
       </a:majorFont>
       <a:minorFont>
-        <a:latin typeface="Calibri" panose="020F0502020204030204"/>
+        <a:latin typeface="Calibri"/>
         <a:ea typeface=""/>
         <a:cs typeface=""/>
         <a:font script="Jpan" typeface="游ゴシック"/>
@@ -49037,7 +49029,7 @@
   <a:extraClrSchemeLst/>
   <a:extLst>
     <a:ext uri="{05A4C25C-085E-4340-85A3-A5531E510DB2}">
-      <thm15:themeFamily xmlns:thm15="http://schemas.microsoft.com/office/thememl/2012/main" name="Office Theme" id="{62F939B6-93AF-4DB8-9C6B-D6C7DFDC589F}" vid="{4A3C46E8-61CC-4603-A589-7422A47A8E4A}"/>
+      <thm15:themeFamily xmlns:thm15="http://schemas.microsoft.com/office/thememl/2012/main" xmlns="" name="Office Theme" id="{62F939B6-93AF-4DB8-9C6B-D6C7DFDC589F}" vid="{4A3C46E8-61CC-4603-A589-7422A47A8E4A}"/>
     </a:ext>
   </a:extLst>
 </a:theme>
@@ -49086,7 +49078,7 @@
     </a:clrScheme>
     <a:fontScheme name="Tema do Office">
       <a:majorFont>
-        <a:latin typeface="Calibri Light" panose="020F0302020204030204"/>
+        <a:latin typeface="Calibri Light"/>
         <a:ea typeface=""/>
         <a:cs typeface=""/>
         <a:font script="Jpan" typeface="游ゴシック Light"/>
@@ -49121,7 +49113,7 @@
         <a:font script="Geor" typeface="Sylfaen"/>
       </a:majorFont>
       <a:minorFont>
-        <a:latin typeface="Calibri" panose="020F0502020204030204"/>
+        <a:latin typeface="Calibri"/>
         <a:ea typeface=""/>
         <a:cs typeface=""/>
         <a:font script="Jpan" typeface="游ゴシック"/>
@@ -49298,7 +49290,7 @@
   <a:extraClrSchemeLst/>
   <a:extLst>
     <a:ext uri="{05A4C25C-085E-4340-85A3-A5531E510DB2}">
-      <thm15:themeFamily xmlns:thm15="http://schemas.microsoft.com/office/thememl/2012/main" name="Office Theme" id="{62F939B6-93AF-4DB8-9C6B-D6C7DFDC589F}" vid="{4A3C46E8-61CC-4603-A589-7422A47A8E4A}"/>
+      <thm15:themeFamily xmlns:thm15="http://schemas.microsoft.com/office/thememl/2012/main" xmlns="" name="Office Theme" id="{62F939B6-93AF-4DB8-9C6B-D6C7DFDC589F}" vid="{4A3C46E8-61CC-4603-A589-7422A47A8E4A}"/>
     </a:ext>
   </a:extLst>
 </a:theme>
@@ -49347,7 +49339,7 @@
     </a:clrScheme>
     <a:fontScheme name="Tema do Office">
       <a:majorFont>
-        <a:latin typeface="Calibri Light" panose="020F0302020204030204"/>
+        <a:latin typeface="Calibri Light"/>
         <a:ea typeface=""/>
         <a:cs typeface=""/>
         <a:font script="Jpan" typeface="游ゴシック Light"/>
@@ -49382,7 +49374,7 @@
         <a:font script="Geor" typeface="Sylfaen"/>
       </a:majorFont>
       <a:minorFont>
-        <a:latin typeface="Calibri" panose="020F0502020204030204"/>
+        <a:latin typeface="Calibri"/>
         <a:ea typeface=""/>
         <a:cs typeface=""/>
         <a:font script="Jpan" typeface="游ゴシック"/>
@@ -49559,7 +49551,7 @@
   <a:extraClrSchemeLst/>
   <a:extLst>
     <a:ext uri="{05A4C25C-085E-4340-85A3-A5531E510DB2}">
-      <thm15:themeFamily xmlns:thm15="http://schemas.microsoft.com/office/thememl/2012/main" name="Office Theme" id="{62F939B6-93AF-4DB8-9C6B-D6C7DFDC589F}" vid="{AE6F2518-B084-4896-AF52-66CC2144AA26}"/>
+      <thm15:themeFamily xmlns:thm15="http://schemas.microsoft.com/office/thememl/2012/main" xmlns="" name="Office Theme" id="{62F939B6-93AF-4DB8-9C6B-D6C7DFDC589F}" vid="{AE6F2518-B084-4896-AF52-66CC2144AA26}"/>
     </a:ext>
   </a:extLst>
 </a:theme>

--- a/Artefatos/16. Diagramas de Fluxo de Dados.pptx
+++ b/Artefatos/16. Diagramas de Fluxo de Dados.pptx
@@ -9,19 +9,16 @@
     <p:sldMasterId id="2147483720" r:id="rId5"/>
     <p:sldMasterId id="2147483732" r:id="rId6"/>
     <p:sldMasterId id="2147483744" r:id="rId7"/>
-    <p:sldMasterId id="2147483756" r:id="rId8"/>
   </p:sldMasterIdLst>
   <p:sldIdLst>
-    <p:sldId id="257" r:id="rId9"/>
-    <p:sldId id="260" r:id="rId10"/>
-    <p:sldId id="271" r:id="rId11"/>
-    <p:sldId id="272" r:id="rId12"/>
-    <p:sldId id="264" r:id="rId13"/>
-    <p:sldId id="263" r:id="rId14"/>
-    <p:sldId id="267" r:id="rId15"/>
-    <p:sldId id="270" r:id="rId16"/>
-    <p:sldId id="268" r:id="rId17"/>
-    <p:sldId id="269" r:id="rId18"/>
+    <p:sldId id="257" r:id="rId8"/>
+    <p:sldId id="260" r:id="rId9"/>
+    <p:sldId id="264" r:id="rId10"/>
+    <p:sldId id="263" r:id="rId11"/>
+    <p:sldId id="267" r:id="rId12"/>
+    <p:sldId id="270" r:id="rId13"/>
+    <p:sldId id="268" r:id="rId14"/>
+    <p:sldId id="269" r:id="rId15"/>
   </p:sldIdLst>
   <p:sldSz cx="12192000" cy="6858000"/>
   <p:notesSz cx="6858000" cy="9144000"/>
@@ -129,12 +126,6 @@
             <p14:sldId id="260"/>
           </p14:sldIdLst>
         </p14:section>
-        <p14:section name="Balcão - Atender cliente" id="{93282AD7-A729-464D-A46D-C2EDDF5AA4A7}">
-          <p14:sldIdLst>
-            <p14:sldId id="271"/>
-            <p14:sldId id="272"/>
-          </p14:sldIdLst>
-        </p14:section>
         <p14:section name="Cozinha - Preparar o Pedido" id="{16739C7E-3D95-4915-B7AA-887F3B83D3EF}">
           <p14:sldIdLst>
             <p14:sldId id="264"/>
@@ -316,7 +307,7 @@
           <a:p>
             <a:fld id="{4DBD1E3A-4E22-4317-B6F0-1BA28CFB09D2}" type="datetimeFigureOut">
               <a:rPr lang="pt-BR" smtClean="0"/>
-              <a:t>13/05/2020</a:t>
+              <a:t>25/05/2020</a:t>
             </a:fld>
             <a:endParaRPr lang="pt-BR"/>
           </a:p>
@@ -486,7 +477,7 @@
           <a:p>
             <a:fld id="{4DBD1E3A-4E22-4317-B6F0-1BA28CFB09D2}" type="datetimeFigureOut">
               <a:rPr lang="pt-BR" smtClean="0"/>
-              <a:t>13/05/2020</a:t>
+              <a:t>25/05/2020</a:t>
             </a:fld>
             <a:endParaRPr lang="pt-BR"/>
           </a:p>
@@ -666,7 +657,7 @@
           <a:p>
             <a:fld id="{4DBD1E3A-4E22-4317-B6F0-1BA28CFB09D2}" type="datetimeFigureOut">
               <a:rPr lang="pt-BR" smtClean="0"/>
-              <a:t>13/05/2020</a:t>
+              <a:t>25/05/2020</a:t>
             </a:fld>
             <a:endParaRPr lang="pt-BR"/>
           </a:p>
@@ -905,7 +896,7 @@
                 <a:tabLst/>
                 <a:defRPr/>
               </a:pPr>
-              <a:t>13/05/2020</a:t>
+              <a:t>25/05/2020</a:t>
             </a:fld>
             <a:endParaRPr kumimoji="0" lang="pt-BR" sz="1200" b="0" i="0" u="none" strike="noStrike" kern="1200" cap="none" spc="0" normalizeH="0" baseline="0" noProof="0">
               <a:ln>
@@ -1233,7 +1224,7 @@
                 <a:tabLst/>
                 <a:defRPr/>
               </a:pPr>
-              <a:t>13/05/2020</a:t>
+              <a:t>25/05/2020</a:t>
             </a:fld>
             <a:endParaRPr kumimoji="0" lang="pt-BR" sz="1200" b="0" i="0" u="none" strike="noStrike" kern="1200" cap="none" spc="0" normalizeH="0" baseline="0" noProof="0">
               <a:ln>
@@ -1638,7 +1629,7 @@
                 <a:tabLst/>
                 <a:defRPr/>
               </a:pPr>
-              <a:t>13/05/2020</a:t>
+              <a:t>25/05/2020</a:t>
             </a:fld>
             <a:endParaRPr kumimoji="0" lang="pt-BR" sz="1200" b="0" i="0" u="none" strike="noStrike" kern="1200" cap="none" spc="0" normalizeH="0" baseline="0" noProof="0">
               <a:ln>
@@ -2027,7 +2018,7 @@
                 <a:tabLst/>
                 <a:defRPr/>
               </a:pPr>
-              <a:t>13/05/2020</a:t>
+              <a:t>25/05/2020</a:t>
             </a:fld>
             <a:endParaRPr kumimoji="0" lang="pt-BR" sz="1200" b="0" i="0" u="none" strike="noStrike" kern="1200" cap="none" spc="0" normalizeH="0" baseline="0" noProof="0">
               <a:ln>
@@ -2551,7 +2542,7 @@
                 <a:tabLst/>
                 <a:defRPr/>
               </a:pPr>
-              <a:t>13/05/2020</a:t>
+              <a:t>25/05/2020</a:t>
             </a:fld>
             <a:endParaRPr kumimoji="0" lang="pt-BR" sz="1200" b="0" i="0" u="none" strike="noStrike" kern="1200" cap="none" spc="0" normalizeH="0" baseline="0" noProof="0">
               <a:ln>
@@ -2828,7 +2819,7 @@
                 <a:tabLst/>
                 <a:defRPr/>
               </a:pPr>
-              <a:t>13/05/2020</a:t>
+              <a:t>25/05/2020</a:t>
             </a:fld>
             <a:endParaRPr kumimoji="0" lang="pt-BR" sz="1200" b="0" i="0" u="none" strike="noStrike" kern="1200" cap="none" spc="0" normalizeH="0" baseline="0" noProof="0">
               <a:ln>
@@ -3083,7 +3074,7 @@
                 <a:tabLst/>
                 <a:defRPr/>
               </a:pPr>
-              <a:t>13/05/2020</a:t>
+              <a:t>25/05/2020</a:t>
             </a:fld>
             <a:endParaRPr kumimoji="0" lang="pt-BR" sz="1200" b="0" i="0" u="none" strike="noStrike" kern="1200" cap="none" spc="0" normalizeH="0" baseline="0" noProof="0">
               <a:ln>
@@ -3518,7 +3509,7 @@
                 <a:tabLst/>
                 <a:defRPr/>
               </a:pPr>
-              <a:t>13/05/2020</a:t>
+              <a:t>25/05/2020</a:t>
             </a:fld>
             <a:endParaRPr kumimoji="0" lang="pt-BR" sz="1200" b="0" i="0" u="none" strike="noStrike" kern="1200" cap="none" spc="0" normalizeH="0" baseline="0" noProof="0">
               <a:ln>
@@ -3799,7 +3790,7 @@
           <a:p>
             <a:fld id="{4DBD1E3A-4E22-4317-B6F0-1BA28CFB09D2}" type="datetimeFigureOut">
               <a:rPr lang="pt-BR" smtClean="0"/>
-              <a:t>13/05/2020</a:t>
+              <a:t>25/05/2020</a:t>
             </a:fld>
             <a:endParaRPr lang="pt-BR"/>
           </a:p>
@@ -4100,7 +4091,7 @@
                 <a:tabLst/>
                 <a:defRPr/>
               </a:pPr>
-              <a:t>13/05/2020</a:t>
+              <a:t>25/05/2020</a:t>
             </a:fld>
             <a:endParaRPr kumimoji="0" lang="pt-BR" sz="1200" b="0" i="0" u="none" strike="noStrike" kern="1200" cap="none" spc="0" normalizeH="0" baseline="0" noProof="0">
               <a:ln>
@@ -4428,7 +4419,7 @@
                 <a:tabLst/>
                 <a:defRPr/>
               </a:pPr>
-              <a:t>13/05/2020</a:t>
+              <a:t>25/05/2020</a:t>
             </a:fld>
             <a:endParaRPr kumimoji="0" lang="pt-BR" sz="1200" b="0" i="0" u="none" strike="noStrike" kern="1200" cap="none" spc="0" normalizeH="0" baseline="0" noProof="0">
               <a:ln>
@@ -4766,7 +4757,7 @@
                 <a:tabLst/>
                 <a:defRPr/>
               </a:pPr>
-              <a:t>13/05/2020</a:t>
+              <a:t>25/05/2020</a:t>
             </a:fld>
             <a:endParaRPr kumimoji="0" lang="pt-BR" sz="1200" b="0" i="0" u="none" strike="noStrike" kern="1200" cap="none" spc="0" normalizeH="0" baseline="0" noProof="0">
               <a:ln>
@@ -5118,7 +5109,7 @@
                 <a:tabLst/>
                 <a:defRPr/>
               </a:pPr>
-              <a:t>13/05/2020</a:t>
+              <a:t>25/05/2020</a:t>
             </a:fld>
             <a:endParaRPr kumimoji="0" lang="pt-BR" sz="1200" b="0" i="0" u="none" strike="noStrike" kern="1200" cap="none" spc="0" normalizeH="0" baseline="0" noProof="0">
               <a:ln>
@@ -5448,7 +5439,7 @@
                 <a:tabLst/>
                 <a:defRPr/>
               </a:pPr>
-              <a:t>13/05/2020</a:t>
+              <a:t>25/05/2020</a:t>
             </a:fld>
             <a:endParaRPr kumimoji="0" lang="pt-BR" sz="1200" b="0" i="0" u="none" strike="noStrike" kern="1200" cap="none" spc="0" normalizeH="0" baseline="0" noProof="0">
               <a:ln>
@@ -5854,7 +5845,7 @@
                 <a:tabLst/>
                 <a:defRPr/>
               </a:pPr>
-              <a:t>13/05/2020</a:t>
+              <a:t>25/05/2020</a:t>
             </a:fld>
             <a:endParaRPr kumimoji="0" lang="pt-BR" sz="1200" b="0" i="0" u="none" strike="noStrike" kern="1200" cap="none" spc="0" normalizeH="0" baseline="0" noProof="0">
               <a:ln>
@@ -6246,7 +6237,7 @@
                 <a:tabLst/>
                 <a:defRPr/>
               </a:pPr>
-              <a:t>13/05/2020</a:t>
+              <a:t>25/05/2020</a:t>
             </a:fld>
             <a:endParaRPr kumimoji="0" lang="pt-BR" sz="1200" b="0" i="0" u="none" strike="noStrike" kern="1200" cap="none" spc="0" normalizeH="0" baseline="0" noProof="0">
               <a:ln>
@@ -6773,7 +6764,7 @@
                 <a:tabLst/>
                 <a:defRPr/>
               </a:pPr>
-              <a:t>13/05/2020</a:t>
+              <a:t>25/05/2020</a:t>
             </a:fld>
             <a:endParaRPr kumimoji="0" lang="pt-BR" sz="1200" b="0" i="0" u="none" strike="noStrike" kern="1200" cap="none" spc="0" normalizeH="0" baseline="0" noProof="0">
               <a:ln>
@@ -7051,7 +7042,7 @@
                 <a:tabLst/>
                 <a:defRPr/>
               </a:pPr>
-              <a:t>13/05/2020</a:t>
+              <a:t>25/05/2020</a:t>
             </a:fld>
             <a:endParaRPr kumimoji="0" lang="pt-BR" sz="1200" b="0" i="0" u="none" strike="noStrike" kern="1200" cap="none" spc="0" normalizeH="0" baseline="0" noProof="0">
               <a:ln>
@@ -7306,7 +7297,7 @@
                 <a:tabLst/>
                 <a:defRPr/>
               </a:pPr>
-              <a:t>13/05/2020</a:t>
+              <a:t>25/05/2020</a:t>
             </a:fld>
             <a:endParaRPr kumimoji="0" lang="pt-BR" sz="1200" b="0" i="0" u="none" strike="noStrike" kern="1200" cap="none" spc="0" normalizeH="0" baseline="0" noProof="0">
               <a:ln>
@@ -7663,7 +7654,7 @@
           <a:p>
             <a:fld id="{4DBD1E3A-4E22-4317-B6F0-1BA28CFB09D2}" type="datetimeFigureOut">
               <a:rPr lang="pt-BR" smtClean="0"/>
-              <a:t>13/05/2020</a:t>
+              <a:t>25/05/2020</a:t>
             </a:fld>
             <a:endParaRPr lang="pt-BR"/>
           </a:p>
@@ -7989,7 +7980,7 @@
                 <a:tabLst/>
                 <a:defRPr/>
               </a:pPr>
-              <a:t>13/05/2020</a:t>
+              <a:t>25/05/2020</a:t>
             </a:fld>
             <a:endParaRPr kumimoji="0" lang="pt-BR" sz="1200" b="0" i="0" u="none" strike="noStrike" kern="1200" cap="none" spc="0" normalizeH="0" baseline="0" noProof="0">
               <a:ln>
@@ -8406,7 +8397,7 @@
                 <a:tabLst/>
                 <a:defRPr/>
               </a:pPr>
-              <a:t>13/05/2020</a:t>
+              <a:t>25/05/2020</a:t>
             </a:fld>
             <a:endParaRPr kumimoji="0" lang="pt-BR" sz="1200" b="0" i="0" u="none" strike="noStrike" kern="1200" cap="none" spc="0" normalizeH="0" baseline="0" noProof="0">
               <a:ln>
@@ -8736,7 +8727,7 @@
                 <a:tabLst/>
                 <a:defRPr/>
               </a:pPr>
-              <a:t>13/05/2020</a:t>
+              <a:t>25/05/2020</a:t>
             </a:fld>
             <a:endParaRPr kumimoji="0" lang="pt-BR" sz="1200" b="0" i="0" u="none" strike="noStrike" kern="1200" cap="none" spc="0" normalizeH="0" baseline="0" noProof="0">
               <a:ln>
@@ -9076,7 +9067,7 @@
                 <a:tabLst/>
                 <a:defRPr/>
               </a:pPr>
-              <a:t>13/05/2020</a:t>
+              <a:t>25/05/2020</a:t>
             </a:fld>
             <a:endParaRPr kumimoji="0" lang="pt-BR" sz="1200" b="0" i="0" u="none" strike="noStrike" kern="1200" cap="none" spc="0" normalizeH="0" baseline="0" noProof="0">
               <a:ln>
@@ -9428,7 +9419,7 @@
                 <a:tabLst/>
                 <a:defRPr/>
               </a:pPr>
-              <a:t>13/05/2020</a:t>
+              <a:t>25/05/2020</a:t>
             </a:fld>
             <a:endParaRPr kumimoji="0" lang="pt-BR" sz="1200" b="0" i="0" u="none" strike="noStrike" kern="1200" cap="none" spc="0" normalizeH="0" baseline="0" noProof="0">
               <a:ln>
@@ -9758,7 +9749,7 @@
                 <a:tabLst/>
                 <a:defRPr/>
               </a:pPr>
-              <a:t>13/05/2020</a:t>
+              <a:t>25/05/2020</a:t>
             </a:fld>
             <a:endParaRPr kumimoji="0" lang="pt-BR" sz="1200" b="0" i="0" u="none" strike="noStrike" kern="1200" cap="none" spc="0" normalizeH="0" baseline="0" noProof="0">
               <a:ln>
@@ -10164,7 +10155,7 @@
                 <a:tabLst/>
                 <a:defRPr/>
               </a:pPr>
-              <a:t>13/05/2020</a:t>
+              <a:t>25/05/2020</a:t>
             </a:fld>
             <a:endParaRPr kumimoji="0" lang="pt-BR" sz="1200" b="0" i="0" u="none" strike="noStrike" kern="1200" cap="none" spc="0" normalizeH="0" baseline="0" noProof="0">
               <a:ln>
@@ -10556,7 +10547,7 @@
                 <a:tabLst/>
                 <a:defRPr/>
               </a:pPr>
-              <a:t>13/05/2020</a:t>
+              <a:t>25/05/2020</a:t>
             </a:fld>
             <a:endParaRPr kumimoji="0" lang="pt-BR" sz="1200" b="0" i="0" u="none" strike="noStrike" kern="1200" cap="none" spc="0" normalizeH="0" baseline="0" noProof="0">
               <a:ln>
@@ -11083,7 +11074,7 @@
                 <a:tabLst/>
                 <a:defRPr/>
               </a:pPr>
-              <a:t>13/05/2020</a:t>
+              <a:t>25/05/2020</a:t>
             </a:fld>
             <a:endParaRPr kumimoji="0" lang="pt-BR" sz="1200" b="0" i="0" u="none" strike="noStrike" kern="1200" cap="none" spc="0" normalizeH="0" baseline="0" noProof="0">
               <a:ln>
@@ -11361,7 +11352,7 @@
                 <a:tabLst/>
                 <a:defRPr/>
               </a:pPr>
-              <a:t>13/05/2020</a:t>
+              <a:t>25/05/2020</a:t>
             </a:fld>
             <a:endParaRPr kumimoji="0" lang="pt-BR" sz="1200" b="0" i="0" u="none" strike="noStrike" kern="1200" cap="none" spc="0" normalizeH="0" baseline="0" noProof="0">
               <a:ln>
@@ -11704,7 +11695,7 @@
           <a:p>
             <a:fld id="{4DBD1E3A-4E22-4317-B6F0-1BA28CFB09D2}" type="datetimeFigureOut">
               <a:rPr lang="pt-BR" smtClean="0"/>
-              <a:t>13/05/2020</a:t>
+              <a:t>25/05/2020</a:t>
             </a:fld>
             <a:endParaRPr lang="pt-BR"/>
           </a:p>
@@ -11848,7 +11839,7 @@
                 <a:tabLst/>
                 <a:defRPr/>
               </a:pPr>
-              <a:t>13/05/2020</a:t>
+              <a:t>25/05/2020</a:t>
             </a:fld>
             <a:endParaRPr kumimoji="0" lang="pt-BR" sz="1200" b="0" i="0" u="none" strike="noStrike" kern="1200" cap="none" spc="0" normalizeH="0" baseline="0" noProof="0">
               <a:ln>
@@ -12285,7 +12276,7 @@
                 <a:tabLst/>
                 <a:defRPr/>
               </a:pPr>
-              <a:t>13/05/2020</a:t>
+              <a:t>25/05/2020</a:t>
             </a:fld>
             <a:endParaRPr kumimoji="0" lang="pt-BR" sz="1200" b="0" i="0" u="none" strike="noStrike" kern="1200" cap="none" spc="0" normalizeH="0" baseline="0" noProof="0">
               <a:ln>
@@ -12702,7 +12693,7 @@
                 <a:tabLst/>
                 <a:defRPr/>
               </a:pPr>
-              <a:t>13/05/2020</a:t>
+              <a:t>25/05/2020</a:t>
             </a:fld>
             <a:endParaRPr kumimoji="0" lang="pt-BR" sz="1200" b="0" i="0" u="none" strike="noStrike" kern="1200" cap="none" spc="0" normalizeH="0" baseline="0" noProof="0">
               <a:ln>
@@ -13032,7 +13023,7 @@
                 <a:tabLst/>
                 <a:defRPr/>
               </a:pPr>
-              <a:t>13/05/2020</a:t>
+              <a:t>25/05/2020</a:t>
             </a:fld>
             <a:endParaRPr kumimoji="0" lang="pt-BR" sz="1200" b="0" i="0" u="none" strike="noStrike" kern="1200" cap="none" spc="0" normalizeH="0" baseline="0" noProof="0">
               <a:ln>
@@ -13372,7 +13363,7 @@
                 <a:tabLst/>
                 <a:defRPr/>
               </a:pPr>
-              <a:t>13/05/2020</a:t>
+              <a:t>25/05/2020</a:t>
             </a:fld>
             <a:endParaRPr kumimoji="0" lang="pt-BR" sz="1200" b="0" i="0" u="none" strike="noStrike" kern="1200" cap="none" spc="0" normalizeH="0" baseline="0" noProof="0">
               <a:ln>
@@ -13722,7 +13713,7 @@
                 <a:tabLst/>
                 <a:defRPr/>
               </a:pPr>
-              <a:t>13/05/2020</a:t>
+              <a:t>25/05/2020</a:t>
             </a:fld>
             <a:endParaRPr kumimoji="0" lang="pt-BR" sz="1200" b="0" i="0" u="none" strike="noStrike" kern="1200" cap="none" spc="0" normalizeH="0" baseline="0" noProof="0">
               <a:ln>
@@ -14050,7 +14041,7 @@
                 <a:tabLst/>
                 <a:defRPr/>
               </a:pPr>
-              <a:t>13/05/2020</a:t>
+              <a:t>25/05/2020</a:t>
             </a:fld>
             <a:endParaRPr kumimoji="0" lang="pt-BR" sz="1200" b="0" i="0" u="none" strike="noStrike" kern="1200" cap="none" spc="0" normalizeH="0" baseline="0" noProof="0">
               <a:ln>
@@ -14455,7 +14446,7 @@
                 <a:tabLst/>
                 <a:defRPr/>
               </a:pPr>
-              <a:t>13/05/2020</a:t>
+              <a:t>25/05/2020</a:t>
             </a:fld>
             <a:endParaRPr kumimoji="0" lang="pt-BR" sz="1200" b="0" i="0" u="none" strike="noStrike" kern="1200" cap="none" spc="0" normalizeH="0" baseline="0" noProof="0">
               <a:ln>
@@ -14844,7 +14835,7 @@
                 <a:tabLst/>
                 <a:defRPr/>
               </a:pPr>
-              <a:t>13/05/2020</a:t>
+              <a:t>25/05/2020</a:t>
             </a:fld>
             <a:endParaRPr kumimoji="0" lang="pt-BR" sz="1200" b="0" i="0" u="none" strike="noStrike" kern="1200" cap="none" spc="0" normalizeH="0" baseline="0" noProof="0">
               <a:ln>
@@ -15368,7 +15359,7 @@
                 <a:tabLst/>
                 <a:defRPr/>
               </a:pPr>
-              <a:t>13/05/2020</a:t>
+              <a:t>25/05/2020</a:t>
             </a:fld>
             <a:endParaRPr kumimoji="0" lang="pt-BR" sz="1200" b="0" i="0" u="none" strike="noStrike" kern="1200" cap="none" spc="0" normalizeH="0" baseline="0" noProof="0">
               <a:ln>
@@ -15846,7 +15837,7 @@
           <a:p>
             <a:fld id="{4DBD1E3A-4E22-4317-B6F0-1BA28CFB09D2}" type="datetimeFigureOut">
               <a:rPr lang="pt-BR" smtClean="0"/>
-              <a:t>13/05/2020</a:t>
+              <a:t>25/05/2020</a:t>
             </a:fld>
             <a:endParaRPr lang="pt-BR"/>
           </a:p>
@@ -16012,7 +16003,7 @@
                 <a:tabLst/>
                 <a:defRPr/>
               </a:pPr>
-              <a:t>13/05/2020</a:t>
+              <a:t>25/05/2020</a:t>
             </a:fld>
             <a:endParaRPr kumimoji="0" lang="pt-BR" sz="1200" b="0" i="0" u="none" strike="noStrike" kern="1200" cap="none" spc="0" normalizeH="0" baseline="0" noProof="0">
               <a:ln>
@@ -16267,7 +16258,7 @@
                 <a:tabLst/>
                 <a:defRPr/>
               </a:pPr>
-              <a:t>13/05/2020</a:t>
+              <a:t>25/05/2020</a:t>
             </a:fld>
             <a:endParaRPr kumimoji="0" lang="pt-BR" sz="1200" b="0" i="0" u="none" strike="noStrike" kern="1200" cap="none" spc="0" normalizeH="0" baseline="0" noProof="0">
               <a:ln>
@@ -16702,7 +16693,7 @@
                 <a:tabLst/>
                 <a:defRPr/>
               </a:pPr>
-              <a:t>13/05/2020</a:t>
+              <a:t>25/05/2020</a:t>
             </a:fld>
             <a:endParaRPr kumimoji="0" lang="pt-BR" sz="1200" b="0" i="0" u="none" strike="noStrike" kern="1200" cap="none" spc="0" normalizeH="0" baseline="0" noProof="0">
               <a:ln>
@@ -17114,7 +17105,7 @@
                 <a:tabLst/>
                 <a:defRPr/>
               </a:pPr>
-              <a:t>13/05/2020</a:t>
+              <a:t>25/05/2020</a:t>
             </a:fld>
             <a:endParaRPr kumimoji="0" lang="pt-BR" sz="1200" b="0" i="0" u="none" strike="noStrike" kern="1200" cap="none" spc="0" normalizeH="0" baseline="0" noProof="0">
               <a:ln>
@@ -17442,7 +17433,7 @@
                 <a:tabLst/>
                 <a:defRPr/>
               </a:pPr>
-              <a:t>13/05/2020</a:t>
+              <a:t>25/05/2020</a:t>
             </a:fld>
             <a:endParaRPr kumimoji="0" lang="pt-BR" sz="1200" b="0" i="0" u="none" strike="noStrike" kern="1200" cap="none" spc="0" normalizeH="0" baseline="0" noProof="0">
               <a:ln>
@@ -17780,7 +17771,7 @@
                 <a:tabLst/>
                 <a:defRPr/>
               </a:pPr>
-              <a:t>13/05/2020</a:t>
+              <a:t>25/05/2020</a:t>
             </a:fld>
             <a:endParaRPr kumimoji="0" lang="pt-BR" sz="1200" b="0" i="0" u="none" strike="noStrike" kern="1200" cap="none" spc="0" normalizeH="0" baseline="0" noProof="0">
               <a:ln>
@@ -18132,7 +18123,7 @@
                 <a:tabLst/>
                 <a:defRPr/>
               </a:pPr>
-              <a:t>13/05/2020</a:t>
+              <a:t>25/05/2020</a:t>
             </a:fld>
             <a:endParaRPr kumimoji="0" lang="pt-BR" sz="1200" b="0" i="0" u="none" strike="noStrike" kern="1200" cap="none" spc="0" normalizeH="0" baseline="0" noProof="0">
               <a:ln>
@@ -18462,7 +18453,7 @@
                 <a:tabLst/>
                 <a:defRPr/>
               </a:pPr>
-              <a:t>13/05/2020</a:t>
+              <a:t>25/05/2020</a:t>
             </a:fld>
             <a:endParaRPr kumimoji="0" lang="pt-BR" sz="1200" b="0" i="0" u="none" strike="noStrike" kern="1200" cap="none" spc="0" normalizeH="0" baseline="0" noProof="0">
               <a:ln>
@@ -18868,7 +18859,7 @@
                 <a:tabLst/>
                 <a:defRPr/>
               </a:pPr>
-              <a:t>13/05/2020</a:t>
+              <a:t>25/05/2020</a:t>
             </a:fld>
             <a:endParaRPr kumimoji="0" lang="pt-BR" sz="1200" b="0" i="0" u="none" strike="noStrike" kern="1200" cap="none" spc="0" normalizeH="0" baseline="0" noProof="0">
               <a:ln>
@@ -19260,7 +19251,7 @@
                 <a:tabLst/>
                 <a:defRPr/>
               </a:pPr>
-              <a:t>13/05/2020</a:t>
+              <a:t>25/05/2020</a:t>
             </a:fld>
             <a:endParaRPr kumimoji="0" lang="pt-BR" sz="1200" b="0" i="0" u="none" strike="noStrike" kern="1200" cap="none" spc="0" normalizeH="0" baseline="0" noProof="0">
               <a:ln>
@@ -19489,7 +19480,7 @@
           <a:p>
             <a:fld id="{4DBD1E3A-4E22-4317-B6F0-1BA28CFB09D2}" type="datetimeFigureOut">
               <a:rPr lang="pt-BR" smtClean="0"/>
-              <a:t>13/05/2020</a:t>
+              <a:t>25/05/2020</a:t>
             </a:fld>
             <a:endParaRPr lang="pt-BR"/>
           </a:p>
@@ -19905,7 +19896,7 @@
                 <a:tabLst/>
                 <a:defRPr/>
               </a:pPr>
-              <a:t>13/05/2020</a:t>
+              <a:t>25/05/2020</a:t>
             </a:fld>
             <a:endParaRPr kumimoji="0" lang="pt-BR" sz="1200" b="0" i="0" u="none" strike="noStrike" kern="1200" cap="none" spc="0" normalizeH="0" baseline="0" noProof="0">
               <a:ln>
@@ -20183,7 +20174,7 @@
                 <a:tabLst/>
                 <a:defRPr/>
               </a:pPr>
-              <a:t>13/05/2020</a:t>
+              <a:t>25/05/2020</a:t>
             </a:fld>
             <a:endParaRPr kumimoji="0" lang="pt-BR" sz="1200" b="0" i="0" u="none" strike="noStrike" kern="1200" cap="none" spc="0" normalizeH="0" baseline="0" noProof="0">
               <a:ln>
@@ -20438,7 +20429,7 @@
                 <a:tabLst/>
                 <a:defRPr/>
               </a:pPr>
-              <a:t>13/05/2020</a:t>
+              <a:t>25/05/2020</a:t>
             </a:fld>
             <a:endParaRPr kumimoji="0" lang="pt-BR" sz="1200" b="0" i="0" u="none" strike="noStrike" kern="1200" cap="none" spc="0" normalizeH="0" baseline="0" noProof="0">
               <a:ln>
@@ -20875,7 +20866,7 @@
                 <a:tabLst/>
                 <a:defRPr/>
               </a:pPr>
-              <a:t>13/05/2020</a:t>
+              <a:t>25/05/2020</a:t>
             </a:fld>
             <a:endParaRPr kumimoji="0" lang="pt-BR" sz="1200" b="0" i="0" u="none" strike="noStrike" kern="1200" cap="none" spc="0" normalizeH="0" baseline="0" noProof="0">
               <a:ln>
@@ -21292,7 +21283,7 @@
                 <a:tabLst/>
                 <a:defRPr/>
               </a:pPr>
-              <a:t>13/05/2020</a:t>
+              <a:t>25/05/2020</a:t>
             </a:fld>
             <a:endParaRPr kumimoji="0" lang="pt-BR" sz="1200" b="0" i="0" u="none" strike="noStrike" kern="1200" cap="none" spc="0" normalizeH="0" baseline="0" noProof="0">
               <a:ln>
@@ -21622,7 +21613,7 @@
                 <a:tabLst/>
                 <a:defRPr/>
               </a:pPr>
-              <a:t>13/05/2020</a:t>
+              <a:t>25/05/2020</a:t>
             </a:fld>
             <a:endParaRPr kumimoji="0" lang="pt-BR" sz="1200" b="0" i="0" u="none" strike="noStrike" kern="1200" cap="none" spc="0" normalizeH="0" baseline="0" noProof="0">
               <a:ln>
@@ -21962,7 +21953,7 @@
                 <a:tabLst/>
                 <a:defRPr/>
               </a:pPr>
-              <a:t>13/05/2020</a:t>
+              <a:t>25/05/2020</a:t>
             </a:fld>
             <a:endParaRPr kumimoji="0" lang="pt-BR" sz="1200" b="0" i="0" u="none" strike="noStrike" kern="1200" cap="none" spc="0" normalizeH="0" baseline="0" noProof="0">
               <a:ln>
@@ -22314,7 +22305,7 @@
                 <a:tabLst/>
                 <a:defRPr/>
               </a:pPr>
-              <a:t>13/05/2020</a:t>
+              <a:t>25/05/2020</a:t>
             </a:fld>
             <a:endParaRPr kumimoji="0" lang="pt-BR" sz="1200" b="0" i="0" u="none" strike="noStrike" kern="1200" cap="none" spc="0" normalizeH="0" baseline="0" noProof="0">
               <a:ln>
@@ -22644,7 +22635,7 @@
                 <a:tabLst/>
                 <a:defRPr/>
               </a:pPr>
-              <a:t>13/05/2020</a:t>
+              <a:t>25/05/2020</a:t>
             </a:fld>
             <a:endParaRPr kumimoji="0" lang="pt-BR" sz="1200" b="0" i="0" u="none" strike="noStrike" kern="1200" cap="none" spc="0" normalizeH="0" baseline="0" noProof="0">
               <a:ln>
@@ -23050,7 +23041,7 @@
                 <a:tabLst/>
                 <a:defRPr/>
               </a:pPr>
-              <a:t>13/05/2020</a:t>
+              <a:t>25/05/2020</a:t>
             </a:fld>
             <a:endParaRPr kumimoji="0" lang="pt-BR" sz="1200" b="0" i="0" u="none" strike="noStrike" kern="1200" cap="none" spc="0" normalizeH="0" baseline="0" noProof="0">
               <a:ln>
@@ -23256,7 +23247,7 @@
           <a:p>
             <a:fld id="{4DBD1E3A-4E22-4317-B6F0-1BA28CFB09D2}" type="datetimeFigureOut">
               <a:rPr lang="pt-BR" smtClean="0"/>
-              <a:t>13/05/2020</a:t>
+              <a:t>25/05/2020</a:t>
             </a:fld>
             <a:endParaRPr lang="pt-BR"/>
           </a:p>
@@ -23537,7 +23528,7 @@
                 <a:tabLst/>
                 <a:defRPr/>
               </a:pPr>
-              <a:t>13/05/2020</a:t>
+              <a:t>25/05/2020</a:t>
             </a:fld>
             <a:endParaRPr kumimoji="0" lang="pt-BR" sz="1200" b="0" i="0" u="none" strike="noStrike" kern="1200" cap="none" spc="0" normalizeH="0" baseline="0" noProof="0">
               <a:ln>
@@ -24064,7 +24055,7 @@
                 <a:tabLst/>
                 <a:defRPr/>
               </a:pPr>
-              <a:t>13/05/2020</a:t>
+              <a:t>25/05/2020</a:t>
             </a:fld>
             <a:endParaRPr kumimoji="0" lang="pt-BR" sz="1200" b="0" i="0" u="none" strike="noStrike" kern="1200" cap="none" spc="0" normalizeH="0" baseline="0" noProof="0">
               <a:ln>
@@ -24342,7 +24333,7 @@
                 <a:tabLst/>
                 <a:defRPr/>
               </a:pPr>
-              <a:t>13/05/2020</a:t>
+              <a:t>25/05/2020</a:t>
             </a:fld>
             <a:endParaRPr kumimoji="0" lang="pt-BR" sz="1200" b="0" i="0" u="none" strike="noStrike" kern="1200" cap="none" spc="0" normalizeH="0" baseline="0" noProof="0">
               <a:ln>
@@ -24597,7 +24588,7 @@
                 <a:tabLst/>
                 <a:defRPr/>
               </a:pPr>
-              <a:t>13/05/2020</a:t>
+              <a:t>25/05/2020</a:t>
             </a:fld>
             <a:endParaRPr kumimoji="0" lang="pt-BR" sz="1200" b="0" i="0" u="none" strike="noStrike" kern="1200" cap="none" spc="0" normalizeH="0" baseline="0" noProof="0">
               <a:ln>
@@ -25034,7 +25025,7 @@
                 <a:tabLst/>
                 <a:defRPr/>
               </a:pPr>
-              <a:t>13/05/2020</a:t>
+              <a:t>25/05/2020</a:t>
             </a:fld>
             <a:endParaRPr kumimoji="0" lang="pt-BR" sz="1200" b="0" i="0" u="none" strike="noStrike" kern="1200" cap="none" spc="0" normalizeH="0" baseline="0" noProof="0">
               <a:ln>
@@ -25451,7 +25442,7 @@
                 <a:tabLst/>
                 <a:defRPr/>
               </a:pPr>
-              <a:t>13/05/2020</a:t>
+              <a:t>25/05/2020</a:t>
             </a:fld>
             <a:endParaRPr kumimoji="0" lang="pt-BR" sz="1200" b="0" i="0" u="none" strike="noStrike" kern="1200" cap="none" spc="0" normalizeH="0" baseline="0" noProof="0">
               <a:ln>
@@ -25781,7 +25772,7 @@
                 <a:tabLst/>
                 <a:defRPr/>
               </a:pPr>
-              <a:t>13/05/2020</a:t>
+              <a:t>25/05/2020</a:t>
             </a:fld>
             <a:endParaRPr kumimoji="0" lang="pt-BR" sz="1200" b="0" i="0" u="none" strike="noStrike" kern="1200" cap="none" spc="0" normalizeH="0" baseline="0" noProof="0">
               <a:ln>
@@ -26121,7 +26112,7 @@
                 <a:tabLst/>
                 <a:defRPr/>
               </a:pPr>
-              <a:t>13/05/2020</a:t>
+              <a:t>25/05/2020</a:t>
             </a:fld>
             <a:endParaRPr kumimoji="0" lang="pt-BR" sz="1200" b="0" i="0" u="none" strike="noStrike" kern="1200" cap="none" spc="0" normalizeH="0" baseline="0" noProof="0">
               <a:ln>
@@ -26293,424 +26284,6 @@
 </p:sldLayout>
 </file>
 
-<file path=ppt/slideLayouts/slideLayout78.xml><?xml version="1.0" encoding="utf-8"?>
-<p:sldLayout xmlns:a="http://schemas.openxmlformats.org/drawingml/2006/main" xmlns:r="http://schemas.openxmlformats.org/officeDocument/2006/relationships" xmlns:p="http://schemas.openxmlformats.org/presentationml/2006/main" type="title" preserve="1">
-  <p:cSld name="Slide de Título">
-    <p:spTree>
-      <p:nvGrpSpPr>
-        <p:cNvPr id="1" name=""/>
-        <p:cNvGrpSpPr/>
-        <p:nvPr/>
-      </p:nvGrpSpPr>
-      <p:grpSpPr>
-        <a:xfrm>
-          <a:off x="0" y="0"/>
-          <a:ext cx="0" cy="0"/>
-          <a:chOff x="0" y="0"/>
-          <a:chExt cx="0" cy="0"/>
-        </a:xfrm>
-      </p:grpSpPr>
-      <p:sp>
-        <p:nvSpPr>
-          <p:cNvPr id="2" name="Título 1">
-            <a:extLst>
-              <a:ext uri="{FF2B5EF4-FFF2-40B4-BE49-F238E27FC236}">
-                <a16:creationId xmlns:a16="http://schemas.microsoft.com/office/drawing/2014/main" id="{8BF94869-A839-4C81-AFA3-5E0C4EC90B84}"/>
-              </a:ext>
-            </a:extLst>
-          </p:cNvPr>
-          <p:cNvSpPr>
-            <a:spLocks noGrp="1"/>
-          </p:cNvSpPr>
-          <p:nvPr>
-            <p:ph type="ctrTitle"/>
-          </p:nvPr>
-        </p:nvSpPr>
-        <p:spPr>
-          <a:xfrm>
-            <a:off x="1524000" y="1122363"/>
-            <a:ext cx="9144000" cy="2387600"/>
-          </a:xfrm>
-        </p:spPr>
-        <p:txBody>
-          <a:bodyPr anchor="b"/>
-          <a:lstStyle>
-            <a:lvl1pPr algn="ctr">
-              <a:defRPr sz="6000"/>
-            </a:lvl1pPr>
-          </a:lstStyle>
-          <a:p>
-            <a:r>
-              <a:rPr lang="pt-BR"/>
-              <a:t>Clique para editar o título Mestre</a:t>
-            </a:r>
-          </a:p>
-        </p:txBody>
-      </p:sp>
-      <p:sp>
-        <p:nvSpPr>
-          <p:cNvPr id="3" name="Subtítulo 2">
-            <a:extLst>
-              <a:ext uri="{FF2B5EF4-FFF2-40B4-BE49-F238E27FC236}">
-                <a16:creationId xmlns:a16="http://schemas.microsoft.com/office/drawing/2014/main" id="{157B17B0-7EEE-4794-A079-E66DC06EE2FF}"/>
-              </a:ext>
-            </a:extLst>
-          </p:cNvPr>
-          <p:cNvSpPr>
-            <a:spLocks noGrp="1"/>
-          </p:cNvSpPr>
-          <p:nvPr>
-            <p:ph type="subTitle" idx="1"/>
-          </p:nvPr>
-        </p:nvSpPr>
-        <p:spPr>
-          <a:xfrm>
-            <a:off x="1524000" y="3602038"/>
-            <a:ext cx="9144000" cy="1655762"/>
-          </a:xfrm>
-        </p:spPr>
-        <p:txBody>
-          <a:bodyPr/>
-          <a:lstStyle>
-            <a:lvl1pPr marL="0" indent="0" algn="ctr">
-              <a:buNone/>
-              <a:defRPr sz="2400"/>
-            </a:lvl1pPr>
-            <a:lvl2pPr marL="457200" indent="0" algn="ctr">
-              <a:buNone/>
-              <a:defRPr sz="2000"/>
-            </a:lvl2pPr>
-            <a:lvl3pPr marL="914400" indent="0" algn="ctr">
-              <a:buNone/>
-              <a:defRPr sz="1800"/>
-            </a:lvl3pPr>
-            <a:lvl4pPr marL="1371600" indent="0" algn="ctr">
-              <a:buNone/>
-              <a:defRPr sz="1600"/>
-            </a:lvl4pPr>
-            <a:lvl5pPr marL="1828800" indent="0" algn="ctr">
-              <a:buNone/>
-              <a:defRPr sz="1600"/>
-            </a:lvl5pPr>
-            <a:lvl6pPr marL="2286000" indent="0" algn="ctr">
-              <a:buNone/>
-              <a:defRPr sz="1600"/>
-            </a:lvl6pPr>
-            <a:lvl7pPr marL="2743200" indent="0" algn="ctr">
-              <a:buNone/>
-              <a:defRPr sz="1600"/>
-            </a:lvl7pPr>
-            <a:lvl8pPr marL="3200400" indent="0" algn="ctr">
-              <a:buNone/>
-              <a:defRPr sz="1600"/>
-            </a:lvl8pPr>
-            <a:lvl9pPr marL="3657600" indent="0" algn="ctr">
-              <a:buNone/>
-              <a:defRPr sz="1600"/>
-            </a:lvl9pPr>
-          </a:lstStyle>
-          <a:p>
-            <a:r>
-              <a:rPr lang="pt-BR"/>
-              <a:t>Clique para editar o estilo do subtítulo Mestre</a:t>
-            </a:r>
-          </a:p>
-        </p:txBody>
-      </p:sp>
-      <p:sp>
-        <p:nvSpPr>
-          <p:cNvPr id="4" name="Espaço Reservado para Data 3">
-            <a:extLst>
-              <a:ext uri="{FF2B5EF4-FFF2-40B4-BE49-F238E27FC236}">
-                <a16:creationId xmlns:a16="http://schemas.microsoft.com/office/drawing/2014/main" id="{A3E2ED59-9420-493C-86E0-761D9CE37860}"/>
-              </a:ext>
-            </a:extLst>
-          </p:cNvPr>
-          <p:cNvSpPr>
-            <a:spLocks noGrp="1"/>
-          </p:cNvSpPr>
-          <p:nvPr>
-            <p:ph type="dt" sz="half" idx="10"/>
-          </p:nvPr>
-        </p:nvSpPr>
-        <p:spPr/>
-        <p:txBody>
-          <a:bodyPr/>
-          <a:lstStyle/>
-          <a:p>
-            <a:fld id="{2B5115E6-7BE5-4061-A065-7C94FC71B15A}" type="datetimeFigureOut">
-              <a:rPr lang="pt-BR" smtClean="0"/>
-              <a:t>13/05/2020</a:t>
-            </a:fld>
-            <a:endParaRPr lang="pt-BR"/>
-          </a:p>
-        </p:txBody>
-      </p:sp>
-      <p:sp>
-        <p:nvSpPr>
-          <p:cNvPr id="5" name="Espaço Reservado para Rodapé 4">
-            <a:extLst>
-              <a:ext uri="{FF2B5EF4-FFF2-40B4-BE49-F238E27FC236}">
-                <a16:creationId xmlns:a16="http://schemas.microsoft.com/office/drawing/2014/main" id="{B2909457-222A-4C29-A113-A886421021B7}"/>
-              </a:ext>
-            </a:extLst>
-          </p:cNvPr>
-          <p:cNvSpPr>
-            <a:spLocks noGrp="1"/>
-          </p:cNvSpPr>
-          <p:nvPr>
-            <p:ph type="ftr" sz="quarter" idx="11"/>
-          </p:nvPr>
-        </p:nvSpPr>
-        <p:spPr/>
-        <p:txBody>
-          <a:bodyPr/>
-          <a:lstStyle/>
-          <a:p>
-            <a:endParaRPr lang="pt-BR"/>
-          </a:p>
-        </p:txBody>
-      </p:sp>
-      <p:sp>
-        <p:nvSpPr>
-          <p:cNvPr id="6" name="Espaço Reservado para Número de Slide 5">
-            <a:extLst>
-              <a:ext uri="{FF2B5EF4-FFF2-40B4-BE49-F238E27FC236}">
-                <a16:creationId xmlns:a16="http://schemas.microsoft.com/office/drawing/2014/main" id="{2C0720F6-BD49-4FCF-A35B-7BD6194A54D6}"/>
-              </a:ext>
-            </a:extLst>
-          </p:cNvPr>
-          <p:cNvSpPr>
-            <a:spLocks noGrp="1"/>
-          </p:cNvSpPr>
-          <p:nvPr>
-            <p:ph type="sldNum" sz="quarter" idx="12"/>
-          </p:nvPr>
-        </p:nvSpPr>
-        <p:spPr/>
-        <p:txBody>
-          <a:bodyPr/>
-          <a:lstStyle/>
-          <a:p>
-            <a:fld id="{6F3153EC-4881-40A1-97B0-5C816A60BD28}" type="slidenum">
-              <a:rPr lang="pt-BR" smtClean="0"/>
-              <a:t>‹nº›</a:t>
-            </a:fld>
-            <a:endParaRPr lang="pt-BR"/>
-          </a:p>
-        </p:txBody>
-      </p:sp>
-    </p:spTree>
-    <p:extLst>
-      <p:ext uri="{BB962C8B-B14F-4D97-AF65-F5344CB8AC3E}">
-        <p14:creationId xmlns:p14="http://schemas.microsoft.com/office/powerpoint/2010/main" val="3144395675"/>
-      </p:ext>
-    </p:extLst>
-  </p:cSld>
-  <p:clrMapOvr>
-    <a:masterClrMapping/>
-  </p:clrMapOvr>
-</p:sldLayout>
-</file>
-
-<file path=ppt/slideLayouts/slideLayout79.xml><?xml version="1.0" encoding="utf-8"?>
-<p:sldLayout xmlns:a="http://schemas.openxmlformats.org/drawingml/2006/main" xmlns:r="http://schemas.openxmlformats.org/officeDocument/2006/relationships" xmlns:p="http://schemas.openxmlformats.org/presentationml/2006/main" type="obj" preserve="1">
-  <p:cSld name="Título e Conteúdo">
-    <p:spTree>
-      <p:nvGrpSpPr>
-        <p:cNvPr id="1" name=""/>
-        <p:cNvGrpSpPr/>
-        <p:nvPr/>
-      </p:nvGrpSpPr>
-      <p:grpSpPr>
-        <a:xfrm>
-          <a:off x="0" y="0"/>
-          <a:ext cx="0" cy="0"/>
-          <a:chOff x="0" y="0"/>
-          <a:chExt cx="0" cy="0"/>
-        </a:xfrm>
-      </p:grpSpPr>
-      <p:sp>
-        <p:nvSpPr>
-          <p:cNvPr id="2" name="Título 1">
-            <a:extLst>
-              <a:ext uri="{FF2B5EF4-FFF2-40B4-BE49-F238E27FC236}">
-                <a16:creationId xmlns:a16="http://schemas.microsoft.com/office/drawing/2014/main" id="{F2C7A608-F55B-466E-ADA6-A437C2060D9B}"/>
-              </a:ext>
-            </a:extLst>
-          </p:cNvPr>
-          <p:cNvSpPr>
-            <a:spLocks noGrp="1"/>
-          </p:cNvSpPr>
-          <p:nvPr>
-            <p:ph type="title"/>
-          </p:nvPr>
-        </p:nvSpPr>
-        <p:spPr/>
-        <p:txBody>
-          <a:bodyPr/>
-          <a:lstStyle/>
-          <a:p>
-            <a:r>
-              <a:rPr lang="pt-BR"/>
-              <a:t>Clique para editar o título Mestre</a:t>
-            </a:r>
-          </a:p>
-        </p:txBody>
-      </p:sp>
-      <p:sp>
-        <p:nvSpPr>
-          <p:cNvPr id="3" name="Espaço Reservado para Conteúdo 2">
-            <a:extLst>
-              <a:ext uri="{FF2B5EF4-FFF2-40B4-BE49-F238E27FC236}">
-                <a16:creationId xmlns:a16="http://schemas.microsoft.com/office/drawing/2014/main" id="{B5382E53-4FEE-4D81-A0F0-B67BE10EEA40}"/>
-              </a:ext>
-            </a:extLst>
-          </p:cNvPr>
-          <p:cNvSpPr>
-            <a:spLocks noGrp="1"/>
-          </p:cNvSpPr>
-          <p:nvPr>
-            <p:ph idx="1"/>
-          </p:nvPr>
-        </p:nvSpPr>
-        <p:spPr/>
-        <p:txBody>
-          <a:bodyPr/>
-          <a:lstStyle/>
-          <a:p>
-            <a:pPr lvl="0"/>
-            <a:r>
-              <a:rPr lang="pt-BR"/>
-              <a:t>Clique para editar os estilos de texto Mestres</a:t>
-            </a:r>
-          </a:p>
-          <a:p>
-            <a:pPr lvl="1"/>
-            <a:r>
-              <a:rPr lang="pt-BR"/>
-              <a:t>Segundo nível</a:t>
-            </a:r>
-          </a:p>
-          <a:p>
-            <a:pPr lvl="2"/>
-            <a:r>
-              <a:rPr lang="pt-BR"/>
-              <a:t>Terceiro nível</a:t>
-            </a:r>
-          </a:p>
-          <a:p>
-            <a:pPr lvl="3"/>
-            <a:r>
-              <a:rPr lang="pt-BR"/>
-              <a:t>Quarto nível</a:t>
-            </a:r>
-          </a:p>
-          <a:p>
-            <a:pPr lvl="4"/>
-            <a:r>
-              <a:rPr lang="pt-BR"/>
-              <a:t>Quinto nível</a:t>
-            </a:r>
-          </a:p>
-        </p:txBody>
-      </p:sp>
-      <p:sp>
-        <p:nvSpPr>
-          <p:cNvPr id="4" name="Espaço Reservado para Data 3">
-            <a:extLst>
-              <a:ext uri="{FF2B5EF4-FFF2-40B4-BE49-F238E27FC236}">
-                <a16:creationId xmlns:a16="http://schemas.microsoft.com/office/drawing/2014/main" id="{BD22EEAC-5A0C-44D8-AAF5-9EC6C117074A}"/>
-              </a:ext>
-            </a:extLst>
-          </p:cNvPr>
-          <p:cNvSpPr>
-            <a:spLocks noGrp="1"/>
-          </p:cNvSpPr>
-          <p:nvPr>
-            <p:ph type="dt" sz="half" idx="10"/>
-          </p:nvPr>
-        </p:nvSpPr>
-        <p:spPr/>
-        <p:txBody>
-          <a:bodyPr/>
-          <a:lstStyle/>
-          <a:p>
-            <a:fld id="{2B5115E6-7BE5-4061-A065-7C94FC71B15A}" type="datetimeFigureOut">
-              <a:rPr lang="pt-BR" smtClean="0"/>
-              <a:t>13/05/2020</a:t>
-            </a:fld>
-            <a:endParaRPr lang="pt-BR"/>
-          </a:p>
-        </p:txBody>
-      </p:sp>
-      <p:sp>
-        <p:nvSpPr>
-          <p:cNvPr id="5" name="Espaço Reservado para Rodapé 4">
-            <a:extLst>
-              <a:ext uri="{FF2B5EF4-FFF2-40B4-BE49-F238E27FC236}">
-                <a16:creationId xmlns:a16="http://schemas.microsoft.com/office/drawing/2014/main" id="{4E814F1D-1C73-481C-90F0-3ED1A8B38081}"/>
-              </a:ext>
-            </a:extLst>
-          </p:cNvPr>
-          <p:cNvSpPr>
-            <a:spLocks noGrp="1"/>
-          </p:cNvSpPr>
-          <p:nvPr>
-            <p:ph type="ftr" sz="quarter" idx="11"/>
-          </p:nvPr>
-        </p:nvSpPr>
-        <p:spPr/>
-        <p:txBody>
-          <a:bodyPr/>
-          <a:lstStyle/>
-          <a:p>
-            <a:endParaRPr lang="pt-BR"/>
-          </a:p>
-        </p:txBody>
-      </p:sp>
-      <p:sp>
-        <p:nvSpPr>
-          <p:cNvPr id="6" name="Espaço Reservado para Número de Slide 5">
-            <a:extLst>
-              <a:ext uri="{FF2B5EF4-FFF2-40B4-BE49-F238E27FC236}">
-                <a16:creationId xmlns:a16="http://schemas.microsoft.com/office/drawing/2014/main" id="{D01D1F50-A93D-4BF8-BF13-35B8F07A5C50}"/>
-              </a:ext>
-            </a:extLst>
-          </p:cNvPr>
-          <p:cNvSpPr>
-            <a:spLocks noGrp="1"/>
-          </p:cNvSpPr>
-          <p:nvPr>
-            <p:ph type="sldNum" sz="quarter" idx="12"/>
-          </p:nvPr>
-        </p:nvSpPr>
-        <p:spPr/>
-        <p:txBody>
-          <a:bodyPr/>
-          <a:lstStyle/>
-          <a:p>
-            <a:fld id="{6F3153EC-4881-40A1-97B0-5C816A60BD28}" type="slidenum">
-              <a:rPr lang="pt-BR" smtClean="0"/>
-              <a:t>‹nº›</a:t>
-            </a:fld>
-            <a:endParaRPr lang="pt-BR"/>
-          </a:p>
-        </p:txBody>
-      </p:sp>
-    </p:spTree>
-    <p:extLst>
-      <p:ext uri="{BB962C8B-B14F-4D97-AF65-F5344CB8AC3E}">
-        <p14:creationId xmlns:p14="http://schemas.microsoft.com/office/powerpoint/2010/main" val="1226646634"/>
-      </p:ext>
-    </p:extLst>
-  </p:cSld>
-  <p:clrMapOvr>
-    <a:masterClrMapping/>
-  </p:clrMapOvr>
-</p:sldLayout>
-</file>
-
 <file path=ppt/slideLayouts/slideLayout8.xml><?xml version="1.0" encoding="utf-8"?>
 <p:sldLayout xmlns:a="http://schemas.openxmlformats.org/drawingml/2006/main" xmlns:r="http://schemas.openxmlformats.org/officeDocument/2006/relationships" xmlns:p="http://schemas.openxmlformats.org/presentationml/2006/main" type="objTx" preserve="1">
   <p:cSld name="Conteúdo com Legenda">
@@ -26927,7 +26500,7 @@
           <a:p>
             <a:fld id="{4DBD1E3A-4E22-4317-B6F0-1BA28CFB09D2}" type="datetimeFigureOut">
               <a:rPr lang="pt-BR" smtClean="0"/>
-              <a:t>13/05/2020</a:t>
+              <a:t>25/05/2020</a:t>
             </a:fld>
             <a:endParaRPr lang="pt-BR"/>
           </a:p>
@@ -26979,2217 +26552,6 @@
     <p:extLst>
       <p:ext uri="{BB962C8B-B14F-4D97-AF65-F5344CB8AC3E}">
         <p14:creationId xmlns:p14="http://schemas.microsoft.com/office/powerpoint/2010/main" val="4266877352"/>
-      </p:ext>
-    </p:extLst>
-  </p:cSld>
-  <p:clrMapOvr>
-    <a:masterClrMapping/>
-  </p:clrMapOvr>
-</p:sldLayout>
-</file>
-
-<file path=ppt/slideLayouts/slideLayout80.xml><?xml version="1.0" encoding="utf-8"?>
-<p:sldLayout xmlns:a="http://schemas.openxmlformats.org/drawingml/2006/main" xmlns:r="http://schemas.openxmlformats.org/officeDocument/2006/relationships" xmlns:p="http://schemas.openxmlformats.org/presentationml/2006/main" type="secHead" preserve="1">
-  <p:cSld name="Cabeçalho da Seção">
-    <p:spTree>
-      <p:nvGrpSpPr>
-        <p:cNvPr id="1" name=""/>
-        <p:cNvGrpSpPr/>
-        <p:nvPr/>
-      </p:nvGrpSpPr>
-      <p:grpSpPr>
-        <a:xfrm>
-          <a:off x="0" y="0"/>
-          <a:ext cx="0" cy="0"/>
-          <a:chOff x="0" y="0"/>
-          <a:chExt cx="0" cy="0"/>
-        </a:xfrm>
-      </p:grpSpPr>
-      <p:sp>
-        <p:nvSpPr>
-          <p:cNvPr id="2" name="Título 1">
-            <a:extLst>
-              <a:ext uri="{FF2B5EF4-FFF2-40B4-BE49-F238E27FC236}">
-                <a16:creationId xmlns:a16="http://schemas.microsoft.com/office/drawing/2014/main" id="{EB6D3979-23E9-43C8-A51D-6C257BBB7310}"/>
-              </a:ext>
-            </a:extLst>
-          </p:cNvPr>
-          <p:cNvSpPr>
-            <a:spLocks noGrp="1"/>
-          </p:cNvSpPr>
-          <p:nvPr>
-            <p:ph type="title"/>
-          </p:nvPr>
-        </p:nvSpPr>
-        <p:spPr>
-          <a:xfrm>
-            <a:off x="831850" y="1709738"/>
-            <a:ext cx="10515600" cy="2852737"/>
-          </a:xfrm>
-        </p:spPr>
-        <p:txBody>
-          <a:bodyPr anchor="b"/>
-          <a:lstStyle>
-            <a:lvl1pPr>
-              <a:defRPr sz="6000"/>
-            </a:lvl1pPr>
-          </a:lstStyle>
-          <a:p>
-            <a:r>
-              <a:rPr lang="pt-BR"/>
-              <a:t>Clique para editar o título Mestre</a:t>
-            </a:r>
-          </a:p>
-        </p:txBody>
-      </p:sp>
-      <p:sp>
-        <p:nvSpPr>
-          <p:cNvPr id="3" name="Espaço Reservado para Texto 2">
-            <a:extLst>
-              <a:ext uri="{FF2B5EF4-FFF2-40B4-BE49-F238E27FC236}">
-                <a16:creationId xmlns:a16="http://schemas.microsoft.com/office/drawing/2014/main" id="{8F27EB8B-D9A3-4FAE-BCCC-FFC9E2042B1C}"/>
-              </a:ext>
-            </a:extLst>
-          </p:cNvPr>
-          <p:cNvSpPr>
-            <a:spLocks noGrp="1"/>
-          </p:cNvSpPr>
-          <p:nvPr>
-            <p:ph type="body" idx="1"/>
-          </p:nvPr>
-        </p:nvSpPr>
-        <p:spPr>
-          <a:xfrm>
-            <a:off x="831850" y="4589463"/>
-            <a:ext cx="10515600" cy="1500187"/>
-          </a:xfrm>
-        </p:spPr>
-        <p:txBody>
-          <a:bodyPr/>
-          <a:lstStyle>
-            <a:lvl1pPr marL="0" indent="0">
-              <a:buNone/>
-              <a:defRPr sz="2400">
-                <a:solidFill>
-                  <a:schemeClr val="tx1">
-                    <a:tint val="75000"/>
-                  </a:schemeClr>
-                </a:solidFill>
-              </a:defRPr>
-            </a:lvl1pPr>
-            <a:lvl2pPr marL="457200" indent="0">
-              <a:buNone/>
-              <a:defRPr sz="2000">
-                <a:solidFill>
-                  <a:schemeClr val="tx1">
-                    <a:tint val="75000"/>
-                  </a:schemeClr>
-                </a:solidFill>
-              </a:defRPr>
-            </a:lvl2pPr>
-            <a:lvl3pPr marL="914400" indent="0">
-              <a:buNone/>
-              <a:defRPr sz="1800">
-                <a:solidFill>
-                  <a:schemeClr val="tx1">
-                    <a:tint val="75000"/>
-                  </a:schemeClr>
-                </a:solidFill>
-              </a:defRPr>
-            </a:lvl3pPr>
-            <a:lvl4pPr marL="1371600" indent="0">
-              <a:buNone/>
-              <a:defRPr sz="1600">
-                <a:solidFill>
-                  <a:schemeClr val="tx1">
-                    <a:tint val="75000"/>
-                  </a:schemeClr>
-                </a:solidFill>
-              </a:defRPr>
-            </a:lvl4pPr>
-            <a:lvl5pPr marL="1828800" indent="0">
-              <a:buNone/>
-              <a:defRPr sz="1600">
-                <a:solidFill>
-                  <a:schemeClr val="tx1">
-                    <a:tint val="75000"/>
-                  </a:schemeClr>
-                </a:solidFill>
-              </a:defRPr>
-            </a:lvl5pPr>
-            <a:lvl6pPr marL="2286000" indent="0">
-              <a:buNone/>
-              <a:defRPr sz="1600">
-                <a:solidFill>
-                  <a:schemeClr val="tx1">
-                    <a:tint val="75000"/>
-                  </a:schemeClr>
-                </a:solidFill>
-              </a:defRPr>
-            </a:lvl6pPr>
-            <a:lvl7pPr marL="2743200" indent="0">
-              <a:buNone/>
-              <a:defRPr sz="1600">
-                <a:solidFill>
-                  <a:schemeClr val="tx1">
-                    <a:tint val="75000"/>
-                  </a:schemeClr>
-                </a:solidFill>
-              </a:defRPr>
-            </a:lvl7pPr>
-            <a:lvl8pPr marL="3200400" indent="0">
-              <a:buNone/>
-              <a:defRPr sz="1600">
-                <a:solidFill>
-                  <a:schemeClr val="tx1">
-                    <a:tint val="75000"/>
-                  </a:schemeClr>
-                </a:solidFill>
-              </a:defRPr>
-            </a:lvl8pPr>
-            <a:lvl9pPr marL="3657600" indent="0">
-              <a:buNone/>
-              <a:defRPr sz="1600">
-                <a:solidFill>
-                  <a:schemeClr val="tx1">
-                    <a:tint val="75000"/>
-                  </a:schemeClr>
-                </a:solidFill>
-              </a:defRPr>
-            </a:lvl9pPr>
-          </a:lstStyle>
-          <a:p>
-            <a:pPr lvl="0"/>
-            <a:r>
-              <a:rPr lang="pt-BR"/>
-              <a:t>Clique para editar os estilos de texto Mestres</a:t>
-            </a:r>
-          </a:p>
-        </p:txBody>
-      </p:sp>
-      <p:sp>
-        <p:nvSpPr>
-          <p:cNvPr id="4" name="Espaço Reservado para Data 3">
-            <a:extLst>
-              <a:ext uri="{FF2B5EF4-FFF2-40B4-BE49-F238E27FC236}">
-                <a16:creationId xmlns:a16="http://schemas.microsoft.com/office/drawing/2014/main" id="{67EC1342-9F37-4237-A4D1-8AFD31CB54C6}"/>
-              </a:ext>
-            </a:extLst>
-          </p:cNvPr>
-          <p:cNvSpPr>
-            <a:spLocks noGrp="1"/>
-          </p:cNvSpPr>
-          <p:nvPr>
-            <p:ph type="dt" sz="half" idx="10"/>
-          </p:nvPr>
-        </p:nvSpPr>
-        <p:spPr/>
-        <p:txBody>
-          <a:bodyPr/>
-          <a:lstStyle/>
-          <a:p>
-            <a:fld id="{2B5115E6-7BE5-4061-A065-7C94FC71B15A}" type="datetimeFigureOut">
-              <a:rPr lang="pt-BR" smtClean="0"/>
-              <a:t>13/05/2020</a:t>
-            </a:fld>
-            <a:endParaRPr lang="pt-BR"/>
-          </a:p>
-        </p:txBody>
-      </p:sp>
-      <p:sp>
-        <p:nvSpPr>
-          <p:cNvPr id="5" name="Espaço Reservado para Rodapé 4">
-            <a:extLst>
-              <a:ext uri="{FF2B5EF4-FFF2-40B4-BE49-F238E27FC236}">
-                <a16:creationId xmlns:a16="http://schemas.microsoft.com/office/drawing/2014/main" id="{07093B66-2396-4ECE-905F-1735CB3E167E}"/>
-              </a:ext>
-            </a:extLst>
-          </p:cNvPr>
-          <p:cNvSpPr>
-            <a:spLocks noGrp="1"/>
-          </p:cNvSpPr>
-          <p:nvPr>
-            <p:ph type="ftr" sz="quarter" idx="11"/>
-          </p:nvPr>
-        </p:nvSpPr>
-        <p:spPr/>
-        <p:txBody>
-          <a:bodyPr/>
-          <a:lstStyle/>
-          <a:p>
-            <a:endParaRPr lang="pt-BR"/>
-          </a:p>
-        </p:txBody>
-      </p:sp>
-      <p:sp>
-        <p:nvSpPr>
-          <p:cNvPr id="6" name="Espaço Reservado para Número de Slide 5">
-            <a:extLst>
-              <a:ext uri="{FF2B5EF4-FFF2-40B4-BE49-F238E27FC236}">
-                <a16:creationId xmlns:a16="http://schemas.microsoft.com/office/drawing/2014/main" id="{47876664-1AA9-4C32-896B-6680A6F8CBCF}"/>
-              </a:ext>
-            </a:extLst>
-          </p:cNvPr>
-          <p:cNvSpPr>
-            <a:spLocks noGrp="1"/>
-          </p:cNvSpPr>
-          <p:nvPr>
-            <p:ph type="sldNum" sz="quarter" idx="12"/>
-          </p:nvPr>
-        </p:nvSpPr>
-        <p:spPr/>
-        <p:txBody>
-          <a:bodyPr/>
-          <a:lstStyle/>
-          <a:p>
-            <a:fld id="{6F3153EC-4881-40A1-97B0-5C816A60BD28}" type="slidenum">
-              <a:rPr lang="pt-BR" smtClean="0"/>
-              <a:t>‹nº›</a:t>
-            </a:fld>
-            <a:endParaRPr lang="pt-BR"/>
-          </a:p>
-        </p:txBody>
-      </p:sp>
-    </p:spTree>
-    <p:extLst>
-      <p:ext uri="{BB962C8B-B14F-4D97-AF65-F5344CB8AC3E}">
-        <p14:creationId xmlns:p14="http://schemas.microsoft.com/office/powerpoint/2010/main" val="196136047"/>
-      </p:ext>
-    </p:extLst>
-  </p:cSld>
-  <p:clrMapOvr>
-    <a:masterClrMapping/>
-  </p:clrMapOvr>
-</p:sldLayout>
-</file>
-
-<file path=ppt/slideLayouts/slideLayout81.xml><?xml version="1.0" encoding="utf-8"?>
-<p:sldLayout xmlns:a="http://schemas.openxmlformats.org/drawingml/2006/main" xmlns:r="http://schemas.openxmlformats.org/officeDocument/2006/relationships" xmlns:p="http://schemas.openxmlformats.org/presentationml/2006/main" type="twoObj" preserve="1">
-  <p:cSld name="Duas Partes de Conteúdo">
-    <p:spTree>
-      <p:nvGrpSpPr>
-        <p:cNvPr id="1" name=""/>
-        <p:cNvGrpSpPr/>
-        <p:nvPr/>
-      </p:nvGrpSpPr>
-      <p:grpSpPr>
-        <a:xfrm>
-          <a:off x="0" y="0"/>
-          <a:ext cx="0" cy="0"/>
-          <a:chOff x="0" y="0"/>
-          <a:chExt cx="0" cy="0"/>
-        </a:xfrm>
-      </p:grpSpPr>
-      <p:sp>
-        <p:nvSpPr>
-          <p:cNvPr id="2" name="Título 1">
-            <a:extLst>
-              <a:ext uri="{FF2B5EF4-FFF2-40B4-BE49-F238E27FC236}">
-                <a16:creationId xmlns:a16="http://schemas.microsoft.com/office/drawing/2014/main" id="{116778BF-2E25-4C0C-8E6F-F4FB458F3115}"/>
-              </a:ext>
-            </a:extLst>
-          </p:cNvPr>
-          <p:cNvSpPr>
-            <a:spLocks noGrp="1"/>
-          </p:cNvSpPr>
-          <p:nvPr>
-            <p:ph type="title"/>
-          </p:nvPr>
-        </p:nvSpPr>
-        <p:spPr/>
-        <p:txBody>
-          <a:bodyPr/>
-          <a:lstStyle/>
-          <a:p>
-            <a:r>
-              <a:rPr lang="pt-BR"/>
-              <a:t>Clique para editar o título Mestre</a:t>
-            </a:r>
-          </a:p>
-        </p:txBody>
-      </p:sp>
-      <p:sp>
-        <p:nvSpPr>
-          <p:cNvPr id="3" name="Espaço Reservado para Conteúdo 2">
-            <a:extLst>
-              <a:ext uri="{FF2B5EF4-FFF2-40B4-BE49-F238E27FC236}">
-                <a16:creationId xmlns:a16="http://schemas.microsoft.com/office/drawing/2014/main" id="{5B2DCEA1-3ED4-48E5-8451-F9BFFE46EE76}"/>
-              </a:ext>
-            </a:extLst>
-          </p:cNvPr>
-          <p:cNvSpPr>
-            <a:spLocks noGrp="1"/>
-          </p:cNvSpPr>
-          <p:nvPr>
-            <p:ph sz="half" idx="1"/>
-          </p:nvPr>
-        </p:nvSpPr>
-        <p:spPr>
-          <a:xfrm>
-            <a:off x="838200" y="1825625"/>
-            <a:ext cx="5181600" cy="4351338"/>
-          </a:xfrm>
-        </p:spPr>
-        <p:txBody>
-          <a:bodyPr/>
-          <a:lstStyle/>
-          <a:p>
-            <a:pPr lvl="0"/>
-            <a:r>
-              <a:rPr lang="pt-BR"/>
-              <a:t>Clique para editar os estilos de texto Mestres</a:t>
-            </a:r>
-          </a:p>
-          <a:p>
-            <a:pPr lvl="1"/>
-            <a:r>
-              <a:rPr lang="pt-BR"/>
-              <a:t>Segundo nível</a:t>
-            </a:r>
-          </a:p>
-          <a:p>
-            <a:pPr lvl="2"/>
-            <a:r>
-              <a:rPr lang="pt-BR"/>
-              <a:t>Terceiro nível</a:t>
-            </a:r>
-          </a:p>
-          <a:p>
-            <a:pPr lvl="3"/>
-            <a:r>
-              <a:rPr lang="pt-BR"/>
-              <a:t>Quarto nível</a:t>
-            </a:r>
-          </a:p>
-          <a:p>
-            <a:pPr lvl="4"/>
-            <a:r>
-              <a:rPr lang="pt-BR"/>
-              <a:t>Quinto nível</a:t>
-            </a:r>
-          </a:p>
-        </p:txBody>
-      </p:sp>
-      <p:sp>
-        <p:nvSpPr>
-          <p:cNvPr id="4" name="Espaço Reservado para Conteúdo 3">
-            <a:extLst>
-              <a:ext uri="{FF2B5EF4-FFF2-40B4-BE49-F238E27FC236}">
-                <a16:creationId xmlns:a16="http://schemas.microsoft.com/office/drawing/2014/main" id="{C10B1983-2817-428B-9D7D-94F6D81BFC0A}"/>
-              </a:ext>
-            </a:extLst>
-          </p:cNvPr>
-          <p:cNvSpPr>
-            <a:spLocks noGrp="1"/>
-          </p:cNvSpPr>
-          <p:nvPr>
-            <p:ph sz="half" idx="2"/>
-          </p:nvPr>
-        </p:nvSpPr>
-        <p:spPr>
-          <a:xfrm>
-            <a:off x="6172200" y="1825625"/>
-            <a:ext cx="5181600" cy="4351338"/>
-          </a:xfrm>
-        </p:spPr>
-        <p:txBody>
-          <a:bodyPr/>
-          <a:lstStyle/>
-          <a:p>
-            <a:pPr lvl="0"/>
-            <a:r>
-              <a:rPr lang="pt-BR"/>
-              <a:t>Clique para editar os estilos de texto Mestres</a:t>
-            </a:r>
-          </a:p>
-          <a:p>
-            <a:pPr lvl="1"/>
-            <a:r>
-              <a:rPr lang="pt-BR"/>
-              <a:t>Segundo nível</a:t>
-            </a:r>
-          </a:p>
-          <a:p>
-            <a:pPr lvl="2"/>
-            <a:r>
-              <a:rPr lang="pt-BR"/>
-              <a:t>Terceiro nível</a:t>
-            </a:r>
-          </a:p>
-          <a:p>
-            <a:pPr lvl="3"/>
-            <a:r>
-              <a:rPr lang="pt-BR"/>
-              <a:t>Quarto nível</a:t>
-            </a:r>
-          </a:p>
-          <a:p>
-            <a:pPr lvl="4"/>
-            <a:r>
-              <a:rPr lang="pt-BR"/>
-              <a:t>Quinto nível</a:t>
-            </a:r>
-          </a:p>
-        </p:txBody>
-      </p:sp>
-      <p:sp>
-        <p:nvSpPr>
-          <p:cNvPr id="5" name="Espaço Reservado para Data 4">
-            <a:extLst>
-              <a:ext uri="{FF2B5EF4-FFF2-40B4-BE49-F238E27FC236}">
-                <a16:creationId xmlns:a16="http://schemas.microsoft.com/office/drawing/2014/main" id="{A3BAC282-2158-43F8-9E42-BA4E31A245C5}"/>
-              </a:ext>
-            </a:extLst>
-          </p:cNvPr>
-          <p:cNvSpPr>
-            <a:spLocks noGrp="1"/>
-          </p:cNvSpPr>
-          <p:nvPr>
-            <p:ph type="dt" sz="half" idx="10"/>
-          </p:nvPr>
-        </p:nvSpPr>
-        <p:spPr/>
-        <p:txBody>
-          <a:bodyPr/>
-          <a:lstStyle/>
-          <a:p>
-            <a:fld id="{2B5115E6-7BE5-4061-A065-7C94FC71B15A}" type="datetimeFigureOut">
-              <a:rPr lang="pt-BR" smtClean="0"/>
-              <a:t>13/05/2020</a:t>
-            </a:fld>
-            <a:endParaRPr lang="pt-BR"/>
-          </a:p>
-        </p:txBody>
-      </p:sp>
-      <p:sp>
-        <p:nvSpPr>
-          <p:cNvPr id="6" name="Espaço Reservado para Rodapé 5">
-            <a:extLst>
-              <a:ext uri="{FF2B5EF4-FFF2-40B4-BE49-F238E27FC236}">
-                <a16:creationId xmlns:a16="http://schemas.microsoft.com/office/drawing/2014/main" id="{E298C3C6-1C61-44CC-BEC3-C519CED335D5}"/>
-              </a:ext>
-            </a:extLst>
-          </p:cNvPr>
-          <p:cNvSpPr>
-            <a:spLocks noGrp="1"/>
-          </p:cNvSpPr>
-          <p:nvPr>
-            <p:ph type="ftr" sz="quarter" idx="11"/>
-          </p:nvPr>
-        </p:nvSpPr>
-        <p:spPr/>
-        <p:txBody>
-          <a:bodyPr/>
-          <a:lstStyle/>
-          <a:p>
-            <a:endParaRPr lang="pt-BR"/>
-          </a:p>
-        </p:txBody>
-      </p:sp>
-      <p:sp>
-        <p:nvSpPr>
-          <p:cNvPr id="7" name="Espaço Reservado para Número de Slide 6">
-            <a:extLst>
-              <a:ext uri="{FF2B5EF4-FFF2-40B4-BE49-F238E27FC236}">
-                <a16:creationId xmlns:a16="http://schemas.microsoft.com/office/drawing/2014/main" id="{EA771DF4-3330-4131-A35B-DD68B84497F1}"/>
-              </a:ext>
-            </a:extLst>
-          </p:cNvPr>
-          <p:cNvSpPr>
-            <a:spLocks noGrp="1"/>
-          </p:cNvSpPr>
-          <p:nvPr>
-            <p:ph type="sldNum" sz="quarter" idx="12"/>
-          </p:nvPr>
-        </p:nvSpPr>
-        <p:spPr/>
-        <p:txBody>
-          <a:bodyPr/>
-          <a:lstStyle/>
-          <a:p>
-            <a:fld id="{6F3153EC-4881-40A1-97B0-5C816A60BD28}" type="slidenum">
-              <a:rPr lang="pt-BR" smtClean="0"/>
-              <a:t>‹nº›</a:t>
-            </a:fld>
-            <a:endParaRPr lang="pt-BR"/>
-          </a:p>
-        </p:txBody>
-      </p:sp>
-    </p:spTree>
-    <p:extLst>
-      <p:ext uri="{BB962C8B-B14F-4D97-AF65-F5344CB8AC3E}">
-        <p14:creationId xmlns:p14="http://schemas.microsoft.com/office/powerpoint/2010/main" val="3928295190"/>
-      </p:ext>
-    </p:extLst>
-  </p:cSld>
-  <p:clrMapOvr>
-    <a:masterClrMapping/>
-  </p:clrMapOvr>
-</p:sldLayout>
-</file>
-
-<file path=ppt/slideLayouts/slideLayout82.xml><?xml version="1.0" encoding="utf-8"?>
-<p:sldLayout xmlns:a="http://schemas.openxmlformats.org/drawingml/2006/main" xmlns:r="http://schemas.openxmlformats.org/officeDocument/2006/relationships" xmlns:p="http://schemas.openxmlformats.org/presentationml/2006/main" type="twoTxTwoObj" preserve="1">
-  <p:cSld name="Comparação">
-    <p:spTree>
-      <p:nvGrpSpPr>
-        <p:cNvPr id="1" name=""/>
-        <p:cNvGrpSpPr/>
-        <p:nvPr/>
-      </p:nvGrpSpPr>
-      <p:grpSpPr>
-        <a:xfrm>
-          <a:off x="0" y="0"/>
-          <a:ext cx="0" cy="0"/>
-          <a:chOff x="0" y="0"/>
-          <a:chExt cx="0" cy="0"/>
-        </a:xfrm>
-      </p:grpSpPr>
-      <p:sp>
-        <p:nvSpPr>
-          <p:cNvPr id="2" name="Título 1">
-            <a:extLst>
-              <a:ext uri="{FF2B5EF4-FFF2-40B4-BE49-F238E27FC236}">
-                <a16:creationId xmlns:a16="http://schemas.microsoft.com/office/drawing/2014/main" id="{5AA466D0-D0B7-4257-8036-751015CEEF88}"/>
-              </a:ext>
-            </a:extLst>
-          </p:cNvPr>
-          <p:cNvSpPr>
-            <a:spLocks noGrp="1"/>
-          </p:cNvSpPr>
-          <p:nvPr>
-            <p:ph type="title"/>
-          </p:nvPr>
-        </p:nvSpPr>
-        <p:spPr>
-          <a:xfrm>
-            <a:off x="839788" y="365125"/>
-            <a:ext cx="10515600" cy="1325563"/>
-          </a:xfrm>
-        </p:spPr>
-        <p:txBody>
-          <a:bodyPr/>
-          <a:lstStyle/>
-          <a:p>
-            <a:r>
-              <a:rPr lang="pt-BR"/>
-              <a:t>Clique para editar o título Mestre</a:t>
-            </a:r>
-          </a:p>
-        </p:txBody>
-      </p:sp>
-      <p:sp>
-        <p:nvSpPr>
-          <p:cNvPr id="3" name="Espaço Reservado para Texto 2">
-            <a:extLst>
-              <a:ext uri="{FF2B5EF4-FFF2-40B4-BE49-F238E27FC236}">
-                <a16:creationId xmlns:a16="http://schemas.microsoft.com/office/drawing/2014/main" id="{F4514A6B-DE16-4B6C-8B87-0E77C40D7553}"/>
-              </a:ext>
-            </a:extLst>
-          </p:cNvPr>
-          <p:cNvSpPr>
-            <a:spLocks noGrp="1"/>
-          </p:cNvSpPr>
-          <p:nvPr>
-            <p:ph type="body" idx="1"/>
-          </p:nvPr>
-        </p:nvSpPr>
-        <p:spPr>
-          <a:xfrm>
-            <a:off x="839788" y="1681163"/>
-            <a:ext cx="5157787" cy="823912"/>
-          </a:xfrm>
-        </p:spPr>
-        <p:txBody>
-          <a:bodyPr anchor="b"/>
-          <a:lstStyle>
-            <a:lvl1pPr marL="0" indent="0">
-              <a:buNone/>
-              <a:defRPr sz="2400" b="1"/>
-            </a:lvl1pPr>
-            <a:lvl2pPr marL="457200" indent="0">
-              <a:buNone/>
-              <a:defRPr sz="2000" b="1"/>
-            </a:lvl2pPr>
-            <a:lvl3pPr marL="914400" indent="0">
-              <a:buNone/>
-              <a:defRPr sz="1800" b="1"/>
-            </a:lvl3pPr>
-            <a:lvl4pPr marL="1371600" indent="0">
-              <a:buNone/>
-              <a:defRPr sz="1600" b="1"/>
-            </a:lvl4pPr>
-            <a:lvl5pPr marL="1828800" indent="0">
-              <a:buNone/>
-              <a:defRPr sz="1600" b="1"/>
-            </a:lvl5pPr>
-            <a:lvl6pPr marL="2286000" indent="0">
-              <a:buNone/>
-              <a:defRPr sz="1600" b="1"/>
-            </a:lvl6pPr>
-            <a:lvl7pPr marL="2743200" indent="0">
-              <a:buNone/>
-              <a:defRPr sz="1600" b="1"/>
-            </a:lvl7pPr>
-            <a:lvl8pPr marL="3200400" indent="0">
-              <a:buNone/>
-              <a:defRPr sz="1600" b="1"/>
-            </a:lvl8pPr>
-            <a:lvl9pPr marL="3657600" indent="0">
-              <a:buNone/>
-              <a:defRPr sz="1600" b="1"/>
-            </a:lvl9pPr>
-          </a:lstStyle>
-          <a:p>
-            <a:pPr lvl="0"/>
-            <a:r>
-              <a:rPr lang="pt-BR"/>
-              <a:t>Clique para editar os estilos de texto Mestres</a:t>
-            </a:r>
-          </a:p>
-        </p:txBody>
-      </p:sp>
-      <p:sp>
-        <p:nvSpPr>
-          <p:cNvPr id="4" name="Espaço Reservado para Conteúdo 3">
-            <a:extLst>
-              <a:ext uri="{FF2B5EF4-FFF2-40B4-BE49-F238E27FC236}">
-                <a16:creationId xmlns:a16="http://schemas.microsoft.com/office/drawing/2014/main" id="{3D1DDC9F-E1A9-4CEF-90FC-FF69A2F5BF08}"/>
-              </a:ext>
-            </a:extLst>
-          </p:cNvPr>
-          <p:cNvSpPr>
-            <a:spLocks noGrp="1"/>
-          </p:cNvSpPr>
-          <p:nvPr>
-            <p:ph sz="half" idx="2"/>
-          </p:nvPr>
-        </p:nvSpPr>
-        <p:spPr>
-          <a:xfrm>
-            <a:off x="839788" y="2505075"/>
-            <a:ext cx="5157787" cy="3684588"/>
-          </a:xfrm>
-        </p:spPr>
-        <p:txBody>
-          <a:bodyPr/>
-          <a:lstStyle/>
-          <a:p>
-            <a:pPr lvl="0"/>
-            <a:r>
-              <a:rPr lang="pt-BR"/>
-              <a:t>Clique para editar os estilos de texto Mestres</a:t>
-            </a:r>
-          </a:p>
-          <a:p>
-            <a:pPr lvl="1"/>
-            <a:r>
-              <a:rPr lang="pt-BR"/>
-              <a:t>Segundo nível</a:t>
-            </a:r>
-          </a:p>
-          <a:p>
-            <a:pPr lvl="2"/>
-            <a:r>
-              <a:rPr lang="pt-BR"/>
-              <a:t>Terceiro nível</a:t>
-            </a:r>
-          </a:p>
-          <a:p>
-            <a:pPr lvl="3"/>
-            <a:r>
-              <a:rPr lang="pt-BR"/>
-              <a:t>Quarto nível</a:t>
-            </a:r>
-          </a:p>
-          <a:p>
-            <a:pPr lvl="4"/>
-            <a:r>
-              <a:rPr lang="pt-BR"/>
-              <a:t>Quinto nível</a:t>
-            </a:r>
-          </a:p>
-        </p:txBody>
-      </p:sp>
-      <p:sp>
-        <p:nvSpPr>
-          <p:cNvPr id="5" name="Espaço Reservado para Texto 4">
-            <a:extLst>
-              <a:ext uri="{FF2B5EF4-FFF2-40B4-BE49-F238E27FC236}">
-                <a16:creationId xmlns:a16="http://schemas.microsoft.com/office/drawing/2014/main" id="{F918B260-6365-49CE-9AB5-A5451190AC0D}"/>
-              </a:ext>
-            </a:extLst>
-          </p:cNvPr>
-          <p:cNvSpPr>
-            <a:spLocks noGrp="1"/>
-          </p:cNvSpPr>
-          <p:nvPr>
-            <p:ph type="body" sz="quarter" idx="3"/>
-          </p:nvPr>
-        </p:nvSpPr>
-        <p:spPr>
-          <a:xfrm>
-            <a:off x="6172200" y="1681163"/>
-            <a:ext cx="5183188" cy="823912"/>
-          </a:xfrm>
-        </p:spPr>
-        <p:txBody>
-          <a:bodyPr anchor="b"/>
-          <a:lstStyle>
-            <a:lvl1pPr marL="0" indent="0">
-              <a:buNone/>
-              <a:defRPr sz="2400" b="1"/>
-            </a:lvl1pPr>
-            <a:lvl2pPr marL="457200" indent="0">
-              <a:buNone/>
-              <a:defRPr sz="2000" b="1"/>
-            </a:lvl2pPr>
-            <a:lvl3pPr marL="914400" indent="0">
-              <a:buNone/>
-              <a:defRPr sz="1800" b="1"/>
-            </a:lvl3pPr>
-            <a:lvl4pPr marL="1371600" indent="0">
-              <a:buNone/>
-              <a:defRPr sz="1600" b="1"/>
-            </a:lvl4pPr>
-            <a:lvl5pPr marL="1828800" indent="0">
-              <a:buNone/>
-              <a:defRPr sz="1600" b="1"/>
-            </a:lvl5pPr>
-            <a:lvl6pPr marL="2286000" indent="0">
-              <a:buNone/>
-              <a:defRPr sz="1600" b="1"/>
-            </a:lvl6pPr>
-            <a:lvl7pPr marL="2743200" indent="0">
-              <a:buNone/>
-              <a:defRPr sz="1600" b="1"/>
-            </a:lvl7pPr>
-            <a:lvl8pPr marL="3200400" indent="0">
-              <a:buNone/>
-              <a:defRPr sz="1600" b="1"/>
-            </a:lvl8pPr>
-            <a:lvl9pPr marL="3657600" indent="0">
-              <a:buNone/>
-              <a:defRPr sz="1600" b="1"/>
-            </a:lvl9pPr>
-          </a:lstStyle>
-          <a:p>
-            <a:pPr lvl="0"/>
-            <a:r>
-              <a:rPr lang="pt-BR"/>
-              <a:t>Clique para editar os estilos de texto Mestres</a:t>
-            </a:r>
-          </a:p>
-        </p:txBody>
-      </p:sp>
-      <p:sp>
-        <p:nvSpPr>
-          <p:cNvPr id="6" name="Espaço Reservado para Conteúdo 5">
-            <a:extLst>
-              <a:ext uri="{FF2B5EF4-FFF2-40B4-BE49-F238E27FC236}">
-                <a16:creationId xmlns:a16="http://schemas.microsoft.com/office/drawing/2014/main" id="{53D2F3F3-A910-4442-B944-7C8A0E199965}"/>
-              </a:ext>
-            </a:extLst>
-          </p:cNvPr>
-          <p:cNvSpPr>
-            <a:spLocks noGrp="1"/>
-          </p:cNvSpPr>
-          <p:nvPr>
-            <p:ph sz="quarter" idx="4"/>
-          </p:nvPr>
-        </p:nvSpPr>
-        <p:spPr>
-          <a:xfrm>
-            <a:off x="6172200" y="2505075"/>
-            <a:ext cx="5183188" cy="3684588"/>
-          </a:xfrm>
-        </p:spPr>
-        <p:txBody>
-          <a:bodyPr/>
-          <a:lstStyle/>
-          <a:p>
-            <a:pPr lvl="0"/>
-            <a:r>
-              <a:rPr lang="pt-BR"/>
-              <a:t>Clique para editar os estilos de texto Mestres</a:t>
-            </a:r>
-          </a:p>
-          <a:p>
-            <a:pPr lvl="1"/>
-            <a:r>
-              <a:rPr lang="pt-BR"/>
-              <a:t>Segundo nível</a:t>
-            </a:r>
-          </a:p>
-          <a:p>
-            <a:pPr lvl="2"/>
-            <a:r>
-              <a:rPr lang="pt-BR"/>
-              <a:t>Terceiro nível</a:t>
-            </a:r>
-          </a:p>
-          <a:p>
-            <a:pPr lvl="3"/>
-            <a:r>
-              <a:rPr lang="pt-BR"/>
-              <a:t>Quarto nível</a:t>
-            </a:r>
-          </a:p>
-          <a:p>
-            <a:pPr lvl="4"/>
-            <a:r>
-              <a:rPr lang="pt-BR"/>
-              <a:t>Quinto nível</a:t>
-            </a:r>
-          </a:p>
-        </p:txBody>
-      </p:sp>
-      <p:sp>
-        <p:nvSpPr>
-          <p:cNvPr id="7" name="Espaço Reservado para Data 6">
-            <a:extLst>
-              <a:ext uri="{FF2B5EF4-FFF2-40B4-BE49-F238E27FC236}">
-                <a16:creationId xmlns:a16="http://schemas.microsoft.com/office/drawing/2014/main" id="{670CBE4B-FAEF-4DD0-9AAE-AF18DCDDB1BC}"/>
-              </a:ext>
-            </a:extLst>
-          </p:cNvPr>
-          <p:cNvSpPr>
-            <a:spLocks noGrp="1"/>
-          </p:cNvSpPr>
-          <p:nvPr>
-            <p:ph type="dt" sz="half" idx="10"/>
-          </p:nvPr>
-        </p:nvSpPr>
-        <p:spPr/>
-        <p:txBody>
-          <a:bodyPr/>
-          <a:lstStyle/>
-          <a:p>
-            <a:fld id="{2B5115E6-7BE5-4061-A065-7C94FC71B15A}" type="datetimeFigureOut">
-              <a:rPr lang="pt-BR" smtClean="0"/>
-              <a:t>13/05/2020</a:t>
-            </a:fld>
-            <a:endParaRPr lang="pt-BR"/>
-          </a:p>
-        </p:txBody>
-      </p:sp>
-      <p:sp>
-        <p:nvSpPr>
-          <p:cNvPr id="8" name="Espaço Reservado para Rodapé 7">
-            <a:extLst>
-              <a:ext uri="{FF2B5EF4-FFF2-40B4-BE49-F238E27FC236}">
-                <a16:creationId xmlns:a16="http://schemas.microsoft.com/office/drawing/2014/main" id="{C074953F-AEBE-4C44-B106-08FB9C636D76}"/>
-              </a:ext>
-            </a:extLst>
-          </p:cNvPr>
-          <p:cNvSpPr>
-            <a:spLocks noGrp="1"/>
-          </p:cNvSpPr>
-          <p:nvPr>
-            <p:ph type="ftr" sz="quarter" idx="11"/>
-          </p:nvPr>
-        </p:nvSpPr>
-        <p:spPr/>
-        <p:txBody>
-          <a:bodyPr/>
-          <a:lstStyle/>
-          <a:p>
-            <a:endParaRPr lang="pt-BR"/>
-          </a:p>
-        </p:txBody>
-      </p:sp>
-      <p:sp>
-        <p:nvSpPr>
-          <p:cNvPr id="9" name="Espaço Reservado para Número de Slide 8">
-            <a:extLst>
-              <a:ext uri="{FF2B5EF4-FFF2-40B4-BE49-F238E27FC236}">
-                <a16:creationId xmlns:a16="http://schemas.microsoft.com/office/drawing/2014/main" id="{11CD9F7E-EB5D-4F65-83F8-2C584F3D9EE1}"/>
-              </a:ext>
-            </a:extLst>
-          </p:cNvPr>
-          <p:cNvSpPr>
-            <a:spLocks noGrp="1"/>
-          </p:cNvSpPr>
-          <p:nvPr>
-            <p:ph type="sldNum" sz="quarter" idx="12"/>
-          </p:nvPr>
-        </p:nvSpPr>
-        <p:spPr/>
-        <p:txBody>
-          <a:bodyPr/>
-          <a:lstStyle/>
-          <a:p>
-            <a:fld id="{6F3153EC-4881-40A1-97B0-5C816A60BD28}" type="slidenum">
-              <a:rPr lang="pt-BR" smtClean="0"/>
-              <a:t>‹nº›</a:t>
-            </a:fld>
-            <a:endParaRPr lang="pt-BR"/>
-          </a:p>
-        </p:txBody>
-      </p:sp>
-    </p:spTree>
-    <p:extLst>
-      <p:ext uri="{BB962C8B-B14F-4D97-AF65-F5344CB8AC3E}">
-        <p14:creationId xmlns:p14="http://schemas.microsoft.com/office/powerpoint/2010/main" val="119417405"/>
-      </p:ext>
-    </p:extLst>
-  </p:cSld>
-  <p:clrMapOvr>
-    <a:masterClrMapping/>
-  </p:clrMapOvr>
-</p:sldLayout>
-</file>
-
-<file path=ppt/slideLayouts/slideLayout83.xml><?xml version="1.0" encoding="utf-8"?>
-<p:sldLayout xmlns:a="http://schemas.openxmlformats.org/drawingml/2006/main" xmlns:r="http://schemas.openxmlformats.org/officeDocument/2006/relationships" xmlns:p="http://schemas.openxmlformats.org/presentationml/2006/main" type="titleOnly" preserve="1">
-  <p:cSld name="Somente Título">
-    <p:spTree>
-      <p:nvGrpSpPr>
-        <p:cNvPr id="1" name=""/>
-        <p:cNvGrpSpPr/>
-        <p:nvPr/>
-      </p:nvGrpSpPr>
-      <p:grpSpPr>
-        <a:xfrm>
-          <a:off x="0" y="0"/>
-          <a:ext cx="0" cy="0"/>
-          <a:chOff x="0" y="0"/>
-          <a:chExt cx="0" cy="0"/>
-        </a:xfrm>
-      </p:grpSpPr>
-      <p:sp>
-        <p:nvSpPr>
-          <p:cNvPr id="2" name="Título 1">
-            <a:extLst>
-              <a:ext uri="{FF2B5EF4-FFF2-40B4-BE49-F238E27FC236}">
-                <a16:creationId xmlns:a16="http://schemas.microsoft.com/office/drawing/2014/main" id="{C23952FD-5392-4123-8783-6D247397445D}"/>
-              </a:ext>
-            </a:extLst>
-          </p:cNvPr>
-          <p:cNvSpPr>
-            <a:spLocks noGrp="1"/>
-          </p:cNvSpPr>
-          <p:nvPr>
-            <p:ph type="title"/>
-          </p:nvPr>
-        </p:nvSpPr>
-        <p:spPr/>
-        <p:txBody>
-          <a:bodyPr/>
-          <a:lstStyle/>
-          <a:p>
-            <a:r>
-              <a:rPr lang="pt-BR"/>
-              <a:t>Clique para editar o título Mestre</a:t>
-            </a:r>
-          </a:p>
-        </p:txBody>
-      </p:sp>
-      <p:sp>
-        <p:nvSpPr>
-          <p:cNvPr id="3" name="Espaço Reservado para Data 2">
-            <a:extLst>
-              <a:ext uri="{FF2B5EF4-FFF2-40B4-BE49-F238E27FC236}">
-                <a16:creationId xmlns:a16="http://schemas.microsoft.com/office/drawing/2014/main" id="{27A1AEC0-1C0F-4DE0-9927-1866829207B7}"/>
-              </a:ext>
-            </a:extLst>
-          </p:cNvPr>
-          <p:cNvSpPr>
-            <a:spLocks noGrp="1"/>
-          </p:cNvSpPr>
-          <p:nvPr>
-            <p:ph type="dt" sz="half" idx="10"/>
-          </p:nvPr>
-        </p:nvSpPr>
-        <p:spPr/>
-        <p:txBody>
-          <a:bodyPr/>
-          <a:lstStyle/>
-          <a:p>
-            <a:fld id="{2B5115E6-7BE5-4061-A065-7C94FC71B15A}" type="datetimeFigureOut">
-              <a:rPr lang="pt-BR" smtClean="0"/>
-              <a:t>13/05/2020</a:t>
-            </a:fld>
-            <a:endParaRPr lang="pt-BR"/>
-          </a:p>
-        </p:txBody>
-      </p:sp>
-      <p:sp>
-        <p:nvSpPr>
-          <p:cNvPr id="4" name="Espaço Reservado para Rodapé 3">
-            <a:extLst>
-              <a:ext uri="{FF2B5EF4-FFF2-40B4-BE49-F238E27FC236}">
-                <a16:creationId xmlns:a16="http://schemas.microsoft.com/office/drawing/2014/main" id="{22E5389F-B5D6-486E-912E-62DA4CE9334B}"/>
-              </a:ext>
-            </a:extLst>
-          </p:cNvPr>
-          <p:cNvSpPr>
-            <a:spLocks noGrp="1"/>
-          </p:cNvSpPr>
-          <p:nvPr>
-            <p:ph type="ftr" sz="quarter" idx="11"/>
-          </p:nvPr>
-        </p:nvSpPr>
-        <p:spPr/>
-        <p:txBody>
-          <a:bodyPr/>
-          <a:lstStyle/>
-          <a:p>
-            <a:endParaRPr lang="pt-BR"/>
-          </a:p>
-        </p:txBody>
-      </p:sp>
-      <p:sp>
-        <p:nvSpPr>
-          <p:cNvPr id="5" name="Espaço Reservado para Número de Slide 4">
-            <a:extLst>
-              <a:ext uri="{FF2B5EF4-FFF2-40B4-BE49-F238E27FC236}">
-                <a16:creationId xmlns:a16="http://schemas.microsoft.com/office/drawing/2014/main" id="{DD06C081-CE1C-44C5-9897-B21D0218329B}"/>
-              </a:ext>
-            </a:extLst>
-          </p:cNvPr>
-          <p:cNvSpPr>
-            <a:spLocks noGrp="1"/>
-          </p:cNvSpPr>
-          <p:nvPr>
-            <p:ph type="sldNum" sz="quarter" idx="12"/>
-          </p:nvPr>
-        </p:nvSpPr>
-        <p:spPr/>
-        <p:txBody>
-          <a:bodyPr/>
-          <a:lstStyle/>
-          <a:p>
-            <a:fld id="{6F3153EC-4881-40A1-97B0-5C816A60BD28}" type="slidenum">
-              <a:rPr lang="pt-BR" smtClean="0"/>
-              <a:t>‹nº›</a:t>
-            </a:fld>
-            <a:endParaRPr lang="pt-BR"/>
-          </a:p>
-        </p:txBody>
-      </p:sp>
-    </p:spTree>
-    <p:extLst>
-      <p:ext uri="{BB962C8B-B14F-4D97-AF65-F5344CB8AC3E}">
-        <p14:creationId xmlns:p14="http://schemas.microsoft.com/office/powerpoint/2010/main" val="85139055"/>
-      </p:ext>
-    </p:extLst>
-  </p:cSld>
-  <p:clrMapOvr>
-    <a:masterClrMapping/>
-  </p:clrMapOvr>
-</p:sldLayout>
-</file>
-
-<file path=ppt/slideLayouts/slideLayout84.xml><?xml version="1.0" encoding="utf-8"?>
-<p:sldLayout xmlns:a="http://schemas.openxmlformats.org/drawingml/2006/main" xmlns:r="http://schemas.openxmlformats.org/officeDocument/2006/relationships" xmlns:p="http://schemas.openxmlformats.org/presentationml/2006/main" type="blank" preserve="1">
-  <p:cSld name="Em Branco">
-    <p:spTree>
-      <p:nvGrpSpPr>
-        <p:cNvPr id="1" name=""/>
-        <p:cNvGrpSpPr/>
-        <p:nvPr/>
-      </p:nvGrpSpPr>
-      <p:grpSpPr>
-        <a:xfrm>
-          <a:off x="0" y="0"/>
-          <a:ext cx="0" cy="0"/>
-          <a:chOff x="0" y="0"/>
-          <a:chExt cx="0" cy="0"/>
-        </a:xfrm>
-      </p:grpSpPr>
-      <p:sp>
-        <p:nvSpPr>
-          <p:cNvPr id="2" name="Espaço Reservado para Data 1">
-            <a:extLst>
-              <a:ext uri="{FF2B5EF4-FFF2-40B4-BE49-F238E27FC236}">
-                <a16:creationId xmlns:a16="http://schemas.microsoft.com/office/drawing/2014/main" id="{B2A7713E-D8BC-49D5-B230-AF8E619899C6}"/>
-              </a:ext>
-            </a:extLst>
-          </p:cNvPr>
-          <p:cNvSpPr>
-            <a:spLocks noGrp="1"/>
-          </p:cNvSpPr>
-          <p:nvPr>
-            <p:ph type="dt" sz="half" idx="10"/>
-          </p:nvPr>
-        </p:nvSpPr>
-        <p:spPr/>
-        <p:txBody>
-          <a:bodyPr/>
-          <a:lstStyle/>
-          <a:p>
-            <a:fld id="{2B5115E6-7BE5-4061-A065-7C94FC71B15A}" type="datetimeFigureOut">
-              <a:rPr lang="pt-BR" smtClean="0"/>
-              <a:t>13/05/2020</a:t>
-            </a:fld>
-            <a:endParaRPr lang="pt-BR"/>
-          </a:p>
-        </p:txBody>
-      </p:sp>
-      <p:sp>
-        <p:nvSpPr>
-          <p:cNvPr id="3" name="Espaço Reservado para Rodapé 2">
-            <a:extLst>
-              <a:ext uri="{FF2B5EF4-FFF2-40B4-BE49-F238E27FC236}">
-                <a16:creationId xmlns:a16="http://schemas.microsoft.com/office/drawing/2014/main" id="{E1BA94E0-06FC-413B-9589-F0B545466973}"/>
-              </a:ext>
-            </a:extLst>
-          </p:cNvPr>
-          <p:cNvSpPr>
-            <a:spLocks noGrp="1"/>
-          </p:cNvSpPr>
-          <p:nvPr>
-            <p:ph type="ftr" sz="quarter" idx="11"/>
-          </p:nvPr>
-        </p:nvSpPr>
-        <p:spPr/>
-        <p:txBody>
-          <a:bodyPr/>
-          <a:lstStyle/>
-          <a:p>
-            <a:endParaRPr lang="pt-BR"/>
-          </a:p>
-        </p:txBody>
-      </p:sp>
-      <p:sp>
-        <p:nvSpPr>
-          <p:cNvPr id="4" name="Espaço Reservado para Número de Slide 3">
-            <a:extLst>
-              <a:ext uri="{FF2B5EF4-FFF2-40B4-BE49-F238E27FC236}">
-                <a16:creationId xmlns:a16="http://schemas.microsoft.com/office/drawing/2014/main" id="{837551EF-49B9-4081-8E8E-BABE9913279E}"/>
-              </a:ext>
-            </a:extLst>
-          </p:cNvPr>
-          <p:cNvSpPr>
-            <a:spLocks noGrp="1"/>
-          </p:cNvSpPr>
-          <p:nvPr>
-            <p:ph type="sldNum" sz="quarter" idx="12"/>
-          </p:nvPr>
-        </p:nvSpPr>
-        <p:spPr/>
-        <p:txBody>
-          <a:bodyPr/>
-          <a:lstStyle/>
-          <a:p>
-            <a:fld id="{6F3153EC-4881-40A1-97B0-5C816A60BD28}" type="slidenum">
-              <a:rPr lang="pt-BR" smtClean="0"/>
-              <a:t>‹nº›</a:t>
-            </a:fld>
-            <a:endParaRPr lang="pt-BR"/>
-          </a:p>
-        </p:txBody>
-      </p:sp>
-    </p:spTree>
-    <p:extLst>
-      <p:ext uri="{BB962C8B-B14F-4D97-AF65-F5344CB8AC3E}">
-        <p14:creationId xmlns:p14="http://schemas.microsoft.com/office/powerpoint/2010/main" val="2262087160"/>
-      </p:ext>
-    </p:extLst>
-  </p:cSld>
-  <p:clrMapOvr>
-    <a:masterClrMapping/>
-  </p:clrMapOvr>
-</p:sldLayout>
-</file>
-
-<file path=ppt/slideLayouts/slideLayout85.xml><?xml version="1.0" encoding="utf-8"?>
-<p:sldLayout xmlns:a="http://schemas.openxmlformats.org/drawingml/2006/main" xmlns:r="http://schemas.openxmlformats.org/officeDocument/2006/relationships" xmlns:p="http://schemas.openxmlformats.org/presentationml/2006/main" type="objTx" preserve="1">
-  <p:cSld name="Conteúdo com Legenda">
-    <p:spTree>
-      <p:nvGrpSpPr>
-        <p:cNvPr id="1" name=""/>
-        <p:cNvGrpSpPr/>
-        <p:nvPr/>
-      </p:nvGrpSpPr>
-      <p:grpSpPr>
-        <a:xfrm>
-          <a:off x="0" y="0"/>
-          <a:ext cx="0" cy="0"/>
-          <a:chOff x="0" y="0"/>
-          <a:chExt cx="0" cy="0"/>
-        </a:xfrm>
-      </p:grpSpPr>
-      <p:sp>
-        <p:nvSpPr>
-          <p:cNvPr id="2" name="Título 1">
-            <a:extLst>
-              <a:ext uri="{FF2B5EF4-FFF2-40B4-BE49-F238E27FC236}">
-                <a16:creationId xmlns:a16="http://schemas.microsoft.com/office/drawing/2014/main" id="{861FC14F-27E3-4EB2-A702-77AA0DC91F9A}"/>
-              </a:ext>
-            </a:extLst>
-          </p:cNvPr>
-          <p:cNvSpPr>
-            <a:spLocks noGrp="1"/>
-          </p:cNvSpPr>
-          <p:nvPr>
-            <p:ph type="title"/>
-          </p:nvPr>
-        </p:nvSpPr>
-        <p:spPr>
-          <a:xfrm>
-            <a:off x="839788" y="457200"/>
-            <a:ext cx="3932237" cy="1600200"/>
-          </a:xfrm>
-        </p:spPr>
-        <p:txBody>
-          <a:bodyPr anchor="b"/>
-          <a:lstStyle>
-            <a:lvl1pPr>
-              <a:defRPr sz="3200"/>
-            </a:lvl1pPr>
-          </a:lstStyle>
-          <a:p>
-            <a:r>
-              <a:rPr lang="pt-BR"/>
-              <a:t>Clique para editar o título Mestre</a:t>
-            </a:r>
-          </a:p>
-        </p:txBody>
-      </p:sp>
-      <p:sp>
-        <p:nvSpPr>
-          <p:cNvPr id="3" name="Espaço Reservado para Conteúdo 2">
-            <a:extLst>
-              <a:ext uri="{FF2B5EF4-FFF2-40B4-BE49-F238E27FC236}">
-                <a16:creationId xmlns:a16="http://schemas.microsoft.com/office/drawing/2014/main" id="{263740FC-0141-49C1-ADA4-20D2DDD1F1FC}"/>
-              </a:ext>
-            </a:extLst>
-          </p:cNvPr>
-          <p:cNvSpPr>
-            <a:spLocks noGrp="1"/>
-          </p:cNvSpPr>
-          <p:nvPr>
-            <p:ph idx="1"/>
-          </p:nvPr>
-        </p:nvSpPr>
-        <p:spPr>
-          <a:xfrm>
-            <a:off x="5183188" y="987425"/>
-            <a:ext cx="6172200" cy="4873625"/>
-          </a:xfrm>
-        </p:spPr>
-        <p:txBody>
-          <a:bodyPr/>
-          <a:lstStyle>
-            <a:lvl1pPr>
-              <a:defRPr sz="3200"/>
-            </a:lvl1pPr>
-            <a:lvl2pPr>
-              <a:defRPr sz="2800"/>
-            </a:lvl2pPr>
-            <a:lvl3pPr>
-              <a:defRPr sz="2400"/>
-            </a:lvl3pPr>
-            <a:lvl4pPr>
-              <a:defRPr sz="2000"/>
-            </a:lvl4pPr>
-            <a:lvl5pPr>
-              <a:defRPr sz="2000"/>
-            </a:lvl5pPr>
-            <a:lvl6pPr>
-              <a:defRPr sz="2000"/>
-            </a:lvl6pPr>
-            <a:lvl7pPr>
-              <a:defRPr sz="2000"/>
-            </a:lvl7pPr>
-            <a:lvl8pPr>
-              <a:defRPr sz="2000"/>
-            </a:lvl8pPr>
-            <a:lvl9pPr>
-              <a:defRPr sz="2000"/>
-            </a:lvl9pPr>
-          </a:lstStyle>
-          <a:p>
-            <a:pPr lvl="0"/>
-            <a:r>
-              <a:rPr lang="pt-BR"/>
-              <a:t>Clique para editar os estilos de texto Mestres</a:t>
-            </a:r>
-          </a:p>
-          <a:p>
-            <a:pPr lvl="1"/>
-            <a:r>
-              <a:rPr lang="pt-BR"/>
-              <a:t>Segundo nível</a:t>
-            </a:r>
-          </a:p>
-          <a:p>
-            <a:pPr lvl="2"/>
-            <a:r>
-              <a:rPr lang="pt-BR"/>
-              <a:t>Terceiro nível</a:t>
-            </a:r>
-          </a:p>
-          <a:p>
-            <a:pPr lvl="3"/>
-            <a:r>
-              <a:rPr lang="pt-BR"/>
-              <a:t>Quarto nível</a:t>
-            </a:r>
-          </a:p>
-          <a:p>
-            <a:pPr lvl="4"/>
-            <a:r>
-              <a:rPr lang="pt-BR"/>
-              <a:t>Quinto nível</a:t>
-            </a:r>
-          </a:p>
-        </p:txBody>
-      </p:sp>
-      <p:sp>
-        <p:nvSpPr>
-          <p:cNvPr id="4" name="Espaço Reservado para Texto 3">
-            <a:extLst>
-              <a:ext uri="{FF2B5EF4-FFF2-40B4-BE49-F238E27FC236}">
-                <a16:creationId xmlns:a16="http://schemas.microsoft.com/office/drawing/2014/main" id="{51A8CA59-601A-41DE-9974-EA1DD17A8EBC}"/>
-              </a:ext>
-            </a:extLst>
-          </p:cNvPr>
-          <p:cNvSpPr>
-            <a:spLocks noGrp="1"/>
-          </p:cNvSpPr>
-          <p:nvPr>
-            <p:ph type="body" sz="half" idx="2"/>
-          </p:nvPr>
-        </p:nvSpPr>
-        <p:spPr>
-          <a:xfrm>
-            <a:off x="839788" y="2057400"/>
-            <a:ext cx="3932237" cy="3811588"/>
-          </a:xfrm>
-        </p:spPr>
-        <p:txBody>
-          <a:bodyPr/>
-          <a:lstStyle>
-            <a:lvl1pPr marL="0" indent="0">
-              <a:buNone/>
-              <a:defRPr sz="1600"/>
-            </a:lvl1pPr>
-            <a:lvl2pPr marL="457200" indent="0">
-              <a:buNone/>
-              <a:defRPr sz="1400"/>
-            </a:lvl2pPr>
-            <a:lvl3pPr marL="914400" indent="0">
-              <a:buNone/>
-              <a:defRPr sz="1200"/>
-            </a:lvl3pPr>
-            <a:lvl4pPr marL="1371600" indent="0">
-              <a:buNone/>
-              <a:defRPr sz="1000"/>
-            </a:lvl4pPr>
-            <a:lvl5pPr marL="1828800" indent="0">
-              <a:buNone/>
-              <a:defRPr sz="1000"/>
-            </a:lvl5pPr>
-            <a:lvl6pPr marL="2286000" indent="0">
-              <a:buNone/>
-              <a:defRPr sz="1000"/>
-            </a:lvl6pPr>
-            <a:lvl7pPr marL="2743200" indent="0">
-              <a:buNone/>
-              <a:defRPr sz="1000"/>
-            </a:lvl7pPr>
-            <a:lvl8pPr marL="3200400" indent="0">
-              <a:buNone/>
-              <a:defRPr sz="1000"/>
-            </a:lvl8pPr>
-            <a:lvl9pPr marL="3657600" indent="0">
-              <a:buNone/>
-              <a:defRPr sz="1000"/>
-            </a:lvl9pPr>
-          </a:lstStyle>
-          <a:p>
-            <a:pPr lvl="0"/>
-            <a:r>
-              <a:rPr lang="pt-BR"/>
-              <a:t>Clique para editar os estilos de texto Mestres</a:t>
-            </a:r>
-          </a:p>
-        </p:txBody>
-      </p:sp>
-      <p:sp>
-        <p:nvSpPr>
-          <p:cNvPr id="5" name="Espaço Reservado para Data 4">
-            <a:extLst>
-              <a:ext uri="{FF2B5EF4-FFF2-40B4-BE49-F238E27FC236}">
-                <a16:creationId xmlns:a16="http://schemas.microsoft.com/office/drawing/2014/main" id="{13B6BBA4-958B-412C-8B7F-770252AE21B5}"/>
-              </a:ext>
-            </a:extLst>
-          </p:cNvPr>
-          <p:cNvSpPr>
-            <a:spLocks noGrp="1"/>
-          </p:cNvSpPr>
-          <p:nvPr>
-            <p:ph type="dt" sz="half" idx="10"/>
-          </p:nvPr>
-        </p:nvSpPr>
-        <p:spPr/>
-        <p:txBody>
-          <a:bodyPr/>
-          <a:lstStyle/>
-          <a:p>
-            <a:fld id="{2B5115E6-7BE5-4061-A065-7C94FC71B15A}" type="datetimeFigureOut">
-              <a:rPr lang="pt-BR" smtClean="0"/>
-              <a:t>13/05/2020</a:t>
-            </a:fld>
-            <a:endParaRPr lang="pt-BR"/>
-          </a:p>
-        </p:txBody>
-      </p:sp>
-      <p:sp>
-        <p:nvSpPr>
-          <p:cNvPr id="6" name="Espaço Reservado para Rodapé 5">
-            <a:extLst>
-              <a:ext uri="{FF2B5EF4-FFF2-40B4-BE49-F238E27FC236}">
-                <a16:creationId xmlns:a16="http://schemas.microsoft.com/office/drawing/2014/main" id="{ADEE4F4F-A89B-4F01-8690-509C186C5785}"/>
-              </a:ext>
-            </a:extLst>
-          </p:cNvPr>
-          <p:cNvSpPr>
-            <a:spLocks noGrp="1"/>
-          </p:cNvSpPr>
-          <p:nvPr>
-            <p:ph type="ftr" sz="quarter" idx="11"/>
-          </p:nvPr>
-        </p:nvSpPr>
-        <p:spPr/>
-        <p:txBody>
-          <a:bodyPr/>
-          <a:lstStyle/>
-          <a:p>
-            <a:endParaRPr lang="pt-BR"/>
-          </a:p>
-        </p:txBody>
-      </p:sp>
-      <p:sp>
-        <p:nvSpPr>
-          <p:cNvPr id="7" name="Espaço Reservado para Número de Slide 6">
-            <a:extLst>
-              <a:ext uri="{FF2B5EF4-FFF2-40B4-BE49-F238E27FC236}">
-                <a16:creationId xmlns:a16="http://schemas.microsoft.com/office/drawing/2014/main" id="{772A610B-7197-4165-8822-7D328392E738}"/>
-              </a:ext>
-            </a:extLst>
-          </p:cNvPr>
-          <p:cNvSpPr>
-            <a:spLocks noGrp="1"/>
-          </p:cNvSpPr>
-          <p:nvPr>
-            <p:ph type="sldNum" sz="quarter" idx="12"/>
-          </p:nvPr>
-        </p:nvSpPr>
-        <p:spPr/>
-        <p:txBody>
-          <a:bodyPr/>
-          <a:lstStyle/>
-          <a:p>
-            <a:fld id="{6F3153EC-4881-40A1-97B0-5C816A60BD28}" type="slidenum">
-              <a:rPr lang="pt-BR" smtClean="0"/>
-              <a:t>‹nº›</a:t>
-            </a:fld>
-            <a:endParaRPr lang="pt-BR"/>
-          </a:p>
-        </p:txBody>
-      </p:sp>
-    </p:spTree>
-    <p:extLst>
-      <p:ext uri="{BB962C8B-B14F-4D97-AF65-F5344CB8AC3E}">
-        <p14:creationId xmlns:p14="http://schemas.microsoft.com/office/powerpoint/2010/main" val="1907038432"/>
-      </p:ext>
-    </p:extLst>
-  </p:cSld>
-  <p:clrMapOvr>
-    <a:masterClrMapping/>
-  </p:clrMapOvr>
-</p:sldLayout>
-</file>
-
-<file path=ppt/slideLayouts/slideLayout86.xml><?xml version="1.0" encoding="utf-8"?>
-<p:sldLayout xmlns:a="http://schemas.openxmlformats.org/drawingml/2006/main" xmlns:r="http://schemas.openxmlformats.org/officeDocument/2006/relationships" xmlns:p="http://schemas.openxmlformats.org/presentationml/2006/main" type="picTx" preserve="1">
-  <p:cSld name="Imagem com Legenda">
-    <p:spTree>
-      <p:nvGrpSpPr>
-        <p:cNvPr id="1" name=""/>
-        <p:cNvGrpSpPr/>
-        <p:nvPr/>
-      </p:nvGrpSpPr>
-      <p:grpSpPr>
-        <a:xfrm>
-          <a:off x="0" y="0"/>
-          <a:ext cx="0" cy="0"/>
-          <a:chOff x="0" y="0"/>
-          <a:chExt cx="0" cy="0"/>
-        </a:xfrm>
-      </p:grpSpPr>
-      <p:sp>
-        <p:nvSpPr>
-          <p:cNvPr id="2" name="Título 1">
-            <a:extLst>
-              <a:ext uri="{FF2B5EF4-FFF2-40B4-BE49-F238E27FC236}">
-                <a16:creationId xmlns:a16="http://schemas.microsoft.com/office/drawing/2014/main" id="{787B3CE2-165D-4148-8947-C1123FC57145}"/>
-              </a:ext>
-            </a:extLst>
-          </p:cNvPr>
-          <p:cNvSpPr>
-            <a:spLocks noGrp="1"/>
-          </p:cNvSpPr>
-          <p:nvPr>
-            <p:ph type="title"/>
-          </p:nvPr>
-        </p:nvSpPr>
-        <p:spPr>
-          <a:xfrm>
-            <a:off x="839788" y="457200"/>
-            <a:ext cx="3932237" cy="1600200"/>
-          </a:xfrm>
-        </p:spPr>
-        <p:txBody>
-          <a:bodyPr anchor="b"/>
-          <a:lstStyle>
-            <a:lvl1pPr>
-              <a:defRPr sz="3200"/>
-            </a:lvl1pPr>
-          </a:lstStyle>
-          <a:p>
-            <a:r>
-              <a:rPr lang="pt-BR"/>
-              <a:t>Clique para editar o título Mestre</a:t>
-            </a:r>
-          </a:p>
-        </p:txBody>
-      </p:sp>
-      <p:sp>
-        <p:nvSpPr>
-          <p:cNvPr id="3" name="Espaço Reservado para Imagem 2">
-            <a:extLst>
-              <a:ext uri="{FF2B5EF4-FFF2-40B4-BE49-F238E27FC236}">
-                <a16:creationId xmlns:a16="http://schemas.microsoft.com/office/drawing/2014/main" id="{6EB001DA-52B2-4E9E-B295-5C8EDDAE1E0C}"/>
-              </a:ext>
-            </a:extLst>
-          </p:cNvPr>
-          <p:cNvSpPr>
-            <a:spLocks noGrp="1"/>
-          </p:cNvSpPr>
-          <p:nvPr>
-            <p:ph type="pic" idx="1"/>
-          </p:nvPr>
-        </p:nvSpPr>
-        <p:spPr>
-          <a:xfrm>
-            <a:off x="5183188" y="987425"/>
-            <a:ext cx="6172200" cy="4873625"/>
-          </a:xfrm>
-        </p:spPr>
-        <p:txBody>
-          <a:bodyPr/>
-          <a:lstStyle>
-            <a:lvl1pPr marL="0" indent="0">
-              <a:buNone/>
-              <a:defRPr sz="3200"/>
-            </a:lvl1pPr>
-            <a:lvl2pPr marL="457200" indent="0">
-              <a:buNone/>
-              <a:defRPr sz="2800"/>
-            </a:lvl2pPr>
-            <a:lvl3pPr marL="914400" indent="0">
-              <a:buNone/>
-              <a:defRPr sz="2400"/>
-            </a:lvl3pPr>
-            <a:lvl4pPr marL="1371600" indent="0">
-              <a:buNone/>
-              <a:defRPr sz="2000"/>
-            </a:lvl4pPr>
-            <a:lvl5pPr marL="1828800" indent="0">
-              <a:buNone/>
-              <a:defRPr sz="2000"/>
-            </a:lvl5pPr>
-            <a:lvl6pPr marL="2286000" indent="0">
-              <a:buNone/>
-              <a:defRPr sz="2000"/>
-            </a:lvl6pPr>
-            <a:lvl7pPr marL="2743200" indent="0">
-              <a:buNone/>
-              <a:defRPr sz="2000"/>
-            </a:lvl7pPr>
-            <a:lvl8pPr marL="3200400" indent="0">
-              <a:buNone/>
-              <a:defRPr sz="2000"/>
-            </a:lvl8pPr>
-            <a:lvl9pPr marL="3657600" indent="0">
-              <a:buNone/>
-              <a:defRPr sz="2000"/>
-            </a:lvl9pPr>
-          </a:lstStyle>
-          <a:p>
-            <a:endParaRPr lang="pt-BR"/>
-          </a:p>
-        </p:txBody>
-      </p:sp>
-      <p:sp>
-        <p:nvSpPr>
-          <p:cNvPr id="4" name="Espaço Reservado para Texto 3">
-            <a:extLst>
-              <a:ext uri="{FF2B5EF4-FFF2-40B4-BE49-F238E27FC236}">
-                <a16:creationId xmlns:a16="http://schemas.microsoft.com/office/drawing/2014/main" id="{BF3C0233-B6FD-4ACA-ACFF-4CB1D586B9E5}"/>
-              </a:ext>
-            </a:extLst>
-          </p:cNvPr>
-          <p:cNvSpPr>
-            <a:spLocks noGrp="1"/>
-          </p:cNvSpPr>
-          <p:nvPr>
-            <p:ph type="body" sz="half" idx="2"/>
-          </p:nvPr>
-        </p:nvSpPr>
-        <p:spPr>
-          <a:xfrm>
-            <a:off x="839788" y="2057400"/>
-            <a:ext cx="3932237" cy="3811588"/>
-          </a:xfrm>
-        </p:spPr>
-        <p:txBody>
-          <a:bodyPr/>
-          <a:lstStyle>
-            <a:lvl1pPr marL="0" indent="0">
-              <a:buNone/>
-              <a:defRPr sz="1600"/>
-            </a:lvl1pPr>
-            <a:lvl2pPr marL="457200" indent="0">
-              <a:buNone/>
-              <a:defRPr sz="1400"/>
-            </a:lvl2pPr>
-            <a:lvl3pPr marL="914400" indent="0">
-              <a:buNone/>
-              <a:defRPr sz="1200"/>
-            </a:lvl3pPr>
-            <a:lvl4pPr marL="1371600" indent="0">
-              <a:buNone/>
-              <a:defRPr sz="1000"/>
-            </a:lvl4pPr>
-            <a:lvl5pPr marL="1828800" indent="0">
-              <a:buNone/>
-              <a:defRPr sz="1000"/>
-            </a:lvl5pPr>
-            <a:lvl6pPr marL="2286000" indent="0">
-              <a:buNone/>
-              <a:defRPr sz="1000"/>
-            </a:lvl6pPr>
-            <a:lvl7pPr marL="2743200" indent="0">
-              <a:buNone/>
-              <a:defRPr sz="1000"/>
-            </a:lvl7pPr>
-            <a:lvl8pPr marL="3200400" indent="0">
-              <a:buNone/>
-              <a:defRPr sz="1000"/>
-            </a:lvl8pPr>
-            <a:lvl9pPr marL="3657600" indent="0">
-              <a:buNone/>
-              <a:defRPr sz="1000"/>
-            </a:lvl9pPr>
-          </a:lstStyle>
-          <a:p>
-            <a:pPr lvl="0"/>
-            <a:r>
-              <a:rPr lang="pt-BR"/>
-              <a:t>Clique para editar os estilos de texto Mestres</a:t>
-            </a:r>
-          </a:p>
-        </p:txBody>
-      </p:sp>
-      <p:sp>
-        <p:nvSpPr>
-          <p:cNvPr id="5" name="Espaço Reservado para Data 4">
-            <a:extLst>
-              <a:ext uri="{FF2B5EF4-FFF2-40B4-BE49-F238E27FC236}">
-                <a16:creationId xmlns:a16="http://schemas.microsoft.com/office/drawing/2014/main" id="{9A510FB5-F72A-430F-B259-618E1FC60A8B}"/>
-              </a:ext>
-            </a:extLst>
-          </p:cNvPr>
-          <p:cNvSpPr>
-            <a:spLocks noGrp="1"/>
-          </p:cNvSpPr>
-          <p:nvPr>
-            <p:ph type="dt" sz="half" idx="10"/>
-          </p:nvPr>
-        </p:nvSpPr>
-        <p:spPr/>
-        <p:txBody>
-          <a:bodyPr/>
-          <a:lstStyle/>
-          <a:p>
-            <a:fld id="{2B5115E6-7BE5-4061-A065-7C94FC71B15A}" type="datetimeFigureOut">
-              <a:rPr lang="pt-BR" smtClean="0"/>
-              <a:t>13/05/2020</a:t>
-            </a:fld>
-            <a:endParaRPr lang="pt-BR"/>
-          </a:p>
-        </p:txBody>
-      </p:sp>
-      <p:sp>
-        <p:nvSpPr>
-          <p:cNvPr id="6" name="Espaço Reservado para Rodapé 5">
-            <a:extLst>
-              <a:ext uri="{FF2B5EF4-FFF2-40B4-BE49-F238E27FC236}">
-                <a16:creationId xmlns:a16="http://schemas.microsoft.com/office/drawing/2014/main" id="{CC9A8BC5-318D-482D-9736-57A8FA8A66AC}"/>
-              </a:ext>
-            </a:extLst>
-          </p:cNvPr>
-          <p:cNvSpPr>
-            <a:spLocks noGrp="1"/>
-          </p:cNvSpPr>
-          <p:nvPr>
-            <p:ph type="ftr" sz="quarter" idx="11"/>
-          </p:nvPr>
-        </p:nvSpPr>
-        <p:spPr/>
-        <p:txBody>
-          <a:bodyPr/>
-          <a:lstStyle/>
-          <a:p>
-            <a:endParaRPr lang="pt-BR"/>
-          </a:p>
-        </p:txBody>
-      </p:sp>
-      <p:sp>
-        <p:nvSpPr>
-          <p:cNvPr id="7" name="Espaço Reservado para Número de Slide 6">
-            <a:extLst>
-              <a:ext uri="{FF2B5EF4-FFF2-40B4-BE49-F238E27FC236}">
-                <a16:creationId xmlns:a16="http://schemas.microsoft.com/office/drawing/2014/main" id="{1AE7425D-9E45-4D9D-8A8D-6B41F3BA9CF4}"/>
-              </a:ext>
-            </a:extLst>
-          </p:cNvPr>
-          <p:cNvSpPr>
-            <a:spLocks noGrp="1"/>
-          </p:cNvSpPr>
-          <p:nvPr>
-            <p:ph type="sldNum" sz="quarter" idx="12"/>
-          </p:nvPr>
-        </p:nvSpPr>
-        <p:spPr/>
-        <p:txBody>
-          <a:bodyPr/>
-          <a:lstStyle/>
-          <a:p>
-            <a:fld id="{6F3153EC-4881-40A1-97B0-5C816A60BD28}" type="slidenum">
-              <a:rPr lang="pt-BR" smtClean="0"/>
-              <a:t>‹nº›</a:t>
-            </a:fld>
-            <a:endParaRPr lang="pt-BR"/>
-          </a:p>
-        </p:txBody>
-      </p:sp>
-    </p:spTree>
-    <p:extLst>
-      <p:ext uri="{BB962C8B-B14F-4D97-AF65-F5344CB8AC3E}">
-        <p14:creationId xmlns:p14="http://schemas.microsoft.com/office/powerpoint/2010/main" val="494905324"/>
-      </p:ext>
-    </p:extLst>
-  </p:cSld>
-  <p:clrMapOvr>
-    <a:masterClrMapping/>
-  </p:clrMapOvr>
-</p:sldLayout>
-</file>
-
-<file path=ppt/slideLayouts/slideLayout87.xml><?xml version="1.0" encoding="utf-8"?>
-<p:sldLayout xmlns:a="http://schemas.openxmlformats.org/drawingml/2006/main" xmlns:r="http://schemas.openxmlformats.org/officeDocument/2006/relationships" xmlns:p="http://schemas.openxmlformats.org/presentationml/2006/main" type="vertTx" preserve="1">
-  <p:cSld name="Título e Texto Vertical">
-    <p:spTree>
-      <p:nvGrpSpPr>
-        <p:cNvPr id="1" name=""/>
-        <p:cNvGrpSpPr/>
-        <p:nvPr/>
-      </p:nvGrpSpPr>
-      <p:grpSpPr>
-        <a:xfrm>
-          <a:off x="0" y="0"/>
-          <a:ext cx="0" cy="0"/>
-          <a:chOff x="0" y="0"/>
-          <a:chExt cx="0" cy="0"/>
-        </a:xfrm>
-      </p:grpSpPr>
-      <p:sp>
-        <p:nvSpPr>
-          <p:cNvPr id="2" name="Título 1">
-            <a:extLst>
-              <a:ext uri="{FF2B5EF4-FFF2-40B4-BE49-F238E27FC236}">
-                <a16:creationId xmlns:a16="http://schemas.microsoft.com/office/drawing/2014/main" id="{FF3597F3-F02D-47BC-85B5-47950D9CD9C8}"/>
-              </a:ext>
-            </a:extLst>
-          </p:cNvPr>
-          <p:cNvSpPr>
-            <a:spLocks noGrp="1"/>
-          </p:cNvSpPr>
-          <p:nvPr>
-            <p:ph type="title"/>
-          </p:nvPr>
-        </p:nvSpPr>
-        <p:spPr/>
-        <p:txBody>
-          <a:bodyPr/>
-          <a:lstStyle/>
-          <a:p>
-            <a:r>
-              <a:rPr lang="pt-BR"/>
-              <a:t>Clique para editar o título Mestre</a:t>
-            </a:r>
-          </a:p>
-        </p:txBody>
-      </p:sp>
-      <p:sp>
-        <p:nvSpPr>
-          <p:cNvPr id="3" name="Espaço Reservado para Texto Vertical 2">
-            <a:extLst>
-              <a:ext uri="{FF2B5EF4-FFF2-40B4-BE49-F238E27FC236}">
-                <a16:creationId xmlns:a16="http://schemas.microsoft.com/office/drawing/2014/main" id="{C496BBBB-3EFD-4394-BE81-B9CE02223138}"/>
-              </a:ext>
-            </a:extLst>
-          </p:cNvPr>
-          <p:cNvSpPr>
-            <a:spLocks noGrp="1"/>
-          </p:cNvSpPr>
-          <p:nvPr>
-            <p:ph type="body" orient="vert" idx="1"/>
-          </p:nvPr>
-        </p:nvSpPr>
-        <p:spPr/>
-        <p:txBody>
-          <a:bodyPr vert="eaVert"/>
-          <a:lstStyle/>
-          <a:p>
-            <a:pPr lvl="0"/>
-            <a:r>
-              <a:rPr lang="pt-BR"/>
-              <a:t>Clique para editar os estilos de texto Mestres</a:t>
-            </a:r>
-          </a:p>
-          <a:p>
-            <a:pPr lvl="1"/>
-            <a:r>
-              <a:rPr lang="pt-BR"/>
-              <a:t>Segundo nível</a:t>
-            </a:r>
-          </a:p>
-          <a:p>
-            <a:pPr lvl="2"/>
-            <a:r>
-              <a:rPr lang="pt-BR"/>
-              <a:t>Terceiro nível</a:t>
-            </a:r>
-          </a:p>
-          <a:p>
-            <a:pPr lvl="3"/>
-            <a:r>
-              <a:rPr lang="pt-BR"/>
-              <a:t>Quarto nível</a:t>
-            </a:r>
-          </a:p>
-          <a:p>
-            <a:pPr lvl="4"/>
-            <a:r>
-              <a:rPr lang="pt-BR"/>
-              <a:t>Quinto nível</a:t>
-            </a:r>
-          </a:p>
-        </p:txBody>
-      </p:sp>
-      <p:sp>
-        <p:nvSpPr>
-          <p:cNvPr id="4" name="Espaço Reservado para Data 3">
-            <a:extLst>
-              <a:ext uri="{FF2B5EF4-FFF2-40B4-BE49-F238E27FC236}">
-                <a16:creationId xmlns:a16="http://schemas.microsoft.com/office/drawing/2014/main" id="{67437605-11BE-4DBC-8809-7A32C2C78C5E}"/>
-              </a:ext>
-            </a:extLst>
-          </p:cNvPr>
-          <p:cNvSpPr>
-            <a:spLocks noGrp="1"/>
-          </p:cNvSpPr>
-          <p:nvPr>
-            <p:ph type="dt" sz="half" idx="10"/>
-          </p:nvPr>
-        </p:nvSpPr>
-        <p:spPr/>
-        <p:txBody>
-          <a:bodyPr/>
-          <a:lstStyle/>
-          <a:p>
-            <a:fld id="{2B5115E6-7BE5-4061-A065-7C94FC71B15A}" type="datetimeFigureOut">
-              <a:rPr lang="pt-BR" smtClean="0"/>
-              <a:t>13/05/2020</a:t>
-            </a:fld>
-            <a:endParaRPr lang="pt-BR"/>
-          </a:p>
-        </p:txBody>
-      </p:sp>
-      <p:sp>
-        <p:nvSpPr>
-          <p:cNvPr id="5" name="Espaço Reservado para Rodapé 4">
-            <a:extLst>
-              <a:ext uri="{FF2B5EF4-FFF2-40B4-BE49-F238E27FC236}">
-                <a16:creationId xmlns:a16="http://schemas.microsoft.com/office/drawing/2014/main" id="{BCA27233-4FDE-4E9C-9422-B3ED844CA361}"/>
-              </a:ext>
-            </a:extLst>
-          </p:cNvPr>
-          <p:cNvSpPr>
-            <a:spLocks noGrp="1"/>
-          </p:cNvSpPr>
-          <p:nvPr>
-            <p:ph type="ftr" sz="quarter" idx="11"/>
-          </p:nvPr>
-        </p:nvSpPr>
-        <p:spPr/>
-        <p:txBody>
-          <a:bodyPr/>
-          <a:lstStyle/>
-          <a:p>
-            <a:endParaRPr lang="pt-BR"/>
-          </a:p>
-        </p:txBody>
-      </p:sp>
-      <p:sp>
-        <p:nvSpPr>
-          <p:cNvPr id="6" name="Espaço Reservado para Número de Slide 5">
-            <a:extLst>
-              <a:ext uri="{FF2B5EF4-FFF2-40B4-BE49-F238E27FC236}">
-                <a16:creationId xmlns:a16="http://schemas.microsoft.com/office/drawing/2014/main" id="{9CDB4FCF-C9CE-4E11-AEBA-8B2F007D414F}"/>
-              </a:ext>
-            </a:extLst>
-          </p:cNvPr>
-          <p:cNvSpPr>
-            <a:spLocks noGrp="1"/>
-          </p:cNvSpPr>
-          <p:nvPr>
-            <p:ph type="sldNum" sz="quarter" idx="12"/>
-          </p:nvPr>
-        </p:nvSpPr>
-        <p:spPr/>
-        <p:txBody>
-          <a:bodyPr/>
-          <a:lstStyle/>
-          <a:p>
-            <a:fld id="{6F3153EC-4881-40A1-97B0-5C816A60BD28}" type="slidenum">
-              <a:rPr lang="pt-BR" smtClean="0"/>
-              <a:t>‹nº›</a:t>
-            </a:fld>
-            <a:endParaRPr lang="pt-BR"/>
-          </a:p>
-        </p:txBody>
-      </p:sp>
-    </p:spTree>
-    <p:extLst>
-      <p:ext uri="{BB962C8B-B14F-4D97-AF65-F5344CB8AC3E}">
-        <p14:creationId xmlns:p14="http://schemas.microsoft.com/office/powerpoint/2010/main" val="3286215789"/>
-      </p:ext>
-    </p:extLst>
-  </p:cSld>
-  <p:clrMapOvr>
-    <a:masterClrMapping/>
-  </p:clrMapOvr>
-</p:sldLayout>
-</file>
-
-<file path=ppt/slideLayouts/slideLayout88.xml><?xml version="1.0" encoding="utf-8"?>
-<p:sldLayout xmlns:a="http://schemas.openxmlformats.org/drawingml/2006/main" xmlns:r="http://schemas.openxmlformats.org/officeDocument/2006/relationships" xmlns:p="http://schemas.openxmlformats.org/presentationml/2006/main" type="vertTitleAndTx" preserve="1">
-  <p:cSld name="Texto e Título Vertical">
-    <p:spTree>
-      <p:nvGrpSpPr>
-        <p:cNvPr id="1" name=""/>
-        <p:cNvGrpSpPr/>
-        <p:nvPr/>
-      </p:nvGrpSpPr>
-      <p:grpSpPr>
-        <a:xfrm>
-          <a:off x="0" y="0"/>
-          <a:ext cx="0" cy="0"/>
-          <a:chOff x="0" y="0"/>
-          <a:chExt cx="0" cy="0"/>
-        </a:xfrm>
-      </p:grpSpPr>
-      <p:sp>
-        <p:nvSpPr>
-          <p:cNvPr id="2" name="Título Vertical 1">
-            <a:extLst>
-              <a:ext uri="{FF2B5EF4-FFF2-40B4-BE49-F238E27FC236}">
-                <a16:creationId xmlns:a16="http://schemas.microsoft.com/office/drawing/2014/main" id="{C4BAB2B7-F694-442A-AFC7-544E49FF3C1A}"/>
-              </a:ext>
-            </a:extLst>
-          </p:cNvPr>
-          <p:cNvSpPr>
-            <a:spLocks noGrp="1"/>
-          </p:cNvSpPr>
-          <p:nvPr>
-            <p:ph type="title" orient="vert"/>
-          </p:nvPr>
-        </p:nvSpPr>
-        <p:spPr>
-          <a:xfrm>
-            <a:off x="8724900" y="365125"/>
-            <a:ext cx="2628900" cy="5811838"/>
-          </a:xfrm>
-        </p:spPr>
-        <p:txBody>
-          <a:bodyPr vert="eaVert"/>
-          <a:lstStyle/>
-          <a:p>
-            <a:r>
-              <a:rPr lang="pt-BR"/>
-              <a:t>Clique para editar o título Mestre</a:t>
-            </a:r>
-          </a:p>
-        </p:txBody>
-      </p:sp>
-      <p:sp>
-        <p:nvSpPr>
-          <p:cNvPr id="3" name="Espaço Reservado para Texto Vertical 2">
-            <a:extLst>
-              <a:ext uri="{FF2B5EF4-FFF2-40B4-BE49-F238E27FC236}">
-                <a16:creationId xmlns:a16="http://schemas.microsoft.com/office/drawing/2014/main" id="{D8D89AC2-880A-439D-BBE0-0896F8073AEE}"/>
-              </a:ext>
-            </a:extLst>
-          </p:cNvPr>
-          <p:cNvSpPr>
-            <a:spLocks noGrp="1"/>
-          </p:cNvSpPr>
-          <p:nvPr>
-            <p:ph type="body" orient="vert" idx="1"/>
-          </p:nvPr>
-        </p:nvSpPr>
-        <p:spPr>
-          <a:xfrm>
-            <a:off x="838200" y="365125"/>
-            <a:ext cx="7734300" cy="5811838"/>
-          </a:xfrm>
-        </p:spPr>
-        <p:txBody>
-          <a:bodyPr vert="eaVert"/>
-          <a:lstStyle/>
-          <a:p>
-            <a:pPr lvl="0"/>
-            <a:r>
-              <a:rPr lang="pt-BR"/>
-              <a:t>Clique para editar os estilos de texto Mestres</a:t>
-            </a:r>
-          </a:p>
-          <a:p>
-            <a:pPr lvl="1"/>
-            <a:r>
-              <a:rPr lang="pt-BR"/>
-              <a:t>Segundo nível</a:t>
-            </a:r>
-          </a:p>
-          <a:p>
-            <a:pPr lvl="2"/>
-            <a:r>
-              <a:rPr lang="pt-BR"/>
-              <a:t>Terceiro nível</a:t>
-            </a:r>
-          </a:p>
-          <a:p>
-            <a:pPr lvl="3"/>
-            <a:r>
-              <a:rPr lang="pt-BR"/>
-              <a:t>Quarto nível</a:t>
-            </a:r>
-          </a:p>
-          <a:p>
-            <a:pPr lvl="4"/>
-            <a:r>
-              <a:rPr lang="pt-BR"/>
-              <a:t>Quinto nível</a:t>
-            </a:r>
-          </a:p>
-        </p:txBody>
-      </p:sp>
-      <p:sp>
-        <p:nvSpPr>
-          <p:cNvPr id="4" name="Espaço Reservado para Data 3">
-            <a:extLst>
-              <a:ext uri="{FF2B5EF4-FFF2-40B4-BE49-F238E27FC236}">
-                <a16:creationId xmlns:a16="http://schemas.microsoft.com/office/drawing/2014/main" id="{BEFF0556-50CA-448F-AFEF-25270208FD74}"/>
-              </a:ext>
-            </a:extLst>
-          </p:cNvPr>
-          <p:cNvSpPr>
-            <a:spLocks noGrp="1"/>
-          </p:cNvSpPr>
-          <p:nvPr>
-            <p:ph type="dt" sz="half" idx="10"/>
-          </p:nvPr>
-        </p:nvSpPr>
-        <p:spPr/>
-        <p:txBody>
-          <a:bodyPr/>
-          <a:lstStyle/>
-          <a:p>
-            <a:fld id="{2B5115E6-7BE5-4061-A065-7C94FC71B15A}" type="datetimeFigureOut">
-              <a:rPr lang="pt-BR" smtClean="0"/>
-              <a:t>13/05/2020</a:t>
-            </a:fld>
-            <a:endParaRPr lang="pt-BR"/>
-          </a:p>
-        </p:txBody>
-      </p:sp>
-      <p:sp>
-        <p:nvSpPr>
-          <p:cNvPr id="5" name="Espaço Reservado para Rodapé 4">
-            <a:extLst>
-              <a:ext uri="{FF2B5EF4-FFF2-40B4-BE49-F238E27FC236}">
-                <a16:creationId xmlns:a16="http://schemas.microsoft.com/office/drawing/2014/main" id="{1CAAB8F7-9F07-425F-93D9-46F8FC942067}"/>
-              </a:ext>
-            </a:extLst>
-          </p:cNvPr>
-          <p:cNvSpPr>
-            <a:spLocks noGrp="1"/>
-          </p:cNvSpPr>
-          <p:nvPr>
-            <p:ph type="ftr" sz="quarter" idx="11"/>
-          </p:nvPr>
-        </p:nvSpPr>
-        <p:spPr/>
-        <p:txBody>
-          <a:bodyPr/>
-          <a:lstStyle/>
-          <a:p>
-            <a:endParaRPr lang="pt-BR"/>
-          </a:p>
-        </p:txBody>
-      </p:sp>
-      <p:sp>
-        <p:nvSpPr>
-          <p:cNvPr id="6" name="Espaço Reservado para Número de Slide 5">
-            <a:extLst>
-              <a:ext uri="{FF2B5EF4-FFF2-40B4-BE49-F238E27FC236}">
-                <a16:creationId xmlns:a16="http://schemas.microsoft.com/office/drawing/2014/main" id="{25E6B04B-312A-4C94-8971-E67A4C2320F5}"/>
-              </a:ext>
-            </a:extLst>
-          </p:cNvPr>
-          <p:cNvSpPr>
-            <a:spLocks noGrp="1"/>
-          </p:cNvSpPr>
-          <p:nvPr>
-            <p:ph type="sldNum" sz="quarter" idx="12"/>
-          </p:nvPr>
-        </p:nvSpPr>
-        <p:spPr/>
-        <p:txBody>
-          <a:bodyPr/>
-          <a:lstStyle/>
-          <a:p>
-            <a:fld id="{6F3153EC-4881-40A1-97B0-5C816A60BD28}" type="slidenum">
-              <a:rPr lang="pt-BR" smtClean="0"/>
-              <a:t>‹nº›</a:t>
-            </a:fld>
-            <a:endParaRPr lang="pt-BR"/>
-          </a:p>
-        </p:txBody>
-      </p:sp>
-    </p:spTree>
-    <p:extLst>
-      <p:ext uri="{BB962C8B-B14F-4D97-AF65-F5344CB8AC3E}">
-        <p14:creationId xmlns:p14="http://schemas.microsoft.com/office/powerpoint/2010/main" val="3342124298"/>
       </p:ext>
     </p:extLst>
   </p:cSld>
@@ -29395,7 +26757,7 @@
           <a:p>
             <a:fld id="{4DBD1E3A-4E22-4317-B6F0-1BA28CFB09D2}" type="datetimeFigureOut">
               <a:rPr lang="pt-BR" smtClean="0"/>
-              <a:t>13/05/2020</a:t>
+              <a:t>25/05/2020</a:t>
             </a:fld>
             <a:endParaRPr lang="pt-BR"/>
           </a:p>
@@ -29608,7 +26970,7 @@
           <a:p>
             <a:fld id="{4DBD1E3A-4E22-4317-B6F0-1BA28CFB09D2}" type="datetimeFigureOut">
               <a:rPr lang="pt-BR" smtClean="0"/>
-              <a:t>13/05/2020</a:t>
+              <a:t>25/05/2020</a:t>
             </a:fld>
             <a:endParaRPr lang="pt-BR"/>
           </a:p>
@@ -30195,7 +27557,7 @@
                 <a:tabLst/>
                 <a:defRPr/>
               </a:pPr>
-              <a:t>13/05/2020</a:t>
+              <a:t>25/05/2020</a:t>
             </a:fld>
             <a:endParaRPr kumimoji="0" lang="pt-BR" sz="1200" b="0" i="0" u="none" strike="noStrike" kern="1200" cap="none" spc="0" normalizeH="0" baseline="0" noProof="0">
               <a:ln>
@@ -30895,7 +28257,7 @@
                 <a:tabLst/>
                 <a:defRPr/>
               </a:pPr>
-              <a:t>13/05/2020</a:t>
+              <a:t>25/05/2020</a:t>
             </a:fld>
             <a:endParaRPr kumimoji="0" lang="pt-BR" sz="1200" b="0" i="0" u="none" strike="noStrike" kern="1200" cap="none" spc="0" normalizeH="0" baseline="0" noProof="0">
               <a:ln>
@@ -31595,7 +28957,7 @@
                 <a:tabLst/>
                 <a:defRPr/>
               </a:pPr>
-              <a:t>13/05/2020</a:t>
+              <a:t>25/05/2020</a:t>
             </a:fld>
             <a:endParaRPr kumimoji="0" lang="pt-BR" sz="1200" b="0" i="0" u="none" strike="noStrike" kern="1200" cap="none" spc="0" normalizeH="0" baseline="0" noProof="0">
               <a:ln>
@@ -32293,7 +29655,7 @@
                 <a:tabLst/>
                 <a:defRPr/>
               </a:pPr>
-              <a:t>13/05/2020</a:t>
+              <a:t>25/05/2020</a:t>
             </a:fld>
             <a:endParaRPr kumimoji="0" lang="pt-BR" sz="1200" b="0" i="0" u="none" strike="noStrike" kern="1200" cap="none" spc="0" normalizeH="0" baseline="0" noProof="0">
               <a:ln>
@@ -32993,7 +30355,7 @@
                 <a:tabLst/>
                 <a:defRPr/>
               </a:pPr>
-              <a:t>13/05/2020</a:t>
+              <a:t>25/05/2020</a:t>
             </a:fld>
             <a:endParaRPr kumimoji="0" lang="pt-BR" sz="1200" b="0" i="0" u="none" strike="noStrike" kern="1200" cap="none" spc="0" normalizeH="0" baseline="0" noProof="0">
               <a:ln>
@@ -33693,7 +31055,7 @@
                 <a:tabLst/>
                 <a:defRPr/>
               </a:pPr>
-              <a:t>13/05/2020</a:t>
+              <a:t>25/05/2020</a:t>
             </a:fld>
             <a:endParaRPr kumimoji="0" lang="pt-BR" sz="1200" b="0" i="0" u="none" strike="noStrike" kern="1200" cap="none" spc="0" normalizeH="0" baseline="0" noProof="0">
               <a:ln>
@@ -34192,574 +31554,6 @@
 </p:sldMaster>
 </file>
 
-<file path=ppt/slideMasters/slideMaster8.xml><?xml version="1.0" encoding="utf-8"?>
-<p:sldMaster xmlns:a="http://schemas.openxmlformats.org/drawingml/2006/main" xmlns:r="http://schemas.openxmlformats.org/officeDocument/2006/relationships" xmlns:p="http://schemas.openxmlformats.org/presentationml/2006/main">
-  <p:cSld>
-    <p:bg>
-      <p:bgRef idx="1001">
-        <a:schemeClr val="bg1"/>
-      </p:bgRef>
-    </p:bg>
-    <p:spTree>
-      <p:nvGrpSpPr>
-        <p:cNvPr id="1" name=""/>
-        <p:cNvGrpSpPr/>
-        <p:nvPr/>
-      </p:nvGrpSpPr>
-      <p:grpSpPr>
-        <a:xfrm>
-          <a:off x="0" y="0"/>
-          <a:ext cx="0" cy="0"/>
-          <a:chOff x="0" y="0"/>
-          <a:chExt cx="0" cy="0"/>
-        </a:xfrm>
-      </p:grpSpPr>
-      <p:sp>
-        <p:nvSpPr>
-          <p:cNvPr id="2" name="Espaço Reservado para Título 1">
-            <a:extLst>
-              <a:ext uri="{FF2B5EF4-FFF2-40B4-BE49-F238E27FC236}">
-                <a16:creationId xmlns:a16="http://schemas.microsoft.com/office/drawing/2014/main" id="{A9E39C11-FC96-44C2-9DB8-F6A5EEF104C2}"/>
-              </a:ext>
-            </a:extLst>
-          </p:cNvPr>
-          <p:cNvSpPr>
-            <a:spLocks noGrp="1"/>
-          </p:cNvSpPr>
-          <p:nvPr>
-            <p:ph type="title"/>
-          </p:nvPr>
-        </p:nvSpPr>
-        <p:spPr>
-          <a:xfrm>
-            <a:off x="838200" y="365125"/>
-            <a:ext cx="10515600" cy="1325563"/>
-          </a:xfrm>
-          <a:prstGeom prst="rect">
-            <a:avLst/>
-          </a:prstGeom>
-        </p:spPr>
-        <p:txBody>
-          <a:bodyPr vert="horz" lIns="91440" tIns="45720" rIns="91440" bIns="45720" rtlCol="0" anchor="ctr">
-            <a:normAutofit/>
-          </a:bodyPr>
-          <a:lstStyle/>
-          <a:p>
-            <a:r>
-              <a:rPr lang="pt-BR"/>
-              <a:t>Clique para editar o título Mestre</a:t>
-            </a:r>
-          </a:p>
-        </p:txBody>
-      </p:sp>
-      <p:sp>
-        <p:nvSpPr>
-          <p:cNvPr id="3" name="Espaço Reservado para Texto 2">
-            <a:extLst>
-              <a:ext uri="{FF2B5EF4-FFF2-40B4-BE49-F238E27FC236}">
-                <a16:creationId xmlns:a16="http://schemas.microsoft.com/office/drawing/2014/main" id="{0E73BC60-AB8C-45EC-9EBB-8AE1A9933CC0}"/>
-              </a:ext>
-            </a:extLst>
-          </p:cNvPr>
-          <p:cNvSpPr>
-            <a:spLocks noGrp="1"/>
-          </p:cNvSpPr>
-          <p:nvPr>
-            <p:ph type="body" idx="1"/>
-          </p:nvPr>
-        </p:nvSpPr>
-        <p:spPr>
-          <a:xfrm>
-            <a:off x="838200" y="1825625"/>
-            <a:ext cx="10515600" cy="4351338"/>
-          </a:xfrm>
-          <a:prstGeom prst="rect">
-            <a:avLst/>
-          </a:prstGeom>
-        </p:spPr>
-        <p:txBody>
-          <a:bodyPr vert="horz" lIns="91440" tIns="45720" rIns="91440" bIns="45720" rtlCol="0">
-            <a:normAutofit/>
-          </a:bodyPr>
-          <a:lstStyle/>
-          <a:p>
-            <a:pPr lvl="0"/>
-            <a:r>
-              <a:rPr lang="pt-BR"/>
-              <a:t>Clique para editar os estilos de texto Mestres</a:t>
-            </a:r>
-          </a:p>
-          <a:p>
-            <a:pPr lvl="1"/>
-            <a:r>
-              <a:rPr lang="pt-BR"/>
-              <a:t>Segundo nível</a:t>
-            </a:r>
-          </a:p>
-          <a:p>
-            <a:pPr lvl="2"/>
-            <a:r>
-              <a:rPr lang="pt-BR"/>
-              <a:t>Terceiro nível</a:t>
-            </a:r>
-          </a:p>
-          <a:p>
-            <a:pPr lvl="3"/>
-            <a:r>
-              <a:rPr lang="pt-BR"/>
-              <a:t>Quarto nível</a:t>
-            </a:r>
-          </a:p>
-          <a:p>
-            <a:pPr lvl="4"/>
-            <a:r>
-              <a:rPr lang="pt-BR"/>
-              <a:t>Quinto nível</a:t>
-            </a:r>
-          </a:p>
-        </p:txBody>
-      </p:sp>
-      <p:sp>
-        <p:nvSpPr>
-          <p:cNvPr id="4" name="Espaço Reservado para Data 3">
-            <a:extLst>
-              <a:ext uri="{FF2B5EF4-FFF2-40B4-BE49-F238E27FC236}">
-                <a16:creationId xmlns:a16="http://schemas.microsoft.com/office/drawing/2014/main" id="{E19B3FC4-F2E0-46EF-8712-10E2F7BD3D9E}"/>
-              </a:ext>
-            </a:extLst>
-          </p:cNvPr>
-          <p:cNvSpPr>
-            <a:spLocks noGrp="1"/>
-          </p:cNvSpPr>
-          <p:nvPr>
-            <p:ph type="dt" sz="half" idx="2"/>
-          </p:nvPr>
-        </p:nvSpPr>
-        <p:spPr>
-          <a:xfrm>
-            <a:off x="838200" y="6356350"/>
-            <a:ext cx="2743200" cy="365125"/>
-          </a:xfrm>
-          <a:prstGeom prst="rect">
-            <a:avLst/>
-          </a:prstGeom>
-        </p:spPr>
-        <p:txBody>
-          <a:bodyPr vert="horz" lIns="91440" tIns="45720" rIns="91440" bIns="45720" rtlCol="0" anchor="ctr"/>
-          <a:lstStyle>
-            <a:lvl1pPr algn="l">
-              <a:defRPr sz="1200">
-                <a:solidFill>
-                  <a:schemeClr val="tx1">
-                    <a:tint val="75000"/>
-                  </a:schemeClr>
-                </a:solidFill>
-              </a:defRPr>
-            </a:lvl1pPr>
-          </a:lstStyle>
-          <a:p>
-            <a:fld id="{2B5115E6-7BE5-4061-A065-7C94FC71B15A}" type="datetimeFigureOut">
-              <a:rPr lang="pt-BR" smtClean="0"/>
-              <a:t>13/05/2020</a:t>
-            </a:fld>
-            <a:endParaRPr lang="pt-BR"/>
-          </a:p>
-        </p:txBody>
-      </p:sp>
-      <p:sp>
-        <p:nvSpPr>
-          <p:cNvPr id="5" name="Espaço Reservado para Rodapé 4">
-            <a:extLst>
-              <a:ext uri="{FF2B5EF4-FFF2-40B4-BE49-F238E27FC236}">
-                <a16:creationId xmlns:a16="http://schemas.microsoft.com/office/drawing/2014/main" id="{D32B7157-959F-4A93-93F4-E91971B76F7F}"/>
-              </a:ext>
-            </a:extLst>
-          </p:cNvPr>
-          <p:cNvSpPr>
-            <a:spLocks noGrp="1"/>
-          </p:cNvSpPr>
-          <p:nvPr>
-            <p:ph type="ftr" sz="quarter" idx="3"/>
-          </p:nvPr>
-        </p:nvSpPr>
-        <p:spPr>
-          <a:xfrm>
-            <a:off x="4038600" y="6356350"/>
-            <a:ext cx="4114800" cy="365125"/>
-          </a:xfrm>
-          <a:prstGeom prst="rect">
-            <a:avLst/>
-          </a:prstGeom>
-        </p:spPr>
-        <p:txBody>
-          <a:bodyPr vert="horz" lIns="91440" tIns="45720" rIns="91440" bIns="45720" rtlCol="0" anchor="ctr"/>
-          <a:lstStyle>
-            <a:lvl1pPr algn="ctr">
-              <a:defRPr sz="1200">
-                <a:solidFill>
-                  <a:schemeClr val="tx1">
-                    <a:tint val="75000"/>
-                  </a:schemeClr>
-                </a:solidFill>
-              </a:defRPr>
-            </a:lvl1pPr>
-          </a:lstStyle>
-          <a:p>
-            <a:endParaRPr lang="pt-BR"/>
-          </a:p>
-        </p:txBody>
-      </p:sp>
-      <p:sp>
-        <p:nvSpPr>
-          <p:cNvPr id="6" name="Espaço Reservado para Número de Slide 5">
-            <a:extLst>
-              <a:ext uri="{FF2B5EF4-FFF2-40B4-BE49-F238E27FC236}">
-                <a16:creationId xmlns:a16="http://schemas.microsoft.com/office/drawing/2014/main" id="{EFFDA1C7-BD65-42D8-94A1-40E46C11F748}"/>
-              </a:ext>
-            </a:extLst>
-          </p:cNvPr>
-          <p:cNvSpPr>
-            <a:spLocks noGrp="1"/>
-          </p:cNvSpPr>
-          <p:nvPr>
-            <p:ph type="sldNum" sz="quarter" idx="4"/>
-          </p:nvPr>
-        </p:nvSpPr>
-        <p:spPr>
-          <a:xfrm>
-            <a:off x="8610600" y="6356350"/>
-            <a:ext cx="2743200" cy="365125"/>
-          </a:xfrm>
-          <a:prstGeom prst="rect">
-            <a:avLst/>
-          </a:prstGeom>
-        </p:spPr>
-        <p:txBody>
-          <a:bodyPr vert="horz" lIns="91440" tIns="45720" rIns="91440" bIns="45720" rtlCol="0" anchor="ctr"/>
-          <a:lstStyle>
-            <a:lvl1pPr algn="r">
-              <a:defRPr sz="1200">
-                <a:solidFill>
-                  <a:schemeClr val="tx1">
-                    <a:tint val="75000"/>
-                  </a:schemeClr>
-                </a:solidFill>
-              </a:defRPr>
-            </a:lvl1pPr>
-          </a:lstStyle>
-          <a:p>
-            <a:fld id="{6F3153EC-4881-40A1-97B0-5C816A60BD28}" type="slidenum">
-              <a:rPr lang="pt-BR" smtClean="0"/>
-              <a:t>‹nº›</a:t>
-            </a:fld>
-            <a:endParaRPr lang="pt-BR"/>
-          </a:p>
-        </p:txBody>
-      </p:sp>
-    </p:spTree>
-    <p:extLst>
-      <p:ext uri="{BB962C8B-B14F-4D97-AF65-F5344CB8AC3E}">
-        <p14:creationId xmlns:p14="http://schemas.microsoft.com/office/powerpoint/2010/main" val="490111272"/>
-      </p:ext>
-    </p:extLst>
-  </p:cSld>
-  <p:clrMap bg1="lt1" tx1="dk1" bg2="lt2" tx2="dk2" accent1="accent1" accent2="accent2" accent3="accent3" accent4="accent4" accent5="accent5" accent6="accent6" hlink="hlink" folHlink="folHlink"/>
-  <p:sldLayoutIdLst>
-    <p:sldLayoutId id="2147483757" r:id="rId1"/>
-    <p:sldLayoutId id="2147483758" r:id="rId2"/>
-    <p:sldLayoutId id="2147483759" r:id="rId3"/>
-    <p:sldLayoutId id="2147483760" r:id="rId4"/>
-    <p:sldLayoutId id="2147483761" r:id="rId5"/>
-    <p:sldLayoutId id="2147483762" r:id="rId6"/>
-    <p:sldLayoutId id="2147483763" r:id="rId7"/>
-    <p:sldLayoutId id="2147483764" r:id="rId8"/>
-    <p:sldLayoutId id="2147483765" r:id="rId9"/>
-    <p:sldLayoutId id="2147483766" r:id="rId10"/>
-    <p:sldLayoutId id="2147483767" r:id="rId11"/>
-  </p:sldLayoutIdLst>
-  <p:txStyles>
-    <p:titleStyle>
-      <a:lvl1pPr algn="l" defTabSz="914400" rtl="0" eaLnBrk="1" latinLnBrk="0" hangingPunct="1">
-        <a:lnSpc>
-          <a:spcPct val="90000"/>
-        </a:lnSpc>
-        <a:spcBef>
-          <a:spcPct val="0"/>
-        </a:spcBef>
-        <a:buNone/>
-        <a:defRPr sz="4400" kern="1200">
-          <a:solidFill>
-            <a:schemeClr val="tx1"/>
-          </a:solidFill>
-          <a:latin typeface="+mj-lt"/>
-          <a:ea typeface="+mj-ea"/>
-          <a:cs typeface="+mj-cs"/>
-        </a:defRPr>
-      </a:lvl1pPr>
-    </p:titleStyle>
-    <p:bodyStyle>
-      <a:lvl1pPr marL="228600" indent="-228600" algn="l" defTabSz="914400" rtl="0" eaLnBrk="1" latinLnBrk="0" hangingPunct="1">
-        <a:lnSpc>
-          <a:spcPct val="90000"/>
-        </a:lnSpc>
-        <a:spcBef>
-          <a:spcPts val="1000"/>
-        </a:spcBef>
-        <a:buFont typeface="Arial" panose="020B0604020202020204" pitchFamily="34" charset="0"/>
-        <a:buChar char="•"/>
-        <a:defRPr sz="2800" kern="1200">
-          <a:solidFill>
-            <a:schemeClr val="tx1"/>
-          </a:solidFill>
-          <a:latin typeface="+mn-lt"/>
-          <a:ea typeface="+mn-ea"/>
-          <a:cs typeface="+mn-cs"/>
-        </a:defRPr>
-      </a:lvl1pPr>
-      <a:lvl2pPr marL="685800" indent="-228600" algn="l" defTabSz="914400" rtl="0" eaLnBrk="1" latinLnBrk="0" hangingPunct="1">
-        <a:lnSpc>
-          <a:spcPct val="90000"/>
-        </a:lnSpc>
-        <a:spcBef>
-          <a:spcPts val="500"/>
-        </a:spcBef>
-        <a:buFont typeface="Arial" panose="020B0604020202020204" pitchFamily="34" charset="0"/>
-        <a:buChar char="•"/>
-        <a:defRPr sz="2400" kern="1200">
-          <a:solidFill>
-            <a:schemeClr val="tx1"/>
-          </a:solidFill>
-          <a:latin typeface="+mn-lt"/>
-          <a:ea typeface="+mn-ea"/>
-          <a:cs typeface="+mn-cs"/>
-        </a:defRPr>
-      </a:lvl2pPr>
-      <a:lvl3pPr marL="1143000" indent="-228600" algn="l" defTabSz="914400" rtl="0" eaLnBrk="1" latinLnBrk="0" hangingPunct="1">
-        <a:lnSpc>
-          <a:spcPct val="90000"/>
-        </a:lnSpc>
-        <a:spcBef>
-          <a:spcPts val="500"/>
-        </a:spcBef>
-        <a:buFont typeface="Arial" panose="020B0604020202020204" pitchFamily="34" charset="0"/>
-        <a:buChar char="•"/>
-        <a:defRPr sz="2000" kern="1200">
-          <a:solidFill>
-            <a:schemeClr val="tx1"/>
-          </a:solidFill>
-          <a:latin typeface="+mn-lt"/>
-          <a:ea typeface="+mn-ea"/>
-          <a:cs typeface="+mn-cs"/>
-        </a:defRPr>
-      </a:lvl3pPr>
-      <a:lvl4pPr marL="1600200" indent="-228600" algn="l" defTabSz="914400" rtl="0" eaLnBrk="1" latinLnBrk="0" hangingPunct="1">
-        <a:lnSpc>
-          <a:spcPct val="90000"/>
-        </a:lnSpc>
-        <a:spcBef>
-          <a:spcPts val="500"/>
-        </a:spcBef>
-        <a:buFont typeface="Arial" panose="020B0604020202020204" pitchFamily="34" charset="0"/>
-        <a:buChar char="•"/>
-        <a:defRPr sz="1800" kern="1200">
-          <a:solidFill>
-            <a:schemeClr val="tx1"/>
-          </a:solidFill>
-          <a:latin typeface="+mn-lt"/>
-          <a:ea typeface="+mn-ea"/>
-          <a:cs typeface="+mn-cs"/>
-        </a:defRPr>
-      </a:lvl4pPr>
-      <a:lvl5pPr marL="2057400" indent="-228600" algn="l" defTabSz="914400" rtl="0" eaLnBrk="1" latinLnBrk="0" hangingPunct="1">
-        <a:lnSpc>
-          <a:spcPct val="90000"/>
-        </a:lnSpc>
-        <a:spcBef>
-          <a:spcPts val="500"/>
-        </a:spcBef>
-        <a:buFont typeface="Arial" panose="020B0604020202020204" pitchFamily="34" charset="0"/>
-        <a:buChar char="•"/>
-        <a:defRPr sz="1800" kern="1200">
-          <a:solidFill>
-            <a:schemeClr val="tx1"/>
-          </a:solidFill>
-          <a:latin typeface="+mn-lt"/>
-          <a:ea typeface="+mn-ea"/>
-          <a:cs typeface="+mn-cs"/>
-        </a:defRPr>
-      </a:lvl5pPr>
-      <a:lvl6pPr marL="2514600" indent="-228600" algn="l" defTabSz="914400" rtl="0" eaLnBrk="1" latinLnBrk="0" hangingPunct="1">
-        <a:lnSpc>
-          <a:spcPct val="90000"/>
-        </a:lnSpc>
-        <a:spcBef>
-          <a:spcPts val="500"/>
-        </a:spcBef>
-        <a:buFont typeface="Arial" panose="020B0604020202020204" pitchFamily="34" charset="0"/>
-        <a:buChar char="•"/>
-        <a:defRPr sz="1800" kern="1200">
-          <a:solidFill>
-            <a:schemeClr val="tx1"/>
-          </a:solidFill>
-          <a:latin typeface="+mn-lt"/>
-          <a:ea typeface="+mn-ea"/>
-          <a:cs typeface="+mn-cs"/>
-        </a:defRPr>
-      </a:lvl6pPr>
-      <a:lvl7pPr marL="2971800" indent="-228600" algn="l" defTabSz="914400" rtl="0" eaLnBrk="1" latinLnBrk="0" hangingPunct="1">
-        <a:lnSpc>
-          <a:spcPct val="90000"/>
-        </a:lnSpc>
-        <a:spcBef>
-          <a:spcPts val="500"/>
-        </a:spcBef>
-        <a:buFont typeface="Arial" panose="020B0604020202020204" pitchFamily="34" charset="0"/>
-        <a:buChar char="•"/>
-        <a:defRPr sz="1800" kern="1200">
-          <a:solidFill>
-            <a:schemeClr val="tx1"/>
-          </a:solidFill>
-          <a:latin typeface="+mn-lt"/>
-          <a:ea typeface="+mn-ea"/>
-          <a:cs typeface="+mn-cs"/>
-        </a:defRPr>
-      </a:lvl7pPr>
-      <a:lvl8pPr marL="3429000" indent="-228600" algn="l" defTabSz="914400" rtl="0" eaLnBrk="1" latinLnBrk="0" hangingPunct="1">
-        <a:lnSpc>
-          <a:spcPct val="90000"/>
-        </a:lnSpc>
-        <a:spcBef>
-          <a:spcPts val="500"/>
-        </a:spcBef>
-        <a:buFont typeface="Arial" panose="020B0604020202020204" pitchFamily="34" charset="0"/>
-        <a:buChar char="•"/>
-        <a:defRPr sz="1800" kern="1200">
-          <a:solidFill>
-            <a:schemeClr val="tx1"/>
-          </a:solidFill>
-          <a:latin typeface="+mn-lt"/>
-          <a:ea typeface="+mn-ea"/>
-          <a:cs typeface="+mn-cs"/>
-        </a:defRPr>
-      </a:lvl8pPr>
-      <a:lvl9pPr marL="3886200" indent="-228600" algn="l" defTabSz="914400" rtl="0" eaLnBrk="1" latinLnBrk="0" hangingPunct="1">
-        <a:lnSpc>
-          <a:spcPct val="90000"/>
-        </a:lnSpc>
-        <a:spcBef>
-          <a:spcPts val="500"/>
-        </a:spcBef>
-        <a:buFont typeface="Arial" panose="020B0604020202020204" pitchFamily="34" charset="0"/>
-        <a:buChar char="•"/>
-        <a:defRPr sz="1800" kern="1200">
-          <a:solidFill>
-            <a:schemeClr val="tx1"/>
-          </a:solidFill>
-          <a:latin typeface="+mn-lt"/>
-          <a:ea typeface="+mn-ea"/>
-          <a:cs typeface="+mn-cs"/>
-        </a:defRPr>
-      </a:lvl9pPr>
-    </p:bodyStyle>
-    <p:otherStyle>
-      <a:defPPr>
-        <a:defRPr lang="pt-BR"/>
-      </a:defPPr>
-      <a:lvl1pPr marL="0" algn="l" defTabSz="914400" rtl="0" eaLnBrk="1" latinLnBrk="0" hangingPunct="1">
-        <a:defRPr sz="1800" kern="1200">
-          <a:solidFill>
-            <a:schemeClr val="tx1"/>
-          </a:solidFill>
-          <a:latin typeface="+mn-lt"/>
-          <a:ea typeface="+mn-ea"/>
-          <a:cs typeface="+mn-cs"/>
-        </a:defRPr>
-      </a:lvl1pPr>
-      <a:lvl2pPr marL="457200" algn="l" defTabSz="914400" rtl="0" eaLnBrk="1" latinLnBrk="0" hangingPunct="1">
-        <a:defRPr sz="1800" kern="1200">
-          <a:solidFill>
-            <a:schemeClr val="tx1"/>
-          </a:solidFill>
-          <a:latin typeface="+mn-lt"/>
-          <a:ea typeface="+mn-ea"/>
-          <a:cs typeface="+mn-cs"/>
-        </a:defRPr>
-      </a:lvl2pPr>
-      <a:lvl3pPr marL="914400" algn="l" defTabSz="914400" rtl="0" eaLnBrk="1" latinLnBrk="0" hangingPunct="1">
-        <a:defRPr sz="1800" kern="1200">
-          <a:solidFill>
-            <a:schemeClr val="tx1"/>
-          </a:solidFill>
-          <a:latin typeface="+mn-lt"/>
-          <a:ea typeface="+mn-ea"/>
-          <a:cs typeface="+mn-cs"/>
-        </a:defRPr>
-      </a:lvl3pPr>
-      <a:lvl4pPr marL="1371600" algn="l" defTabSz="914400" rtl="0" eaLnBrk="1" latinLnBrk="0" hangingPunct="1">
-        <a:defRPr sz="1800" kern="1200">
-          <a:solidFill>
-            <a:schemeClr val="tx1"/>
-          </a:solidFill>
-          <a:latin typeface="+mn-lt"/>
-          <a:ea typeface="+mn-ea"/>
-          <a:cs typeface="+mn-cs"/>
-        </a:defRPr>
-      </a:lvl4pPr>
-      <a:lvl5pPr marL="1828800" algn="l" defTabSz="914400" rtl="0" eaLnBrk="1" latinLnBrk="0" hangingPunct="1">
-        <a:defRPr sz="1800" kern="1200">
-          <a:solidFill>
-            <a:schemeClr val="tx1"/>
-          </a:solidFill>
-          <a:latin typeface="+mn-lt"/>
-          <a:ea typeface="+mn-ea"/>
-          <a:cs typeface="+mn-cs"/>
-        </a:defRPr>
-      </a:lvl5pPr>
-      <a:lvl6pPr marL="2286000" algn="l" defTabSz="914400" rtl="0" eaLnBrk="1" latinLnBrk="0" hangingPunct="1">
-        <a:defRPr sz="1800" kern="1200">
-          <a:solidFill>
-            <a:schemeClr val="tx1"/>
-          </a:solidFill>
-          <a:latin typeface="+mn-lt"/>
-          <a:ea typeface="+mn-ea"/>
-          <a:cs typeface="+mn-cs"/>
-        </a:defRPr>
-      </a:lvl6pPr>
-      <a:lvl7pPr marL="2743200" algn="l" defTabSz="914400" rtl="0" eaLnBrk="1" latinLnBrk="0" hangingPunct="1">
-        <a:defRPr sz="1800" kern="1200">
-          <a:solidFill>
-            <a:schemeClr val="tx1"/>
-          </a:solidFill>
-          <a:latin typeface="+mn-lt"/>
-          <a:ea typeface="+mn-ea"/>
-          <a:cs typeface="+mn-cs"/>
-        </a:defRPr>
-      </a:lvl7pPr>
-      <a:lvl8pPr marL="3200400" algn="l" defTabSz="914400" rtl="0" eaLnBrk="1" latinLnBrk="0" hangingPunct="1">
-        <a:defRPr sz="1800" kern="1200">
-          <a:solidFill>
-            <a:schemeClr val="tx1"/>
-          </a:solidFill>
-          <a:latin typeface="+mn-lt"/>
-          <a:ea typeface="+mn-ea"/>
-          <a:cs typeface="+mn-cs"/>
-        </a:defRPr>
-      </a:lvl8pPr>
-      <a:lvl9pPr marL="3657600" algn="l" defTabSz="914400" rtl="0" eaLnBrk="1" latinLnBrk="0" hangingPunct="1">
-        <a:defRPr sz="1800" kern="1200">
-          <a:solidFill>
-            <a:schemeClr val="tx1"/>
-          </a:solidFill>
-          <a:latin typeface="+mn-lt"/>
-          <a:ea typeface="+mn-ea"/>
-          <a:cs typeface="+mn-cs"/>
-        </a:defRPr>
-      </a:lvl9pPr>
-    </p:otherStyle>
-  </p:txStyles>
-</p:sldMaster>
-</file>
-
 <file path=ppt/slides/slide1.xml><?xml version="1.0" encoding="utf-8"?>
 <p:sld xmlns:a="http://schemas.openxmlformats.org/drawingml/2006/main" xmlns:r="http://schemas.openxmlformats.org/officeDocument/2006/relationships" xmlns:p="http://schemas.openxmlformats.org/presentationml/2006/main">
   <p:cSld>
@@ -34801,7 +31595,7 @@
           <a:p>
             <a:r>
               <a:rPr lang="pt-BR" sz="3200" dirty="0"/>
-              <a:t>DFD Salão - Atender cliente (parte 1)</a:t>
+              <a:t>DFD Salão/Balcão - Atender cliente (parte 1)</a:t>
             </a:r>
           </a:p>
         </p:txBody>
@@ -35587,8 +32381,8 @@
           </p:nvSpPr>
           <p:spPr>
             <a:xfrm>
-              <a:off x="2967314" y="1757454"/>
-              <a:ext cx="1094033" cy="923330"/>
+              <a:off x="3167101" y="2389534"/>
+              <a:ext cx="1094033" cy="369332"/>
             </a:xfrm>
             <a:prstGeom prst="rect">
               <a:avLst/>
@@ -35606,7 +32400,7 @@
               <a:pPr algn="ctr"/>
               <a:r>
                 <a:rPr lang="pt-BR" dirty="0"/>
-                <a:t>Pedido / cancela pedido</a:t>
+                <a:t>Pedido</a:t>
               </a:r>
             </a:p>
           </p:txBody>
@@ -35889,811 +32683,6 @@
 </p:sld>
 </file>
 
-<file path=ppt/slides/slide10.xml><?xml version="1.0" encoding="utf-8"?>
-<p:sld xmlns:a="http://schemas.openxmlformats.org/drawingml/2006/main" xmlns:r="http://schemas.openxmlformats.org/officeDocument/2006/relationships" xmlns:p="http://schemas.openxmlformats.org/presentationml/2006/main">
-  <p:cSld>
-    <p:spTree>
-      <p:nvGrpSpPr>
-        <p:cNvPr id="1" name=""/>
-        <p:cNvGrpSpPr/>
-        <p:nvPr/>
-      </p:nvGrpSpPr>
-      <p:grpSpPr>
-        <a:xfrm>
-          <a:off x="0" y="0"/>
-          <a:ext cx="0" cy="0"/>
-          <a:chOff x="0" y="0"/>
-          <a:chExt cx="0" cy="0"/>
-        </a:xfrm>
-      </p:grpSpPr>
-      <p:sp>
-        <p:nvSpPr>
-          <p:cNvPr id="2" name="Título 1"/>
-          <p:cNvSpPr>
-            <a:spLocks noGrp="1"/>
-          </p:cNvSpPr>
-          <p:nvPr>
-            <p:ph type="title"/>
-          </p:nvPr>
-        </p:nvSpPr>
-        <p:spPr>
-          <a:xfrm>
-            <a:off x="838200" y="365126"/>
-            <a:ext cx="10515600" cy="424584"/>
-          </a:xfrm>
-        </p:spPr>
-        <p:txBody>
-          <a:bodyPr>
-            <a:normAutofit fontScale="90000"/>
-          </a:bodyPr>
-          <a:lstStyle/>
-          <a:p>
-            <a:r>
-              <a:rPr lang="pt-BR" sz="3200" dirty="0"/>
-              <a:t>DFD Escritório da Gerência - Realizar evento</a:t>
-            </a:r>
-          </a:p>
-        </p:txBody>
-      </p:sp>
-      <p:sp>
-        <p:nvSpPr>
-          <p:cNvPr id="5" name="Retângulo 4"/>
-          <p:cNvSpPr/>
-          <p:nvPr/>
-        </p:nvSpPr>
-        <p:spPr>
-          <a:xfrm>
-            <a:off x="7247715" y="1400377"/>
-            <a:ext cx="1418878" cy="853854"/>
-          </a:xfrm>
-          <a:prstGeom prst="rect">
-            <a:avLst/>
-          </a:prstGeom>
-        </p:spPr>
-        <p:style>
-          <a:lnRef idx="2">
-            <a:schemeClr val="accent1">
-              <a:shade val="50000"/>
-            </a:schemeClr>
-          </a:lnRef>
-          <a:fillRef idx="1">
-            <a:schemeClr val="accent1"/>
-          </a:fillRef>
-          <a:effectRef idx="0">
-            <a:schemeClr val="accent1"/>
-          </a:effectRef>
-          <a:fontRef idx="minor">
-            <a:schemeClr val="lt1"/>
-          </a:fontRef>
-        </p:style>
-        <p:txBody>
-          <a:bodyPr rtlCol="0" anchor="ctr"/>
-          <a:lstStyle/>
-          <a:p>
-            <a:pPr marL="0" marR="0" lvl="0" indent="0" algn="ctr" defTabSz="914400" rtl="0" eaLnBrk="1" fontAlgn="auto" latinLnBrk="0" hangingPunct="1">
-              <a:lnSpc>
-                <a:spcPct val="100000"/>
-              </a:lnSpc>
-              <a:spcBef>
-                <a:spcPts val="0"/>
-              </a:spcBef>
-              <a:spcAft>
-                <a:spcPts val="0"/>
-              </a:spcAft>
-              <a:buClrTx/>
-              <a:buSzTx/>
-              <a:buFontTx/>
-              <a:buNone/>
-              <a:tabLst/>
-              <a:defRPr/>
-            </a:pPr>
-            <a:r>
-              <a:rPr kumimoji="0" lang="pt-BR" sz="1600" b="0" i="0" u="none" strike="noStrike" kern="1200" cap="none" spc="0" normalizeH="0" baseline="0" noProof="0" dirty="0">
-                <a:ln>
-                  <a:noFill/>
-                </a:ln>
-                <a:solidFill>
-                  <a:prstClr val="white"/>
-                </a:solidFill>
-                <a:effectLst/>
-                <a:uLnTx/>
-                <a:uFillTx/>
-                <a:latin typeface="Calibri" panose="020F0502020204030204"/>
-                <a:ea typeface="+mn-ea"/>
-                <a:cs typeface="+mn-cs"/>
-              </a:rPr>
-              <a:t>Convidado</a:t>
-            </a:r>
-            <a:endParaRPr kumimoji="0" lang="pt-BR" sz="1800" b="0" i="0" u="none" strike="noStrike" kern="1200" cap="none" spc="0" normalizeH="0" baseline="0" noProof="0" dirty="0">
-              <a:ln>
-                <a:noFill/>
-              </a:ln>
-              <a:solidFill>
-                <a:prstClr val="white"/>
-              </a:solidFill>
-              <a:effectLst/>
-              <a:uLnTx/>
-              <a:uFillTx/>
-              <a:latin typeface="Calibri" panose="020F0502020204030204"/>
-              <a:ea typeface="+mn-ea"/>
-              <a:cs typeface="+mn-cs"/>
-            </a:endParaRPr>
-          </a:p>
-        </p:txBody>
-      </p:sp>
-      <p:cxnSp>
-        <p:nvCxnSpPr>
-          <p:cNvPr id="91" name="Conector em Curva 90"/>
-          <p:cNvCxnSpPr>
-            <a:stCxn id="5" idx="1"/>
-            <a:endCxn id="3" idx="3"/>
-          </p:cNvCxnSpPr>
-          <p:nvPr/>
-        </p:nvCxnSpPr>
-        <p:spPr>
-          <a:xfrm rot="10800000" flipV="1">
-            <a:off x="4759271" y="1827303"/>
-            <a:ext cx="2488445" cy="2308759"/>
-          </a:xfrm>
-          <a:prstGeom prst="curvedConnector3">
-            <a:avLst>
-              <a:gd name="adj1" fmla="val 50000"/>
-            </a:avLst>
-          </a:prstGeom>
-          <a:ln w="28575">
-            <a:solidFill>
-              <a:schemeClr val="tx1"/>
-            </a:solidFill>
-            <a:tailEnd type="triangle"/>
-          </a:ln>
-        </p:spPr>
-        <p:style>
-          <a:lnRef idx="1">
-            <a:schemeClr val="accent1"/>
-          </a:lnRef>
-          <a:fillRef idx="0">
-            <a:schemeClr val="accent1"/>
-          </a:fillRef>
-          <a:effectRef idx="0">
-            <a:schemeClr val="accent1"/>
-          </a:effectRef>
-          <a:fontRef idx="minor">
-            <a:schemeClr val="tx1"/>
-          </a:fontRef>
-        </p:style>
-      </p:cxnSp>
-      <p:sp>
-        <p:nvSpPr>
-          <p:cNvPr id="49" name="CaixaDeTexto 48"/>
-          <p:cNvSpPr txBox="1"/>
-          <p:nvPr/>
-        </p:nvSpPr>
-        <p:spPr>
-          <a:xfrm>
-            <a:off x="5258617" y="2429565"/>
-            <a:ext cx="1514231" cy="369332"/>
-          </a:xfrm>
-          <a:prstGeom prst="rect">
-            <a:avLst/>
-          </a:prstGeom>
-          <a:solidFill>
-            <a:schemeClr val="bg1"/>
-          </a:solidFill>
-        </p:spPr>
-        <p:txBody>
-          <a:bodyPr wrap="square" rtlCol="0">
-            <a:spAutoFit/>
-          </a:bodyPr>
-          <a:lstStyle/>
-          <a:p>
-            <a:pPr marL="0" marR="0" lvl="0" indent="0" algn="ctr" defTabSz="914400" rtl="0" eaLnBrk="1" fontAlgn="auto" latinLnBrk="0" hangingPunct="1">
-              <a:lnSpc>
-                <a:spcPct val="100000"/>
-              </a:lnSpc>
-              <a:spcBef>
-                <a:spcPts val="0"/>
-              </a:spcBef>
-              <a:spcAft>
-                <a:spcPts val="0"/>
-              </a:spcAft>
-              <a:buClrTx/>
-              <a:buSzTx/>
-              <a:buFontTx/>
-              <a:buNone/>
-              <a:tabLst/>
-              <a:defRPr/>
-            </a:pPr>
-            <a:r>
-              <a:rPr kumimoji="0" lang="pt-BR" sz="1800" b="0" i="0" u="none" strike="noStrike" kern="1200" cap="none" spc="0" normalizeH="0" baseline="0" noProof="0" dirty="0">
-                <a:ln>
-                  <a:noFill/>
-                </a:ln>
-                <a:solidFill>
-                  <a:prstClr val="black"/>
-                </a:solidFill>
-                <a:effectLst/>
-                <a:uLnTx/>
-                <a:uFillTx/>
-                <a:latin typeface="Calibri" panose="020F0502020204030204"/>
-                <a:ea typeface="+mn-ea"/>
-                <a:cs typeface="+mn-cs"/>
-              </a:rPr>
-              <a:t>Convite</a:t>
-            </a:r>
-          </a:p>
-        </p:txBody>
-      </p:sp>
-      <p:grpSp>
-        <p:nvGrpSpPr>
-          <p:cNvPr id="4" name="Agrupar 3"/>
-          <p:cNvGrpSpPr/>
-          <p:nvPr/>
-        </p:nvGrpSpPr>
-        <p:grpSpPr>
-          <a:xfrm>
-            <a:off x="3250625" y="3280494"/>
-            <a:ext cx="1508645" cy="1440000"/>
-            <a:chOff x="4588544" y="3353750"/>
-            <a:chExt cx="1508645" cy="1440000"/>
-          </a:xfrm>
-        </p:grpSpPr>
-        <p:sp>
-          <p:nvSpPr>
-            <p:cNvPr id="9" name="Elipse 8"/>
-            <p:cNvSpPr/>
-            <p:nvPr/>
-          </p:nvSpPr>
-          <p:spPr>
-            <a:xfrm>
-              <a:off x="4622866" y="3353750"/>
-              <a:ext cx="1440000" cy="1440000"/>
-            </a:xfrm>
-            <a:prstGeom prst="ellipse">
-              <a:avLst/>
-            </a:prstGeom>
-          </p:spPr>
-          <p:style>
-            <a:lnRef idx="2">
-              <a:schemeClr val="accent1">
-                <a:shade val="50000"/>
-              </a:schemeClr>
-            </a:lnRef>
-            <a:fillRef idx="1">
-              <a:schemeClr val="accent1"/>
-            </a:fillRef>
-            <a:effectRef idx="0">
-              <a:schemeClr val="accent1"/>
-            </a:effectRef>
-            <a:fontRef idx="minor">
-              <a:schemeClr val="lt1"/>
-            </a:fontRef>
-          </p:style>
-          <p:txBody>
-            <a:bodyPr rtlCol="0" anchor="ctr"/>
-            <a:lstStyle/>
-            <a:p>
-              <a:pPr marL="0" marR="0" lvl="0" indent="0" algn="ctr" defTabSz="914400" rtl="0" eaLnBrk="1" fontAlgn="auto" latinLnBrk="0" hangingPunct="1">
-                <a:lnSpc>
-                  <a:spcPct val="100000"/>
-                </a:lnSpc>
-                <a:spcBef>
-                  <a:spcPts val="0"/>
-                </a:spcBef>
-                <a:spcAft>
-                  <a:spcPts val="0"/>
-                </a:spcAft>
-                <a:buClrTx/>
-                <a:buSzTx/>
-                <a:buFontTx/>
-                <a:buNone/>
-                <a:tabLst/>
-                <a:defRPr/>
-              </a:pPr>
-              <a:endParaRPr kumimoji="0" lang="pt-BR" sz="1200" b="0" i="0" u="none" strike="noStrike" kern="1200" cap="none" spc="0" normalizeH="0" baseline="0" noProof="0" dirty="0">
-                <a:ln>
-                  <a:noFill/>
-                </a:ln>
-                <a:solidFill>
-                  <a:prstClr val="white"/>
-                </a:solidFill>
-                <a:effectLst/>
-                <a:uLnTx/>
-                <a:uFillTx/>
-                <a:latin typeface="Calibri" panose="020F0502020204030204"/>
-                <a:ea typeface="+mn-ea"/>
-                <a:cs typeface="+mn-cs"/>
-              </a:endParaRPr>
-            </a:p>
-          </p:txBody>
-        </p:sp>
-        <p:sp>
-          <p:nvSpPr>
-            <p:cNvPr id="3" name="CaixaDeTexto 2"/>
-            <p:cNvSpPr txBox="1"/>
-            <p:nvPr/>
-          </p:nvSpPr>
-          <p:spPr>
-            <a:xfrm>
-              <a:off x="4588544" y="3778432"/>
-              <a:ext cx="1508645" cy="861774"/>
-            </a:xfrm>
-            <a:prstGeom prst="rect">
-              <a:avLst/>
-            </a:prstGeom>
-            <a:noFill/>
-          </p:spPr>
-          <p:txBody>
-            <a:bodyPr wrap="square" rtlCol="0" anchor="b">
-              <a:spAutoFit/>
-            </a:bodyPr>
-            <a:lstStyle/>
-            <a:p>
-              <a:pPr marL="0" marR="0" lvl="0" indent="0" algn="ctr" defTabSz="914400" rtl="0" eaLnBrk="1" fontAlgn="auto" latinLnBrk="0" hangingPunct="1">
-                <a:lnSpc>
-                  <a:spcPct val="100000"/>
-                </a:lnSpc>
-                <a:spcBef>
-                  <a:spcPts val="0"/>
-                </a:spcBef>
-                <a:spcAft>
-                  <a:spcPts val="0"/>
-                </a:spcAft>
-                <a:buClrTx/>
-                <a:buSzTx/>
-                <a:buFontTx/>
-                <a:buNone/>
-                <a:tabLst/>
-                <a:defRPr/>
-              </a:pPr>
-              <a:r>
-                <a:rPr kumimoji="0" lang="pt-BR" sz="1600" b="0" i="0" u="none" strike="noStrike" kern="1200" cap="none" spc="0" normalizeH="0" baseline="0" noProof="0" dirty="0">
-                  <a:ln>
-                    <a:noFill/>
-                  </a:ln>
-                  <a:solidFill>
-                    <a:prstClr val="white"/>
-                  </a:solidFill>
-                  <a:effectLst/>
-                  <a:uLnTx/>
-                  <a:uFillTx/>
-                  <a:latin typeface="Calibri" panose="020F0502020204030204"/>
-                  <a:ea typeface="+mn-ea"/>
-                  <a:cs typeface="+mn-cs"/>
-                </a:rPr>
-                <a:t>Receber convidados</a:t>
-              </a:r>
-            </a:p>
-            <a:p>
-              <a:pPr marL="0" marR="0" lvl="0" indent="0" algn="l" defTabSz="914400" rtl="0" eaLnBrk="1" fontAlgn="auto" latinLnBrk="0" hangingPunct="1">
-                <a:lnSpc>
-                  <a:spcPct val="100000"/>
-                </a:lnSpc>
-                <a:spcBef>
-                  <a:spcPts val="0"/>
-                </a:spcBef>
-                <a:spcAft>
-                  <a:spcPts val="0"/>
-                </a:spcAft>
-                <a:buClrTx/>
-                <a:buSzTx/>
-                <a:buFontTx/>
-                <a:buNone/>
-                <a:tabLst/>
-                <a:defRPr/>
-              </a:pPr>
-              <a:endParaRPr kumimoji="0" lang="pt-BR" sz="1800" b="0" i="0" u="none" strike="noStrike" kern="1200" cap="none" spc="0" normalizeH="0" baseline="0" noProof="0" dirty="0">
-                <a:ln>
-                  <a:noFill/>
-                </a:ln>
-                <a:solidFill>
-                  <a:prstClr val="black"/>
-                </a:solidFill>
-                <a:effectLst/>
-                <a:uLnTx/>
-                <a:uFillTx/>
-                <a:latin typeface="Calibri" panose="020F0502020204030204"/>
-                <a:ea typeface="+mn-ea"/>
-                <a:cs typeface="+mn-cs"/>
-              </a:endParaRPr>
-            </a:p>
-          </p:txBody>
-        </p:sp>
-      </p:grpSp>
-      <p:sp>
-        <p:nvSpPr>
-          <p:cNvPr id="27" name="Retângulo 26"/>
-          <p:cNvSpPr/>
-          <p:nvPr/>
-        </p:nvSpPr>
-        <p:spPr>
-          <a:xfrm>
-            <a:off x="3295508" y="1394659"/>
-            <a:ext cx="1418878" cy="853854"/>
-          </a:xfrm>
-          <a:prstGeom prst="rect">
-            <a:avLst/>
-          </a:prstGeom>
-        </p:spPr>
-        <p:style>
-          <a:lnRef idx="2">
-            <a:schemeClr val="accent1">
-              <a:shade val="50000"/>
-            </a:schemeClr>
-          </a:lnRef>
-          <a:fillRef idx="1">
-            <a:schemeClr val="accent1"/>
-          </a:fillRef>
-          <a:effectRef idx="0">
-            <a:schemeClr val="accent1"/>
-          </a:effectRef>
-          <a:fontRef idx="minor">
-            <a:schemeClr val="lt1"/>
-          </a:fontRef>
-        </p:style>
-        <p:txBody>
-          <a:bodyPr rtlCol="0" anchor="ctr"/>
-          <a:lstStyle/>
-          <a:p>
-            <a:pPr marL="0" marR="0" lvl="0" indent="0" algn="ctr" defTabSz="914400" rtl="0" eaLnBrk="1" fontAlgn="auto" latinLnBrk="0" hangingPunct="1">
-              <a:lnSpc>
-                <a:spcPct val="100000"/>
-              </a:lnSpc>
-              <a:spcBef>
-                <a:spcPts val="0"/>
-              </a:spcBef>
-              <a:spcAft>
-                <a:spcPts val="0"/>
-              </a:spcAft>
-              <a:buClrTx/>
-              <a:buSzTx/>
-              <a:buFontTx/>
-              <a:buNone/>
-              <a:tabLst/>
-              <a:defRPr/>
-            </a:pPr>
-            <a:r>
-              <a:rPr kumimoji="0" lang="pt-BR" sz="1600" b="0" i="0" u="none" strike="noStrike" kern="1200" cap="none" spc="0" normalizeH="0" baseline="0" noProof="0" dirty="0">
-                <a:ln>
-                  <a:noFill/>
-                </a:ln>
-                <a:solidFill>
-                  <a:prstClr val="white"/>
-                </a:solidFill>
-                <a:effectLst/>
-                <a:uLnTx/>
-                <a:uFillTx/>
-                <a:latin typeface="Calibri" panose="020F0502020204030204"/>
-                <a:ea typeface="+mn-ea"/>
-                <a:cs typeface="+mn-cs"/>
-              </a:rPr>
-              <a:t>Contratante</a:t>
-            </a:r>
-            <a:endParaRPr kumimoji="0" lang="pt-BR" sz="1800" b="0" i="0" u="none" strike="noStrike" kern="1200" cap="none" spc="0" normalizeH="0" baseline="0" noProof="0" dirty="0">
-              <a:ln>
-                <a:noFill/>
-              </a:ln>
-              <a:solidFill>
-                <a:prstClr val="white"/>
-              </a:solidFill>
-              <a:effectLst/>
-              <a:uLnTx/>
-              <a:uFillTx/>
-              <a:latin typeface="Calibri" panose="020F0502020204030204"/>
-              <a:ea typeface="+mn-ea"/>
-              <a:cs typeface="+mn-cs"/>
-            </a:endParaRPr>
-          </a:p>
-        </p:txBody>
-      </p:sp>
-      <p:cxnSp>
-        <p:nvCxnSpPr>
-          <p:cNvPr id="7" name="Conector de Seta Reta 6"/>
-          <p:cNvCxnSpPr>
-            <a:stCxn id="27" idx="2"/>
-            <a:endCxn id="9" idx="0"/>
-          </p:cNvCxnSpPr>
-          <p:nvPr/>
-        </p:nvCxnSpPr>
-        <p:spPr>
-          <a:xfrm>
-            <a:off x="4004947" y="2248513"/>
-            <a:ext cx="0" cy="1031981"/>
-          </a:xfrm>
-          <a:prstGeom prst="straightConnector1">
-            <a:avLst/>
-          </a:prstGeom>
-          <a:ln w="28575">
-            <a:solidFill>
-              <a:schemeClr val="tx1"/>
-            </a:solidFill>
-            <a:tailEnd type="triangle"/>
-          </a:ln>
-        </p:spPr>
-        <p:style>
-          <a:lnRef idx="1">
-            <a:schemeClr val="accent1"/>
-          </a:lnRef>
-          <a:fillRef idx="0">
-            <a:schemeClr val="accent1"/>
-          </a:fillRef>
-          <a:effectRef idx="0">
-            <a:schemeClr val="accent1"/>
-          </a:effectRef>
-          <a:fontRef idx="minor">
-            <a:schemeClr val="tx1"/>
-          </a:fontRef>
-        </p:style>
-      </p:cxnSp>
-      <p:sp>
-        <p:nvSpPr>
-          <p:cNvPr id="31" name="CaixaDeTexto 30"/>
-          <p:cNvSpPr txBox="1"/>
-          <p:nvPr/>
-        </p:nvSpPr>
-        <p:spPr>
-          <a:xfrm>
-            <a:off x="3250625" y="2429565"/>
-            <a:ext cx="1514231" cy="646331"/>
-          </a:xfrm>
-          <a:prstGeom prst="rect">
-            <a:avLst/>
-          </a:prstGeom>
-          <a:solidFill>
-            <a:schemeClr val="bg1"/>
-          </a:solidFill>
-        </p:spPr>
-        <p:txBody>
-          <a:bodyPr wrap="square" rtlCol="0">
-            <a:spAutoFit/>
-          </a:bodyPr>
-          <a:lstStyle/>
-          <a:p>
-            <a:pPr marL="0" marR="0" lvl="0" indent="0" algn="ctr" defTabSz="914400" rtl="0" eaLnBrk="1" fontAlgn="auto" latinLnBrk="0" hangingPunct="1">
-              <a:lnSpc>
-                <a:spcPct val="100000"/>
-              </a:lnSpc>
-              <a:spcBef>
-                <a:spcPts val="0"/>
-              </a:spcBef>
-              <a:spcAft>
-                <a:spcPts val="0"/>
-              </a:spcAft>
-              <a:buClrTx/>
-              <a:buSzTx/>
-              <a:buFontTx/>
-              <a:buNone/>
-              <a:tabLst/>
-              <a:defRPr/>
-            </a:pPr>
-            <a:r>
-              <a:rPr kumimoji="0" lang="pt-BR" sz="1800" b="0" i="0" u="none" strike="noStrike" kern="1200" cap="none" spc="0" normalizeH="0" baseline="0" noProof="0" dirty="0">
-                <a:ln>
-                  <a:noFill/>
-                </a:ln>
-                <a:solidFill>
-                  <a:prstClr val="black"/>
-                </a:solidFill>
-                <a:effectLst/>
-                <a:uLnTx/>
-                <a:uFillTx/>
-                <a:latin typeface="Calibri" panose="020F0502020204030204"/>
-                <a:ea typeface="+mn-ea"/>
-                <a:cs typeface="+mn-cs"/>
-              </a:rPr>
-              <a:t>Lista de convidados</a:t>
-            </a:r>
-          </a:p>
-        </p:txBody>
-      </p:sp>
-      <p:grpSp>
-        <p:nvGrpSpPr>
-          <p:cNvPr id="14" name="Agrupar 13"/>
-          <p:cNvGrpSpPr/>
-          <p:nvPr/>
-        </p:nvGrpSpPr>
-        <p:grpSpPr>
-          <a:xfrm>
-            <a:off x="3000471" y="5768631"/>
-            <a:ext cx="2008948" cy="548258"/>
-            <a:chOff x="4129678" y="1093123"/>
-            <a:chExt cx="1882172" cy="407324"/>
-          </a:xfrm>
-        </p:grpSpPr>
-        <p:grpSp>
-          <p:nvGrpSpPr>
-            <p:cNvPr id="15" name="Agrupar 14"/>
-            <p:cNvGrpSpPr/>
-            <p:nvPr/>
-          </p:nvGrpSpPr>
-          <p:grpSpPr>
-            <a:xfrm>
-              <a:off x="4422373" y="1093123"/>
-              <a:ext cx="1296785" cy="407324"/>
-              <a:chOff x="914399" y="58189"/>
-              <a:chExt cx="1296785" cy="407324"/>
-            </a:xfrm>
-          </p:grpSpPr>
-          <p:cxnSp>
-            <p:nvCxnSpPr>
-              <p:cNvPr id="17" name="Conector reto 16"/>
-              <p:cNvCxnSpPr/>
-              <p:nvPr/>
-            </p:nvCxnSpPr>
-            <p:spPr>
-              <a:xfrm>
-                <a:off x="914399" y="457200"/>
-                <a:ext cx="1296785" cy="8313"/>
-              </a:xfrm>
-              <a:prstGeom prst="line">
-                <a:avLst/>
-              </a:prstGeom>
-              <a:ln w="28575"/>
-            </p:spPr>
-            <p:style>
-              <a:lnRef idx="1">
-                <a:schemeClr val="accent1"/>
-              </a:lnRef>
-              <a:fillRef idx="0">
-                <a:schemeClr val="accent1"/>
-              </a:fillRef>
-              <a:effectRef idx="0">
-                <a:schemeClr val="accent1"/>
-              </a:effectRef>
-              <a:fontRef idx="minor">
-                <a:schemeClr val="tx1"/>
-              </a:fontRef>
-            </p:style>
-          </p:cxnSp>
-          <p:cxnSp>
-            <p:nvCxnSpPr>
-              <p:cNvPr id="18" name="Conector reto 17"/>
-              <p:cNvCxnSpPr/>
-              <p:nvPr/>
-            </p:nvCxnSpPr>
-            <p:spPr>
-              <a:xfrm>
-                <a:off x="914399" y="58189"/>
-                <a:ext cx="1296785" cy="8313"/>
-              </a:xfrm>
-              <a:prstGeom prst="line">
-                <a:avLst/>
-              </a:prstGeom>
-              <a:ln w="28575"/>
-            </p:spPr>
-            <p:style>
-              <a:lnRef idx="1">
-                <a:schemeClr val="accent1"/>
-              </a:lnRef>
-              <a:fillRef idx="0">
-                <a:schemeClr val="accent1"/>
-              </a:fillRef>
-              <a:effectRef idx="0">
-                <a:schemeClr val="accent1"/>
-              </a:effectRef>
-              <a:fontRef idx="minor">
-                <a:schemeClr val="tx1"/>
-              </a:fontRef>
-            </p:style>
-          </p:cxnSp>
-        </p:grpSp>
-        <p:sp>
-          <p:nvSpPr>
-            <p:cNvPr id="16" name="CaixaDeTexto 15"/>
-            <p:cNvSpPr txBox="1"/>
-            <p:nvPr/>
-          </p:nvSpPr>
-          <p:spPr>
-            <a:xfrm>
-              <a:off x="4129678" y="1159589"/>
-              <a:ext cx="1882172" cy="274392"/>
-            </a:xfrm>
-            <a:prstGeom prst="rect">
-              <a:avLst/>
-            </a:prstGeom>
-            <a:noFill/>
-          </p:spPr>
-          <p:txBody>
-            <a:bodyPr wrap="none" rtlCol="0">
-              <a:spAutoFit/>
-            </a:bodyPr>
-            <a:lstStyle/>
-            <a:p>
-              <a:pPr marL="0" marR="0" lvl="0" indent="0" algn="l" defTabSz="914400" rtl="0" eaLnBrk="1" fontAlgn="auto" latinLnBrk="0" hangingPunct="1">
-                <a:lnSpc>
-                  <a:spcPct val="100000"/>
-                </a:lnSpc>
-                <a:spcBef>
-                  <a:spcPts val="0"/>
-                </a:spcBef>
-                <a:spcAft>
-                  <a:spcPts val="0"/>
-                </a:spcAft>
-                <a:buClrTx/>
-                <a:buSzTx/>
-                <a:buFontTx/>
-                <a:buNone/>
-                <a:tabLst/>
-                <a:defRPr/>
-              </a:pPr>
-              <a:r>
-                <a:rPr lang="pt-BR" noProof="0" dirty="0">
-                  <a:solidFill>
-                    <a:prstClr val="black"/>
-                  </a:solidFill>
-                  <a:latin typeface="Calibri" panose="020F0502020204030204"/>
-                </a:rPr>
-                <a:t>Lista de convidados</a:t>
-              </a:r>
-              <a:endParaRPr kumimoji="0" lang="pt-BR" sz="1800" b="0" i="0" u="none" strike="noStrike" kern="1200" cap="none" spc="0" normalizeH="0" baseline="0" noProof="0" dirty="0">
-                <a:ln>
-                  <a:noFill/>
-                </a:ln>
-                <a:solidFill>
-                  <a:prstClr val="black"/>
-                </a:solidFill>
-                <a:effectLst/>
-                <a:uLnTx/>
-                <a:uFillTx/>
-                <a:latin typeface="Calibri" panose="020F0502020204030204"/>
-                <a:ea typeface="+mn-ea"/>
-                <a:cs typeface="+mn-cs"/>
-              </a:endParaRPr>
-            </a:p>
-          </p:txBody>
-        </p:sp>
-      </p:grpSp>
-      <p:cxnSp>
-        <p:nvCxnSpPr>
-          <p:cNvPr id="11" name="Conector de Seta Reta 10"/>
-          <p:cNvCxnSpPr>
-            <a:stCxn id="9" idx="4"/>
-          </p:cNvCxnSpPr>
-          <p:nvPr/>
-        </p:nvCxnSpPr>
-        <p:spPr>
-          <a:xfrm flipH="1">
-            <a:off x="4004945" y="4720494"/>
-            <a:ext cx="2" cy="1048137"/>
-          </a:xfrm>
-          <a:prstGeom prst="straightConnector1">
-            <a:avLst/>
-          </a:prstGeom>
-          <a:ln w="28575">
-            <a:solidFill>
-              <a:schemeClr val="tx1"/>
-            </a:solidFill>
-            <a:headEnd type="triangle"/>
-            <a:tailEnd type="triangle"/>
-          </a:ln>
-        </p:spPr>
-        <p:style>
-          <a:lnRef idx="1">
-            <a:schemeClr val="accent1"/>
-          </a:lnRef>
-          <a:fillRef idx="0">
-            <a:schemeClr val="accent1"/>
-          </a:fillRef>
-          <a:effectRef idx="0">
-            <a:schemeClr val="accent1"/>
-          </a:effectRef>
-          <a:fontRef idx="minor">
-            <a:schemeClr val="tx1"/>
-          </a:fontRef>
-        </p:style>
-      </p:cxnSp>
-    </p:spTree>
-    <p:extLst>
-      <p:ext uri="{BB962C8B-B14F-4D97-AF65-F5344CB8AC3E}">
-        <p14:creationId xmlns:p14="http://schemas.microsoft.com/office/powerpoint/2010/main" val="706531530"/>
-      </p:ext>
-    </p:extLst>
-  </p:cSld>
-  <p:clrMapOvr>
-    <a:masterClrMapping/>
-  </p:clrMapOvr>
-</p:sld>
-</file>
-
 <file path=ppt/slides/slide2.xml><?xml version="1.0" encoding="utf-8"?>
 <p:sld xmlns:a="http://schemas.openxmlformats.org/drawingml/2006/main" xmlns:r="http://schemas.openxmlformats.org/officeDocument/2006/relationships" xmlns:p="http://schemas.openxmlformats.org/presentationml/2006/main">
   <p:cSld>
@@ -36735,7 +32724,7 @@
           <a:p>
             <a:r>
               <a:rPr lang="pt-BR" sz="3200" dirty="0"/>
-              <a:t>DFD Salão - Atender cliente (parte 2)</a:t>
+              <a:t>DFD Salão/Balcão - Atender cliente (parte 2)</a:t>
             </a:r>
           </a:p>
         </p:txBody>
@@ -37811,3163 +33800,6 @@
           <a:p>
             <a:r>
               <a:rPr lang="pt-BR" sz="3200" dirty="0"/>
-              <a:t>DFD Salão - Atender cliente (parte 1)</a:t>
-            </a:r>
-          </a:p>
-        </p:txBody>
-      </p:sp>
-      <p:grpSp>
-        <p:nvGrpSpPr>
-          <p:cNvPr id="30" name="Agrupar 29">
-            <a:extLst>
-              <a:ext uri="{FF2B5EF4-FFF2-40B4-BE49-F238E27FC236}">
-                <a16:creationId xmlns:a16="http://schemas.microsoft.com/office/drawing/2014/main" id="{3C10A4CC-0083-4BB8-9917-7EB5A5F569BF}"/>
-              </a:ext>
-            </a:extLst>
-          </p:cNvPr>
-          <p:cNvGrpSpPr/>
-          <p:nvPr/>
-        </p:nvGrpSpPr>
-        <p:grpSpPr>
-          <a:xfrm>
-            <a:off x="2039156" y="1317640"/>
-            <a:ext cx="8113687" cy="4867347"/>
-            <a:chOff x="70811" y="1365265"/>
-            <a:chExt cx="8113687" cy="4867347"/>
-          </a:xfrm>
-        </p:grpSpPr>
-        <p:sp>
-          <p:nvSpPr>
-            <p:cNvPr id="4" name="Retângulo 3"/>
-            <p:cNvSpPr/>
-            <p:nvPr/>
-          </p:nvSpPr>
-          <p:spPr>
-            <a:xfrm>
-              <a:off x="1057274" y="1375834"/>
-              <a:ext cx="1418878" cy="853854"/>
-            </a:xfrm>
-            <a:prstGeom prst="rect">
-              <a:avLst/>
-            </a:prstGeom>
-          </p:spPr>
-          <p:style>
-            <a:lnRef idx="2">
-              <a:schemeClr val="accent1">
-                <a:shade val="50000"/>
-              </a:schemeClr>
-            </a:lnRef>
-            <a:fillRef idx="1">
-              <a:schemeClr val="accent1"/>
-            </a:fillRef>
-            <a:effectRef idx="0">
-              <a:schemeClr val="accent1"/>
-            </a:effectRef>
-            <a:fontRef idx="minor">
-              <a:schemeClr val="lt1"/>
-            </a:fontRef>
-          </p:style>
-          <p:txBody>
-            <a:bodyPr rtlCol="0" anchor="ctr"/>
-            <a:lstStyle/>
-            <a:p>
-              <a:pPr marL="0" marR="0" lvl="0" indent="0" algn="ctr" defTabSz="914400" rtl="0" eaLnBrk="1" fontAlgn="auto" latinLnBrk="0" hangingPunct="1">
-                <a:lnSpc>
-                  <a:spcPct val="100000"/>
-                </a:lnSpc>
-                <a:spcBef>
-                  <a:spcPts val="0"/>
-                </a:spcBef>
-                <a:spcAft>
-                  <a:spcPts val="0"/>
-                </a:spcAft>
-                <a:buClrTx/>
-                <a:buSzTx/>
-                <a:buFontTx/>
-                <a:buNone/>
-                <a:tabLst/>
-                <a:defRPr/>
-              </a:pPr>
-              <a:r>
-                <a:rPr kumimoji="0" lang="pt-BR" sz="1600" b="0" i="0" u="none" strike="noStrike" kern="1200" cap="none" spc="0" normalizeH="0" baseline="0" noProof="0" dirty="0">
-                  <a:ln>
-                    <a:noFill/>
-                  </a:ln>
-                  <a:solidFill>
-                    <a:prstClr val="white"/>
-                  </a:solidFill>
-                  <a:effectLst/>
-                  <a:uLnTx/>
-                  <a:uFillTx/>
-                  <a:latin typeface="Calibri" panose="020F0502020204030204"/>
-                  <a:ea typeface="+mn-ea"/>
-                  <a:cs typeface="+mn-cs"/>
-                </a:rPr>
-                <a:t>Cliente</a:t>
-              </a:r>
-              <a:endParaRPr kumimoji="0" lang="pt-BR" sz="2800" b="0" i="0" u="none" strike="noStrike" kern="1200" cap="none" spc="0" normalizeH="0" baseline="0" noProof="0" dirty="0">
-                <a:ln>
-                  <a:noFill/>
-                </a:ln>
-                <a:solidFill>
-                  <a:prstClr val="white"/>
-                </a:solidFill>
-                <a:effectLst/>
-                <a:uLnTx/>
-                <a:uFillTx/>
-                <a:latin typeface="Calibri" panose="020F0502020204030204"/>
-                <a:ea typeface="+mn-ea"/>
-                <a:cs typeface="+mn-cs"/>
-              </a:endParaRPr>
-            </a:p>
-          </p:txBody>
-        </p:sp>
-        <p:sp>
-          <p:nvSpPr>
-            <p:cNvPr id="8" name="Elipse 7"/>
-            <p:cNvSpPr/>
-            <p:nvPr/>
-          </p:nvSpPr>
-          <p:spPr>
-            <a:xfrm>
-              <a:off x="1046713" y="3206665"/>
-              <a:ext cx="1440000" cy="1440000"/>
-            </a:xfrm>
-            <a:prstGeom prst="ellipse">
-              <a:avLst/>
-            </a:prstGeom>
-          </p:spPr>
-          <p:style>
-            <a:lnRef idx="2">
-              <a:schemeClr val="accent1">
-                <a:shade val="50000"/>
-              </a:schemeClr>
-            </a:lnRef>
-            <a:fillRef idx="1">
-              <a:schemeClr val="accent1"/>
-            </a:fillRef>
-            <a:effectRef idx="0">
-              <a:schemeClr val="accent1"/>
-            </a:effectRef>
-            <a:fontRef idx="minor">
-              <a:schemeClr val="lt1"/>
-            </a:fontRef>
-          </p:style>
-          <p:txBody>
-            <a:bodyPr rtlCol="0" anchor="ctr"/>
-            <a:lstStyle/>
-            <a:p>
-              <a:pPr marL="0" marR="0" lvl="0" indent="0" algn="ctr" defTabSz="914400" rtl="0" eaLnBrk="1" fontAlgn="auto" latinLnBrk="0" hangingPunct="1">
-                <a:lnSpc>
-                  <a:spcPct val="100000"/>
-                </a:lnSpc>
-                <a:spcBef>
-                  <a:spcPts val="0"/>
-                </a:spcBef>
-                <a:spcAft>
-                  <a:spcPts val="0"/>
-                </a:spcAft>
-                <a:buClrTx/>
-                <a:buSzTx/>
-                <a:buFontTx/>
-                <a:buNone/>
-                <a:tabLst/>
-                <a:defRPr/>
-              </a:pPr>
-              <a:r>
-                <a:rPr kumimoji="0" lang="pt-BR" sz="1600" b="0" i="0" u="none" strike="noStrike" kern="1200" cap="none" spc="0" normalizeH="0" baseline="0" noProof="0" dirty="0">
-                  <a:ln>
-                    <a:noFill/>
-                  </a:ln>
-                  <a:solidFill>
-                    <a:prstClr val="white"/>
-                  </a:solidFill>
-                  <a:effectLst/>
-                  <a:uLnTx/>
-                  <a:uFillTx/>
-                  <a:latin typeface="Calibri" panose="020F0502020204030204"/>
-                  <a:ea typeface="+mn-ea"/>
-                  <a:cs typeface="+mn-cs"/>
-                </a:rPr>
-                <a:t>Entregar Cardápio</a:t>
-              </a:r>
-              <a:endParaRPr kumimoji="0" lang="pt-BR" sz="1200" b="0" i="0" u="none" strike="noStrike" kern="1200" cap="none" spc="0" normalizeH="0" baseline="0" noProof="0" dirty="0">
-                <a:ln>
-                  <a:noFill/>
-                </a:ln>
-                <a:solidFill>
-                  <a:prstClr val="white"/>
-                </a:solidFill>
-                <a:effectLst/>
-                <a:uLnTx/>
-                <a:uFillTx/>
-                <a:latin typeface="Calibri" panose="020F0502020204030204"/>
-                <a:ea typeface="+mn-ea"/>
-                <a:cs typeface="+mn-cs"/>
-              </a:endParaRPr>
-            </a:p>
-          </p:txBody>
-        </p:sp>
-        <p:sp>
-          <p:nvSpPr>
-            <p:cNvPr id="9" name="Elipse 8"/>
-            <p:cNvSpPr/>
-            <p:nvPr/>
-          </p:nvSpPr>
-          <p:spPr>
-            <a:xfrm>
-              <a:off x="3186415" y="3206665"/>
-              <a:ext cx="1440000" cy="1440000"/>
-            </a:xfrm>
-            <a:prstGeom prst="ellipse">
-              <a:avLst/>
-            </a:prstGeom>
-          </p:spPr>
-          <p:style>
-            <a:lnRef idx="2">
-              <a:schemeClr val="accent1">
-                <a:shade val="50000"/>
-              </a:schemeClr>
-            </a:lnRef>
-            <a:fillRef idx="1">
-              <a:schemeClr val="accent1"/>
-            </a:fillRef>
-            <a:effectRef idx="0">
-              <a:schemeClr val="accent1"/>
-            </a:effectRef>
-            <a:fontRef idx="minor">
-              <a:schemeClr val="lt1"/>
-            </a:fontRef>
-          </p:style>
-          <p:txBody>
-            <a:bodyPr rtlCol="0" anchor="ctr"/>
-            <a:lstStyle/>
-            <a:p>
-              <a:pPr marL="0" marR="0" lvl="0" indent="0" algn="ctr" defTabSz="914400" rtl="0" eaLnBrk="1" fontAlgn="auto" latinLnBrk="0" hangingPunct="1">
-                <a:lnSpc>
-                  <a:spcPct val="100000"/>
-                </a:lnSpc>
-                <a:spcBef>
-                  <a:spcPts val="0"/>
-                </a:spcBef>
-                <a:spcAft>
-                  <a:spcPts val="0"/>
-                </a:spcAft>
-                <a:buClrTx/>
-                <a:buSzTx/>
-                <a:buFontTx/>
-                <a:buNone/>
-                <a:tabLst/>
-                <a:defRPr/>
-              </a:pPr>
-              <a:r>
-                <a:rPr kumimoji="0" lang="pt-BR" sz="1600" b="0" i="0" u="none" strike="noStrike" kern="1200" cap="none" spc="0" normalizeH="0" baseline="0" noProof="0" dirty="0">
-                  <a:ln>
-                    <a:noFill/>
-                  </a:ln>
-                  <a:solidFill>
-                    <a:prstClr val="white"/>
-                  </a:solidFill>
-                  <a:effectLst/>
-                  <a:uLnTx/>
-                  <a:uFillTx/>
-                  <a:latin typeface="Calibri" panose="020F0502020204030204"/>
-                  <a:ea typeface="+mn-ea"/>
-                  <a:cs typeface="+mn-cs"/>
-                </a:rPr>
-                <a:t>Anotar Pedido</a:t>
-              </a:r>
-            </a:p>
-          </p:txBody>
-        </p:sp>
-        <p:grpSp>
-          <p:nvGrpSpPr>
-            <p:cNvPr id="11" name="Agrupar 10"/>
-            <p:cNvGrpSpPr/>
-            <p:nvPr/>
-          </p:nvGrpSpPr>
-          <p:grpSpPr>
-            <a:xfrm>
-              <a:off x="1074647" y="5684349"/>
-              <a:ext cx="1384131" cy="548258"/>
-              <a:chOff x="4422373" y="1093123"/>
-              <a:chExt cx="1296785" cy="407324"/>
-            </a:xfrm>
-          </p:grpSpPr>
-          <p:grpSp>
-            <p:nvGrpSpPr>
-              <p:cNvPr id="12" name="Agrupar 11"/>
-              <p:cNvGrpSpPr/>
-              <p:nvPr/>
-            </p:nvGrpSpPr>
-            <p:grpSpPr>
-              <a:xfrm>
-                <a:off x="4422373" y="1093123"/>
-                <a:ext cx="1296785" cy="407324"/>
-                <a:chOff x="914399" y="58189"/>
-                <a:chExt cx="1296785" cy="407324"/>
-              </a:xfrm>
-            </p:grpSpPr>
-            <p:cxnSp>
-              <p:nvCxnSpPr>
-                <p:cNvPr id="14" name="Conector reto 13"/>
-                <p:cNvCxnSpPr/>
-                <p:nvPr/>
-              </p:nvCxnSpPr>
-              <p:spPr>
-                <a:xfrm>
-                  <a:off x="914399" y="457200"/>
-                  <a:ext cx="1296785" cy="8313"/>
-                </a:xfrm>
-                <a:prstGeom prst="line">
-                  <a:avLst/>
-                </a:prstGeom>
-                <a:ln w="28575"/>
-              </p:spPr>
-              <p:style>
-                <a:lnRef idx="1">
-                  <a:schemeClr val="accent1"/>
-                </a:lnRef>
-                <a:fillRef idx="0">
-                  <a:schemeClr val="accent1"/>
-                </a:fillRef>
-                <a:effectRef idx="0">
-                  <a:schemeClr val="accent1"/>
-                </a:effectRef>
-                <a:fontRef idx="minor">
-                  <a:schemeClr val="tx1"/>
-                </a:fontRef>
-              </p:style>
-            </p:cxnSp>
-            <p:cxnSp>
-              <p:nvCxnSpPr>
-                <p:cNvPr id="15" name="Conector reto 14"/>
-                <p:cNvCxnSpPr/>
-                <p:nvPr/>
-              </p:nvCxnSpPr>
-              <p:spPr>
-                <a:xfrm>
-                  <a:off x="914399" y="58189"/>
-                  <a:ext cx="1296785" cy="8313"/>
-                </a:xfrm>
-                <a:prstGeom prst="line">
-                  <a:avLst/>
-                </a:prstGeom>
-                <a:ln w="28575"/>
-              </p:spPr>
-              <p:style>
-                <a:lnRef idx="1">
-                  <a:schemeClr val="accent1"/>
-                </a:lnRef>
-                <a:fillRef idx="0">
-                  <a:schemeClr val="accent1"/>
-                </a:fillRef>
-                <a:effectRef idx="0">
-                  <a:schemeClr val="accent1"/>
-                </a:effectRef>
-                <a:fontRef idx="minor">
-                  <a:schemeClr val="tx1"/>
-                </a:fontRef>
-              </p:style>
-            </p:cxnSp>
-          </p:grpSp>
-          <p:sp>
-            <p:nvSpPr>
-              <p:cNvPr id="13" name="CaixaDeTexto 12"/>
-              <p:cNvSpPr txBox="1"/>
-              <p:nvPr/>
-            </p:nvSpPr>
-            <p:spPr>
-              <a:xfrm>
-                <a:off x="4590745" y="1162388"/>
-                <a:ext cx="960040" cy="268791"/>
-              </a:xfrm>
-              <a:prstGeom prst="rect">
-                <a:avLst/>
-              </a:prstGeom>
-              <a:noFill/>
-            </p:spPr>
-            <p:txBody>
-              <a:bodyPr wrap="none" rtlCol="0">
-                <a:spAutoFit/>
-              </a:bodyPr>
-              <a:lstStyle/>
-              <a:p>
-                <a:pPr marL="0" marR="0" lvl="0" indent="0" algn="l" defTabSz="914400" rtl="0" eaLnBrk="1" fontAlgn="auto" latinLnBrk="0" hangingPunct="1">
-                  <a:lnSpc>
-                    <a:spcPct val="100000"/>
-                  </a:lnSpc>
-                  <a:spcBef>
-                    <a:spcPts val="0"/>
-                  </a:spcBef>
-                  <a:spcAft>
-                    <a:spcPts val="0"/>
-                  </a:spcAft>
-                  <a:buClrTx/>
-                  <a:buSzTx/>
-                  <a:buFontTx/>
-                  <a:buNone/>
-                  <a:tabLst/>
-                  <a:defRPr/>
-                </a:pPr>
-                <a:r>
-                  <a:rPr kumimoji="0" lang="pt-BR" sz="1800" b="0" i="0" u="none" strike="noStrike" kern="1200" cap="none" spc="0" normalizeH="0" baseline="0" noProof="0" dirty="0">
-                    <a:ln>
-                      <a:noFill/>
-                    </a:ln>
-                    <a:solidFill>
-                      <a:prstClr val="black"/>
-                    </a:solidFill>
-                    <a:effectLst/>
-                    <a:uLnTx/>
-                    <a:uFillTx/>
-                    <a:latin typeface="Calibri" panose="020F0502020204030204"/>
-                    <a:ea typeface="+mn-ea"/>
-                    <a:cs typeface="+mn-cs"/>
-                  </a:rPr>
-                  <a:t>Cardápio</a:t>
-                </a:r>
-              </a:p>
-            </p:txBody>
-          </p:sp>
-        </p:grpSp>
-        <p:grpSp>
-          <p:nvGrpSpPr>
-            <p:cNvPr id="16" name="Agrupar 15"/>
-            <p:cNvGrpSpPr/>
-            <p:nvPr/>
-          </p:nvGrpSpPr>
-          <p:grpSpPr>
-            <a:xfrm>
-              <a:off x="3254995" y="5684351"/>
-              <a:ext cx="1384131" cy="548259"/>
-              <a:chOff x="4422373" y="1093123"/>
-              <a:chExt cx="1296785" cy="407323"/>
-            </a:xfrm>
-          </p:grpSpPr>
-          <p:grpSp>
-            <p:nvGrpSpPr>
-              <p:cNvPr id="17" name="Agrupar 16"/>
-              <p:cNvGrpSpPr/>
-              <p:nvPr/>
-            </p:nvGrpSpPr>
-            <p:grpSpPr>
-              <a:xfrm>
-                <a:off x="4422373" y="1093123"/>
-                <a:ext cx="1296785" cy="407323"/>
-                <a:chOff x="914399" y="58189"/>
-                <a:chExt cx="1296785" cy="407323"/>
-              </a:xfrm>
-            </p:grpSpPr>
-            <p:cxnSp>
-              <p:nvCxnSpPr>
-                <p:cNvPr id="19" name="Conector reto 18"/>
-                <p:cNvCxnSpPr/>
-                <p:nvPr/>
-              </p:nvCxnSpPr>
-              <p:spPr>
-                <a:xfrm>
-                  <a:off x="914399" y="457199"/>
-                  <a:ext cx="1296785" cy="8313"/>
-                </a:xfrm>
-                <a:prstGeom prst="line">
-                  <a:avLst/>
-                </a:prstGeom>
-                <a:ln w="28575"/>
-              </p:spPr>
-              <p:style>
-                <a:lnRef idx="1">
-                  <a:schemeClr val="accent1"/>
-                </a:lnRef>
-                <a:fillRef idx="0">
-                  <a:schemeClr val="accent1"/>
-                </a:fillRef>
-                <a:effectRef idx="0">
-                  <a:schemeClr val="accent1"/>
-                </a:effectRef>
-                <a:fontRef idx="minor">
-                  <a:schemeClr val="tx1"/>
-                </a:fontRef>
-              </p:style>
-            </p:cxnSp>
-            <p:cxnSp>
-              <p:nvCxnSpPr>
-                <p:cNvPr id="20" name="Conector reto 19"/>
-                <p:cNvCxnSpPr/>
-                <p:nvPr/>
-              </p:nvCxnSpPr>
-              <p:spPr>
-                <a:xfrm>
-                  <a:off x="914399" y="58189"/>
-                  <a:ext cx="1296785" cy="8313"/>
-                </a:xfrm>
-                <a:prstGeom prst="line">
-                  <a:avLst/>
-                </a:prstGeom>
-                <a:ln w="28575"/>
-              </p:spPr>
-              <p:style>
-                <a:lnRef idx="1">
-                  <a:schemeClr val="accent1"/>
-                </a:lnRef>
-                <a:fillRef idx="0">
-                  <a:schemeClr val="accent1"/>
-                </a:fillRef>
-                <a:effectRef idx="0">
-                  <a:schemeClr val="accent1"/>
-                </a:effectRef>
-                <a:fontRef idx="minor">
-                  <a:schemeClr val="tx1"/>
-                </a:fontRef>
-              </p:style>
-            </p:cxnSp>
-          </p:grpSp>
-          <p:sp>
-            <p:nvSpPr>
-              <p:cNvPr id="18" name="CaixaDeTexto 17"/>
-              <p:cNvSpPr txBox="1"/>
-              <p:nvPr/>
-            </p:nvSpPr>
-            <p:spPr>
-              <a:xfrm>
-                <a:off x="4629612" y="1162388"/>
-                <a:ext cx="882305" cy="268790"/>
-              </a:xfrm>
-              <a:prstGeom prst="rect">
-                <a:avLst/>
-              </a:prstGeom>
-              <a:noFill/>
-            </p:spPr>
-            <p:txBody>
-              <a:bodyPr wrap="none" rtlCol="0">
-                <a:spAutoFit/>
-              </a:bodyPr>
-              <a:lstStyle/>
-              <a:p>
-                <a:pPr marL="0" marR="0" lvl="0" indent="0" algn="l" defTabSz="914400" rtl="0" eaLnBrk="1" fontAlgn="auto" latinLnBrk="0" hangingPunct="1">
-                  <a:lnSpc>
-                    <a:spcPct val="100000"/>
-                  </a:lnSpc>
-                  <a:spcBef>
-                    <a:spcPts val="0"/>
-                  </a:spcBef>
-                  <a:spcAft>
-                    <a:spcPts val="0"/>
-                  </a:spcAft>
-                  <a:buClrTx/>
-                  <a:buSzTx/>
-                  <a:buFontTx/>
-                  <a:buNone/>
-                  <a:tabLst/>
-                  <a:defRPr/>
-                </a:pPr>
-                <a:r>
-                  <a:rPr kumimoji="0" lang="pt-BR" sz="1800" b="0" i="0" u="none" strike="noStrike" kern="1200" cap="none" spc="0" normalizeH="0" baseline="0" noProof="0" dirty="0">
-                    <a:ln>
-                      <a:noFill/>
-                    </a:ln>
-                    <a:solidFill>
-                      <a:prstClr val="black"/>
-                    </a:solidFill>
-                    <a:effectLst/>
-                    <a:uLnTx/>
-                    <a:uFillTx/>
-                    <a:latin typeface="Calibri" panose="020F0502020204030204"/>
-                    <a:ea typeface="+mn-ea"/>
-                    <a:cs typeface="+mn-cs"/>
-                  </a:rPr>
-                  <a:t>Produto</a:t>
-                </a:r>
-              </a:p>
-            </p:txBody>
-          </p:sp>
-        </p:grpSp>
-        <p:grpSp>
-          <p:nvGrpSpPr>
-            <p:cNvPr id="21" name="Agrupar 20"/>
-            <p:cNvGrpSpPr/>
-            <p:nvPr/>
-          </p:nvGrpSpPr>
-          <p:grpSpPr>
-            <a:xfrm>
-              <a:off x="6746841" y="5672928"/>
-              <a:ext cx="1384131" cy="559684"/>
-              <a:chOff x="4422373" y="1093123"/>
-              <a:chExt cx="1296785" cy="407323"/>
-            </a:xfrm>
-          </p:grpSpPr>
-          <p:grpSp>
-            <p:nvGrpSpPr>
-              <p:cNvPr id="22" name="Agrupar 21"/>
-              <p:cNvGrpSpPr/>
-              <p:nvPr/>
-            </p:nvGrpSpPr>
-            <p:grpSpPr>
-              <a:xfrm>
-                <a:off x="4422373" y="1093123"/>
-                <a:ext cx="1296785" cy="407323"/>
-                <a:chOff x="914399" y="58189"/>
-                <a:chExt cx="1296785" cy="407323"/>
-              </a:xfrm>
-            </p:grpSpPr>
-            <p:cxnSp>
-              <p:nvCxnSpPr>
-                <p:cNvPr id="24" name="Conector reto 23"/>
-                <p:cNvCxnSpPr/>
-                <p:nvPr/>
-              </p:nvCxnSpPr>
-              <p:spPr>
-                <a:xfrm>
-                  <a:off x="914399" y="457199"/>
-                  <a:ext cx="1296785" cy="8313"/>
-                </a:xfrm>
-                <a:prstGeom prst="line">
-                  <a:avLst/>
-                </a:prstGeom>
-                <a:ln w="28575"/>
-              </p:spPr>
-              <p:style>
-                <a:lnRef idx="1">
-                  <a:schemeClr val="accent1"/>
-                </a:lnRef>
-                <a:fillRef idx="0">
-                  <a:schemeClr val="accent1"/>
-                </a:fillRef>
-                <a:effectRef idx="0">
-                  <a:schemeClr val="accent1"/>
-                </a:effectRef>
-                <a:fontRef idx="minor">
-                  <a:schemeClr val="tx1"/>
-                </a:fontRef>
-              </p:style>
-            </p:cxnSp>
-            <p:cxnSp>
-              <p:nvCxnSpPr>
-                <p:cNvPr id="25" name="Conector reto 24"/>
-                <p:cNvCxnSpPr/>
-                <p:nvPr/>
-              </p:nvCxnSpPr>
-              <p:spPr>
-                <a:xfrm>
-                  <a:off x="914399" y="58189"/>
-                  <a:ext cx="1296785" cy="8313"/>
-                </a:xfrm>
-                <a:prstGeom prst="line">
-                  <a:avLst/>
-                </a:prstGeom>
-                <a:ln w="28575"/>
-              </p:spPr>
-              <p:style>
-                <a:lnRef idx="1">
-                  <a:schemeClr val="accent1"/>
-                </a:lnRef>
-                <a:fillRef idx="0">
-                  <a:schemeClr val="accent1"/>
-                </a:fillRef>
-                <a:effectRef idx="0">
-                  <a:schemeClr val="accent1"/>
-                </a:effectRef>
-                <a:fontRef idx="minor">
-                  <a:schemeClr val="tx1"/>
-                </a:fontRef>
-              </p:style>
-            </p:cxnSp>
-          </p:grpSp>
-          <p:sp>
-            <p:nvSpPr>
-              <p:cNvPr id="23" name="CaixaDeTexto 22"/>
-              <p:cNvSpPr txBox="1"/>
-              <p:nvPr/>
-            </p:nvSpPr>
-            <p:spPr>
-              <a:xfrm>
-                <a:off x="4680796" y="1159664"/>
-                <a:ext cx="779939" cy="268790"/>
-              </a:xfrm>
-              <a:prstGeom prst="rect">
-                <a:avLst/>
-              </a:prstGeom>
-              <a:noFill/>
-            </p:spPr>
-            <p:txBody>
-              <a:bodyPr wrap="none" rtlCol="0">
-                <a:spAutoFit/>
-              </a:bodyPr>
-              <a:lstStyle/>
-              <a:p>
-                <a:pPr marL="0" marR="0" lvl="0" indent="0" algn="l" defTabSz="914400" rtl="0" eaLnBrk="1" fontAlgn="auto" latinLnBrk="0" hangingPunct="1">
-                  <a:lnSpc>
-                    <a:spcPct val="100000"/>
-                  </a:lnSpc>
-                  <a:spcBef>
-                    <a:spcPts val="0"/>
-                  </a:spcBef>
-                  <a:spcAft>
-                    <a:spcPts val="0"/>
-                  </a:spcAft>
-                  <a:buClrTx/>
-                  <a:buSzTx/>
-                  <a:buFontTx/>
-                  <a:buNone/>
-                  <a:tabLst/>
-                  <a:defRPr/>
-                </a:pPr>
-                <a:r>
-                  <a:rPr kumimoji="0" lang="pt-BR" sz="1800" b="0" i="0" u="none" strike="noStrike" kern="1200" cap="none" spc="0" normalizeH="0" baseline="0" noProof="0" dirty="0">
-                    <a:ln>
-                      <a:noFill/>
-                    </a:ln>
-                    <a:solidFill>
-                      <a:prstClr val="black"/>
-                    </a:solidFill>
-                    <a:effectLst/>
-                    <a:uLnTx/>
-                    <a:uFillTx/>
-                    <a:latin typeface="Calibri" panose="020F0502020204030204"/>
-                    <a:ea typeface="+mn-ea"/>
-                    <a:cs typeface="+mn-cs"/>
-                  </a:rPr>
-                  <a:t>Pedido</a:t>
-                </a:r>
-              </a:p>
-            </p:txBody>
-          </p:sp>
-        </p:grpSp>
-        <p:cxnSp>
-          <p:nvCxnSpPr>
-            <p:cNvPr id="31" name="Conector em Curva 30"/>
-            <p:cNvCxnSpPr>
-              <a:stCxn id="8" idx="2"/>
-              <a:endCxn id="4" idx="1"/>
-            </p:cNvCxnSpPr>
-            <p:nvPr/>
-          </p:nvCxnSpPr>
-          <p:spPr>
-            <a:xfrm rot="10800000" flipH="1">
-              <a:off x="1046712" y="1802761"/>
-              <a:ext cx="10561" cy="2123904"/>
-            </a:xfrm>
-            <a:prstGeom prst="curvedConnector3">
-              <a:avLst>
-                <a:gd name="adj1" fmla="val -6613957"/>
-              </a:avLst>
-            </a:prstGeom>
-            <a:ln w="28575">
-              <a:solidFill>
-                <a:schemeClr val="tx1"/>
-              </a:solidFill>
-              <a:tailEnd type="triangle"/>
-            </a:ln>
-          </p:spPr>
-          <p:style>
-            <a:lnRef idx="1">
-              <a:schemeClr val="accent1"/>
-            </a:lnRef>
-            <a:fillRef idx="0">
-              <a:schemeClr val="accent1"/>
-            </a:fillRef>
-            <a:effectRef idx="0">
-              <a:schemeClr val="accent1"/>
-            </a:effectRef>
-            <a:fontRef idx="minor">
-              <a:schemeClr val="tx1"/>
-            </a:fontRef>
-          </p:style>
-        </p:cxnSp>
-        <p:cxnSp>
-          <p:nvCxnSpPr>
-            <p:cNvPr id="34" name="Conector em Curva 33"/>
-            <p:cNvCxnSpPr>
-              <a:stCxn id="4" idx="2"/>
-              <a:endCxn id="8" idx="0"/>
-            </p:cNvCxnSpPr>
-            <p:nvPr/>
-          </p:nvCxnSpPr>
-          <p:spPr>
-            <a:xfrm rot="5400000">
-              <a:off x="1278225" y="2718176"/>
-              <a:ext cx="976977" cy="12700"/>
-            </a:xfrm>
-            <a:prstGeom prst="curvedConnector3">
-              <a:avLst/>
-            </a:prstGeom>
-            <a:ln w="28575">
-              <a:solidFill>
-                <a:schemeClr val="tx1"/>
-              </a:solidFill>
-              <a:tailEnd type="triangle"/>
-            </a:ln>
-          </p:spPr>
-          <p:style>
-            <a:lnRef idx="1">
-              <a:schemeClr val="accent1"/>
-            </a:lnRef>
-            <a:fillRef idx="0">
-              <a:schemeClr val="accent1"/>
-            </a:fillRef>
-            <a:effectRef idx="0">
-              <a:schemeClr val="accent1"/>
-            </a:effectRef>
-            <a:fontRef idx="minor">
-              <a:schemeClr val="tx1"/>
-            </a:fontRef>
-          </p:style>
-        </p:cxnSp>
-        <p:cxnSp>
-          <p:nvCxnSpPr>
-            <p:cNvPr id="36" name="Conector em Curva 35"/>
-            <p:cNvCxnSpPr>
-              <a:stCxn id="4" idx="3"/>
-              <a:endCxn id="9" idx="0"/>
-            </p:cNvCxnSpPr>
-            <p:nvPr/>
-          </p:nvCxnSpPr>
-          <p:spPr>
-            <a:xfrm>
-              <a:off x="2476152" y="1802761"/>
-              <a:ext cx="1430263" cy="1403904"/>
-            </a:xfrm>
-            <a:prstGeom prst="curvedConnector2">
-              <a:avLst/>
-            </a:prstGeom>
-            <a:ln w="28575">
-              <a:solidFill>
-                <a:schemeClr val="tx1"/>
-              </a:solidFill>
-              <a:tailEnd type="triangle"/>
-            </a:ln>
-          </p:spPr>
-          <p:style>
-            <a:lnRef idx="1">
-              <a:schemeClr val="accent1"/>
-            </a:lnRef>
-            <a:fillRef idx="0">
-              <a:schemeClr val="accent1"/>
-            </a:fillRef>
-            <a:effectRef idx="0">
-              <a:schemeClr val="accent1"/>
-            </a:effectRef>
-            <a:fontRef idx="minor">
-              <a:schemeClr val="tx1"/>
-            </a:fontRef>
-          </p:style>
-        </p:cxnSp>
-        <p:cxnSp>
-          <p:nvCxnSpPr>
-            <p:cNvPr id="40" name="Conector de Seta Reta 39"/>
-            <p:cNvCxnSpPr>
-              <a:stCxn id="8" idx="4"/>
-            </p:cNvCxnSpPr>
-            <p:nvPr/>
-          </p:nvCxnSpPr>
-          <p:spPr>
-            <a:xfrm flipH="1">
-              <a:off x="1760363" y="4646665"/>
-              <a:ext cx="6350" cy="1048873"/>
-            </a:xfrm>
-            <a:prstGeom prst="straightConnector1">
-              <a:avLst/>
-            </a:prstGeom>
-            <a:ln w="28575">
-              <a:solidFill>
-                <a:schemeClr val="tx1"/>
-              </a:solidFill>
-              <a:headEnd type="triangle"/>
-              <a:tailEnd type="triangle"/>
-            </a:ln>
-          </p:spPr>
-          <p:style>
-            <a:lnRef idx="1">
-              <a:schemeClr val="accent1"/>
-            </a:lnRef>
-            <a:fillRef idx="0">
-              <a:schemeClr val="accent1"/>
-            </a:fillRef>
-            <a:effectRef idx="0">
-              <a:schemeClr val="accent1"/>
-            </a:effectRef>
-            <a:fontRef idx="minor">
-              <a:schemeClr val="tx1"/>
-            </a:fontRef>
-          </p:style>
-        </p:cxnSp>
-        <p:cxnSp>
-          <p:nvCxnSpPr>
-            <p:cNvPr id="50" name="Conector de Seta Reta 49"/>
-            <p:cNvCxnSpPr>
-              <a:endCxn id="9" idx="4"/>
-            </p:cNvCxnSpPr>
-            <p:nvPr/>
-          </p:nvCxnSpPr>
-          <p:spPr>
-            <a:xfrm flipV="1">
-              <a:off x="3906415" y="4646665"/>
-              <a:ext cx="0" cy="1048873"/>
-            </a:xfrm>
-            <a:prstGeom prst="straightConnector1">
-              <a:avLst/>
-            </a:prstGeom>
-            <a:ln w="28575">
-              <a:solidFill>
-                <a:schemeClr val="tx1"/>
-              </a:solidFill>
-              <a:tailEnd type="triangle"/>
-            </a:ln>
-          </p:spPr>
-          <p:style>
-            <a:lnRef idx="1">
-              <a:schemeClr val="accent1"/>
-            </a:lnRef>
-            <a:fillRef idx="0">
-              <a:schemeClr val="accent1"/>
-            </a:fillRef>
-            <a:effectRef idx="0">
-              <a:schemeClr val="accent1"/>
-            </a:effectRef>
-            <a:fontRef idx="minor">
-              <a:schemeClr val="tx1"/>
-            </a:fontRef>
-          </p:style>
-        </p:cxnSp>
-        <p:sp>
-          <p:nvSpPr>
-            <p:cNvPr id="69" name="CaixaDeTexto 68"/>
-            <p:cNvSpPr txBox="1"/>
-            <p:nvPr/>
-          </p:nvSpPr>
-          <p:spPr>
-            <a:xfrm>
-              <a:off x="70811" y="2389534"/>
-              <a:ext cx="1091476" cy="369332"/>
-            </a:xfrm>
-            <a:prstGeom prst="rect">
-              <a:avLst/>
-            </a:prstGeom>
-            <a:solidFill>
-              <a:schemeClr val="bg1"/>
-            </a:solidFill>
-          </p:spPr>
-          <p:txBody>
-            <a:bodyPr wrap="square" rtlCol="0">
-              <a:spAutoFit/>
-            </a:bodyPr>
-            <a:lstStyle/>
-            <a:p>
-              <a:pPr marL="0" marR="0" lvl="0" indent="0" algn="l" defTabSz="914400" rtl="0" eaLnBrk="1" fontAlgn="auto" latinLnBrk="0" hangingPunct="1">
-                <a:lnSpc>
-                  <a:spcPct val="100000"/>
-                </a:lnSpc>
-                <a:spcBef>
-                  <a:spcPts val="0"/>
-                </a:spcBef>
-                <a:spcAft>
-                  <a:spcPts val="0"/>
-                </a:spcAft>
-                <a:buClrTx/>
-                <a:buSzTx/>
-                <a:buFontTx/>
-                <a:buNone/>
-                <a:tabLst/>
-                <a:defRPr/>
-              </a:pPr>
-              <a:r>
-                <a:rPr kumimoji="0" lang="pt-BR" sz="1800" b="0" i="0" u="none" strike="noStrike" kern="1200" cap="none" spc="0" normalizeH="0" baseline="0" noProof="0" dirty="0">
-                  <a:ln>
-                    <a:noFill/>
-                  </a:ln>
-                  <a:solidFill>
-                    <a:prstClr val="black"/>
-                  </a:solidFill>
-                  <a:effectLst/>
-                  <a:uLnTx/>
-                  <a:uFillTx/>
-                  <a:latin typeface="Calibri" panose="020F0502020204030204"/>
-                  <a:ea typeface="+mn-ea"/>
-                  <a:cs typeface="+mn-cs"/>
-                </a:rPr>
-                <a:t>cardápio</a:t>
-              </a:r>
-            </a:p>
-          </p:txBody>
-        </p:sp>
-        <p:sp>
-          <p:nvSpPr>
-            <p:cNvPr id="70" name="CaixaDeTexto 69"/>
-            <p:cNvSpPr txBox="1"/>
-            <p:nvPr/>
-          </p:nvSpPr>
-          <p:spPr>
-            <a:xfrm>
-              <a:off x="1046712" y="2401360"/>
-              <a:ext cx="1491718" cy="646331"/>
-            </a:xfrm>
-            <a:prstGeom prst="rect">
-              <a:avLst/>
-            </a:prstGeom>
-            <a:solidFill>
-              <a:schemeClr val="bg1"/>
-            </a:solidFill>
-          </p:spPr>
-          <p:txBody>
-            <a:bodyPr wrap="square" rtlCol="0">
-              <a:spAutoFit/>
-            </a:bodyPr>
-            <a:lstStyle/>
-            <a:p>
-              <a:pPr marL="0" marR="0" lvl="0" indent="0" algn="ctr" defTabSz="914400" rtl="0" eaLnBrk="1" fontAlgn="auto" latinLnBrk="0" hangingPunct="1">
-                <a:lnSpc>
-                  <a:spcPct val="100000"/>
-                </a:lnSpc>
-                <a:spcBef>
-                  <a:spcPts val="0"/>
-                </a:spcBef>
-                <a:spcAft>
-                  <a:spcPts val="0"/>
-                </a:spcAft>
-                <a:buClrTx/>
-                <a:buSzTx/>
-                <a:buFontTx/>
-                <a:buNone/>
-                <a:tabLst/>
-                <a:defRPr/>
-              </a:pPr>
-              <a:r>
-                <a:rPr kumimoji="0" lang="pt-BR" sz="1800" b="0" i="0" u="none" strike="noStrike" kern="1200" cap="none" spc="0" normalizeH="0" baseline="0" noProof="0" dirty="0">
-                  <a:ln>
-                    <a:noFill/>
-                  </a:ln>
-                  <a:solidFill>
-                    <a:prstClr val="black"/>
-                  </a:solidFill>
-                  <a:effectLst/>
-                  <a:uLnTx/>
-                  <a:uFillTx/>
-                  <a:latin typeface="Calibri" panose="020F0502020204030204"/>
-                  <a:ea typeface="+mn-ea"/>
-                  <a:cs typeface="+mn-cs"/>
-                </a:rPr>
-                <a:t>Solicitação de cardápio</a:t>
-              </a:r>
-            </a:p>
-          </p:txBody>
-        </p:sp>
-        <p:sp>
-          <p:nvSpPr>
-            <p:cNvPr id="71" name="CaixaDeTexto 70"/>
-            <p:cNvSpPr txBox="1"/>
-            <p:nvPr/>
-          </p:nvSpPr>
-          <p:spPr>
-            <a:xfrm>
-              <a:off x="2967314" y="1757454"/>
-              <a:ext cx="1094033" cy="923330"/>
-            </a:xfrm>
-            <a:prstGeom prst="rect">
-              <a:avLst/>
-            </a:prstGeom>
-            <a:solidFill>
-              <a:schemeClr val="bg1"/>
-            </a:solidFill>
-          </p:spPr>
-          <p:txBody>
-            <a:bodyPr wrap="square" rtlCol="0">
-              <a:spAutoFit/>
-            </a:bodyPr>
-            <a:lstStyle/>
-            <a:p>
-              <a:pPr marL="0" marR="0" lvl="0" indent="0" algn="ctr" defTabSz="914400" rtl="0" eaLnBrk="1" fontAlgn="auto" latinLnBrk="0" hangingPunct="1">
-                <a:lnSpc>
-                  <a:spcPct val="100000"/>
-                </a:lnSpc>
-                <a:spcBef>
-                  <a:spcPts val="0"/>
-                </a:spcBef>
-                <a:spcAft>
-                  <a:spcPts val="0"/>
-                </a:spcAft>
-                <a:buClrTx/>
-                <a:buSzTx/>
-                <a:buFontTx/>
-                <a:buNone/>
-                <a:tabLst/>
-                <a:defRPr/>
-              </a:pPr>
-              <a:r>
-                <a:rPr kumimoji="0" lang="pt-BR" sz="1800" b="0" i="0" u="none" strike="noStrike" kern="1200" cap="none" spc="0" normalizeH="0" baseline="0" noProof="0" dirty="0">
-                  <a:ln>
-                    <a:noFill/>
-                  </a:ln>
-                  <a:solidFill>
-                    <a:prstClr val="black"/>
-                  </a:solidFill>
-                  <a:effectLst/>
-                  <a:uLnTx/>
-                  <a:uFillTx/>
-                  <a:latin typeface="Calibri" panose="020F0502020204030204"/>
-                  <a:ea typeface="+mn-ea"/>
-                  <a:cs typeface="+mn-cs"/>
-                </a:rPr>
-                <a:t>Pedido / cancela pedido</a:t>
-              </a:r>
-            </a:p>
-          </p:txBody>
-        </p:sp>
-        <p:cxnSp>
-          <p:nvCxnSpPr>
-            <p:cNvPr id="91" name="Conector em Curva 90"/>
-            <p:cNvCxnSpPr/>
-            <p:nvPr/>
-          </p:nvCxnSpPr>
-          <p:spPr>
-            <a:xfrm>
-              <a:off x="4639126" y="3926665"/>
-              <a:ext cx="2107715" cy="2022360"/>
-            </a:xfrm>
-            <a:prstGeom prst="curvedConnector3">
-              <a:avLst/>
-            </a:prstGeom>
-            <a:ln w="28575">
-              <a:solidFill>
-                <a:schemeClr val="tx1"/>
-              </a:solidFill>
-              <a:tailEnd type="triangle"/>
-            </a:ln>
-          </p:spPr>
-          <p:style>
-            <a:lnRef idx="1">
-              <a:schemeClr val="accent1"/>
-            </a:lnRef>
-            <a:fillRef idx="0">
-              <a:schemeClr val="accent1"/>
-            </a:fillRef>
-            <a:effectRef idx="0">
-              <a:schemeClr val="accent1"/>
-            </a:effectRef>
-            <a:fontRef idx="minor">
-              <a:schemeClr val="tx1"/>
-            </a:fontRef>
-          </p:style>
-        </p:cxnSp>
-        <p:sp>
-          <p:nvSpPr>
-            <p:cNvPr id="39" name="Retângulo 38">
-              <a:extLst>
-                <a:ext uri="{FF2B5EF4-FFF2-40B4-BE49-F238E27FC236}">
-                  <a16:creationId xmlns:a16="http://schemas.microsoft.com/office/drawing/2014/main" id="{7BDECA30-24C7-4AA1-9391-29C553EA661D}"/>
-                </a:ext>
-              </a:extLst>
-            </p:cNvPr>
-            <p:cNvSpPr/>
-            <p:nvPr/>
-          </p:nvSpPr>
-          <p:spPr>
-            <a:xfrm>
-              <a:off x="6729467" y="1365265"/>
-              <a:ext cx="1418878" cy="853854"/>
-            </a:xfrm>
-            <a:prstGeom prst="rect">
-              <a:avLst/>
-            </a:prstGeom>
-          </p:spPr>
-          <p:style>
-            <a:lnRef idx="2">
-              <a:schemeClr val="accent1">
-                <a:shade val="50000"/>
-              </a:schemeClr>
-            </a:lnRef>
-            <a:fillRef idx="1">
-              <a:schemeClr val="accent1"/>
-            </a:fillRef>
-            <a:effectRef idx="0">
-              <a:schemeClr val="accent1"/>
-            </a:effectRef>
-            <a:fontRef idx="minor">
-              <a:schemeClr val="lt1"/>
-            </a:fontRef>
-          </p:style>
-          <p:txBody>
-            <a:bodyPr rtlCol="0" anchor="ctr"/>
-            <a:lstStyle/>
-            <a:p>
-              <a:pPr marL="0" marR="0" lvl="0" indent="0" algn="ctr" defTabSz="914400" rtl="0" eaLnBrk="1" fontAlgn="auto" latinLnBrk="0" hangingPunct="1">
-                <a:lnSpc>
-                  <a:spcPct val="100000"/>
-                </a:lnSpc>
-                <a:spcBef>
-                  <a:spcPts val="0"/>
-                </a:spcBef>
-                <a:spcAft>
-                  <a:spcPts val="0"/>
-                </a:spcAft>
-                <a:buClrTx/>
-                <a:buSzTx/>
-                <a:buFontTx/>
-                <a:buNone/>
-                <a:tabLst/>
-                <a:defRPr/>
-              </a:pPr>
-              <a:r>
-                <a:rPr kumimoji="0" lang="pt-BR" sz="1600" b="0" i="0" u="none" strike="noStrike" kern="1200" cap="none" spc="0" normalizeH="0" baseline="0" noProof="0" dirty="0">
-                  <a:ln>
-                    <a:noFill/>
-                  </a:ln>
-                  <a:solidFill>
-                    <a:prstClr val="white"/>
-                  </a:solidFill>
-                  <a:effectLst/>
-                  <a:uLnTx/>
-                  <a:uFillTx/>
-                  <a:latin typeface="Calibri" panose="020F0502020204030204"/>
-                  <a:ea typeface="+mn-ea"/>
-                  <a:cs typeface="+mn-cs"/>
-                </a:rPr>
-                <a:t>Cozinha</a:t>
-              </a:r>
-              <a:endParaRPr kumimoji="0" lang="pt-BR" sz="2800" b="0" i="0" u="none" strike="noStrike" kern="1200" cap="none" spc="0" normalizeH="0" baseline="0" noProof="0" dirty="0">
-                <a:ln>
-                  <a:noFill/>
-                </a:ln>
-                <a:solidFill>
-                  <a:prstClr val="white"/>
-                </a:solidFill>
-                <a:effectLst/>
-                <a:uLnTx/>
-                <a:uFillTx/>
-                <a:latin typeface="Calibri" panose="020F0502020204030204"/>
-                <a:ea typeface="+mn-ea"/>
-                <a:cs typeface="+mn-cs"/>
-              </a:endParaRPr>
-            </a:p>
-          </p:txBody>
-        </p:sp>
-        <p:sp>
-          <p:nvSpPr>
-            <p:cNvPr id="41" name="Elipse 40">
-              <a:extLst>
-                <a:ext uri="{FF2B5EF4-FFF2-40B4-BE49-F238E27FC236}">
-                  <a16:creationId xmlns:a16="http://schemas.microsoft.com/office/drawing/2014/main" id="{5473DCA9-F652-43FA-9E54-31D700AEEB8D}"/>
-                </a:ext>
-              </a:extLst>
-            </p:cNvPr>
-            <p:cNvSpPr/>
-            <p:nvPr/>
-          </p:nvSpPr>
-          <p:spPr>
-            <a:xfrm>
-              <a:off x="6718906" y="3206665"/>
-              <a:ext cx="1440000" cy="1440000"/>
-            </a:xfrm>
-            <a:prstGeom prst="ellipse">
-              <a:avLst/>
-            </a:prstGeom>
-          </p:spPr>
-          <p:style>
-            <a:lnRef idx="2">
-              <a:schemeClr val="accent1">
-                <a:shade val="50000"/>
-              </a:schemeClr>
-            </a:lnRef>
-            <a:fillRef idx="1">
-              <a:schemeClr val="accent1"/>
-            </a:fillRef>
-            <a:effectRef idx="0">
-              <a:schemeClr val="accent1"/>
-            </a:effectRef>
-            <a:fontRef idx="minor">
-              <a:schemeClr val="lt1"/>
-            </a:fontRef>
-          </p:style>
-          <p:txBody>
-            <a:bodyPr rtlCol="0" anchor="ctr"/>
-            <a:lstStyle/>
-            <a:p>
-              <a:pPr marL="0" marR="0" lvl="0" indent="0" algn="ctr" defTabSz="914400" rtl="0" eaLnBrk="1" fontAlgn="auto" latinLnBrk="0" hangingPunct="1">
-                <a:lnSpc>
-                  <a:spcPct val="100000"/>
-                </a:lnSpc>
-                <a:spcBef>
-                  <a:spcPts val="0"/>
-                </a:spcBef>
-                <a:spcAft>
-                  <a:spcPts val="0"/>
-                </a:spcAft>
-                <a:buClrTx/>
-                <a:buSzTx/>
-                <a:buFontTx/>
-                <a:buNone/>
-                <a:tabLst/>
-                <a:defRPr/>
-              </a:pPr>
-              <a:r>
-                <a:rPr kumimoji="0" lang="pt-BR" sz="1600" b="0" i="0" u="none" strike="noStrike" kern="1200" cap="none" spc="0" normalizeH="0" baseline="0" noProof="0" dirty="0">
-                  <a:ln>
-                    <a:noFill/>
-                  </a:ln>
-                  <a:solidFill>
-                    <a:prstClr val="white"/>
-                  </a:solidFill>
-                  <a:effectLst/>
-                  <a:uLnTx/>
-                  <a:uFillTx/>
-                  <a:latin typeface="Calibri" panose="020F0502020204030204"/>
-                  <a:ea typeface="+mn-ea"/>
-                  <a:cs typeface="+mn-cs"/>
-                </a:rPr>
-                <a:t>Solicitar preparo do pedido</a:t>
-              </a:r>
-              <a:endParaRPr kumimoji="0" lang="pt-BR" sz="1200" b="0" i="0" u="none" strike="noStrike" kern="1200" cap="none" spc="0" normalizeH="0" baseline="0" noProof="0" dirty="0">
-                <a:ln>
-                  <a:noFill/>
-                </a:ln>
-                <a:solidFill>
-                  <a:prstClr val="white"/>
-                </a:solidFill>
-                <a:effectLst/>
-                <a:uLnTx/>
-                <a:uFillTx/>
-                <a:latin typeface="Calibri" panose="020F0502020204030204"/>
-                <a:ea typeface="+mn-ea"/>
-                <a:cs typeface="+mn-cs"/>
-              </a:endParaRPr>
-            </a:p>
-          </p:txBody>
-        </p:sp>
-        <p:cxnSp>
-          <p:nvCxnSpPr>
-            <p:cNvPr id="42" name="Conector de Seta Reta 41">
-              <a:extLst>
-                <a:ext uri="{FF2B5EF4-FFF2-40B4-BE49-F238E27FC236}">
-                  <a16:creationId xmlns:a16="http://schemas.microsoft.com/office/drawing/2014/main" id="{EB51DD64-54EE-4975-A9EF-5BDDF9286B0A}"/>
-                </a:ext>
-              </a:extLst>
-            </p:cNvPr>
-            <p:cNvCxnSpPr>
-              <a:stCxn id="41" idx="0"/>
-              <a:endCxn id="39" idx="2"/>
-            </p:cNvCxnSpPr>
-            <p:nvPr/>
-          </p:nvCxnSpPr>
-          <p:spPr>
-            <a:xfrm flipV="1">
-              <a:off x="7438906" y="2219119"/>
-              <a:ext cx="0" cy="987546"/>
-            </a:xfrm>
-            <a:prstGeom prst="straightConnector1">
-              <a:avLst/>
-            </a:prstGeom>
-            <a:ln w="28575">
-              <a:solidFill>
-                <a:schemeClr val="tx1"/>
-              </a:solidFill>
-              <a:tailEnd type="triangle"/>
-            </a:ln>
-          </p:spPr>
-          <p:style>
-            <a:lnRef idx="1">
-              <a:schemeClr val="accent1"/>
-            </a:lnRef>
-            <a:fillRef idx="0">
-              <a:schemeClr val="accent1"/>
-            </a:fillRef>
-            <a:effectRef idx="0">
-              <a:schemeClr val="accent1"/>
-            </a:effectRef>
-            <a:fontRef idx="minor">
-              <a:schemeClr val="tx1"/>
-            </a:fontRef>
-          </p:style>
-        </p:cxnSp>
-        <p:sp>
-          <p:nvSpPr>
-            <p:cNvPr id="43" name="CaixaDeTexto 42">
-              <a:extLst>
-                <a:ext uri="{FF2B5EF4-FFF2-40B4-BE49-F238E27FC236}">
-                  <a16:creationId xmlns:a16="http://schemas.microsoft.com/office/drawing/2014/main" id="{899F7FB2-3971-4F40-9925-F43648628713}"/>
-                </a:ext>
-              </a:extLst>
-            </p:cNvPr>
-            <p:cNvSpPr txBox="1"/>
-            <p:nvPr/>
-          </p:nvSpPr>
-          <p:spPr>
-            <a:xfrm>
-              <a:off x="6692780" y="2528226"/>
-              <a:ext cx="1491718" cy="369332"/>
-            </a:xfrm>
-            <a:prstGeom prst="rect">
-              <a:avLst/>
-            </a:prstGeom>
-            <a:solidFill>
-              <a:schemeClr val="bg1"/>
-            </a:solidFill>
-          </p:spPr>
-          <p:txBody>
-            <a:bodyPr wrap="square" rtlCol="0">
-              <a:spAutoFit/>
-            </a:bodyPr>
-            <a:lstStyle/>
-            <a:p>
-              <a:pPr marL="0" marR="0" lvl="0" indent="0" algn="ctr" defTabSz="914400" rtl="0" eaLnBrk="1" fontAlgn="auto" latinLnBrk="0" hangingPunct="1">
-                <a:lnSpc>
-                  <a:spcPct val="100000"/>
-                </a:lnSpc>
-                <a:spcBef>
-                  <a:spcPts val="0"/>
-                </a:spcBef>
-                <a:spcAft>
-                  <a:spcPts val="0"/>
-                </a:spcAft>
-                <a:buClrTx/>
-                <a:buSzTx/>
-                <a:buFontTx/>
-                <a:buNone/>
-                <a:tabLst/>
-                <a:defRPr/>
-              </a:pPr>
-              <a:r>
-                <a:rPr kumimoji="0" lang="pt-BR" sz="1800" b="0" i="0" u="none" strike="noStrike" kern="1200" cap="none" spc="0" normalizeH="0" baseline="0" noProof="0" dirty="0">
-                  <a:ln>
-                    <a:noFill/>
-                  </a:ln>
-                  <a:solidFill>
-                    <a:prstClr val="black"/>
-                  </a:solidFill>
-                  <a:effectLst/>
-                  <a:uLnTx/>
-                  <a:uFillTx/>
-                  <a:latin typeface="Calibri" panose="020F0502020204030204"/>
-                  <a:ea typeface="+mn-ea"/>
-                  <a:cs typeface="+mn-cs"/>
-                </a:rPr>
-                <a:t>Pedido</a:t>
-              </a:r>
-            </a:p>
-          </p:txBody>
-        </p:sp>
-        <p:cxnSp>
-          <p:nvCxnSpPr>
-            <p:cNvPr id="44" name="Conector de Seta Reta 43">
-              <a:extLst>
-                <a:ext uri="{FF2B5EF4-FFF2-40B4-BE49-F238E27FC236}">
-                  <a16:creationId xmlns:a16="http://schemas.microsoft.com/office/drawing/2014/main" id="{C9EB1201-06BF-47D7-8EB1-5518B40D90C0}"/>
-                </a:ext>
-              </a:extLst>
-            </p:cNvPr>
-            <p:cNvCxnSpPr>
-              <a:cxnSpLocks/>
-            </p:cNvCxnSpPr>
-            <p:nvPr/>
-          </p:nvCxnSpPr>
-          <p:spPr>
-            <a:xfrm>
-              <a:off x="7421880" y="4646665"/>
-              <a:ext cx="0" cy="1026263"/>
-            </a:xfrm>
-            <a:prstGeom prst="straightConnector1">
-              <a:avLst/>
-            </a:prstGeom>
-            <a:ln w="28575">
-              <a:solidFill>
-                <a:schemeClr val="tx1"/>
-              </a:solidFill>
-              <a:headEnd type="triangle"/>
-              <a:tailEnd type="triangle"/>
-            </a:ln>
-          </p:spPr>
-          <p:style>
-            <a:lnRef idx="1">
-              <a:schemeClr val="accent1"/>
-            </a:lnRef>
-            <a:fillRef idx="0">
-              <a:schemeClr val="accent1"/>
-            </a:fillRef>
-            <a:effectRef idx="0">
-              <a:schemeClr val="accent1"/>
-            </a:effectRef>
-            <a:fontRef idx="minor">
-              <a:schemeClr val="tx1"/>
-            </a:fontRef>
-          </p:style>
-        </p:cxnSp>
-      </p:grpSp>
-    </p:spTree>
-    <p:extLst>
-      <p:ext uri="{BB962C8B-B14F-4D97-AF65-F5344CB8AC3E}">
-        <p14:creationId xmlns:p14="http://schemas.microsoft.com/office/powerpoint/2010/main" val="2948430366"/>
-      </p:ext>
-    </p:extLst>
-  </p:cSld>
-  <p:clrMapOvr>
-    <a:masterClrMapping/>
-  </p:clrMapOvr>
-</p:sld>
-</file>
-
-<file path=ppt/slides/slide4.xml><?xml version="1.0" encoding="utf-8"?>
-<p:sld xmlns:a="http://schemas.openxmlformats.org/drawingml/2006/main" xmlns:r="http://schemas.openxmlformats.org/officeDocument/2006/relationships" xmlns:p="http://schemas.openxmlformats.org/presentationml/2006/main">
-  <p:cSld>
-    <p:spTree>
-      <p:nvGrpSpPr>
-        <p:cNvPr id="1" name=""/>
-        <p:cNvGrpSpPr/>
-        <p:nvPr/>
-      </p:nvGrpSpPr>
-      <p:grpSpPr>
-        <a:xfrm>
-          <a:off x="0" y="0"/>
-          <a:ext cx="0" cy="0"/>
-          <a:chOff x="0" y="0"/>
-          <a:chExt cx="0" cy="0"/>
-        </a:xfrm>
-      </p:grpSpPr>
-      <p:sp>
-        <p:nvSpPr>
-          <p:cNvPr id="2" name="Título 1"/>
-          <p:cNvSpPr>
-            <a:spLocks noGrp="1"/>
-          </p:cNvSpPr>
-          <p:nvPr>
-            <p:ph type="title"/>
-          </p:nvPr>
-        </p:nvSpPr>
-        <p:spPr>
-          <a:xfrm>
-            <a:off x="838200" y="365126"/>
-            <a:ext cx="10515600" cy="424584"/>
-          </a:xfrm>
-        </p:spPr>
-        <p:txBody>
-          <a:bodyPr>
-            <a:normAutofit fontScale="90000"/>
-          </a:bodyPr>
-          <a:lstStyle/>
-          <a:p>
-            <a:r>
-              <a:rPr lang="pt-BR" sz="3200" dirty="0"/>
-              <a:t>DFD Salão - Atender cliente (parte 2)</a:t>
-            </a:r>
-          </a:p>
-        </p:txBody>
-      </p:sp>
-      <p:grpSp>
-        <p:nvGrpSpPr>
-          <p:cNvPr id="23" name="Agrupar 22">
-            <a:extLst>
-              <a:ext uri="{FF2B5EF4-FFF2-40B4-BE49-F238E27FC236}">
-                <a16:creationId xmlns:a16="http://schemas.microsoft.com/office/drawing/2014/main" id="{B5AC6389-F088-46E0-B205-3F086E528080}"/>
-              </a:ext>
-            </a:extLst>
-          </p:cNvPr>
-          <p:cNvGrpSpPr/>
-          <p:nvPr/>
-        </p:nvGrpSpPr>
-        <p:grpSpPr>
-          <a:xfrm>
-            <a:off x="1148312" y="1406267"/>
-            <a:ext cx="9895375" cy="4877057"/>
-            <a:chOff x="1458425" y="1366739"/>
-            <a:chExt cx="9895375" cy="4877057"/>
-          </a:xfrm>
-        </p:grpSpPr>
-        <p:sp>
-          <p:nvSpPr>
-            <p:cNvPr id="5" name="Retângulo 4"/>
-            <p:cNvSpPr/>
-            <p:nvPr/>
-          </p:nvSpPr>
-          <p:spPr>
-            <a:xfrm>
-              <a:off x="5291572" y="1375834"/>
-              <a:ext cx="1418878" cy="853854"/>
-            </a:xfrm>
-            <a:prstGeom prst="rect">
-              <a:avLst/>
-            </a:prstGeom>
-          </p:spPr>
-          <p:style>
-            <a:lnRef idx="2">
-              <a:schemeClr val="accent1">
-                <a:shade val="50000"/>
-              </a:schemeClr>
-            </a:lnRef>
-            <a:fillRef idx="1">
-              <a:schemeClr val="accent1"/>
-            </a:fillRef>
-            <a:effectRef idx="0">
-              <a:schemeClr val="accent1"/>
-            </a:effectRef>
-            <a:fontRef idx="minor">
-              <a:schemeClr val="lt1"/>
-            </a:fontRef>
-          </p:style>
-          <p:txBody>
-            <a:bodyPr rtlCol="0" anchor="ctr"/>
-            <a:lstStyle/>
-            <a:p>
-              <a:pPr marL="0" marR="0" lvl="0" indent="0" algn="ctr" defTabSz="914400" rtl="0" eaLnBrk="1" fontAlgn="auto" latinLnBrk="0" hangingPunct="1">
-                <a:lnSpc>
-                  <a:spcPct val="100000"/>
-                </a:lnSpc>
-                <a:spcBef>
-                  <a:spcPts val="0"/>
-                </a:spcBef>
-                <a:spcAft>
-                  <a:spcPts val="0"/>
-                </a:spcAft>
-                <a:buClrTx/>
-                <a:buSzTx/>
-                <a:buFontTx/>
-                <a:buNone/>
-                <a:tabLst/>
-                <a:defRPr/>
-              </a:pPr>
-              <a:r>
-                <a:rPr kumimoji="0" lang="pt-BR" sz="1600" b="0" i="0" u="none" strike="noStrike" kern="1200" cap="none" spc="0" normalizeH="0" baseline="0" noProof="0" dirty="0">
-                  <a:ln>
-                    <a:noFill/>
-                  </a:ln>
-                  <a:solidFill>
-                    <a:prstClr val="white"/>
-                  </a:solidFill>
-                  <a:effectLst/>
-                  <a:uLnTx/>
-                  <a:uFillTx/>
-                  <a:latin typeface="Calibri" panose="020F0502020204030204"/>
-                  <a:ea typeface="+mn-ea"/>
-                  <a:cs typeface="+mn-cs"/>
-                </a:rPr>
-                <a:t>Cliente</a:t>
-              </a:r>
-              <a:endParaRPr kumimoji="0" lang="pt-BR" sz="1800" b="0" i="0" u="none" strike="noStrike" kern="1200" cap="none" spc="0" normalizeH="0" baseline="0" noProof="0" dirty="0">
-                <a:ln>
-                  <a:noFill/>
-                </a:ln>
-                <a:solidFill>
-                  <a:prstClr val="white"/>
-                </a:solidFill>
-                <a:effectLst/>
-                <a:uLnTx/>
-                <a:uFillTx/>
-                <a:latin typeface="Calibri" panose="020F0502020204030204"/>
-                <a:ea typeface="+mn-ea"/>
-                <a:cs typeface="+mn-cs"/>
-              </a:endParaRPr>
-            </a:p>
-          </p:txBody>
-        </p:sp>
-        <p:sp>
-          <p:nvSpPr>
-            <p:cNvPr id="6" name="Retângulo 5"/>
-            <p:cNvSpPr/>
-            <p:nvPr/>
-          </p:nvSpPr>
-          <p:spPr>
-            <a:xfrm>
-              <a:off x="7998652" y="1375834"/>
-              <a:ext cx="1418878" cy="853854"/>
-            </a:xfrm>
-            <a:prstGeom prst="rect">
-              <a:avLst/>
-            </a:prstGeom>
-          </p:spPr>
-          <p:style>
-            <a:lnRef idx="2">
-              <a:schemeClr val="accent1">
-                <a:shade val="50000"/>
-              </a:schemeClr>
-            </a:lnRef>
-            <a:fillRef idx="1">
-              <a:schemeClr val="accent1"/>
-            </a:fillRef>
-            <a:effectRef idx="0">
-              <a:schemeClr val="accent1"/>
-            </a:effectRef>
-            <a:fontRef idx="minor">
-              <a:schemeClr val="lt1"/>
-            </a:fontRef>
-          </p:style>
-          <p:txBody>
-            <a:bodyPr rtlCol="0" anchor="ctr"/>
-            <a:lstStyle/>
-            <a:p>
-              <a:pPr marL="0" marR="0" lvl="0" indent="0" algn="ctr" defTabSz="914400" rtl="0" eaLnBrk="1" fontAlgn="auto" latinLnBrk="0" hangingPunct="1">
-                <a:lnSpc>
-                  <a:spcPct val="100000"/>
-                </a:lnSpc>
-                <a:spcBef>
-                  <a:spcPts val="0"/>
-                </a:spcBef>
-                <a:spcAft>
-                  <a:spcPts val="0"/>
-                </a:spcAft>
-                <a:buClrTx/>
-                <a:buSzTx/>
-                <a:buFontTx/>
-                <a:buNone/>
-                <a:tabLst/>
-                <a:defRPr/>
-              </a:pPr>
-              <a:r>
-                <a:rPr kumimoji="0" lang="pt-BR" sz="1600" b="0" i="0" u="none" strike="noStrike" kern="1200" cap="none" spc="0" normalizeH="0" baseline="0" noProof="0" dirty="0">
-                  <a:ln>
-                    <a:noFill/>
-                  </a:ln>
-                  <a:solidFill>
-                    <a:prstClr val="white"/>
-                  </a:solidFill>
-                  <a:effectLst/>
-                  <a:uLnTx/>
-                  <a:uFillTx/>
-                  <a:latin typeface="Calibri" panose="020F0502020204030204"/>
-                  <a:ea typeface="+mn-ea"/>
-                  <a:cs typeface="+mn-cs"/>
-                </a:rPr>
-                <a:t>Caixa</a:t>
-              </a:r>
-              <a:endParaRPr kumimoji="0" lang="pt-BR" sz="1800" b="0" i="0" u="none" strike="noStrike" kern="1200" cap="none" spc="0" normalizeH="0" baseline="0" noProof="0" dirty="0">
-                <a:ln>
-                  <a:noFill/>
-                </a:ln>
-                <a:solidFill>
-                  <a:prstClr val="white"/>
-                </a:solidFill>
-                <a:effectLst/>
-                <a:uLnTx/>
-                <a:uFillTx/>
-                <a:latin typeface="Calibri" panose="020F0502020204030204"/>
-                <a:ea typeface="+mn-ea"/>
-                <a:cs typeface="+mn-cs"/>
-              </a:endParaRPr>
-            </a:p>
-          </p:txBody>
-        </p:sp>
-        <p:sp>
-          <p:nvSpPr>
-            <p:cNvPr id="9" name="Elipse 8"/>
-            <p:cNvSpPr/>
-            <p:nvPr/>
-          </p:nvSpPr>
-          <p:spPr>
-            <a:xfrm>
-              <a:off x="5279883" y="3206665"/>
-              <a:ext cx="1440000" cy="1440000"/>
-            </a:xfrm>
-            <a:prstGeom prst="ellipse">
-              <a:avLst/>
-            </a:prstGeom>
-          </p:spPr>
-          <p:style>
-            <a:lnRef idx="2">
-              <a:schemeClr val="accent1">
-                <a:shade val="50000"/>
-              </a:schemeClr>
-            </a:lnRef>
-            <a:fillRef idx="1">
-              <a:schemeClr val="accent1"/>
-            </a:fillRef>
-            <a:effectRef idx="0">
-              <a:schemeClr val="accent1"/>
-            </a:effectRef>
-            <a:fontRef idx="minor">
-              <a:schemeClr val="lt1"/>
-            </a:fontRef>
-          </p:style>
-          <p:txBody>
-            <a:bodyPr rtlCol="0" anchor="ctr"/>
-            <a:lstStyle/>
-            <a:p>
-              <a:pPr marL="0" marR="0" lvl="0" indent="0" algn="ctr" defTabSz="914400" rtl="0" eaLnBrk="1" fontAlgn="auto" latinLnBrk="0" hangingPunct="1">
-                <a:lnSpc>
-                  <a:spcPct val="100000"/>
-                </a:lnSpc>
-                <a:spcBef>
-                  <a:spcPts val="0"/>
-                </a:spcBef>
-                <a:spcAft>
-                  <a:spcPts val="0"/>
-                </a:spcAft>
-                <a:buClrTx/>
-                <a:buSzTx/>
-                <a:buFontTx/>
-                <a:buNone/>
-                <a:tabLst/>
-                <a:defRPr/>
-              </a:pPr>
-              <a:r>
-                <a:rPr kumimoji="0" lang="pt-BR" sz="1600" b="0" i="0" u="none" strike="noStrike" kern="1200" cap="none" spc="0" normalizeH="0" baseline="0" noProof="0" dirty="0">
-                  <a:ln>
-                    <a:noFill/>
-                  </a:ln>
-                  <a:solidFill>
-                    <a:prstClr val="white"/>
-                  </a:solidFill>
-                  <a:effectLst/>
-                  <a:uLnTx/>
-                  <a:uFillTx/>
-                  <a:latin typeface="Calibri" panose="020F0502020204030204"/>
-                  <a:ea typeface="+mn-ea"/>
-                  <a:cs typeface="+mn-cs"/>
-                </a:rPr>
-                <a:t>Enviar conta</a:t>
-              </a:r>
-            </a:p>
-          </p:txBody>
-        </p:sp>
-        <p:sp>
-          <p:nvSpPr>
-            <p:cNvPr id="10" name="Elipse 9"/>
-            <p:cNvSpPr/>
-            <p:nvPr/>
-          </p:nvSpPr>
-          <p:spPr>
-            <a:xfrm>
-              <a:off x="7996404" y="3206665"/>
-              <a:ext cx="1440000" cy="1440000"/>
-            </a:xfrm>
-            <a:prstGeom prst="ellipse">
-              <a:avLst/>
-            </a:prstGeom>
-          </p:spPr>
-          <p:style>
-            <a:lnRef idx="2">
-              <a:schemeClr val="accent1">
-                <a:shade val="50000"/>
-              </a:schemeClr>
-            </a:lnRef>
-            <a:fillRef idx="1">
-              <a:schemeClr val="accent1"/>
-            </a:fillRef>
-            <a:effectRef idx="0">
-              <a:schemeClr val="accent1"/>
-            </a:effectRef>
-            <a:fontRef idx="minor">
-              <a:schemeClr val="lt1"/>
-            </a:fontRef>
-          </p:style>
-          <p:txBody>
-            <a:bodyPr rtlCol="0" anchor="ctr"/>
-            <a:lstStyle/>
-            <a:p>
-              <a:pPr marL="0" marR="0" lvl="0" indent="0" algn="ctr" defTabSz="914400" rtl="0" eaLnBrk="1" fontAlgn="auto" latinLnBrk="0" hangingPunct="1">
-                <a:lnSpc>
-                  <a:spcPct val="100000"/>
-                </a:lnSpc>
-                <a:spcBef>
-                  <a:spcPts val="0"/>
-                </a:spcBef>
-                <a:spcAft>
-                  <a:spcPts val="0"/>
-                </a:spcAft>
-                <a:buClrTx/>
-                <a:buSzTx/>
-                <a:buFontTx/>
-                <a:buNone/>
-                <a:tabLst/>
-                <a:defRPr/>
-              </a:pPr>
-              <a:r>
-                <a:rPr kumimoji="0" lang="pt-BR" sz="1600" b="0" i="0" u="none" strike="noStrike" kern="1200" cap="none" spc="0" normalizeH="0" baseline="0" noProof="0" dirty="0">
-                  <a:ln>
-                    <a:noFill/>
-                  </a:ln>
-                  <a:solidFill>
-                    <a:prstClr val="white"/>
-                  </a:solidFill>
-                  <a:effectLst/>
-                  <a:uLnTx/>
-                  <a:uFillTx/>
-                  <a:latin typeface="Calibri" panose="020F0502020204030204"/>
-                  <a:ea typeface="+mn-ea"/>
-                  <a:cs typeface="+mn-cs"/>
-                </a:rPr>
-                <a:t>Entregar conta</a:t>
-              </a:r>
-            </a:p>
-          </p:txBody>
-        </p:sp>
-        <p:grpSp>
-          <p:nvGrpSpPr>
-            <p:cNvPr id="11" name="Agrupar 10"/>
-            <p:cNvGrpSpPr/>
-            <p:nvPr/>
-          </p:nvGrpSpPr>
-          <p:grpSpPr>
-            <a:xfrm>
-              <a:off x="5403934" y="5695538"/>
-              <a:ext cx="1384131" cy="548258"/>
-              <a:chOff x="4422373" y="1093123"/>
-              <a:chExt cx="1296785" cy="407324"/>
-            </a:xfrm>
-          </p:grpSpPr>
-          <p:grpSp>
-            <p:nvGrpSpPr>
-              <p:cNvPr id="12" name="Agrupar 11"/>
-              <p:cNvGrpSpPr/>
-              <p:nvPr/>
-            </p:nvGrpSpPr>
-            <p:grpSpPr>
-              <a:xfrm>
-                <a:off x="4422373" y="1093123"/>
-                <a:ext cx="1296785" cy="407324"/>
-                <a:chOff x="914399" y="58189"/>
-                <a:chExt cx="1296785" cy="407324"/>
-              </a:xfrm>
-            </p:grpSpPr>
-            <p:cxnSp>
-              <p:nvCxnSpPr>
-                <p:cNvPr id="14" name="Conector reto 13"/>
-                <p:cNvCxnSpPr/>
-                <p:nvPr/>
-              </p:nvCxnSpPr>
-              <p:spPr>
-                <a:xfrm>
-                  <a:off x="914399" y="457200"/>
-                  <a:ext cx="1296785" cy="8313"/>
-                </a:xfrm>
-                <a:prstGeom prst="line">
-                  <a:avLst/>
-                </a:prstGeom>
-                <a:ln w="28575"/>
-              </p:spPr>
-              <p:style>
-                <a:lnRef idx="1">
-                  <a:schemeClr val="accent1"/>
-                </a:lnRef>
-                <a:fillRef idx="0">
-                  <a:schemeClr val="accent1"/>
-                </a:fillRef>
-                <a:effectRef idx="0">
-                  <a:schemeClr val="accent1"/>
-                </a:effectRef>
-                <a:fontRef idx="minor">
-                  <a:schemeClr val="tx1"/>
-                </a:fontRef>
-              </p:style>
-            </p:cxnSp>
-            <p:cxnSp>
-              <p:nvCxnSpPr>
-                <p:cNvPr id="15" name="Conector reto 14"/>
-                <p:cNvCxnSpPr/>
-                <p:nvPr/>
-              </p:nvCxnSpPr>
-              <p:spPr>
-                <a:xfrm>
-                  <a:off x="914399" y="58189"/>
-                  <a:ext cx="1296785" cy="8313"/>
-                </a:xfrm>
-                <a:prstGeom prst="line">
-                  <a:avLst/>
-                </a:prstGeom>
-                <a:ln w="28575"/>
-              </p:spPr>
-              <p:style>
-                <a:lnRef idx="1">
-                  <a:schemeClr val="accent1"/>
-                </a:lnRef>
-                <a:fillRef idx="0">
-                  <a:schemeClr val="accent1"/>
-                </a:fillRef>
-                <a:effectRef idx="0">
-                  <a:schemeClr val="accent1"/>
-                </a:effectRef>
-                <a:fontRef idx="minor">
-                  <a:schemeClr val="tx1"/>
-                </a:fontRef>
-              </p:style>
-            </p:cxnSp>
-          </p:grpSp>
-          <p:sp>
-            <p:nvSpPr>
-              <p:cNvPr id="13" name="CaixaDeTexto 12"/>
-              <p:cNvSpPr txBox="1"/>
-              <p:nvPr/>
-            </p:nvSpPr>
-            <p:spPr>
-              <a:xfrm>
-                <a:off x="4590745" y="1162388"/>
-                <a:ext cx="779939" cy="274392"/>
-              </a:xfrm>
-              <a:prstGeom prst="rect">
-                <a:avLst/>
-              </a:prstGeom>
-              <a:noFill/>
-            </p:spPr>
-            <p:txBody>
-              <a:bodyPr wrap="none" rtlCol="0">
-                <a:spAutoFit/>
-              </a:bodyPr>
-              <a:lstStyle/>
-              <a:p>
-                <a:pPr marL="0" marR="0" lvl="0" indent="0" algn="l" defTabSz="914400" rtl="0" eaLnBrk="1" fontAlgn="auto" latinLnBrk="0" hangingPunct="1">
-                  <a:lnSpc>
-                    <a:spcPct val="100000"/>
-                  </a:lnSpc>
-                  <a:spcBef>
-                    <a:spcPts val="0"/>
-                  </a:spcBef>
-                  <a:spcAft>
-                    <a:spcPts val="0"/>
-                  </a:spcAft>
-                  <a:buClrTx/>
-                  <a:buSzTx/>
-                  <a:buFontTx/>
-                  <a:buNone/>
-                  <a:tabLst/>
-                  <a:defRPr/>
-                </a:pPr>
-                <a:r>
-                  <a:rPr kumimoji="0" lang="pt-BR" sz="1800" b="0" i="0" u="none" strike="noStrike" kern="1200" cap="none" spc="0" normalizeH="0" baseline="0" noProof="0" dirty="0">
-                    <a:ln>
-                      <a:noFill/>
-                    </a:ln>
-                    <a:solidFill>
-                      <a:prstClr val="black"/>
-                    </a:solidFill>
-                    <a:effectLst/>
-                    <a:uLnTx/>
-                    <a:uFillTx/>
-                    <a:latin typeface="Calibri" panose="020F0502020204030204"/>
-                    <a:ea typeface="+mn-ea"/>
-                    <a:cs typeface="+mn-cs"/>
-                  </a:rPr>
-                  <a:t>Pedido</a:t>
-                </a:r>
-              </a:p>
-            </p:txBody>
-          </p:sp>
-        </p:grpSp>
-        <p:cxnSp>
-          <p:nvCxnSpPr>
-            <p:cNvPr id="68" name="Conector de Seta Reta 67"/>
-            <p:cNvCxnSpPr>
-              <a:stCxn id="5" idx="2"/>
-              <a:endCxn id="9" idx="0"/>
-            </p:cNvCxnSpPr>
-            <p:nvPr/>
-          </p:nvCxnSpPr>
-          <p:spPr>
-            <a:xfrm flipH="1">
-              <a:off x="5999883" y="2229688"/>
-              <a:ext cx="1128" cy="976977"/>
-            </a:xfrm>
-            <a:prstGeom prst="straightConnector1">
-              <a:avLst/>
-            </a:prstGeom>
-            <a:ln w="28575">
-              <a:solidFill>
-                <a:schemeClr val="tx1"/>
-              </a:solidFill>
-              <a:tailEnd type="triangle"/>
-            </a:ln>
-          </p:spPr>
-          <p:style>
-            <a:lnRef idx="1">
-              <a:schemeClr val="accent1"/>
-            </a:lnRef>
-            <a:fillRef idx="0">
-              <a:schemeClr val="accent1"/>
-            </a:fillRef>
-            <a:effectRef idx="0">
-              <a:schemeClr val="accent1"/>
-            </a:effectRef>
-            <a:fontRef idx="minor">
-              <a:schemeClr val="tx1"/>
-            </a:fontRef>
-          </p:style>
-        </p:cxnSp>
-        <p:sp>
-          <p:nvSpPr>
-            <p:cNvPr id="51" name="CaixaDeTexto 50"/>
-            <p:cNvSpPr txBox="1"/>
-            <p:nvPr/>
-          </p:nvSpPr>
-          <p:spPr>
-            <a:xfrm>
-              <a:off x="4970970" y="2395011"/>
-              <a:ext cx="2095573" cy="646331"/>
-            </a:xfrm>
-            <a:prstGeom prst="rect">
-              <a:avLst/>
-            </a:prstGeom>
-            <a:solidFill>
-              <a:schemeClr val="bg1"/>
-            </a:solidFill>
-          </p:spPr>
-          <p:txBody>
-            <a:bodyPr wrap="square" rtlCol="0">
-              <a:spAutoFit/>
-            </a:bodyPr>
-            <a:lstStyle/>
-            <a:p>
-              <a:pPr marL="0" marR="0" lvl="0" indent="0" algn="ctr" defTabSz="914400" rtl="0" eaLnBrk="1" fontAlgn="auto" latinLnBrk="0" hangingPunct="1">
-                <a:lnSpc>
-                  <a:spcPct val="100000"/>
-                </a:lnSpc>
-                <a:spcBef>
-                  <a:spcPts val="0"/>
-                </a:spcBef>
-                <a:spcAft>
-                  <a:spcPts val="0"/>
-                </a:spcAft>
-                <a:buClrTx/>
-                <a:buSzTx/>
-                <a:buFontTx/>
-                <a:buNone/>
-                <a:tabLst/>
-                <a:defRPr/>
-              </a:pPr>
-              <a:r>
-                <a:rPr kumimoji="0" lang="pt-BR" sz="1800" b="0" i="0" u="none" strike="noStrike" kern="1200" cap="none" spc="0" normalizeH="0" baseline="0" noProof="0" dirty="0">
-                  <a:ln>
-                    <a:noFill/>
-                  </a:ln>
-                  <a:solidFill>
-                    <a:prstClr val="black"/>
-                  </a:solidFill>
-                  <a:effectLst/>
-                  <a:uLnTx/>
-                  <a:uFillTx/>
-                  <a:latin typeface="Calibri" panose="020F0502020204030204"/>
-                  <a:ea typeface="+mn-ea"/>
-                  <a:cs typeface="+mn-cs"/>
-                </a:rPr>
-                <a:t>Solicitação</a:t>
-              </a:r>
-            </a:p>
-            <a:p>
-              <a:pPr marL="0" marR="0" lvl="0" indent="0" algn="ctr" defTabSz="914400" rtl="0" eaLnBrk="1" fontAlgn="auto" latinLnBrk="0" hangingPunct="1">
-                <a:lnSpc>
-                  <a:spcPct val="100000"/>
-                </a:lnSpc>
-                <a:spcBef>
-                  <a:spcPts val="0"/>
-                </a:spcBef>
-                <a:spcAft>
-                  <a:spcPts val="0"/>
-                </a:spcAft>
-                <a:buClrTx/>
-                <a:buSzTx/>
-                <a:buFontTx/>
-                <a:buNone/>
-                <a:tabLst/>
-                <a:defRPr/>
-              </a:pPr>
-              <a:r>
-                <a:rPr kumimoji="0" lang="pt-BR" sz="1800" b="0" i="0" u="none" strike="noStrike" kern="1200" cap="none" spc="0" normalizeH="0" baseline="0" noProof="0" dirty="0">
-                  <a:ln>
-                    <a:noFill/>
-                  </a:ln>
-                  <a:solidFill>
-                    <a:prstClr val="black"/>
-                  </a:solidFill>
-                  <a:effectLst/>
-                  <a:uLnTx/>
-                  <a:uFillTx/>
-                  <a:latin typeface="Calibri" panose="020F0502020204030204"/>
-                  <a:ea typeface="+mn-ea"/>
-                  <a:cs typeface="+mn-cs"/>
-                </a:rPr>
-                <a:t>de conta</a:t>
-              </a:r>
-            </a:p>
-          </p:txBody>
-        </p:sp>
-        <p:cxnSp>
-          <p:nvCxnSpPr>
-            <p:cNvPr id="44" name="Conector de Seta Reta 43"/>
-            <p:cNvCxnSpPr>
-              <a:stCxn id="9" idx="4"/>
-            </p:cNvCxnSpPr>
-            <p:nvPr/>
-          </p:nvCxnSpPr>
-          <p:spPr>
-            <a:xfrm>
-              <a:off x="5999883" y="4646665"/>
-              <a:ext cx="0" cy="1048872"/>
-            </a:xfrm>
-            <a:prstGeom prst="straightConnector1">
-              <a:avLst/>
-            </a:prstGeom>
-            <a:ln w="28575">
-              <a:solidFill>
-                <a:schemeClr val="tx1"/>
-              </a:solidFill>
-              <a:tailEnd type="triangle"/>
-            </a:ln>
-          </p:spPr>
-          <p:style>
-            <a:lnRef idx="1">
-              <a:schemeClr val="accent1"/>
-            </a:lnRef>
-            <a:fillRef idx="0">
-              <a:schemeClr val="accent1"/>
-            </a:fillRef>
-            <a:effectRef idx="0">
-              <a:schemeClr val="accent1"/>
-            </a:effectRef>
-            <a:fontRef idx="minor">
-              <a:schemeClr val="tx1"/>
-            </a:fontRef>
-          </p:style>
-        </p:cxnSp>
-        <p:sp>
-          <p:nvSpPr>
-            <p:cNvPr id="62" name="Retângulo 61"/>
-            <p:cNvSpPr/>
-            <p:nvPr/>
-          </p:nvSpPr>
-          <p:spPr>
-            <a:xfrm>
-              <a:off x="9934922" y="1380068"/>
-              <a:ext cx="1418878" cy="853854"/>
-            </a:xfrm>
-            <a:prstGeom prst="rect">
-              <a:avLst/>
-            </a:prstGeom>
-          </p:spPr>
-          <p:style>
-            <a:lnRef idx="2">
-              <a:schemeClr val="accent1">
-                <a:shade val="50000"/>
-              </a:schemeClr>
-            </a:lnRef>
-            <a:fillRef idx="1">
-              <a:schemeClr val="accent1"/>
-            </a:fillRef>
-            <a:effectRef idx="0">
-              <a:schemeClr val="accent1"/>
-            </a:effectRef>
-            <a:fontRef idx="minor">
-              <a:schemeClr val="lt1"/>
-            </a:fontRef>
-          </p:style>
-          <p:txBody>
-            <a:bodyPr rtlCol="0" anchor="ctr"/>
-            <a:lstStyle/>
-            <a:p>
-              <a:pPr marL="0" marR="0" lvl="0" indent="0" algn="ctr" defTabSz="914400" rtl="0" eaLnBrk="1" fontAlgn="auto" latinLnBrk="0" hangingPunct="1">
-                <a:lnSpc>
-                  <a:spcPct val="100000"/>
-                </a:lnSpc>
-                <a:spcBef>
-                  <a:spcPts val="0"/>
-                </a:spcBef>
-                <a:spcAft>
-                  <a:spcPts val="0"/>
-                </a:spcAft>
-                <a:buClrTx/>
-                <a:buSzTx/>
-                <a:buFontTx/>
-                <a:buNone/>
-                <a:tabLst/>
-                <a:defRPr/>
-              </a:pPr>
-              <a:r>
-                <a:rPr kumimoji="0" lang="pt-BR" sz="1600" b="0" i="0" u="none" strike="noStrike" kern="1200" cap="none" spc="0" normalizeH="0" baseline="0" noProof="0" dirty="0">
-                  <a:ln>
-                    <a:noFill/>
-                  </a:ln>
-                  <a:solidFill>
-                    <a:prstClr val="white"/>
-                  </a:solidFill>
-                  <a:effectLst/>
-                  <a:uLnTx/>
-                  <a:uFillTx/>
-                  <a:latin typeface="Calibri" panose="020F0502020204030204"/>
-                  <a:ea typeface="+mn-ea"/>
-                  <a:cs typeface="+mn-cs"/>
-                </a:rPr>
-                <a:t>Cliente</a:t>
-              </a:r>
-              <a:endParaRPr kumimoji="0" lang="pt-BR" sz="1800" b="0" i="0" u="none" strike="noStrike" kern="1200" cap="none" spc="0" normalizeH="0" baseline="0" noProof="0" dirty="0">
-                <a:ln>
-                  <a:noFill/>
-                </a:ln>
-                <a:solidFill>
-                  <a:prstClr val="white"/>
-                </a:solidFill>
-                <a:effectLst/>
-                <a:uLnTx/>
-                <a:uFillTx/>
-                <a:latin typeface="Calibri" panose="020F0502020204030204"/>
-                <a:ea typeface="+mn-ea"/>
-                <a:cs typeface="+mn-cs"/>
-              </a:endParaRPr>
-            </a:p>
-          </p:txBody>
-        </p:sp>
-        <p:cxnSp>
-          <p:nvCxnSpPr>
-            <p:cNvPr id="53" name="Conector em Curva 52"/>
-            <p:cNvCxnSpPr>
-              <a:stCxn id="9" idx="6"/>
-              <a:endCxn id="6" idx="1"/>
-            </p:cNvCxnSpPr>
-            <p:nvPr/>
-          </p:nvCxnSpPr>
-          <p:spPr>
-            <a:xfrm flipV="1">
-              <a:off x="6719883" y="1802761"/>
-              <a:ext cx="1278769" cy="2123904"/>
-            </a:xfrm>
-            <a:prstGeom prst="curvedConnector3">
-              <a:avLst>
-                <a:gd name="adj1" fmla="val 50000"/>
-              </a:avLst>
-            </a:prstGeom>
-            <a:ln w="28575">
-              <a:solidFill>
-                <a:schemeClr val="tx1"/>
-              </a:solidFill>
-              <a:tailEnd type="triangle"/>
-            </a:ln>
-          </p:spPr>
-          <p:style>
-            <a:lnRef idx="1">
-              <a:schemeClr val="accent1"/>
-            </a:lnRef>
-            <a:fillRef idx="0">
-              <a:schemeClr val="accent1"/>
-            </a:fillRef>
-            <a:effectRef idx="0">
-              <a:schemeClr val="accent1"/>
-            </a:effectRef>
-            <a:fontRef idx="minor">
-              <a:schemeClr val="tx1"/>
-            </a:fontRef>
-          </p:style>
-        </p:cxnSp>
-        <p:sp>
-          <p:nvSpPr>
-            <p:cNvPr id="67" name="CaixaDeTexto 66"/>
-            <p:cNvSpPr txBox="1"/>
-            <p:nvPr/>
-          </p:nvSpPr>
-          <p:spPr>
-            <a:xfrm>
-              <a:off x="6636535" y="2367055"/>
-              <a:ext cx="1445464" cy="861774"/>
-            </a:xfrm>
-            <a:prstGeom prst="rect">
-              <a:avLst/>
-            </a:prstGeom>
-            <a:solidFill>
-              <a:schemeClr val="bg1"/>
-            </a:solidFill>
-          </p:spPr>
-          <p:txBody>
-            <a:bodyPr wrap="square" rtlCol="0">
-              <a:spAutoFit/>
-            </a:bodyPr>
-            <a:lstStyle/>
-            <a:p>
-              <a:pPr marL="0" marR="0" lvl="0" indent="0" algn="ctr" defTabSz="914400" rtl="0" eaLnBrk="1" fontAlgn="auto" latinLnBrk="0" hangingPunct="1">
-                <a:lnSpc>
-                  <a:spcPct val="100000"/>
-                </a:lnSpc>
-                <a:spcBef>
-                  <a:spcPts val="0"/>
-                </a:spcBef>
-                <a:spcAft>
-                  <a:spcPts val="0"/>
-                </a:spcAft>
-                <a:buClrTx/>
-                <a:buSzTx/>
-                <a:buFontTx/>
-                <a:buNone/>
-                <a:tabLst/>
-                <a:defRPr/>
-              </a:pPr>
-              <a:r>
-                <a:rPr kumimoji="0" lang="pt-BR" sz="1600" b="0" i="0" u="none" strike="noStrike" kern="1200" cap="none" spc="0" normalizeH="0" baseline="0" noProof="0" dirty="0">
-                  <a:ln>
-                    <a:noFill/>
-                  </a:ln>
-                  <a:solidFill>
-                    <a:prstClr val="black"/>
-                  </a:solidFill>
-                  <a:effectLst/>
-                  <a:uLnTx/>
-                  <a:uFillTx/>
-                  <a:latin typeface="Calibri" panose="020F0502020204030204"/>
-                  <a:ea typeface="+mn-ea"/>
-                  <a:cs typeface="+mn-cs"/>
-                </a:rPr>
-                <a:t>Solicitação</a:t>
-              </a:r>
-            </a:p>
-            <a:p>
-              <a:pPr marL="0" marR="0" lvl="0" indent="0" algn="ctr" defTabSz="914400" rtl="0" eaLnBrk="1" fontAlgn="auto" latinLnBrk="0" hangingPunct="1">
-                <a:lnSpc>
-                  <a:spcPct val="100000"/>
-                </a:lnSpc>
-                <a:spcBef>
-                  <a:spcPts val="0"/>
-                </a:spcBef>
-                <a:spcAft>
-                  <a:spcPts val="0"/>
-                </a:spcAft>
-                <a:buClrTx/>
-                <a:buSzTx/>
-                <a:buFontTx/>
-                <a:buNone/>
-                <a:tabLst/>
-                <a:defRPr/>
-              </a:pPr>
-              <a:r>
-                <a:rPr kumimoji="0" lang="pt-BR" sz="1600" b="0" i="0" u="none" strike="noStrike" kern="1200" cap="none" spc="0" normalizeH="0" baseline="0" noProof="0" dirty="0">
-                  <a:ln>
-                    <a:noFill/>
-                  </a:ln>
-                  <a:solidFill>
-                    <a:prstClr val="black"/>
-                  </a:solidFill>
-                  <a:effectLst/>
-                  <a:uLnTx/>
-                  <a:uFillTx/>
-                  <a:latin typeface="Calibri" panose="020F0502020204030204"/>
-                  <a:ea typeface="+mn-ea"/>
-                  <a:cs typeface="+mn-cs"/>
-                </a:rPr>
-                <a:t>de conta com</a:t>
-              </a:r>
-            </a:p>
-            <a:p>
-              <a:pPr marL="0" marR="0" lvl="0" indent="0" algn="ctr" defTabSz="914400" rtl="0" eaLnBrk="1" fontAlgn="auto" latinLnBrk="0" hangingPunct="1">
-                <a:lnSpc>
-                  <a:spcPct val="100000"/>
-                </a:lnSpc>
-                <a:spcBef>
-                  <a:spcPts val="0"/>
-                </a:spcBef>
-                <a:spcAft>
-                  <a:spcPts val="0"/>
-                </a:spcAft>
-                <a:buClrTx/>
-                <a:buSzTx/>
-                <a:buFontTx/>
-                <a:buNone/>
-                <a:tabLst/>
-                <a:defRPr/>
-              </a:pPr>
-              <a:r>
-                <a:rPr kumimoji="0" lang="pt-BR" sz="1600" b="0" i="0" u="none" strike="noStrike" kern="1200" cap="none" spc="0" normalizeH="0" baseline="0" noProof="0" dirty="0">
-                  <a:ln>
-                    <a:noFill/>
-                  </a:ln>
-                  <a:solidFill>
-                    <a:prstClr val="black"/>
-                  </a:solidFill>
-                  <a:effectLst/>
-                  <a:uLnTx/>
-                  <a:uFillTx/>
-                  <a:latin typeface="Calibri" panose="020F0502020204030204"/>
-                  <a:ea typeface="+mn-ea"/>
-                  <a:cs typeface="+mn-cs"/>
-                </a:rPr>
-                <a:t>pedido</a:t>
-              </a:r>
-            </a:p>
-          </p:txBody>
-        </p:sp>
-        <p:cxnSp>
-          <p:nvCxnSpPr>
-            <p:cNvPr id="60" name="Conector em Curva 59"/>
-            <p:cNvCxnSpPr>
-              <a:stCxn id="6" idx="2"/>
-              <a:endCxn id="10" idx="0"/>
-            </p:cNvCxnSpPr>
-            <p:nvPr/>
-          </p:nvCxnSpPr>
-          <p:spPr>
-            <a:xfrm rot="16200000" flipH="1">
-              <a:off x="8223759" y="2714019"/>
-              <a:ext cx="976977" cy="8313"/>
-            </a:xfrm>
-            <a:prstGeom prst="curvedConnector3">
-              <a:avLst/>
-            </a:prstGeom>
-            <a:ln w="28575">
-              <a:solidFill>
-                <a:schemeClr val="tx1"/>
-              </a:solidFill>
-              <a:tailEnd type="triangle"/>
-            </a:ln>
-          </p:spPr>
-          <p:style>
-            <a:lnRef idx="1">
-              <a:schemeClr val="accent1"/>
-            </a:lnRef>
-            <a:fillRef idx="0">
-              <a:schemeClr val="accent1"/>
-            </a:fillRef>
-            <a:effectRef idx="0">
-              <a:schemeClr val="accent1"/>
-            </a:effectRef>
-            <a:fontRef idx="minor">
-              <a:schemeClr val="tx1"/>
-            </a:fontRef>
-          </p:style>
-        </p:cxnSp>
-        <p:sp>
-          <p:nvSpPr>
-            <p:cNvPr id="72" name="CaixaDeTexto 71"/>
-            <p:cNvSpPr txBox="1"/>
-            <p:nvPr/>
-          </p:nvSpPr>
-          <p:spPr>
-            <a:xfrm>
-              <a:off x="8008085" y="2533081"/>
-              <a:ext cx="1445464" cy="369332"/>
-            </a:xfrm>
-            <a:prstGeom prst="rect">
-              <a:avLst/>
-            </a:prstGeom>
-            <a:solidFill>
-              <a:schemeClr val="bg1"/>
-            </a:solidFill>
-          </p:spPr>
-          <p:txBody>
-            <a:bodyPr wrap="square" rtlCol="0">
-              <a:spAutoFit/>
-            </a:bodyPr>
-            <a:lstStyle/>
-            <a:p>
-              <a:pPr marL="0" marR="0" lvl="0" indent="0" algn="ctr" defTabSz="914400" rtl="0" eaLnBrk="1" fontAlgn="auto" latinLnBrk="0" hangingPunct="1">
-                <a:lnSpc>
-                  <a:spcPct val="100000"/>
-                </a:lnSpc>
-                <a:spcBef>
-                  <a:spcPts val="0"/>
-                </a:spcBef>
-                <a:spcAft>
-                  <a:spcPts val="0"/>
-                </a:spcAft>
-                <a:buClrTx/>
-                <a:buSzTx/>
-                <a:buFontTx/>
-                <a:buNone/>
-                <a:tabLst/>
-                <a:defRPr/>
-              </a:pPr>
-              <a:r>
-                <a:rPr kumimoji="0" lang="pt-BR" sz="1800" b="0" i="0" u="none" strike="noStrike" kern="1200" cap="none" spc="0" normalizeH="0" baseline="0" noProof="0" dirty="0">
-                  <a:ln>
-                    <a:noFill/>
-                  </a:ln>
-                  <a:solidFill>
-                    <a:prstClr val="black"/>
-                  </a:solidFill>
-                  <a:effectLst/>
-                  <a:uLnTx/>
-                  <a:uFillTx/>
-                  <a:latin typeface="Calibri" panose="020F0502020204030204"/>
-                  <a:ea typeface="+mn-ea"/>
-                  <a:cs typeface="+mn-cs"/>
-                </a:rPr>
-                <a:t>Conta</a:t>
-              </a:r>
-            </a:p>
-          </p:txBody>
-        </p:sp>
-        <p:cxnSp>
-          <p:nvCxnSpPr>
-            <p:cNvPr id="65" name="Conector em Curva 64"/>
-            <p:cNvCxnSpPr>
-              <a:stCxn id="10" idx="6"/>
-              <a:endCxn id="62" idx="2"/>
-            </p:cNvCxnSpPr>
-            <p:nvPr/>
-          </p:nvCxnSpPr>
-          <p:spPr>
-            <a:xfrm flipV="1">
-              <a:off x="9436404" y="2233922"/>
-              <a:ext cx="1207957" cy="1692743"/>
-            </a:xfrm>
-            <a:prstGeom prst="curvedConnector2">
-              <a:avLst/>
-            </a:prstGeom>
-            <a:ln w="28575">
-              <a:solidFill>
-                <a:schemeClr val="tx1"/>
-              </a:solidFill>
-              <a:tailEnd type="triangle"/>
-            </a:ln>
-          </p:spPr>
-          <p:style>
-            <a:lnRef idx="1">
-              <a:schemeClr val="accent1"/>
-            </a:lnRef>
-            <a:fillRef idx="0">
-              <a:schemeClr val="accent1"/>
-            </a:fillRef>
-            <a:effectRef idx="0">
-              <a:schemeClr val="accent1"/>
-            </a:effectRef>
-            <a:fontRef idx="minor">
-              <a:schemeClr val="tx1"/>
-            </a:fontRef>
-          </p:style>
-        </p:cxnSp>
-        <p:sp>
-          <p:nvSpPr>
-            <p:cNvPr id="77" name="CaixaDeTexto 76"/>
-            <p:cNvSpPr txBox="1"/>
-            <p:nvPr/>
-          </p:nvSpPr>
-          <p:spPr>
-            <a:xfrm>
-              <a:off x="9520882" y="3206664"/>
-              <a:ext cx="1445464" cy="369332"/>
-            </a:xfrm>
-            <a:prstGeom prst="rect">
-              <a:avLst/>
-            </a:prstGeom>
-            <a:solidFill>
-              <a:schemeClr val="bg1"/>
-            </a:solidFill>
-          </p:spPr>
-          <p:txBody>
-            <a:bodyPr wrap="square" rtlCol="0">
-              <a:spAutoFit/>
-            </a:bodyPr>
-            <a:lstStyle/>
-            <a:p>
-              <a:pPr marL="0" marR="0" lvl="0" indent="0" algn="ctr" defTabSz="914400" rtl="0" eaLnBrk="1" fontAlgn="auto" latinLnBrk="0" hangingPunct="1">
-                <a:lnSpc>
-                  <a:spcPct val="100000"/>
-                </a:lnSpc>
-                <a:spcBef>
-                  <a:spcPts val="0"/>
-                </a:spcBef>
-                <a:spcAft>
-                  <a:spcPts val="0"/>
-                </a:spcAft>
-                <a:buClrTx/>
-                <a:buSzTx/>
-                <a:buFontTx/>
-                <a:buNone/>
-                <a:tabLst/>
-                <a:defRPr/>
-              </a:pPr>
-              <a:r>
-                <a:rPr kumimoji="0" lang="pt-BR" sz="1800" b="0" i="0" u="none" strike="noStrike" kern="1200" cap="none" spc="0" normalizeH="0" baseline="0" noProof="0" dirty="0">
-                  <a:ln>
-                    <a:noFill/>
-                  </a:ln>
-                  <a:solidFill>
-                    <a:prstClr val="black"/>
-                  </a:solidFill>
-                  <a:effectLst/>
-                  <a:uLnTx/>
-                  <a:uFillTx/>
-                  <a:latin typeface="Calibri" panose="020F0502020204030204"/>
-                  <a:ea typeface="+mn-ea"/>
-                  <a:cs typeface="+mn-cs"/>
-                </a:rPr>
-                <a:t>Conta</a:t>
-              </a:r>
-            </a:p>
-          </p:txBody>
-        </p:sp>
-        <p:cxnSp>
-          <p:nvCxnSpPr>
-            <p:cNvPr id="16" name="Conector: Curvo 15">
-              <a:extLst>
-                <a:ext uri="{FF2B5EF4-FFF2-40B4-BE49-F238E27FC236}">
-                  <a16:creationId xmlns:a16="http://schemas.microsoft.com/office/drawing/2014/main" id="{5B9648DC-7FF0-4C7D-96EF-BCE743D678C0}"/>
-                </a:ext>
-              </a:extLst>
-            </p:cNvPr>
-            <p:cNvCxnSpPr>
-              <a:cxnSpLocks/>
-              <a:stCxn id="33" idx="4"/>
-            </p:cNvCxnSpPr>
-            <p:nvPr/>
-          </p:nvCxnSpPr>
-          <p:spPr>
-            <a:xfrm rot="16200000" flipH="1">
-              <a:off x="3170705" y="3740205"/>
-              <a:ext cx="1286578" cy="3179879"/>
-            </a:xfrm>
-            <a:prstGeom prst="curvedConnector2">
-              <a:avLst/>
-            </a:prstGeom>
-            <a:ln w="28575">
-              <a:solidFill>
-                <a:schemeClr val="tx1"/>
-              </a:solidFill>
-              <a:headEnd type="triangle"/>
-              <a:tailEnd type="triangle"/>
-            </a:ln>
-          </p:spPr>
-          <p:style>
-            <a:lnRef idx="1">
-              <a:schemeClr val="accent1"/>
-            </a:lnRef>
-            <a:fillRef idx="0">
-              <a:schemeClr val="accent1"/>
-            </a:fillRef>
-            <a:effectRef idx="0">
-              <a:schemeClr val="accent1"/>
-            </a:effectRef>
-            <a:fontRef idx="minor">
-              <a:schemeClr val="tx1"/>
-            </a:fontRef>
-          </p:style>
-        </p:cxnSp>
-        <p:sp>
-          <p:nvSpPr>
-            <p:cNvPr id="31" name="Retângulo 30">
-              <a:extLst>
-                <a:ext uri="{FF2B5EF4-FFF2-40B4-BE49-F238E27FC236}">
-                  <a16:creationId xmlns:a16="http://schemas.microsoft.com/office/drawing/2014/main" id="{05680D84-92BC-4DC2-B521-735E5BFDF2B7}"/>
-                </a:ext>
-              </a:extLst>
-            </p:cNvPr>
-            <p:cNvSpPr/>
-            <p:nvPr/>
-          </p:nvSpPr>
-          <p:spPr>
-            <a:xfrm>
-              <a:off x="1514616" y="1366739"/>
-              <a:ext cx="1418878" cy="853854"/>
-            </a:xfrm>
-            <a:prstGeom prst="rect">
-              <a:avLst/>
-            </a:prstGeom>
-          </p:spPr>
-          <p:style>
-            <a:lnRef idx="2">
-              <a:schemeClr val="accent1">
-                <a:shade val="50000"/>
-              </a:schemeClr>
-            </a:lnRef>
-            <a:fillRef idx="1">
-              <a:schemeClr val="accent1"/>
-            </a:fillRef>
-            <a:effectRef idx="0">
-              <a:schemeClr val="accent1"/>
-            </a:effectRef>
-            <a:fontRef idx="minor">
-              <a:schemeClr val="lt1"/>
-            </a:fontRef>
-          </p:style>
-          <p:txBody>
-            <a:bodyPr rtlCol="0" anchor="ctr"/>
-            <a:lstStyle/>
-            <a:p>
-              <a:pPr marL="0" marR="0" lvl="0" indent="0" algn="ctr" defTabSz="914400" rtl="0" eaLnBrk="1" fontAlgn="auto" latinLnBrk="0" hangingPunct="1">
-                <a:lnSpc>
-                  <a:spcPct val="100000"/>
-                </a:lnSpc>
-                <a:spcBef>
-                  <a:spcPts val="0"/>
-                </a:spcBef>
-                <a:spcAft>
-                  <a:spcPts val="0"/>
-                </a:spcAft>
-                <a:buClrTx/>
-                <a:buSzTx/>
-                <a:buFontTx/>
-                <a:buNone/>
-                <a:tabLst/>
-                <a:defRPr/>
-              </a:pPr>
-              <a:r>
-                <a:rPr kumimoji="0" lang="pt-BR" sz="1600" b="0" i="0" u="none" strike="noStrike" kern="1200" cap="none" spc="0" normalizeH="0" baseline="0" noProof="0" dirty="0">
-                  <a:ln>
-                    <a:noFill/>
-                  </a:ln>
-                  <a:solidFill>
-                    <a:prstClr val="white"/>
-                  </a:solidFill>
-                  <a:effectLst/>
-                  <a:uLnTx/>
-                  <a:uFillTx/>
-                  <a:latin typeface="Calibri" panose="020F0502020204030204"/>
-                  <a:ea typeface="+mn-ea"/>
-                  <a:cs typeface="+mn-cs"/>
-                </a:rPr>
-                <a:t>Cozinha</a:t>
-              </a:r>
-              <a:endParaRPr kumimoji="0" lang="pt-BR" sz="1800" b="0" i="0" u="none" strike="noStrike" kern="1200" cap="none" spc="0" normalizeH="0" baseline="0" noProof="0" dirty="0">
-                <a:ln>
-                  <a:noFill/>
-                </a:ln>
-                <a:solidFill>
-                  <a:prstClr val="white"/>
-                </a:solidFill>
-                <a:effectLst/>
-                <a:uLnTx/>
-                <a:uFillTx/>
-                <a:latin typeface="Calibri" panose="020F0502020204030204"/>
-                <a:ea typeface="+mn-ea"/>
-                <a:cs typeface="+mn-cs"/>
-              </a:endParaRPr>
-            </a:p>
-          </p:txBody>
-        </p:sp>
-        <p:sp>
-          <p:nvSpPr>
-            <p:cNvPr id="33" name="Elipse 32">
-              <a:extLst>
-                <a:ext uri="{FF2B5EF4-FFF2-40B4-BE49-F238E27FC236}">
-                  <a16:creationId xmlns:a16="http://schemas.microsoft.com/office/drawing/2014/main" id="{CD9F7833-E81B-4A0D-90D9-F407740771C5}"/>
-                </a:ext>
-              </a:extLst>
-            </p:cNvPr>
-            <p:cNvSpPr/>
-            <p:nvPr/>
-          </p:nvSpPr>
-          <p:spPr>
-            <a:xfrm>
-              <a:off x="1504055" y="3246856"/>
-              <a:ext cx="1440000" cy="1440000"/>
-            </a:xfrm>
-            <a:prstGeom prst="ellipse">
-              <a:avLst/>
-            </a:prstGeom>
-          </p:spPr>
-          <p:style>
-            <a:lnRef idx="2">
-              <a:schemeClr val="accent1">
-                <a:shade val="50000"/>
-              </a:schemeClr>
-            </a:lnRef>
-            <a:fillRef idx="1">
-              <a:schemeClr val="accent1"/>
-            </a:fillRef>
-            <a:effectRef idx="0">
-              <a:schemeClr val="accent1"/>
-            </a:effectRef>
-            <a:fontRef idx="minor">
-              <a:schemeClr val="lt1"/>
-            </a:fontRef>
-          </p:style>
-          <p:txBody>
-            <a:bodyPr rtlCol="0" anchor="ctr"/>
-            <a:lstStyle/>
-            <a:p>
-              <a:pPr marL="0" marR="0" lvl="0" indent="0" algn="ctr" defTabSz="914400" rtl="0" eaLnBrk="1" fontAlgn="auto" latinLnBrk="0" hangingPunct="1">
-                <a:lnSpc>
-                  <a:spcPct val="100000"/>
-                </a:lnSpc>
-                <a:spcBef>
-                  <a:spcPts val="0"/>
-                </a:spcBef>
-                <a:spcAft>
-                  <a:spcPts val="0"/>
-                </a:spcAft>
-                <a:buClrTx/>
-                <a:buSzTx/>
-                <a:buFontTx/>
-                <a:buNone/>
-                <a:tabLst/>
-                <a:defRPr/>
-              </a:pPr>
-              <a:r>
-                <a:rPr kumimoji="0" lang="pt-BR" sz="1600" b="0" i="0" u="none" strike="noStrike" kern="1200" cap="none" spc="0" normalizeH="0" baseline="0" noProof="0" dirty="0">
-                  <a:ln>
-                    <a:noFill/>
-                  </a:ln>
-                  <a:solidFill>
-                    <a:prstClr val="white"/>
-                  </a:solidFill>
-                  <a:effectLst/>
-                  <a:uLnTx/>
-                  <a:uFillTx/>
-                  <a:latin typeface="Calibri" panose="020F0502020204030204"/>
-                  <a:ea typeface="+mn-ea"/>
-                  <a:cs typeface="+mn-cs"/>
-                </a:rPr>
-                <a:t>Entregar pedido</a:t>
-              </a:r>
-            </a:p>
-          </p:txBody>
-        </p:sp>
-        <p:cxnSp>
-          <p:nvCxnSpPr>
-            <p:cNvPr id="35" name="Conector em Curva 65">
-              <a:extLst>
-                <a:ext uri="{FF2B5EF4-FFF2-40B4-BE49-F238E27FC236}">
-                  <a16:creationId xmlns:a16="http://schemas.microsoft.com/office/drawing/2014/main" id="{B9C29B4A-7E4B-4E71-B951-CE57277559B8}"/>
-                </a:ext>
-              </a:extLst>
-            </p:cNvPr>
-            <p:cNvCxnSpPr>
-              <a:cxnSpLocks/>
-              <a:stCxn id="33" idx="6"/>
-              <a:endCxn id="5" idx="1"/>
-            </p:cNvCxnSpPr>
-            <p:nvPr/>
-          </p:nvCxnSpPr>
-          <p:spPr>
-            <a:xfrm flipV="1">
-              <a:off x="2944055" y="1802761"/>
-              <a:ext cx="2347517" cy="2164095"/>
-            </a:xfrm>
-            <a:prstGeom prst="curvedConnector3">
-              <a:avLst>
-                <a:gd name="adj1" fmla="val 50000"/>
-              </a:avLst>
-            </a:prstGeom>
-            <a:ln w="28575">
-              <a:solidFill>
-                <a:schemeClr val="tx1"/>
-              </a:solidFill>
-              <a:tailEnd type="triangle"/>
-            </a:ln>
-          </p:spPr>
-          <p:style>
-            <a:lnRef idx="1">
-              <a:schemeClr val="accent1"/>
-            </a:lnRef>
-            <a:fillRef idx="0">
-              <a:schemeClr val="accent1"/>
-            </a:fillRef>
-            <a:effectRef idx="0">
-              <a:schemeClr val="accent1"/>
-            </a:effectRef>
-            <a:fontRef idx="minor">
-              <a:schemeClr val="tx1"/>
-            </a:fontRef>
-          </p:style>
-        </p:cxnSp>
-        <p:cxnSp>
-          <p:nvCxnSpPr>
-            <p:cNvPr id="36" name="Conector de Seta Reta 35">
-              <a:extLst>
-                <a:ext uri="{FF2B5EF4-FFF2-40B4-BE49-F238E27FC236}">
-                  <a16:creationId xmlns:a16="http://schemas.microsoft.com/office/drawing/2014/main" id="{85A87033-DC9B-4045-958C-61F44276951B}"/>
-                </a:ext>
-              </a:extLst>
-            </p:cNvPr>
-            <p:cNvCxnSpPr>
-              <a:stCxn id="31" idx="2"/>
-              <a:endCxn id="33" idx="0"/>
-            </p:cNvCxnSpPr>
-            <p:nvPr/>
-          </p:nvCxnSpPr>
-          <p:spPr>
-            <a:xfrm>
-              <a:off x="2224055" y="2220593"/>
-              <a:ext cx="0" cy="1026263"/>
-            </a:xfrm>
-            <a:prstGeom prst="straightConnector1">
-              <a:avLst/>
-            </a:prstGeom>
-            <a:ln w="28575">
-              <a:solidFill>
-                <a:schemeClr val="tx1"/>
-              </a:solidFill>
-              <a:tailEnd type="triangle"/>
-            </a:ln>
-          </p:spPr>
-          <p:style>
-            <a:lnRef idx="1">
-              <a:schemeClr val="accent1"/>
-            </a:lnRef>
-            <a:fillRef idx="0">
-              <a:schemeClr val="accent1"/>
-            </a:fillRef>
-            <a:effectRef idx="0">
-              <a:schemeClr val="accent1"/>
-            </a:effectRef>
-            <a:fontRef idx="minor">
-              <a:schemeClr val="tx1"/>
-            </a:fontRef>
-          </p:style>
-        </p:cxnSp>
-        <p:sp>
-          <p:nvSpPr>
-            <p:cNvPr id="37" name="CaixaDeTexto 36">
-              <a:extLst>
-                <a:ext uri="{FF2B5EF4-FFF2-40B4-BE49-F238E27FC236}">
-                  <a16:creationId xmlns:a16="http://schemas.microsoft.com/office/drawing/2014/main" id="{06F0298B-AA49-4F39-ABDC-B34C80DC6DB0}"/>
-                </a:ext>
-              </a:extLst>
-            </p:cNvPr>
-            <p:cNvSpPr txBox="1"/>
-            <p:nvPr/>
-          </p:nvSpPr>
-          <p:spPr>
-            <a:xfrm>
-              <a:off x="1458425" y="2395927"/>
-              <a:ext cx="1514231" cy="369332"/>
-            </a:xfrm>
-            <a:prstGeom prst="rect">
-              <a:avLst/>
-            </a:prstGeom>
-            <a:solidFill>
-              <a:schemeClr val="bg1"/>
-            </a:solidFill>
-          </p:spPr>
-          <p:txBody>
-            <a:bodyPr wrap="square" rtlCol="0">
-              <a:spAutoFit/>
-            </a:bodyPr>
-            <a:lstStyle/>
-            <a:p>
-              <a:pPr marL="0" marR="0" lvl="0" indent="0" algn="l" defTabSz="914400" rtl="0" eaLnBrk="1" fontAlgn="auto" latinLnBrk="0" hangingPunct="1">
-                <a:lnSpc>
-                  <a:spcPct val="100000"/>
-                </a:lnSpc>
-                <a:spcBef>
-                  <a:spcPts val="0"/>
-                </a:spcBef>
-                <a:spcAft>
-                  <a:spcPts val="0"/>
-                </a:spcAft>
-                <a:buClrTx/>
-                <a:buSzTx/>
-                <a:buFontTx/>
-                <a:buNone/>
-                <a:tabLst/>
-                <a:defRPr/>
-              </a:pPr>
-              <a:r>
-                <a:rPr kumimoji="0" lang="pt-BR" sz="1800" b="0" i="0" u="none" strike="noStrike" kern="1200" cap="none" spc="0" normalizeH="0" baseline="0" noProof="0" dirty="0">
-                  <a:ln>
-                    <a:noFill/>
-                  </a:ln>
-                  <a:solidFill>
-                    <a:prstClr val="black"/>
-                  </a:solidFill>
-                  <a:effectLst/>
-                  <a:uLnTx/>
-                  <a:uFillTx/>
-                  <a:latin typeface="Calibri" panose="020F0502020204030204"/>
-                  <a:ea typeface="+mn-ea"/>
-                  <a:cs typeface="+mn-cs"/>
-                </a:rPr>
-                <a:t>Pedido pronto</a:t>
-              </a:r>
-            </a:p>
-          </p:txBody>
-        </p:sp>
-        <p:sp>
-          <p:nvSpPr>
-            <p:cNvPr id="38" name="CaixaDeTexto 37">
-              <a:extLst>
-                <a:ext uri="{FF2B5EF4-FFF2-40B4-BE49-F238E27FC236}">
-                  <a16:creationId xmlns:a16="http://schemas.microsoft.com/office/drawing/2014/main" id="{2552954D-7FEE-4441-852E-81973799A481}"/>
-                </a:ext>
-              </a:extLst>
-            </p:cNvPr>
-            <p:cNvSpPr txBox="1"/>
-            <p:nvPr/>
-          </p:nvSpPr>
-          <p:spPr>
-            <a:xfrm>
-              <a:off x="3447302" y="2517650"/>
-              <a:ext cx="1514231" cy="369332"/>
-            </a:xfrm>
-            <a:prstGeom prst="rect">
-              <a:avLst/>
-            </a:prstGeom>
-            <a:solidFill>
-              <a:schemeClr val="bg1"/>
-            </a:solidFill>
-          </p:spPr>
-          <p:txBody>
-            <a:bodyPr wrap="square" rtlCol="0">
-              <a:spAutoFit/>
-            </a:bodyPr>
-            <a:lstStyle/>
-            <a:p>
-              <a:pPr marL="0" marR="0" lvl="0" indent="0" algn="l" defTabSz="914400" rtl="0" eaLnBrk="1" fontAlgn="auto" latinLnBrk="0" hangingPunct="1">
-                <a:lnSpc>
-                  <a:spcPct val="100000"/>
-                </a:lnSpc>
-                <a:spcBef>
-                  <a:spcPts val="0"/>
-                </a:spcBef>
-                <a:spcAft>
-                  <a:spcPts val="0"/>
-                </a:spcAft>
-                <a:buClrTx/>
-                <a:buSzTx/>
-                <a:buFontTx/>
-                <a:buNone/>
-                <a:tabLst/>
-                <a:defRPr/>
-              </a:pPr>
-              <a:r>
-                <a:rPr kumimoji="0" lang="pt-BR" sz="1800" b="0" i="0" u="none" strike="noStrike" kern="1200" cap="none" spc="0" normalizeH="0" baseline="0" noProof="0" dirty="0">
-                  <a:ln>
-                    <a:noFill/>
-                  </a:ln>
-                  <a:solidFill>
-                    <a:prstClr val="black"/>
-                  </a:solidFill>
-                  <a:effectLst/>
-                  <a:uLnTx/>
-                  <a:uFillTx/>
-                  <a:latin typeface="Calibri" panose="020F0502020204030204"/>
-                  <a:ea typeface="+mn-ea"/>
-                  <a:cs typeface="+mn-cs"/>
-                </a:rPr>
-                <a:t>Pedido pronto</a:t>
-              </a:r>
-            </a:p>
-          </p:txBody>
-        </p:sp>
-      </p:grpSp>
-    </p:spTree>
-    <p:extLst>
-      <p:ext uri="{BB962C8B-B14F-4D97-AF65-F5344CB8AC3E}">
-        <p14:creationId xmlns:p14="http://schemas.microsoft.com/office/powerpoint/2010/main" val="3551471499"/>
-      </p:ext>
-    </p:extLst>
-  </p:cSld>
-  <p:clrMapOvr>
-    <a:masterClrMapping/>
-  </p:clrMapOvr>
-</p:sld>
-</file>
-
-<file path=ppt/slides/slide5.xml><?xml version="1.0" encoding="utf-8"?>
-<p:sld xmlns:a="http://schemas.openxmlformats.org/drawingml/2006/main" xmlns:r="http://schemas.openxmlformats.org/officeDocument/2006/relationships" xmlns:p="http://schemas.openxmlformats.org/presentationml/2006/main">
-  <p:cSld>
-    <p:spTree>
-      <p:nvGrpSpPr>
-        <p:cNvPr id="1" name=""/>
-        <p:cNvGrpSpPr/>
-        <p:nvPr/>
-      </p:nvGrpSpPr>
-      <p:grpSpPr>
-        <a:xfrm>
-          <a:off x="0" y="0"/>
-          <a:ext cx="0" cy="0"/>
-          <a:chOff x="0" y="0"/>
-          <a:chExt cx="0" cy="0"/>
-        </a:xfrm>
-      </p:grpSpPr>
-      <p:sp>
-        <p:nvSpPr>
-          <p:cNvPr id="2" name="Título 1"/>
-          <p:cNvSpPr>
-            <a:spLocks noGrp="1"/>
-          </p:cNvSpPr>
-          <p:nvPr>
-            <p:ph type="title"/>
-          </p:nvPr>
-        </p:nvSpPr>
-        <p:spPr>
-          <a:xfrm>
-            <a:off x="838200" y="365126"/>
-            <a:ext cx="10515600" cy="424584"/>
-          </a:xfrm>
-        </p:spPr>
-        <p:txBody>
-          <a:bodyPr>
-            <a:normAutofit fontScale="90000"/>
-          </a:bodyPr>
-          <a:lstStyle/>
-          <a:p>
-            <a:r>
-              <a:rPr lang="pt-BR" sz="3200" dirty="0"/>
               <a:t>DFD Cozinha - Preparar o pedido</a:t>
             </a:r>
           </a:p>
@@ -42005,7 +34837,7 @@
 </p:sld>
 </file>
 
-<file path=ppt/slides/slide6.xml><?xml version="1.0" encoding="utf-8"?>
+<file path=ppt/slides/slide4.xml><?xml version="1.0" encoding="utf-8"?>
 <p:sld xmlns:a="http://schemas.openxmlformats.org/drawingml/2006/main" xmlns:r="http://schemas.openxmlformats.org/officeDocument/2006/relationships" xmlns:p="http://schemas.openxmlformats.org/presentationml/2006/main">
   <p:cSld>
     <p:spTree>
@@ -44032,7 +36864,7 @@
 </p:sld>
 </file>
 
-<file path=ppt/slides/slide7.xml><?xml version="1.0" encoding="utf-8"?>
+<file path=ppt/slides/slide5.xml><?xml version="1.0" encoding="utf-8"?>
 <p:sld xmlns:a="http://schemas.openxmlformats.org/drawingml/2006/main" xmlns:r="http://schemas.openxmlformats.org/officeDocument/2006/relationships" xmlns:p="http://schemas.openxmlformats.org/presentationml/2006/main">
   <p:cSld>
     <p:spTree>
@@ -44053,6 +36885,7 @@
         <p:nvCxnSpPr>
           <p:cNvPr id="91" name="Conector em Curva 90"/>
           <p:cNvCxnSpPr>
+            <a:cxnSpLocks/>
             <a:stCxn id="9" idx="6"/>
             <a:endCxn id="5" idx="0"/>
           </p:cNvCxnSpPr>
@@ -44066,7 +36899,7 @@
           <a:prstGeom prst="curvedConnector4">
             <a:avLst>
               <a:gd name="adj1" fmla="val 39025"/>
-              <a:gd name="adj2" fmla="val 113588"/>
+              <a:gd name="adj2" fmla="val 117137"/>
             </a:avLst>
           </a:prstGeom>
           <a:ln w="28575">
@@ -45095,6 +37928,7 @@
         <p:nvCxnSpPr>
           <p:cNvPr id="12" name="Conector em Curva 11"/>
           <p:cNvCxnSpPr>
+            <a:cxnSpLocks/>
             <a:stCxn id="5" idx="1"/>
             <a:endCxn id="9" idx="4"/>
           </p:cNvCxnSpPr>
@@ -45248,7 +38082,7 @@
 </p:sld>
 </file>
 
-<file path=ppt/slides/slide8.xml><?xml version="1.0" encoding="utf-8"?>
+<file path=ppt/slides/slide6.xml><?xml version="1.0" encoding="utf-8"?>
 <p:sld xmlns:a="http://schemas.openxmlformats.org/drawingml/2006/main" xmlns:r="http://schemas.openxmlformats.org/officeDocument/2006/relationships" xmlns:p="http://schemas.openxmlformats.org/presentationml/2006/main">
   <p:cSld>
     <p:spTree>
@@ -46566,7 +39400,7 @@
 </p:sld>
 </file>
 
-<file path=ppt/slides/slide9.xml><?xml version="1.0" encoding="utf-8"?>
+<file path=ppt/slides/slide7.xml><?xml version="1.0" encoding="utf-8"?>
 <p:sld xmlns:a="http://schemas.openxmlformats.org/drawingml/2006/main" xmlns:r="http://schemas.openxmlformats.org/officeDocument/2006/relationships" xmlns:p="http://schemas.openxmlformats.org/presentationml/2006/main">
   <p:cSld>
     <p:spTree>
@@ -48144,6 +40978,811 @@
     <p:extLst>
       <p:ext uri="{BB962C8B-B14F-4D97-AF65-F5344CB8AC3E}">
         <p14:creationId xmlns:p14="http://schemas.microsoft.com/office/powerpoint/2010/main" val="3456376056"/>
+      </p:ext>
+    </p:extLst>
+  </p:cSld>
+  <p:clrMapOvr>
+    <a:masterClrMapping/>
+  </p:clrMapOvr>
+</p:sld>
+</file>
+
+<file path=ppt/slides/slide8.xml><?xml version="1.0" encoding="utf-8"?>
+<p:sld xmlns:a="http://schemas.openxmlformats.org/drawingml/2006/main" xmlns:r="http://schemas.openxmlformats.org/officeDocument/2006/relationships" xmlns:p="http://schemas.openxmlformats.org/presentationml/2006/main">
+  <p:cSld>
+    <p:spTree>
+      <p:nvGrpSpPr>
+        <p:cNvPr id="1" name=""/>
+        <p:cNvGrpSpPr/>
+        <p:nvPr/>
+      </p:nvGrpSpPr>
+      <p:grpSpPr>
+        <a:xfrm>
+          <a:off x="0" y="0"/>
+          <a:ext cx="0" cy="0"/>
+          <a:chOff x="0" y="0"/>
+          <a:chExt cx="0" cy="0"/>
+        </a:xfrm>
+      </p:grpSpPr>
+      <p:sp>
+        <p:nvSpPr>
+          <p:cNvPr id="2" name="Título 1"/>
+          <p:cNvSpPr>
+            <a:spLocks noGrp="1"/>
+          </p:cNvSpPr>
+          <p:nvPr>
+            <p:ph type="title"/>
+          </p:nvPr>
+        </p:nvSpPr>
+        <p:spPr>
+          <a:xfrm>
+            <a:off x="838200" y="365126"/>
+            <a:ext cx="10515600" cy="424584"/>
+          </a:xfrm>
+        </p:spPr>
+        <p:txBody>
+          <a:bodyPr>
+            <a:normAutofit fontScale="90000"/>
+          </a:bodyPr>
+          <a:lstStyle/>
+          <a:p>
+            <a:r>
+              <a:rPr lang="pt-BR" sz="3200" dirty="0"/>
+              <a:t>DFD Escritório da Gerência - Realizar evento</a:t>
+            </a:r>
+          </a:p>
+        </p:txBody>
+      </p:sp>
+      <p:sp>
+        <p:nvSpPr>
+          <p:cNvPr id="5" name="Retângulo 4"/>
+          <p:cNvSpPr/>
+          <p:nvPr/>
+        </p:nvSpPr>
+        <p:spPr>
+          <a:xfrm>
+            <a:off x="7247715" y="1400377"/>
+            <a:ext cx="1418878" cy="853854"/>
+          </a:xfrm>
+          <a:prstGeom prst="rect">
+            <a:avLst/>
+          </a:prstGeom>
+        </p:spPr>
+        <p:style>
+          <a:lnRef idx="2">
+            <a:schemeClr val="accent1">
+              <a:shade val="50000"/>
+            </a:schemeClr>
+          </a:lnRef>
+          <a:fillRef idx="1">
+            <a:schemeClr val="accent1"/>
+          </a:fillRef>
+          <a:effectRef idx="0">
+            <a:schemeClr val="accent1"/>
+          </a:effectRef>
+          <a:fontRef idx="minor">
+            <a:schemeClr val="lt1"/>
+          </a:fontRef>
+        </p:style>
+        <p:txBody>
+          <a:bodyPr rtlCol="0" anchor="ctr"/>
+          <a:lstStyle/>
+          <a:p>
+            <a:pPr marL="0" marR="0" lvl="0" indent="0" algn="ctr" defTabSz="914400" rtl="0" eaLnBrk="1" fontAlgn="auto" latinLnBrk="0" hangingPunct="1">
+              <a:lnSpc>
+                <a:spcPct val="100000"/>
+              </a:lnSpc>
+              <a:spcBef>
+                <a:spcPts val="0"/>
+              </a:spcBef>
+              <a:spcAft>
+                <a:spcPts val="0"/>
+              </a:spcAft>
+              <a:buClrTx/>
+              <a:buSzTx/>
+              <a:buFontTx/>
+              <a:buNone/>
+              <a:tabLst/>
+              <a:defRPr/>
+            </a:pPr>
+            <a:r>
+              <a:rPr kumimoji="0" lang="pt-BR" sz="1600" b="0" i="0" u="none" strike="noStrike" kern="1200" cap="none" spc="0" normalizeH="0" baseline="0" noProof="0" dirty="0">
+                <a:ln>
+                  <a:noFill/>
+                </a:ln>
+                <a:solidFill>
+                  <a:prstClr val="white"/>
+                </a:solidFill>
+                <a:effectLst/>
+                <a:uLnTx/>
+                <a:uFillTx/>
+                <a:latin typeface="Calibri" panose="020F0502020204030204"/>
+                <a:ea typeface="+mn-ea"/>
+                <a:cs typeface="+mn-cs"/>
+              </a:rPr>
+              <a:t>Convidado</a:t>
+            </a:r>
+            <a:endParaRPr kumimoji="0" lang="pt-BR" sz="1800" b="0" i="0" u="none" strike="noStrike" kern="1200" cap="none" spc="0" normalizeH="0" baseline="0" noProof="0" dirty="0">
+              <a:ln>
+                <a:noFill/>
+              </a:ln>
+              <a:solidFill>
+                <a:prstClr val="white"/>
+              </a:solidFill>
+              <a:effectLst/>
+              <a:uLnTx/>
+              <a:uFillTx/>
+              <a:latin typeface="Calibri" panose="020F0502020204030204"/>
+              <a:ea typeface="+mn-ea"/>
+              <a:cs typeface="+mn-cs"/>
+            </a:endParaRPr>
+          </a:p>
+        </p:txBody>
+      </p:sp>
+      <p:cxnSp>
+        <p:nvCxnSpPr>
+          <p:cNvPr id="91" name="Conector em Curva 90"/>
+          <p:cNvCxnSpPr>
+            <a:stCxn id="5" idx="1"/>
+            <a:endCxn id="3" idx="3"/>
+          </p:cNvCxnSpPr>
+          <p:nvPr/>
+        </p:nvCxnSpPr>
+        <p:spPr>
+          <a:xfrm rot="10800000" flipV="1">
+            <a:off x="4759271" y="1827303"/>
+            <a:ext cx="2488445" cy="2308759"/>
+          </a:xfrm>
+          <a:prstGeom prst="curvedConnector3">
+            <a:avLst>
+              <a:gd name="adj1" fmla="val 50000"/>
+            </a:avLst>
+          </a:prstGeom>
+          <a:ln w="28575">
+            <a:solidFill>
+              <a:schemeClr val="tx1"/>
+            </a:solidFill>
+            <a:tailEnd type="triangle"/>
+          </a:ln>
+        </p:spPr>
+        <p:style>
+          <a:lnRef idx="1">
+            <a:schemeClr val="accent1"/>
+          </a:lnRef>
+          <a:fillRef idx="0">
+            <a:schemeClr val="accent1"/>
+          </a:fillRef>
+          <a:effectRef idx="0">
+            <a:schemeClr val="accent1"/>
+          </a:effectRef>
+          <a:fontRef idx="minor">
+            <a:schemeClr val="tx1"/>
+          </a:fontRef>
+        </p:style>
+      </p:cxnSp>
+      <p:sp>
+        <p:nvSpPr>
+          <p:cNvPr id="49" name="CaixaDeTexto 48"/>
+          <p:cNvSpPr txBox="1"/>
+          <p:nvPr/>
+        </p:nvSpPr>
+        <p:spPr>
+          <a:xfrm>
+            <a:off x="5258617" y="2429565"/>
+            <a:ext cx="1514231" cy="369332"/>
+          </a:xfrm>
+          <a:prstGeom prst="rect">
+            <a:avLst/>
+          </a:prstGeom>
+          <a:solidFill>
+            <a:schemeClr val="bg1"/>
+          </a:solidFill>
+        </p:spPr>
+        <p:txBody>
+          <a:bodyPr wrap="square" rtlCol="0">
+            <a:spAutoFit/>
+          </a:bodyPr>
+          <a:lstStyle/>
+          <a:p>
+            <a:pPr marL="0" marR="0" lvl="0" indent="0" algn="ctr" defTabSz="914400" rtl="0" eaLnBrk="1" fontAlgn="auto" latinLnBrk="0" hangingPunct="1">
+              <a:lnSpc>
+                <a:spcPct val="100000"/>
+              </a:lnSpc>
+              <a:spcBef>
+                <a:spcPts val="0"/>
+              </a:spcBef>
+              <a:spcAft>
+                <a:spcPts val="0"/>
+              </a:spcAft>
+              <a:buClrTx/>
+              <a:buSzTx/>
+              <a:buFontTx/>
+              <a:buNone/>
+              <a:tabLst/>
+              <a:defRPr/>
+            </a:pPr>
+            <a:r>
+              <a:rPr kumimoji="0" lang="pt-BR" sz="1800" b="0" i="0" u="none" strike="noStrike" kern="1200" cap="none" spc="0" normalizeH="0" baseline="0" noProof="0" dirty="0">
+                <a:ln>
+                  <a:noFill/>
+                </a:ln>
+                <a:solidFill>
+                  <a:prstClr val="black"/>
+                </a:solidFill>
+                <a:effectLst/>
+                <a:uLnTx/>
+                <a:uFillTx/>
+                <a:latin typeface="Calibri" panose="020F0502020204030204"/>
+                <a:ea typeface="+mn-ea"/>
+                <a:cs typeface="+mn-cs"/>
+              </a:rPr>
+              <a:t>Convite</a:t>
+            </a:r>
+          </a:p>
+        </p:txBody>
+      </p:sp>
+      <p:grpSp>
+        <p:nvGrpSpPr>
+          <p:cNvPr id="4" name="Agrupar 3"/>
+          <p:cNvGrpSpPr/>
+          <p:nvPr/>
+        </p:nvGrpSpPr>
+        <p:grpSpPr>
+          <a:xfrm>
+            <a:off x="3250625" y="3280494"/>
+            <a:ext cx="1508645" cy="1440000"/>
+            <a:chOff x="4588544" y="3353750"/>
+            <a:chExt cx="1508645" cy="1440000"/>
+          </a:xfrm>
+        </p:grpSpPr>
+        <p:sp>
+          <p:nvSpPr>
+            <p:cNvPr id="9" name="Elipse 8"/>
+            <p:cNvSpPr/>
+            <p:nvPr/>
+          </p:nvSpPr>
+          <p:spPr>
+            <a:xfrm>
+              <a:off x="4622866" y="3353750"/>
+              <a:ext cx="1440000" cy="1440000"/>
+            </a:xfrm>
+            <a:prstGeom prst="ellipse">
+              <a:avLst/>
+            </a:prstGeom>
+          </p:spPr>
+          <p:style>
+            <a:lnRef idx="2">
+              <a:schemeClr val="accent1">
+                <a:shade val="50000"/>
+              </a:schemeClr>
+            </a:lnRef>
+            <a:fillRef idx="1">
+              <a:schemeClr val="accent1"/>
+            </a:fillRef>
+            <a:effectRef idx="0">
+              <a:schemeClr val="accent1"/>
+            </a:effectRef>
+            <a:fontRef idx="minor">
+              <a:schemeClr val="lt1"/>
+            </a:fontRef>
+          </p:style>
+          <p:txBody>
+            <a:bodyPr rtlCol="0" anchor="ctr"/>
+            <a:lstStyle/>
+            <a:p>
+              <a:pPr marL="0" marR="0" lvl="0" indent="0" algn="ctr" defTabSz="914400" rtl="0" eaLnBrk="1" fontAlgn="auto" latinLnBrk="0" hangingPunct="1">
+                <a:lnSpc>
+                  <a:spcPct val="100000"/>
+                </a:lnSpc>
+                <a:spcBef>
+                  <a:spcPts val="0"/>
+                </a:spcBef>
+                <a:spcAft>
+                  <a:spcPts val="0"/>
+                </a:spcAft>
+                <a:buClrTx/>
+                <a:buSzTx/>
+                <a:buFontTx/>
+                <a:buNone/>
+                <a:tabLst/>
+                <a:defRPr/>
+              </a:pPr>
+              <a:endParaRPr kumimoji="0" lang="pt-BR" sz="1200" b="0" i="0" u="none" strike="noStrike" kern="1200" cap="none" spc="0" normalizeH="0" baseline="0" noProof="0" dirty="0">
+                <a:ln>
+                  <a:noFill/>
+                </a:ln>
+                <a:solidFill>
+                  <a:prstClr val="white"/>
+                </a:solidFill>
+                <a:effectLst/>
+                <a:uLnTx/>
+                <a:uFillTx/>
+                <a:latin typeface="Calibri" panose="020F0502020204030204"/>
+                <a:ea typeface="+mn-ea"/>
+                <a:cs typeface="+mn-cs"/>
+              </a:endParaRPr>
+            </a:p>
+          </p:txBody>
+        </p:sp>
+        <p:sp>
+          <p:nvSpPr>
+            <p:cNvPr id="3" name="CaixaDeTexto 2"/>
+            <p:cNvSpPr txBox="1"/>
+            <p:nvPr/>
+          </p:nvSpPr>
+          <p:spPr>
+            <a:xfrm>
+              <a:off x="4588544" y="3778432"/>
+              <a:ext cx="1508645" cy="861774"/>
+            </a:xfrm>
+            <a:prstGeom prst="rect">
+              <a:avLst/>
+            </a:prstGeom>
+            <a:noFill/>
+          </p:spPr>
+          <p:txBody>
+            <a:bodyPr wrap="square" rtlCol="0" anchor="b">
+              <a:spAutoFit/>
+            </a:bodyPr>
+            <a:lstStyle/>
+            <a:p>
+              <a:pPr marL="0" marR="0" lvl="0" indent="0" algn="ctr" defTabSz="914400" rtl="0" eaLnBrk="1" fontAlgn="auto" latinLnBrk="0" hangingPunct="1">
+                <a:lnSpc>
+                  <a:spcPct val="100000"/>
+                </a:lnSpc>
+                <a:spcBef>
+                  <a:spcPts val="0"/>
+                </a:spcBef>
+                <a:spcAft>
+                  <a:spcPts val="0"/>
+                </a:spcAft>
+                <a:buClrTx/>
+                <a:buSzTx/>
+                <a:buFontTx/>
+                <a:buNone/>
+                <a:tabLst/>
+                <a:defRPr/>
+              </a:pPr>
+              <a:r>
+                <a:rPr kumimoji="0" lang="pt-BR" sz="1600" b="0" i="0" u="none" strike="noStrike" kern="1200" cap="none" spc="0" normalizeH="0" baseline="0" noProof="0" dirty="0">
+                  <a:ln>
+                    <a:noFill/>
+                  </a:ln>
+                  <a:solidFill>
+                    <a:prstClr val="white"/>
+                  </a:solidFill>
+                  <a:effectLst/>
+                  <a:uLnTx/>
+                  <a:uFillTx/>
+                  <a:latin typeface="Calibri" panose="020F0502020204030204"/>
+                  <a:ea typeface="+mn-ea"/>
+                  <a:cs typeface="+mn-cs"/>
+                </a:rPr>
+                <a:t>Receber convidados</a:t>
+              </a:r>
+            </a:p>
+            <a:p>
+              <a:pPr marL="0" marR="0" lvl="0" indent="0" algn="l" defTabSz="914400" rtl="0" eaLnBrk="1" fontAlgn="auto" latinLnBrk="0" hangingPunct="1">
+                <a:lnSpc>
+                  <a:spcPct val="100000"/>
+                </a:lnSpc>
+                <a:spcBef>
+                  <a:spcPts val="0"/>
+                </a:spcBef>
+                <a:spcAft>
+                  <a:spcPts val="0"/>
+                </a:spcAft>
+                <a:buClrTx/>
+                <a:buSzTx/>
+                <a:buFontTx/>
+                <a:buNone/>
+                <a:tabLst/>
+                <a:defRPr/>
+              </a:pPr>
+              <a:endParaRPr kumimoji="0" lang="pt-BR" sz="1800" b="0" i="0" u="none" strike="noStrike" kern="1200" cap="none" spc="0" normalizeH="0" baseline="0" noProof="0" dirty="0">
+                <a:ln>
+                  <a:noFill/>
+                </a:ln>
+                <a:solidFill>
+                  <a:prstClr val="black"/>
+                </a:solidFill>
+                <a:effectLst/>
+                <a:uLnTx/>
+                <a:uFillTx/>
+                <a:latin typeface="Calibri" panose="020F0502020204030204"/>
+                <a:ea typeface="+mn-ea"/>
+                <a:cs typeface="+mn-cs"/>
+              </a:endParaRPr>
+            </a:p>
+          </p:txBody>
+        </p:sp>
+      </p:grpSp>
+      <p:sp>
+        <p:nvSpPr>
+          <p:cNvPr id="27" name="Retângulo 26"/>
+          <p:cNvSpPr/>
+          <p:nvPr/>
+        </p:nvSpPr>
+        <p:spPr>
+          <a:xfrm>
+            <a:off x="3295508" y="1394659"/>
+            <a:ext cx="1418878" cy="853854"/>
+          </a:xfrm>
+          <a:prstGeom prst="rect">
+            <a:avLst/>
+          </a:prstGeom>
+        </p:spPr>
+        <p:style>
+          <a:lnRef idx="2">
+            <a:schemeClr val="accent1">
+              <a:shade val="50000"/>
+            </a:schemeClr>
+          </a:lnRef>
+          <a:fillRef idx="1">
+            <a:schemeClr val="accent1"/>
+          </a:fillRef>
+          <a:effectRef idx="0">
+            <a:schemeClr val="accent1"/>
+          </a:effectRef>
+          <a:fontRef idx="minor">
+            <a:schemeClr val="lt1"/>
+          </a:fontRef>
+        </p:style>
+        <p:txBody>
+          <a:bodyPr rtlCol="0" anchor="ctr"/>
+          <a:lstStyle/>
+          <a:p>
+            <a:pPr marL="0" marR="0" lvl="0" indent="0" algn="ctr" defTabSz="914400" rtl="0" eaLnBrk="1" fontAlgn="auto" latinLnBrk="0" hangingPunct="1">
+              <a:lnSpc>
+                <a:spcPct val="100000"/>
+              </a:lnSpc>
+              <a:spcBef>
+                <a:spcPts val="0"/>
+              </a:spcBef>
+              <a:spcAft>
+                <a:spcPts val="0"/>
+              </a:spcAft>
+              <a:buClrTx/>
+              <a:buSzTx/>
+              <a:buFontTx/>
+              <a:buNone/>
+              <a:tabLst/>
+              <a:defRPr/>
+            </a:pPr>
+            <a:r>
+              <a:rPr kumimoji="0" lang="pt-BR" sz="1600" b="0" i="0" u="none" strike="noStrike" kern="1200" cap="none" spc="0" normalizeH="0" baseline="0" noProof="0" dirty="0">
+                <a:ln>
+                  <a:noFill/>
+                </a:ln>
+                <a:solidFill>
+                  <a:prstClr val="white"/>
+                </a:solidFill>
+                <a:effectLst/>
+                <a:uLnTx/>
+                <a:uFillTx/>
+                <a:latin typeface="Calibri" panose="020F0502020204030204"/>
+                <a:ea typeface="+mn-ea"/>
+                <a:cs typeface="+mn-cs"/>
+              </a:rPr>
+              <a:t>Contratante</a:t>
+            </a:r>
+            <a:endParaRPr kumimoji="0" lang="pt-BR" sz="1800" b="0" i="0" u="none" strike="noStrike" kern="1200" cap="none" spc="0" normalizeH="0" baseline="0" noProof="0" dirty="0">
+              <a:ln>
+                <a:noFill/>
+              </a:ln>
+              <a:solidFill>
+                <a:prstClr val="white"/>
+              </a:solidFill>
+              <a:effectLst/>
+              <a:uLnTx/>
+              <a:uFillTx/>
+              <a:latin typeface="Calibri" panose="020F0502020204030204"/>
+              <a:ea typeface="+mn-ea"/>
+              <a:cs typeface="+mn-cs"/>
+            </a:endParaRPr>
+          </a:p>
+        </p:txBody>
+      </p:sp>
+      <p:cxnSp>
+        <p:nvCxnSpPr>
+          <p:cNvPr id="7" name="Conector de Seta Reta 6"/>
+          <p:cNvCxnSpPr>
+            <a:stCxn id="27" idx="2"/>
+            <a:endCxn id="9" idx="0"/>
+          </p:cNvCxnSpPr>
+          <p:nvPr/>
+        </p:nvCxnSpPr>
+        <p:spPr>
+          <a:xfrm>
+            <a:off x="4004947" y="2248513"/>
+            <a:ext cx="0" cy="1031981"/>
+          </a:xfrm>
+          <a:prstGeom prst="straightConnector1">
+            <a:avLst/>
+          </a:prstGeom>
+          <a:ln w="28575">
+            <a:solidFill>
+              <a:schemeClr val="tx1"/>
+            </a:solidFill>
+            <a:tailEnd type="triangle"/>
+          </a:ln>
+        </p:spPr>
+        <p:style>
+          <a:lnRef idx="1">
+            <a:schemeClr val="accent1"/>
+          </a:lnRef>
+          <a:fillRef idx="0">
+            <a:schemeClr val="accent1"/>
+          </a:fillRef>
+          <a:effectRef idx="0">
+            <a:schemeClr val="accent1"/>
+          </a:effectRef>
+          <a:fontRef idx="minor">
+            <a:schemeClr val="tx1"/>
+          </a:fontRef>
+        </p:style>
+      </p:cxnSp>
+      <p:sp>
+        <p:nvSpPr>
+          <p:cNvPr id="31" name="CaixaDeTexto 30"/>
+          <p:cNvSpPr txBox="1"/>
+          <p:nvPr/>
+        </p:nvSpPr>
+        <p:spPr>
+          <a:xfrm>
+            <a:off x="3250625" y="2429565"/>
+            <a:ext cx="1514231" cy="646331"/>
+          </a:xfrm>
+          <a:prstGeom prst="rect">
+            <a:avLst/>
+          </a:prstGeom>
+          <a:solidFill>
+            <a:schemeClr val="bg1"/>
+          </a:solidFill>
+        </p:spPr>
+        <p:txBody>
+          <a:bodyPr wrap="square" rtlCol="0">
+            <a:spAutoFit/>
+          </a:bodyPr>
+          <a:lstStyle/>
+          <a:p>
+            <a:pPr marL="0" marR="0" lvl="0" indent="0" algn="ctr" defTabSz="914400" rtl="0" eaLnBrk="1" fontAlgn="auto" latinLnBrk="0" hangingPunct="1">
+              <a:lnSpc>
+                <a:spcPct val="100000"/>
+              </a:lnSpc>
+              <a:spcBef>
+                <a:spcPts val="0"/>
+              </a:spcBef>
+              <a:spcAft>
+                <a:spcPts val="0"/>
+              </a:spcAft>
+              <a:buClrTx/>
+              <a:buSzTx/>
+              <a:buFontTx/>
+              <a:buNone/>
+              <a:tabLst/>
+              <a:defRPr/>
+            </a:pPr>
+            <a:r>
+              <a:rPr kumimoji="0" lang="pt-BR" sz="1800" b="0" i="0" u="none" strike="noStrike" kern="1200" cap="none" spc="0" normalizeH="0" baseline="0" noProof="0" dirty="0">
+                <a:ln>
+                  <a:noFill/>
+                </a:ln>
+                <a:solidFill>
+                  <a:prstClr val="black"/>
+                </a:solidFill>
+                <a:effectLst/>
+                <a:uLnTx/>
+                <a:uFillTx/>
+                <a:latin typeface="Calibri" panose="020F0502020204030204"/>
+                <a:ea typeface="+mn-ea"/>
+                <a:cs typeface="+mn-cs"/>
+              </a:rPr>
+              <a:t>Lista de convidados</a:t>
+            </a:r>
+          </a:p>
+        </p:txBody>
+      </p:sp>
+      <p:grpSp>
+        <p:nvGrpSpPr>
+          <p:cNvPr id="14" name="Agrupar 13"/>
+          <p:cNvGrpSpPr/>
+          <p:nvPr/>
+        </p:nvGrpSpPr>
+        <p:grpSpPr>
+          <a:xfrm>
+            <a:off x="3000471" y="5768631"/>
+            <a:ext cx="2008948" cy="548258"/>
+            <a:chOff x="4129678" y="1093123"/>
+            <a:chExt cx="1882172" cy="407324"/>
+          </a:xfrm>
+        </p:grpSpPr>
+        <p:grpSp>
+          <p:nvGrpSpPr>
+            <p:cNvPr id="15" name="Agrupar 14"/>
+            <p:cNvGrpSpPr/>
+            <p:nvPr/>
+          </p:nvGrpSpPr>
+          <p:grpSpPr>
+            <a:xfrm>
+              <a:off x="4422373" y="1093123"/>
+              <a:ext cx="1296785" cy="407324"/>
+              <a:chOff x="914399" y="58189"/>
+              <a:chExt cx="1296785" cy="407324"/>
+            </a:xfrm>
+          </p:grpSpPr>
+          <p:cxnSp>
+            <p:nvCxnSpPr>
+              <p:cNvPr id="17" name="Conector reto 16"/>
+              <p:cNvCxnSpPr/>
+              <p:nvPr/>
+            </p:nvCxnSpPr>
+            <p:spPr>
+              <a:xfrm>
+                <a:off x="914399" y="457200"/>
+                <a:ext cx="1296785" cy="8313"/>
+              </a:xfrm>
+              <a:prstGeom prst="line">
+                <a:avLst/>
+              </a:prstGeom>
+              <a:ln w="28575"/>
+            </p:spPr>
+            <p:style>
+              <a:lnRef idx="1">
+                <a:schemeClr val="accent1"/>
+              </a:lnRef>
+              <a:fillRef idx="0">
+                <a:schemeClr val="accent1"/>
+              </a:fillRef>
+              <a:effectRef idx="0">
+                <a:schemeClr val="accent1"/>
+              </a:effectRef>
+              <a:fontRef idx="minor">
+                <a:schemeClr val="tx1"/>
+              </a:fontRef>
+            </p:style>
+          </p:cxnSp>
+          <p:cxnSp>
+            <p:nvCxnSpPr>
+              <p:cNvPr id="18" name="Conector reto 17"/>
+              <p:cNvCxnSpPr/>
+              <p:nvPr/>
+            </p:nvCxnSpPr>
+            <p:spPr>
+              <a:xfrm>
+                <a:off x="914399" y="58189"/>
+                <a:ext cx="1296785" cy="8313"/>
+              </a:xfrm>
+              <a:prstGeom prst="line">
+                <a:avLst/>
+              </a:prstGeom>
+              <a:ln w="28575"/>
+            </p:spPr>
+            <p:style>
+              <a:lnRef idx="1">
+                <a:schemeClr val="accent1"/>
+              </a:lnRef>
+              <a:fillRef idx="0">
+                <a:schemeClr val="accent1"/>
+              </a:fillRef>
+              <a:effectRef idx="0">
+                <a:schemeClr val="accent1"/>
+              </a:effectRef>
+              <a:fontRef idx="minor">
+                <a:schemeClr val="tx1"/>
+              </a:fontRef>
+            </p:style>
+          </p:cxnSp>
+        </p:grpSp>
+        <p:sp>
+          <p:nvSpPr>
+            <p:cNvPr id="16" name="CaixaDeTexto 15"/>
+            <p:cNvSpPr txBox="1"/>
+            <p:nvPr/>
+          </p:nvSpPr>
+          <p:spPr>
+            <a:xfrm>
+              <a:off x="4129678" y="1159589"/>
+              <a:ext cx="1882172" cy="274392"/>
+            </a:xfrm>
+            <a:prstGeom prst="rect">
+              <a:avLst/>
+            </a:prstGeom>
+            <a:noFill/>
+          </p:spPr>
+          <p:txBody>
+            <a:bodyPr wrap="none" rtlCol="0">
+              <a:spAutoFit/>
+            </a:bodyPr>
+            <a:lstStyle/>
+            <a:p>
+              <a:pPr marL="0" marR="0" lvl="0" indent="0" algn="l" defTabSz="914400" rtl="0" eaLnBrk="1" fontAlgn="auto" latinLnBrk="0" hangingPunct="1">
+                <a:lnSpc>
+                  <a:spcPct val="100000"/>
+                </a:lnSpc>
+                <a:spcBef>
+                  <a:spcPts val="0"/>
+                </a:spcBef>
+                <a:spcAft>
+                  <a:spcPts val="0"/>
+                </a:spcAft>
+                <a:buClrTx/>
+                <a:buSzTx/>
+                <a:buFontTx/>
+                <a:buNone/>
+                <a:tabLst/>
+                <a:defRPr/>
+              </a:pPr>
+              <a:r>
+                <a:rPr lang="pt-BR" noProof="0" dirty="0">
+                  <a:solidFill>
+                    <a:prstClr val="black"/>
+                  </a:solidFill>
+                  <a:latin typeface="Calibri" panose="020F0502020204030204"/>
+                </a:rPr>
+                <a:t>Lista de convidados</a:t>
+              </a:r>
+              <a:endParaRPr kumimoji="0" lang="pt-BR" sz="1800" b="0" i="0" u="none" strike="noStrike" kern="1200" cap="none" spc="0" normalizeH="0" baseline="0" noProof="0" dirty="0">
+                <a:ln>
+                  <a:noFill/>
+                </a:ln>
+                <a:solidFill>
+                  <a:prstClr val="black"/>
+                </a:solidFill>
+                <a:effectLst/>
+                <a:uLnTx/>
+                <a:uFillTx/>
+                <a:latin typeface="Calibri" panose="020F0502020204030204"/>
+                <a:ea typeface="+mn-ea"/>
+                <a:cs typeface="+mn-cs"/>
+              </a:endParaRPr>
+            </a:p>
+          </p:txBody>
+        </p:sp>
+      </p:grpSp>
+      <p:cxnSp>
+        <p:nvCxnSpPr>
+          <p:cNvPr id="11" name="Conector de Seta Reta 10"/>
+          <p:cNvCxnSpPr>
+            <a:stCxn id="9" idx="4"/>
+          </p:cNvCxnSpPr>
+          <p:nvPr/>
+        </p:nvCxnSpPr>
+        <p:spPr>
+          <a:xfrm flipH="1">
+            <a:off x="4004945" y="4720494"/>
+            <a:ext cx="2" cy="1048137"/>
+          </a:xfrm>
+          <a:prstGeom prst="straightConnector1">
+            <a:avLst/>
+          </a:prstGeom>
+          <a:ln w="28575">
+            <a:solidFill>
+              <a:schemeClr val="tx1"/>
+            </a:solidFill>
+            <a:headEnd type="triangle"/>
+            <a:tailEnd type="triangle"/>
+          </a:ln>
+        </p:spPr>
+        <p:style>
+          <a:lnRef idx="1">
+            <a:schemeClr val="accent1"/>
+          </a:lnRef>
+          <a:fillRef idx="0">
+            <a:schemeClr val="accent1"/>
+          </a:fillRef>
+          <a:effectRef idx="0">
+            <a:schemeClr val="accent1"/>
+          </a:effectRef>
+          <a:fontRef idx="minor">
+            <a:schemeClr val="tx1"/>
+          </a:fontRef>
+        </p:style>
+      </p:cxnSp>
+    </p:spTree>
+    <p:extLst>
+      <p:ext uri="{BB962C8B-B14F-4D97-AF65-F5344CB8AC3E}">
+        <p14:creationId xmlns:p14="http://schemas.microsoft.com/office/powerpoint/2010/main" val="706531530"/>
       </p:ext>
     </p:extLst>
   </p:cSld>
@@ -49978,299 +43617,4 @@
     </a:ext>
   </a:extLst>
 </a:theme>
-</file>
-
-<file path=ppt/theme/theme8.xml><?xml version="1.0" encoding="utf-8"?>
-<a:theme xmlns:a="http://schemas.openxmlformats.org/drawingml/2006/main" name="Tema do Office">
-  <a:themeElements>
-    <a:clrScheme name="Office">
-      <a:dk1>
-        <a:sysClr val="windowText" lastClr="000000"/>
-      </a:dk1>
-      <a:lt1>
-        <a:sysClr val="window" lastClr="FFFFFF"/>
-      </a:lt1>
-      <a:dk2>
-        <a:srgbClr val="44546A"/>
-      </a:dk2>
-      <a:lt2>
-        <a:srgbClr val="E7E6E6"/>
-      </a:lt2>
-      <a:accent1>
-        <a:srgbClr val="4472C4"/>
-      </a:accent1>
-      <a:accent2>
-        <a:srgbClr val="ED7D31"/>
-      </a:accent2>
-      <a:accent3>
-        <a:srgbClr val="A5A5A5"/>
-      </a:accent3>
-      <a:accent4>
-        <a:srgbClr val="FFC000"/>
-      </a:accent4>
-      <a:accent5>
-        <a:srgbClr val="5B9BD5"/>
-      </a:accent5>
-      <a:accent6>
-        <a:srgbClr val="70AD47"/>
-      </a:accent6>
-      <a:hlink>
-        <a:srgbClr val="0563C1"/>
-      </a:hlink>
-      <a:folHlink>
-        <a:srgbClr val="954F72"/>
-      </a:folHlink>
-    </a:clrScheme>
-    <a:fontScheme name="Office">
-      <a:majorFont>
-        <a:latin typeface="Calibri Light" panose="020F0302020204030204"/>
-        <a:ea typeface=""/>
-        <a:cs typeface=""/>
-        <a:font script="Jpan" typeface="游ゴシック Light"/>
-        <a:font script="Hang" typeface="맑은 고딕"/>
-        <a:font script="Hans" typeface="等线 Light"/>
-        <a:font script="Hant" typeface="新細明體"/>
-        <a:font script="Arab" typeface="Times New Roman"/>
-        <a:font script="Hebr" typeface="Times New Roman"/>
-        <a:font script="Thai" typeface="Angsana New"/>
-        <a:font script="Ethi" typeface="Nyala"/>
-        <a:font script="Beng" typeface="Vrinda"/>
-        <a:font script="Gujr" typeface="Shruti"/>
-        <a:font script="Khmr" typeface="MoolBoran"/>
-        <a:font script="Knda" typeface="Tunga"/>
-        <a:font script="Guru" typeface="Raavi"/>
-        <a:font script="Cans" typeface="Euphemia"/>
-        <a:font script="Cher" typeface="Plantagenet Cherokee"/>
-        <a:font script="Yiii" typeface="Microsoft Yi Baiti"/>
-        <a:font script="Tibt" typeface="Microsoft Himalaya"/>
-        <a:font script="Thaa" typeface="MV Boli"/>
-        <a:font script="Deva" typeface="Mangal"/>
-        <a:font script="Telu" typeface="Gautami"/>
-        <a:font script="Taml" typeface="Latha"/>
-        <a:font script="Syrc" typeface="Estrangelo Edessa"/>
-        <a:font script="Orya" typeface="Kalinga"/>
-        <a:font script="Mlym" typeface="Kartika"/>
-        <a:font script="Laoo" typeface="DokChampa"/>
-        <a:font script="Sinh" typeface="Iskoola Pota"/>
-        <a:font script="Mong" typeface="Mongolian Baiti"/>
-        <a:font script="Viet" typeface="Times New Roman"/>
-        <a:font script="Uigh" typeface="Microsoft Uighur"/>
-        <a:font script="Geor" typeface="Sylfaen"/>
-        <a:font script="Armn" typeface="Arial"/>
-        <a:font script="Bugi" typeface="Leelawadee UI"/>
-        <a:font script="Bopo" typeface="Microsoft JhengHei"/>
-        <a:font script="Java" typeface="Javanese Text"/>
-        <a:font script="Lisu" typeface="Segoe UI"/>
-        <a:font script="Mymr" typeface="Myanmar Text"/>
-        <a:font script="Nkoo" typeface="Ebrima"/>
-        <a:font script="Olck" typeface="Nirmala UI"/>
-        <a:font script="Osma" typeface="Ebrima"/>
-        <a:font script="Phag" typeface="Phagspa"/>
-        <a:font script="Syrn" typeface="Estrangelo Edessa"/>
-        <a:font script="Syrj" typeface="Estrangelo Edessa"/>
-        <a:font script="Syre" typeface="Estrangelo Edessa"/>
-        <a:font script="Sora" typeface="Nirmala UI"/>
-        <a:font script="Tale" typeface="Microsoft Tai Le"/>
-        <a:font script="Talu" typeface="Microsoft New Tai Lue"/>
-        <a:font script="Tfng" typeface="Ebrima"/>
-      </a:majorFont>
-      <a:minorFont>
-        <a:latin typeface="Calibri" panose="020F0502020204030204"/>
-        <a:ea typeface=""/>
-        <a:cs typeface=""/>
-        <a:font script="Jpan" typeface="游ゴシック"/>
-        <a:font script="Hang" typeface="맑은 고딕"/>
-        <a:font script="Hans" typeface="等线"/>
-        <a:font script="Hant" typeface="新細明體"/>
-        <a:font script="Arab" typeface="Arial"/>
-        <a:font script="Hebr" typeface="Arial"/>
-        <a:font script="Thai" typeface="Cordia New"/>
-        <a:font script="Ethi" typeface="Nyala"/>
-        <a:font script="Beng" typeface="Vrinda"/>
-        <a:font script="Gujr" typeface="Shruti"/>
-        <a:font script="Khmr" typeface="DaunPenh"/>
-        <a:font script="Knda" typeface="Tunga"/>
-        <a:font script="Guru" typeface="Raavi"/>
-        <a:font script="Cans" typeface="Euphemia"/>
-        <a:font script="Cher" typeface="Plantagenet Cherokee"/>
-        <a:font script="Yiii" typeface="Microsoft Yi Baiti"/>
-        <a:font script="Tibt" typeface="Microsoft Himalaya"/>
-        <a:font script="Thaa" typeface="MV Boli"/>
-        <a:font script="Deva" typeface="Mangal"/>
-        <a:font script="Telu" typeface="Gautami"/>
-        <a:font script="Taml" typeface="Latha"/>
-        <a:font script="Syrc" typeface="Estrangelo Edessa"/>
-        <a:font script="Orya" typeface="Kalinga"/>
-        <a:font script="Mlym" typeface="Kartika"/>
-        <a:font script="Laoo" typeface="DokChampa"/>
-        <a:font script="Sinh" typeface="Iskoola Pota"/>
-        <a:font script="Mong" typeface="Mongolian Baiti"/>
-        <a:font script="Viet" typeface="Arial"/>
-        <a:font script="Uigh" typeface="Microsoft Uighur"/>
-        <a:font script="Geor" typeface="Sylfaen"/>
-        <a:font script="Armn" typeface="Arial"/>
-        <a:font script="Bugi" typeface="Leelawadee UI"/>
-        <a:font script="Bopo" typeface="Microsoft JhengHei"/>
-        <a:font script="Java" typeface="Javanese Text"/>
-        <a:font script="Lisu" typeface="Segoe UI"/>
-        <a:font script="Mymr" typeface="Myanmar Text"/>
-        <a:font script="Nkoo" typeface="Ebrima"/>
-        <a:font script="Olck" typeface="Nirmala UI"/>
-        <a:font script="Osma" typeface="Ebrima"/>
-        <a:font script="Phag" typeface="Phagspa"/>
-        <a:font script="Syrn" typeface="Estrangelo Edessa"/>
-        <a:font script="Syrj" typeface="Estrangelo Edessa"/>
-        <a:font script="Syre" typeface="Estrangelo Edessa"/>
-        <a:font script="Sora" typeface="Nirmala UI"/>
-        <a:font script="Tale" typeface="Microsoft Tai Le"/>
-        <a:font script="Talu" typeface="Microsoft New Tai Lue"/>
-        <a:font script="Tfng" typeface="Ebrima"/>
-      </a:minorFont>
-    </a:fontScheme>
-    <a:fmtScheme name="Office">
-      <a:fillStyleLst>
-        <a:solidFill>
-          <a:schemeClr val="phClr"/>
-        </a:solidFill>
-        <a:gradFill rotWithShape="1">
-          <a:gsLst>
-            <a:gs pos="0">
-              <a:schemeClr val="phClr">
-                <a:lumMod val="110000"/>
-                <a:satMod val="105000"/>
-                <a:tint val="67000"/>
-              </a:schemeClr>
-            </a:gs>
-            <a:gs pos="50000">
-              <a:schemeClr val="phClr">
-                <a:lumMod val="105000"/>
-                <a:satMod val="103000"/>
-                <a:tint val="73000"/>
-              </a:schemeClr>
-            </a:gs>
-            <a:gs pos="100000">
-              <a:schemeClr val="phClr">
-                <a:lumMod val="105000"/>
-                <a:satMod val="109000"/>
-                <a:tint val="81000"/>
-              </a:schemeClr>
-            </a:gs>
-          </a:gsLst>
-          <a:lin ang="5400000" scaled="0"/>
-        </a:gradFill>
-        <a:gradFill rotWithShape="1">
-          <a:gsLst>
-            <a:gs pos="0">
-              <a:schemeClr val="phClr">
-                <a:satMod val="103000"/>
-                <a:lumMod val="102000"/>
-                <a:tint val="94000"/>
-              </a:schemeClr>
-            </a:gs>
-            <a:gs pos="50000">
-              <a:schemeClr val="phClr">
-                <a:satMod val="110000"/>
-                <a:lumMod val="100000"/>
-                <a:shade val="100000"/>
-              </a:schemeClr>
-            </a:gs>
-            <a:gs pos="100000">
-              <a:schemeClr val="phClr">
-                <a:lumMod val="99000"/>
-                <a:satMod val="120000"/>
-                <a:shade val="78000"/>
-              </a:schemeClr>
-            </a:gs>
-          </a:gsLst>
-          <a:lin ang="5400000" scaled="0"/>
-        </a:gradFill>
-      </a:fillStyleLst>
-      <a:lnStyleLst>
-        <a:ln w="6350" cap="flat" cmpd="sng" algn="ctr">
-          <a:solidFill>
-            <a:schemeClr val="phClr"/>
-          </a:solidFill>
-          <a:prstDash val="solid"/>
-          <a:miter lim="800000"/>
-        </a:ln>
-        <a:ln w="12700" cap="flat" cmpd="sng" algn="ctr">
-          <a:solidFill>
-            <a:schemeClr val="phClr"/>
-          </a:solidFill>
-          <a:prstDash val="solid"/>
-          <a:miter lim="800000"/>
-        </a:ln>
-        <a:ln w="19050" cap="flat" cmpd="sng" algn="ctr">
-          <a:solidFill>
-            <a:schemeClr val="phClr"/>
-          </a:solidFill>
-          <a:prstDash val="solid"/>
-          <a:miter lim="800000"/>
-        </a:ln>
-      </a:lnStyleLst>
-      <a:effectStyleLst>
-        <a:effectStyle>
-          <a:effectLst/>
-        </a:effectStyle>
-        <a:effectStyle>
-          <a:effectLst/>
-        </a:effectStyle>
-        <a:effectStyle>
-          <a:effectLst>
-            <a:outerShdw blurRad="57150" dist="19050" dir="5400000" algn="ctr" rotWithShape="0">
-              <a:srgbClr val="000000">
-                <a:alpha val="63000"/>
-              </a:srgbClr>
-            </a:outerShdw>
-          </a:effectLst>
-        </a:effectStyle>
-      </a:effectStyleLst>
-      <a:bgFillStyleLst>
-        <a:solidFill>
-          <a:schemeClr val="phClr"/>
-        </a:solidFill>
-        <a:solidFill>
-          <a:schemeClr val="phClr">
-            <a:tint val="95000"/>
-            <a:satMod val="170000"/>
-          </a:schemeClr>
-        </a:solidFill>
-        <a:gradFill rotWithShape="1">
-          <a:gsLst>
-            <a:gs pos="0">
-              <a:schemeClr val="phClr">
-                <a:tint val="93000"/>
-                <a:satMod val="150000"/>
-                <a:shade val="98000"/>
-                <a:lumMod val="102000"/>
-              </a:schemeClr>
-            </a:gs>
-            <a:gs pos="50000">
-              <a:schemeClr val="phClr">
-                <a:tint val="98000"/>
-                <a:satMod val="130000"/>
-                <a:shade val="90000"/>
-                <a:lumMod val="103000"/>
-              </a:schemeClr>
-            </a:gs>
-            <a:gs pos="100000">
-              <a:schemeClr val="phClr">
-                <a:shade val="63000"/>
-                <a:satMod val="120000"/>
-              </a:schemeClr>
-            </a:gs>
-          </a:gsLst>
-          <a:lin ang="5400000" scaled="0"/>
-        </a:gradFill>
-      </a:bgFillStyleLst>
-    </a:fmtScheme>
-  </a:themeElements>
-  <a:objectDefaults/>
-  <a:extraClrSchemeLst/>
-  <a:extLst>
-    <a:ext uri="{05A4C25C-085E-4340-85A3-A5531E510DB2}">
-      <thm15:themeFamily xmlns:thm15="http://schemas.microsoft.com/office/thememl/2012/main" name="Office Theme" id="{62F939B6-93AF-4DB8-9C6B-D6C7DFDC589F}" vid="{4A3C46E8-61CC-4603-A589-7422A47A8E4A}"/>
-    </a:ext>
-  </a:extLst>
-</a:theme>
 </file>
--- a/Artefatos/16. Diagramas de Fluxo de Dados.pptx
+++ b/Artefatos/16. Diagramas de Fluxo de Dados.pptx
@@ -33645,7 +33645,7 @@
           <p:spPr>
             <a:xfrm>
               <a:off x="6636535" y="2367055"/>
-              <a:ext cx="1445464" cy="861774"/>
+              <a:ext cx="1445464" cy="584775"/>
             </a:xfrm>
             <a:prstGeom prst="rect">
               <a:avLst/>
@@ -33670,14 +33670,7 @@
               <a:pPr algn="ctr"/>
               <a:r>
                 <a:rPr lang="pt-BR" sz="1600" dirty="0"/>
-                <a:t>de conta com</a:t>
-              </a:r>
-            </a:p>
-            <a:p>
-              <a:pPr algn="ctr"/>
-              <a:r>
-                <a:rPr lang="pt-BR" sz="1600" dirty="0"/>
-                <a:t>pedido</a:t>
+                <a:t>de conta</a:t>
               </a:r>
             </a:p>
           </p:txBody>
